--- a/PPT/Class period 12.pptx
+++ b/PPT/Class period 12.pptx
@@ -111,6 +111,11 @@
       </a:defRPr>
     </a:lvl9pPr>
   </p:defaultTextStyle>
+  <p:extLst>
+    <p:ext uri="{EFAFB233-063F-42B5-8137-9DF3F51BA10A}">
+      <p15:sldGuideLst xmlns:p15="http://schemas.microsoft.com/office/powerpoint/2012/main"/>
+    </p:ext>
+  </p:extLst>
 </p:presentation>
 </file>
 
@@ -261,7 +266,7 @@
           <a:p>
             <a:fld id="{E10378E5-6EF0-46B6-A2C4-A173DBC89C5F}" type="datetimeFigureOut">
               <a:rPr lang="en-US" smtClean="0"/>
-              <a:t>3/15/2024</a:t>
+              <a:t>3/18/2024</a:t>
             </a:fld>
             <a:endParaRPr lang="en-US"/>
           </a:p>
@@ -459,7 +464,7 @@
           <a:p>
             <a:fld id="{E10378E5-6EF0-46B6-A2C4-A173DBC89C5F}" type="datetimeFigureOut">
               <a:rPr lang="en-US" smtClean="0"/>
-              <a:t>3/15/2024</a:t>
+              <a:t>3/18/2024</a:t>
             </a:fld>
             <a:endParaRPr lang="en-US"/>
           </a:p>
@@ -667,7 +672,7 @@
           <a:p>
             <a:fld id="{E10378E5-6EF0-46B6-A2C4-A173DBC89C5F}" type="datetimeFigureOut">
               <a:rPr lang="en-US" smtClean="0"/>
-              <a:t>3/15/2024</a:t>
+              <a:t>3/18/2024</a:t>
             </a:fld>
             <a:endParaRPr lang="en-US"/>
           </a:p>
@@ -865,7 +870,7 @@
           <a:p>
             <a:fld id="{E10378E5-6EF0-46B6-A2C4-A173DBC89C5F}" type="datetimeFigureOut">
               <a:rPr lang="en-US" smtClean="0"/>
-              <a:t>3/15/2024</a:t>
+              <a:t>3/18/2024</a:t>
             </a:fld>
             <a:endParaRPr lang="en-US"/>
           </a:p>
@@ -1140,7 +1145,7 @@
           <a:p>
             <a:fld id="{E10378E5-6EF0-46B6-A2C4-A173DBC89C5F}" type="datetimeFigureOut">
               <a:rPr lang="en-US" smtClean="0"/>
-              <a:t>3/15/2024</a:t>
+              <a:t>3/18/2024</a:t>
             </a:fld>
             <a:endParaRPr lang="en-US"/>
           </a:p>
@@ -1405,7 +1410,7 @@
           <a:p>
             <a:fld id="{E10378E5-6EF0-46B6-A2C4-A173DBC89C5F}" type="datetimeFigureOut">
               <a:rPr lang="en-US" smtClean="0"/>
-              <a:t>3/15/2024</a:t>
+              <a:t>3/18/2024</a:t>
             </a:fld>
             <a:endParaRPr lang="en-US"/>
           </a:p>
@@ -1817,7 +1822,7 @@
           <a:p>
             <a:fld id="{E10378E5-6EF0-46B6-A2C4-A173DBC89C5F}" type="datetimeFigureOut">
               <a:rPr lang="en-US" smtClean="0"/>
-              <a:t>3/15/2024</a:t>
+              <a:t>3/18/2024</a:t>
             </a:fld>
             <a:endParaRPr lang="en-US"/>
           </a:p>
@@ -1958,7 +1963,7 @@
           <a:p>
             <a:fld id="{E10378E5-6EF0-46B6-A2C4-A173DBC89C5F}" type="datetimeFigureOut">
               <a:rPr lang="en-US" smtClean="0"/>
-              <a:t>3/15/2024</a:t>
+              <a:t>3/18/2024</a:t>
             </a:fld>
             <a:endParaRPr lang="en-US"/>
           </a:p>
@@ -2071,7 +2076,7 @@
           <a:p>
             <a:fld id="{E10378E5-6EF0-46B6-A2C4-A173DBC89C5F}" type="datetimeFigureOut">
               <a:rPr lang="en-US" smtClean="0"/>
-              <a:t>3/15/2024</a:t>
+              <a:t>3/18/2024</a:t>
             </a:fld>
             <a:endParaRPr lang="en-US"/>
           </a:p>
@@ -2382,7 +2387,7 @@
           <a:p>
             <a:fld id="{E10378E5-6EF0-46B6-A2C4-A173DBC89C5F}" type="datetimeFigureOut">
               <a:rPr lang="en-US" smtClean="0"/>
-              <a:t>3/15/2024</a:t>
+              <a:t>3/18/2024</a:t>
             </a:fld>
             <a:endParaRPr lang="en-US"/>
           </a:p>
@@ -2670,7 +2675,7 @@
           <a:p>
             <a:fld id="{E10378E5-6EF0-46B6-A2C4-A173DBC89C5F}" type="datetimeFigureOut">
               <a:rPr lang="en-US" smtClean="0"/>
-              <a:t>3/15/2024</a:t>
+              <a:t>3/18/2024</a:t>
             </a:fld>
             <a:endParaRPr lang="en-US"/>
           </a:p>
@@ -2911,7 +2916,7 @@
           <a:p>
             <a:fld id="{E10378E5-6EF0-46B6-A2C4-A173DBC89C5F}" type="datetimeFigureOut">
               <a:rPr lang="en-US" smtClean="0"/>
-              <a:t>3/15/2024</a:t>
+              <a:t>3/18/2024</a:t>
             </a:fld>
             <a:endParaRPr lang="en-US"/>
           </a:p>
@@ -4233,7 +4238,7 @@
                 <a:effectLst/>
                 <a:latin typeface="Courier New" panose="02070309020205020404" pitchFamily="49" charset="0"/>
               </a:rPr>
-              <a:t>PetalWidth</a:t>
+              <a:t>SepalLength</a:t>
             </a:r>
             <a:r>
               <a:rPr lang="en-US" b="0" i="0" dirty="0">
@@ -4289,52 +4294,22 @@
           </a:prstGeom>
         </p:spPr>
       </p:pic>
-      <p:pic>
-        <p:nvPicPr>
-          <p:cNvPr id="7" name="Picture 6">
-            <a:extLst>
-              <a:ext uri="{FF2B5EF4-FFF2-40B4-BE49-F238E27FC236}">
-                <a16:creationId xmlns:a16="http://schemas.microsoft.com/office/drawing/2014/main" id="{9D2FAEE4-C1CC-355E-6626-65BB82B4CF62}"/>
-              </a:ext>
-            </a:extLst>
-          </p:cNvPr>
-          <p:cNvPicPr>
-            <a:picLocks noChangeAspect="1"/>
-          </p:cNvPicPr>
+      <p:sp>
+        <p:nvSpPr>
+          <p:cNvPr id="8" name="Rectangle 7">
+            <a:extLst>
+              <a:ext uri="{FF2B5EF4-FFF2-40B4-BE49-F238E27FC236}">
+                <a16:creationId xmlns:a16="http://schemas.microsoft.com/office/drawing/2014/main" id="{542B25EE-9816-7238-BD92-485B34AC6B17}"/>
+              </a:ext>
+            </a:extLst>
+          </p:cNvPr>
+          <p:cNvSpPr/>
           <p:nvPr/>
-        </p:nvPicPr>
-        <p:blipFill>
-          <a:blip r:embed="rId3"/>
-          <a:stretch>
-            <a:fillRect/>
-          </a:stretch>
-        </p:blipFill>
+        </p:nvSpPr>
         <p:spPr>
           <a:xfrm>
-            <a:off x="6096000" y="3794125"/>
-            <a:ext cx="4403593" cy="3063875"/>
-          </a:xfrm>
-          <a:prstGeom prst="rect">
-            <a:avLst/>
-          </a:prstGeom>
-        </p:spPr>
-      </p:pic>
-      <p:sp>
-        <p:nvSpPr>
-          <p:cNvPr id="8" name="Rectangle 7">
-            <a:extLst>
-              <a:ext uri="{FF2B5EF4-FFF2-40B4-BE49-F238E27FC236}">
-                <a16:creationId xmlns:a16="http://schemas.microsoft.com/office/drawing/2014/main" id="{542B25EE-9816-7238-BD92-485B34AC6B17}"/>
-              </a:ext>
-            </a:extLst>
-          </p:cNvPr>
-          <p:cNvSpPr/>
-          <p:nvPr/>
-        </p:nvSpPr>
-        <p:spPr>
-          <a:xfrm>
-            <a:off x="2945804" y="4065759"/>
-            <a:ext cx="1878677" cy="2092458"/>
+            <a:off x="1033877" y="4001294"/>
+            <a:ext cx="1044305" cy="2092458"/>
           </a:xfrm>
           <a:prstGeom prst="rect">
             <a:avLst/>
@@ -4371,6 +4346,88 @@
           </a:p>
         </p:txBody>
       </p:sp>
+      <p:sp>
+        <p:nvSpPr>
+          <p:cNvPr id="4" name="Rectangle 3">
+            <a:extLst>
+              <a:ext uri="{FF2B5EF4-FFF2-40B4-BE49-F238E27FC236}">
+                <a16:creationId xmlns:a16="http://schemas.microsoft.com/office/drawing/2014/main" id="{7C78989A-9368-5FE4-6BD5-4F4FDB7B5F84}"/>
+              </a:ext>
+            </a:extLst>
+          </p:cNvPr>
+          <p:cNvSpPr/>
+          <p:nvPr/>
+        </p:nvSpPr>
+        <p:spPr>
+          <a:xfrm>
+            <a:off x="2944948" y="4001294"/>
+            <a:ext cx="1044305" cy="2129950"/>
+          </a:xfrm>
+          <a:prstGeom prst="rect">
+            <a:avLst/>
+          </a:prstGeom>
+          <a:noFill/>
+          <a:ln>
+            <a:solidFill>
+              <a:srgbClr val="92D050"/>
+            </a:solidFill>
+          </a:ln>
+        </p:spPr>
+        <p:style>
+          <a:lnRef idx="2">
+            <a:schemeClr val="accent1">
+              <a:shade val="15000"/>
+            </a:schemeClr>
+          </a:lnRef>
+          <a:fillRef idx="1">
+            <a:schemeClr val="accent1"/>
+          </a:fillRef>
+          <a:effectRef idx="0">
+            <a:schemeClr val="accent1"/>
+          </a:effectRef>
+          <a:fontRef idx="minor">
+            <a:schemeClr val="lt1"/>
+          </a:fontRef>
+        </p:style>
+        <p:txBody>
+          <a:bodyPr rtlCol="0" anchor="ctr"/>
+          <a:lstStyle/>
+          <a:p>
+            <a:pPr algn="ctr"/>
+            <a:endParaRPr lang="en-US"/>
+          </a:p>
+        </p:txBody>
+      </p:sp>
+      <p:pic>
+        <p:nvPicPr>
+          <p:cNvPr id="11" name="Picture 10">
+            <a:extLst>
+              <a:ext uri="{FF2B5EF4-FFF2-40B4-BE49-F238E27FC236}">
+                <a16:creationId xmlns:a16="http://schemas.microsoft.com/office/drawing/2014/main" id="{D2785A03-7562-678B-E0E1-C527960D5326}"/>
+              </a:ext>
+            </a:extLst>
+          </p:cNvPr>
+          <p:cNvPicPr>
+            <a:picLocks noChangeAspect="1"/>
+          </p:cNvPicPr>
+          <p:nvPr/>
+        </p:nvPicPr>
+        <p:blipFill>
+          <a:blip r:embed="rId3"/>
+          <a:stretch>
+            <a:fillRect/>
+          </a:stretch>
+        </p:blipFill>
+        <p:spPr>
+          <a:xfrm>
+            <a:off x="6286454" y="3812510"/>
+            <a:ext cx="4022684" cy="3027103"/>
+          </a:xfrm>
+          <a:prstGeom prst="rect">
+            <a:avLst/>
+          </a:prstGeom>
+        </p:spPr>
+      </p:pic>
     </p:spTree>
     <p:extLst>
       <p:ext uri="{BB962C8B-B14F-4D97-AF65-F5344CB8AC3E}">
@@ -4678,10 +4735,10 @@
       </p:sp>
       <p:pic>
         <p:nvPicPr>
-          <p:cNvPr id="7" name="Picture 6">
-            <a:extLst>
-              <a:ext uri="{FF2B5EF4-FFF2-40B4-BE49-F238E27FC236}">
-                <a16:creationId xmlns:a16="http://schemas.microsoft.com/office/drawing/2014/main" id="{AC9EA2F2-1A2D-747A-6B5F-2F6E8A10C33A}"/>
+          <p:cNvPr id="5" name="Picture 4">
+            <a:extLst>
+              <a:ext uri="{FF2B5EF4-FFF2-40B4-BE49-F238E27FC236}">
+                <a16:creationId xmlns:a16="http://schemas.microsoft.com/office/drawing/2014/main" id="{258E62FA-7671-769E-4F22-B64BABF853B3}"/>
               </a:ext>
             </a:extLst>
           </p:cNvPr>
@@ -4698,8 +4755,8 @@
         </p:blipFill>
         <p:spPr>
           <a:xfrm>
-            <a:off x="3580014" y="3028453"/>
-            <a:ext cx="5031972" cy="3464422"/>
+            <a:off x="3566873" y="2817311"/>
+            <a:ext cx="5058254" cy="3808568"/>
           </a:xfrm>
           <a:prstGeom prst="rect">
             <a:avLst/>
@@ -4973,7 +5030,7 @@
                 <a:effectLst/>
                 <a:latin typeface="Courier New" panose="02070309020205020404" pitchFamily="49" charset="0"/>
               </a:rPr>
-              <a:t> เพื่อแทนที่ค่าที่ต้องการด้วยตัวเลขหรือตัวย่อสี และเก็บตารางที่แทนที่ข้อมูลแล้วไว้ในตัวแปรใหม่ เช่น </a:t>
+              <a:t> เพื่อแทนที่ค่าที่ต้องการด้วยตัวเลขหรือตัวย่อสี และเก็บตารางที่แทนที่ข้อมูลไว้ในตัวแปรใหม่ เช่น </a:t>
             </a:r>
           </a:p>
           <a:p>
@@ -5483,11 +5540,11 @@
             </a:r>
             <a:r>
               <a:rPr lang="en-US" dirty="0"/>
-              <a:t>Name </a:t>
+              <a:t>Name</a:t>
             </a:r>
             <a:r>
               <a:rPr lang="th-TH" dirty="0"/>
-              <a:t>ของตัวแปรตารางที่แทนที่ค่าแล้ว</a:t>
+              <a:t> ของตัวแปรตารางที่แทนที่ค่าแล้ว</a:t>
             </a:r>
             <a:endParaRPr lang="en-US" dirty="0"/>
           </a:p>
@@ -5510,39 +5567,59 @@
                 <a:effectLst/>
                 <a:latin typeface="Courier New" panose="02070309020205020404" pitchFamily="49" charset="0"/>
               </a:rPr>
-              <a:t>(</a:t>
+              <a:t>(df2[</a:t>
+            </a:r>
+            <a:r>
+              <a:rPr lang="en-US" sz="2000" b="0" i="0" dirty="0">
+                <a:solidFill>
+                  <a:srgbClr val="008000"/>
+                </a:solidFill>
+                <a:effectLst/>
+                <a:latin typeface="Courier New" panose="02070309020205020404" pitchFamily="49" charset="0"/>
+              </a:rPr>
+              <a:t>'</a:t>
             </a:r>
             <a:r>
               <a:rPr lang="en-US" sz="2000" b="0" i="0" dirty="0" err="1">
                 <a:solidFill>
-                  <a:srgbClr val="545454"/>
-                </a:solidFill>
-                <a:effectLst/>
-                <a:latin typeface="Courier New" panose="02070309020205020404" pitchFamily="49" charset="0"/>
-              </a:rPr>
-              <a:t>df</a:t>
-            </a:r>
-            <a:r>
-              <a:rPr lang="en-US" sz="2000" b="0" i="0" dirty="0">
-                <a:solidFill>
-                  <a:srgbClr val="545454"/>
-                </a:solidFill>
-                <a:effectLst/>
-                <a:latin typeface="Courier New" panose="02070309020205020404" pitchFamily="49" charset="0"/>
-              </a:rPr>
-              <a:t>[</a:t>
-            </a:r>
-            <a:r>
-              <a:rPr lang="en-US" sz="2000" b="0" i="0" dirty="0">
-                <a:solidFill>
                   <a:srgbClr val="008000"/>
                 </a:solidFill>
                 <a:effectLst/>
                 <a:latin typeface="Courier New" panose="02070309020205020404" pitchFamily="49" charset="0"/>
               </a:rPr>
+              <a:t>PetalLength</a:t>
+            </a:r>
+            <a:r>
+              <a:rPr lang="en-US" sz="2000" b="0" i="0" dirty="0">
+                <a:solidFill>
+                  <a:srgbClr val="008000"/>
+                </a:solidFill>
+                <a:effectLst/>
+                <a:latin typeface="Courier New" panose="02070309020205020404" pitchFamily="49" charset="0"/>
+              </a:rPr>
               <a:t>'</a:t>
             </a:r>
             <a:r>
+              <a:rPr lang="en-US" sz="2000" b="0" i="0" dirty="0">
+                <a:solidFill>
+                  <a:srgbClr val="545454"/>
+                </a:solidFill>
+                <a:effectLst/>
+                <a:latin typeface="Courier New" panose="02070309020205020404" pitchFamily="49" charset="0"/>
+              </a:rPr>
+              <a:t>],df2[</a:t>
+            </a:r>
+            <a:r>
+              <a:rPr lang="en-US" sz="2000" b="0" i="0" dirty="0">
+                <a:solidFill>
+                  <a:srgbClr val="008000"/>
+                </a:solidFill>
+                <a:effectLst/>
+                <a:latin typeface="Courier New" panose="02070309020205020404" pitchFamily="49" charset="0"/>
+              </a:rPr>
+              <a:t>'</a:t>
+            </a:r>
+            <a:r>
               <a:rPr lang="en-US" sz="2000" b="0" i="0" dirty="0" err="1">
                 <a:solidFill>
                   <a:srgbClr val="008000"/>
@@ -5550,67 +5627,7 @@
                 <a:effectLst/>
                 <a:latin typeface="Courier New" panose="02070309020205020404" pitchFamily="49" charset="0"/>
               </a:rPr>
-              <a:t>PetalLength</a:t>
-            </a:r>
-            <a:r>
-              <a:rPr lang="en-US" sz="2000" b="0" i="0" dirty="0">
-                <a:solidFill>
-                  <a:srgbClr val="008000"/>
-                </a:solidFill>
-                <a:effectLst/>
-                <a:latin typeface="Courier New" panose="02070309020205020404" pitchFamily="49" charset="0"/>
-              </a:rPr>
-              <a:t>'</a:t>
-            </a:r>
-            <a:r>
-              <a:rPr lang="en-US" sz="2000" b="0" i="0" dirty="0">
-                <a:solidFill>
-                  <a:srgbClr val="545454"/>
-                </a:solidFill>
-                <a:effectLst/>
-                <a:latin typeface="Courier New" panose="02070309020205020404" pitchFamily="49" charset="0"/>
-              </a:rPr>
-              <a:t>],</a:t>
-            </a:r>
-            <a:r>
-              <a:rPr lang="en-US" sz="2000" b="0" i="0" dirty="0" err="1">
-                <a:solidFill>
-                  <a:srgbClr val="545454"/>
-                </a:solidFill>
-                <a:effectLst/>
-                <a:latin typeface="Courier New" panose="02070309020205020404" pitchFamily="49" charset="0"/>
-              </a:rPr>
-              <a:t>df</a:t>
-            </a:r>
-            <a:r>
-              <a:rPr lang="en-US" sz="2000" b="0" i="0" dirty="0">
-                <a:solidFill>
-                  <a:srgbClr val="545454"/>
-                </a:solidFill>
-                <a:effectLst/>
-                <a:latin typeface="Courier New" panose="02070309020205020404" pitchFamily="49" charset="0"/>
-              </a:rPr>
-              <a:t>[</a:t>
-            </a:r>
-            <a:r>
-              <a:rPr lang="en-US" sz="2000" b="0" i="0" dirty="0">
-                <a:solidFill>
-                  <a:srgbClr val="008000"/>
-                </a:solidFill>
-                <a:effectLst/>
-                <a:latin typeface="Courier New" panose="02070309020205020404" pitchFamily="49" charset="0"/>
-              </a:rPr>
-              <a:t>'</a:t>
-            </a:r>
-            <a:r>
-              <a:rPr lang="en-US" sz="2000" b="0" i="0" dirty="0" err="1">
-                <a:solidFill>
-                  <a:srgbClr val="008000"/>
-                </a:solidFill>
-                <a:effectLst/>
-                <a:latin typeface="Courier New" panose="02070309020205020404" pitchFamily="49" charset="0"/>
-              </a:rPr>
-              <a:t>PetalWidth</a:t>
+              <a:t>SepalLength</a:t>
             </a:r>
             <a:r>
               <a:rPr lang="en-US" sz="2000" b="0" i="0" dirty="0">
@@ -5658,10 +5675,10 @@
       </p:sp>
       <p:pic>
         <p:nvPicPr>
-          <p:cNvPr id="5" name="Picture 4">
-            <a:extLst>
-              <a:ext uri="{FF2B5EF4-FFF2-40B4-BE49-F238E27FC236}">
-                <a16:creationId xmlns:a16="http://schemas.microsoft.com/office/drawing/2014/main" id="{C0DB29FB-1552-90AB-F2D9-F7D6948CCCCB}"/>
+          <p:cNvPr id="6" name="Picture 5">
+            <a:extLst>
+              <a:ext uri="{FF2B5EF4-FFF2-40B4-BE49-F238E27FC236}">
+                <a16:creationId xmlns:a16="http://schemas.microsoft.com/office/drawing/2014/main" id="{3D658111-B7AF-5561-E41C-DCCB0832D168}"/>
               </a:ext>
             </a:extLst>
           </p:cNvPr>
@@ -5678,8 +5695,8 @@
         </p:blipFill>
         <p:spPr>
           <a:xfrm>
-            <a:off x="3516284" y="3022222"/>
-            <a:ext cx="5159432" cy="3470653"/>
+            <a:off x="3541223" y="2883930"/>
+            <a:ext cx="5109554" cy="3847194"/>
           </a:xfrm>
           <a:prstGeom prst="rect">
             <a:avLst/>
@@ -5796,9 +5813,12 @@
             </a:r>
             <a:r>
               <a:rPr lang="th-TH" dirty="0"/>
-              <a:t> คือไม่โปรงแสง </a:t>
-            </a:r>
-            <a:endParaRPr lang="en-US" dirty="0"/>
+              <a:t> คือไม่โปรงแสง เพื่อให้มองเห็นจุดที่ถูกบัง (</a:t>
+            </a:r>
+            <a:r>
+              <a:rPr lang="en-US" dirty="0"/>
+              <a:t>Bubble Chart)</a:t>
+            </a:r>
           </a:p>
           <a:p>
             <a:r>
@@ -5819,36 +5839,56 @@
                 <a:effectLst/>
                 <a:latin typeface="Courier New" panose="02070309020205020404" pitchFamily="49" charset="0"/>
               </a:rPr>
-              <a:t>(</a:t>
+              <a:t>(df2[</a:t>
+            </a:r>
+            <a:r>
+              <a:rPr lang="en-US" sz="2000" b="0" i="0" dirty="0">
+                <a:solidFill>
+                  <a:srgbClr val="008000"/>
+                </a:solidFill>
+                <a:effectLst/>
+                <a:latin typeface="Courier New" panose="02070309020205020404" pitchFamily="49" charset="0"/>
+              </a:rPr>
+              <a:t>'</a:t>
             </a:r>
             <a:r>
               <a:rPr lang="en-US" sz="2000" b="0" i="0" dirty="0" err="1">
                 <a:solidFill>
-                  <a:srgbClr val="545454"/>
-                </a:solidFill>
-                <a:effectLst/>
-                <a:latin typeface="Courier New" panose="02070309020205020404" pitchFamily="49" charset="0"/>
-              </a:rPr>
-              <a:t>df</a:t>
-            </a:r>
-            <a:r>
-              <a:rPr lang="en-US" sz="2000" b="0" i="0" dirty="0">
-                <a:solidFill>
-                  <a:srgbClr val="545454"/>
-                </a:solidFill>
-                <a:effectLst/>
-                <a:latin typeface="Courier New" panose="02070309020205020404" pitchFamily="49" charset="0"/>
-              </a:rPr>
-              <a:t>[</a:t>
-            </a:r>
-            <a:r>
-              <a:rPr lang="en-US" sz="2000" b="0" i="0" dirty="0">
-                <a:solidFill>
                   <a:srgbClr val="008000"/>
                 </a:solidFill>
                 <a:effectLst/>
                 <a:latin typeface="Courier New" panose="02070309020205020404" pitchFamily="49" charset="0"/>
               </a:rPr>
+              <a:t>PetalLength</a:t>
+            </a:r>
+            <a:r>
+              <a:rPr lang="en-US" sz="2000" b="0" i="0" dirty="0">
+                <a:solidFill>
+                  <a:srgbClr val="008000"/>
+                </a:solidFill>
+                <a:effectLst/>
+                <a:latin typeface="Courier New" panose="02070309020205020404" pitchFamily="49" charset="0"/>
+              </a:rPr>
+              <a:t>’</a:t>
+            </a:r>
+            <a:r>
+              <a:rPr lang="en-US" sz="2000" b="0" i="0" dirty="0">
+                <a:solidFill>
+                  <a:srgbClr val="545454"/>
+                </a:solidFill>
+                <a:effectLst/>
+                <a:latin typeface="Courier New" panose="02070309020205020404" pitchFamily="49" charset="0"/>
+              </a:rPr>
+              <a:t>],df2[</a:t>
+            </a:r>
+            <a:r>
+              <a:rPr lang="en-US" sz="2000" b="0" i="0" dirty="0">
+                <a:solidFill>
+                  <a:srgbClr val="008000"/>
+                </a:solidFill>
+                <a:effectLst/>
+                <a:latin typeface="Courier New" panose="02070309020205020404" pitchFamily="49" charset="0"/>
+              </a:rPr>
               <a:t>'</a:t>
             </a:r>
             <a:r>
@@ -5859,67 +5899,7 @@
                 <a:effectLst/>
                 <a:latin typeface="Courier New" panose="02070309020205020404" pitchFamily="49" charset="0"/>
               </a:rPr>
-              <a:t>PetalLength</a:t>
-            </a:r>
-            <a:r>
-              <a:rPr lang="en-US" sz="2000" b="0" i="0" dirty="0">
-                <a:solidFill>
-                  <a:srgbClr val="008000"/>
-                </a:solidFill>
-                <a:effectLst/>
-                <a:latin typeface="Courier New" panose="02070309020205020404" pitchFamily="49" charset="0"/>
-              </a:rPr>
-              <a:t>’</a:t>
-            </a:r>
-            <a:r>
-              <a:rPr lang="en-US" sz="2000" b="0" i="0" dirty="0">
-                <a:solidFill>
-                  <a:srgbClr val="545454"/>
-                </a:solidFill>
-                <a:effectLst/>
-                <a:latin typeface="Courier New" panose="02070309020205020404" pitchFamily="49" charset="0"/>
-              </a:rPr>
-              <a:t>],</a:t>
-            </a:r>
-            <a:r>
-              <a:rPr lang="en-US" sz="2000" b="0" i="0" dirty="0" err="1">
-                <a:solidFill>
-                  <a:srgbClr val="545454"/>
-                </a:solidFill>
-                <a:effectLst/>
-                <a:latin typeface="Courier New" panose="02070309020205020404" pitchFamily="49" charset="0"/>
-              </a:rPr>
-              <a:t>df</a:t>
-            </a:r>
-            <a:r>
-              <a:rPr lang="en-US" sz="2000" b="0" i="0" dirty="0">
-                <a:solidFill>
-                  <a:srgbClr val="545454"/>
-                </a:solidFill>
-                <a:effectLst/>
-                <a:latin typeface="Courier New" panose="02070309020205020404" pitchFamily="49" charset="0"/>
-              </a:rPr>
-              <a:t>[</a:t>
-            </a:r>
-            <a:r>
-              <a:rPr lang="en-US" sz="2000" b="0" i="0" dirty="0">
-                <a:solidFill>
-                  <a:srgbClr val="008000"/>
-                </a:solidFill>
-                <a:effectLst/>
-                <a:latin typeface="Courier New" panose="02070309020205020404" pitchFamily="49" charset="0"/>
-              </a:rPr>
-              <a:t>'</a:t>
-            </a:r>
-            <a:r>
-              <a:rPr lang="en-US" sz="2000" b="0" i="0" dirty="0" err="1">
-                <a:solidFill>
-                  <a:srgbClr val="008000"/>
-                </a:solidFill>
-                <a:effectLst/>
-                <a:latin typeface="Courier New" panose="02070309020205020404" pitchFamily="49" charset="0"/>
-              </a:rPr>
-              <a:t>PetalWidth</a:t>
+              <a:t>SepalLength</a:t>
             </a:r>
             <a:r>
               <a:rPr lang="en-US" sz="2000" b="0" i="0" dirty="0">
@@ -5987,10 +5967,10 @@
       </p:sp>
       <p:pic>
         <p:nvPicPr>
-          <p:cNvPr id="6" name="Picture 5">
-            <a:extLst>
-              <a:ext uri="{FF2B5EF4-FFF2-40B4-BE49-F238E27FC236}">
-                <a16:creationId xmlns:a16="http://schemas.microsoft.com/office/drawing/2014/main" id="{6A97644C-4A69-DE07-A6E8-1EA5E983FA47}"/>
+          <p:cNvPr id="5" name="Picture 4">
+            <a:extLst>
+              <a:ext uri="{FF2B5EF4-FFF2-40B4-BE49-F238E27FC236}">
+                <a16:creationId xmlns:a16="http://schemas.microsoft.com/office/drawing/2014/main" id="{1EB1865A-29F0-8EC7-CDF0-4965193A9CC6}"/>
               </a:ext>
             </a:extLst>
           </p:cNvPr>
@@ -6007,8 +5987,8 @@
         </p:blipFill>
         <p:spPr>
           <a:xfrm>
-            <a:off x="3516284" y="3224714"/>
-            <a:ext cx="5159432" cy="3484292"/>
+            <a:off x="3780676" y="3241964"/>
+            <a:ext cx="4630648" cy="3476884"/>
           </a:xfrm>
           <a:prstGeom prst="rect">
             <a:avLst/>

--- a/PPT/Class period 12.pptx
+++ b/PPT/Class period 12.pptx
@@ -8,11 +8,12 @@
     <p:sldId id="466" r:id="rId2"/>
     <p:sldId id="474" r:id="rId3"/>
     <p:sldId id="469" r:id="rId4"/>
-    <p:sldId id="470" r:id="rId5"/>
-    <p:sldId id="471" r:id="rId6"/>
-    <p:sldId id="472" r:id="rId7"/>
-    <p:sldId id="473" r:id="rId8"/>
-    <p:sldId id="475" r:id="rId9"/>
+    <p:sldId id="503" r:id="rId5"/>
+    <p:sldId id="470" r:id="rId6"/>
+    <p:sldId id="471" r:id="rId7"/>
+    <p:sldId id="472" r:id="rId8"/>
+    <p:sldId id="473" r:id="rId9"/>
+    <p:sldId id="475" r:id="rId10"/>
   </p:sldIdLst>
   <p:sldSz cx="12192000" cy="6858000"/>
   <p:notesSz cx="6858000" cy="9144000"/>
@@ -266,7 +267,7 @@
           <a:p>
             <a:fld id="{E10378E5-6EF0-46B6-A2C4-A173DBC89C5F}" type="datetimeFigureOut">
               <a:rPr lang="en-US" smtClean="0"/>
-              <a:t>3/18/2024</a:t>
+              <a:t>3/19/2024</a:t>
             </a:fld>
             <a:endParaRPr lang="en-US"/>
           </a:p>
@@ -464,7 +465,7 @@
           <a:p>
             <a:fld id="{E10378E5-6EF0-46B6-A2C4-A173DBC89C5F}" type="datetimeFigureOut">
               <a:rPr lang="en-US" smtClean="0"/>
-              <a:t>3/18/2024</a:t>
+              <a:t>3/19/2024</a:t>
             </a:fld>
             <a:endParaRPr lang="en-US"/>
           </a:p>
@@ -672,7 +673,7 @@
           <a:p>
             <a:fld id="{E10378E5-6EF0-46B6-A2C4-A173DBC89C5F}" type="datetimeFigureOut">
               <a:rPr lang="en-US" smtClean="0"/>
-              <a:t>3/18/2024</a:t>
+              <a:t>3/19/2024</a:t>
             </a:fld>
             <a:endParaRPr lang="en-US"/>
           </a:p>
@@ -870,7 +871,7 @@
           <a:p>
             <a:fld id="{E10378E5-6EF0-46B6-A2C4-A173DBC89C5F}" type="datetimeFigureOut">
               <a:rPr lang="en-US" smtClean="0"/>
-              <a:t>3/18/2024</a:t>
+              <a:t>3/19/2024</a:t>
             </a:fld>
             <a:endParaRPr lang="en-US"/>
           </a:p>
@@ -1145,7 +1146,7 @@
           <a:p>
             <a:fld id="{E10378E5-6EF0-46B6-A2C4-A173DBC89C5F}" type="datetimeFigureOut">
               <a:rPr lang="en-US" smtClean="0"/>
-              <a:t>3/18/2024</a:t>
+              <a:t>3/19/2024</a:t>
             </a:fld>
             <a:endParaRPr lang="en-US"/>
           </a:p>
@@ -1410,7 +1411,7 @@
           <a:p>
             <a:fld id="{E10378E5-6EF0-46B6-A2C4-A173DBC89C5F}" type="datetimeFigureOut">
               <a:rPr lang="en-US" smtClean="0"/>
-              <a:t>3/18/2024</a:t>
+              <a:t>3/19/2024</a:t>
             </a:fld>
             <a:endParaRPr lang="en-US"/>
           </a:p>
@@ -1822,7 +1823,7 @@
           <a:p>
             <a:fld id="{E10378E5-6EF0-46B6-A2C4-A173DBC89C5F}" type="datetimeFigureOut">
               <a:rPr lang="en-US" smtClean="0"/>
-              <a:t>3/18/2024</a:t>
+              <a:t>3/19/2024</a:t>
             </a:fld>
             <a:endParaRPr lang="en-US"/>
           </a:p>
@@ -1963,7 +1964,7 @@
           <a:p>
             <a:fld id="{E10378E5-6EF0-46B6-A2C4-A173DBC89C5F}" type="datetimeFigureOut">
               <a:rPr lang="en-US" smtClean="0"/>
-              <a:t>3/18/2024</a:t>
+              <a:t>3/19/2024</a:t>
             </a:fld>
             <a:endParaRPr lang="en-US"/>
           </a:p>
@@ -2076,7 +2077,7 @@
           <a:p>
             <a:fld id="{E10378E5-6EF0-46B6-A2C4-A173DBC89C5F}" type="datetimeFigureOut">
               <a:rPr lang="en-US" smtClean="0"/>
-              <a:t>3/18/2024</a:t>
+              <a:t>3/19/2024</a:t>
             </a:fld>
             <a:endParaRPr lang="en-US"/>
           </a:p>
@@ -2387,7 +2388,7 @@
           <a:p>
             <a:fld id="{E10378E5-6EF0-46B6-A2C4-A173DBC89C5F}" type="datetimeFigureOut">
               <a:rPr lang="en-US" smtClean="0"/>
-              <a:t>3/18/2024</a:t>
+              <a:t>3/19/2024</a:t>
             </a:fld>
             <a:endParaRPr lang="en-US"/>
           </a:p>
@@ -2675,7 +2676,7 @@
           <a:p>
             <a:fld id="{E10378E5-6EF0-46B6-A2C4-A173DBC89C5F}" type="datetimeFigureOut">
               <a:rPr lang="en-US" smtClean="0"/>
-              <a:t>3/18/2024</a:t>
+              <a:t>3/19/2024</a:t>
             </a:fld>
             <a:endParaRPr lang="en-US"/>
           </a:p>
@@ -2916,7 +2917,7 @@
           <a:p>
             <a:fld id="{E10378E5-6EF0-46B6-A2C4-A173DBC89C5F}" type="datetimeFigureOut">
               <a:rPr lang="en-US" smtClean="0"/>
-              <a:t>3/18/2024</a:t>
+              <a:t>3/19/2024</a:t>
             </a:fld>
             <a:endParaRPr lang="en-US"/>
           </a:p>
@@ -3585,7 +3586,10 @@
               <a:rPr lang="th-TH" dirty="0"/>
               <a:t>การแสดงผลการกระจายของข้อมูล</a:t>
             </a:r>
-            <a:endParaRPr lang="en-US" dirty="0"/>
+            <a:r>
+              <a:rPr lang="en-US" dirty="0"/>
+              <a:t> Scatter Plot </a:t>
+            </a:r>
           </a:p>
         </p:txBody>
       </p:sp>
@@ -3932,6 +3936,98 @@
 </file>
 
 <file path=ppt/slides/slide4.xml><?xml version="1.0" encoding="utf-8"?>
+<p:sld xmlns:a="http://schemas.openxmlformats.org/drawingml/2006/main" xmlns:r="http://schemas.openxmlformats.org/officeDocument/2006/relationships" xmlns:p="http://schemas.openxmlformats.org/presentationml/2006/main">
+  <p:cSld>
+    <p:spTree>
+      <p:nvGrpSpPr>
+        <p:cNvPr id="1" name=""/>
+        <p:cNvGrpSpPr/>
+        <p:nvPr/>
+      </p:nvGrpSpPr>
+      <p:grpSpPr>
+        <a:xfrm>
+          <a:off x="0" y="0"/>
+          <a:ext cx="0" cy="0"/>
+          <a:chOff x="0" y="0"/>
+          <a:chExt cx="0" cy="0"/>
+        </a:xfrm>
+      </p:grpSpPr>
+      <p:sp>
+        <p:nvSpPr>
+          <p:cNvPr id="2" name="Title 1">
+            <a:extLst>
+              <a:ext uri="{FF2B5EF4-FFF2-40B4-BE49-F238E27FC236}">
+                <a16:creationId xmlns:a16="http://schemas.microsoft.com/office/drawing/2014/main" id="{9F630F66-9524-B849-F8C6-778C7FE2B7C9}"/>
+              </a:ext>
+            </a:extLst>
+          </p:cNvPr>
+          <p:cNvSpPr>
+            <a:spLocks noGrp="1"/>
+          </p:cNvSpPr>
+          <p:nvPr>
+            <p:ph type="title"/>
+          </p:nvPr>
+        </p:nvSpPr>
+        <p:spPr/>
+        <p:txBody>
+          <a:bodyPr/>
+          <a:lstStyle/>
+          <a:p>
+            <a:r>
+              <a:rPr lang="th-TH" dirty="0"/>
+              <a:t>ดอกไม้ </a:t>
+            </a:r>
+            <a:r>
+              <a:rPr lang="en-US" dirty="0"/>
+              <a:t>iris </a:t>
+            </a:r>
+          </a:p>
+        </p:txBody>
+      </p:sp>
+      <p:pic>
+        <p:nvPicPr>
+          <p:cNvPr id="5" name="Picture 4">
+            <a:extLst>
+              <a:ext uri="{FF2B5EF4-FFF2-40B4-BE49-F238E27FC236}">
+                <a16:creationId xmlns:a16="http://schemas.microsoft.com/office/drawing/2014/main" id="{0A3B35B9-C452-E71A-41DA-51B7E0D3A219}"/>
+              </a:ext>
+            </a:extLst>
+          </p:cNvPr>
+          <p:cNvPicPr>
+            <a:picLocks noChangeAspect="1"/>
+          </p:cNvPicPr>
+          <p:nvPr/>
+        </p:nvPicPr>
+        <p:blipFill>
+          <a:blip r:embed="rId2"/>
+          <a:stretch>
+            <a:fillRect/>
+          </a:stretch>
+        </p:blipFill>
+        <p:spPr>
+          <a:xfrm>
+            <a:off x="1781129" y="1959900"/>
+            <a:ext cx="8629742" cy="3942136"/>
+          </a:xfrm>
+          <a:prstGeom prst="rect">
+            <a:avLst/>
+          </a:prstGeom>
+        </p:spPr>
+      </p:pic>
+    </p:spTree>
+    <p:extLst>
+      <p:ext uri="{BB962C8B-B14F-4D97-AF65-F5344CB8AC3E}">
+        <p14:creationId xmlns:p14="http://schemas.microsoft.com/office/powerpoint/2010/main" val="2700501380"/>
+      </p:ext>
+    </p:extLst>
+  </p:cSld>
+  <p:clrMapOvr>
+    <a:masterClrMapping/>
+  </p:clrMapOvr>
+</p:sld>
+</file>
+
+<file path=ppt/slides/slide5.xml><?xml version="1.0" encoding="utf-8"?>
 <p:sld xmlns:a="http://schemas.openxmlformats.org/drawingml/2006/main" xmlns:r="http://schemas.openxmlformats.org/officeDocument/2006/relationships" xmlns:p="http://schemas.openxmlformats.org/presentationml/2006/main">
   <p:cSld>
     <p:spTree>
@@ -4441,7 +4537,7 @@
 </p:sld>
 </file>
 
-<file path=ppt/slides/slide5.xml><?xml version="1.0" encoding="utf-8"?>
+<file path=ppt/slides/slide6.xml><?xml version="1.0" encoding="utf-8"?>
 <p:sld xmlns:a="http://schemas.openxmlformats.org/drawingml/2006/main" xmlns:r="http://schemas.openxmlformats.org/officeDocument/2006/relationships" xmlns:p="http://schemas.openxmlformats.org/presentationml/2006/main">
   <p:cSld>
     <p:spTree>
@@ -4776,7 +4872,7 @@
 </p:sld>
 </file>
 
-<file path=ppt/slides/slide6.xml><?xml version="1.0" encoding="utf-8"?>
+<file path=ppt/slides/slide7.xml><?xml version="1.0" encoding="utf-8"?>
 <p:sld xmlns:a="http://schemas.openxmlformats.org/drawingml/2006/main" xmlns:r="http://schemas.openxmlformats.org/officeDocument/2006/relationships" xmlns:p="http://schemas.openxmlformats.org/presentationml/2006/main">
   <p:cSld>
     <p:spTree>
@@ -5455,7 +5551,7 @@
 </p:sld>
 </file>
 
-<file path=ppt/slides/slide7.xml><?xml version="1.0" encoding="utf-8"?>
+<file path=ppt/slides/slide8.xml><?xml version="1.0" encoding="utf-8"?>
 <p:sld xmlns:a="http://schemas.openxmlformats.org/drawingml/2006/main" xmlns:r="http://schemas.openxmlformats.org/officeDocument/2006/relationships" xmlns:p="http://schemas.openxmlformats.org/presentationml/2006/main">
   <p:cSld>
     <p:spTree>
@@ -5716,7 +5812,7 @@
 </p:sld>
 </file>
 
-<file path=ppt/slides/slide8.xml><?xml version="1.0" encoding="utf-8"?>
+<file path=ppt/slides/slide9.xml><?xml version="1.0" encoding="utf-8"?>
 <p:sld xmlns:a="http://schemas.openxmlformats.org/drawingml/2006/main" xmlns:r="http://schemas.openxmlformats.org/officeDocument/2006/relationships" xmlns:p="http://schemas.openxmlformats.org/presentationml/2006/main">
   <p:cSld>
     <p:spTree>

--- a/PPT/Class period 12.pptx
+++ b/PPT/Class period 12.pptx
@@ -112,11 +112,6 @@
       </a:defRPr>
     </a:lvl9pPr>
   </p:defaultTextStyle>
-  <p:extLst>
-    <p:ext uri="{EFAFB233-063F-42B5-8137-9DF3F51BA10A}">
-      <p15:sldGuideLst xmlns:p15="http://schemas.microsoft.com/office/powerpoint/2012/main"/>
-    </p:ext>
-  </p:extLst>
 </p:presentation>
 </file>
 
@@ -142,7 +137,7 @@
           <p:cNvPr id="2" name="Title 1">
             <a:extLst>
               <a:ext uri="{FF2B5EF4-FFF2-40B4-BE49-F238E27FC236}">
-                <a16:creationId xmlns:a16="http://schemas.microsoft.com/office/drawing/2014/main" id="{6442FF54-D1E1-C595-1AE8-38F9065D03E6}"/>
+                <a16:creationId xmlns:a16="http://schemas.microsoft.com/office/drawing/2014/main" id="{CB51DF87-3726-F520-35D4-05167B3E588E}"/>
               </a:ext>
             </a:extLst>
           </p:cNvPr>
@@ -179,7 +174,7 @@
           <p:cNvPr id="3" name="Subtitle 2">
             <a:extLst>
               <a:ext uri="{FF2B5EF4-FFF2-40B4-BE49-F238E27FC236}">
-                <a16:creationId xmlns:a16="http://schemas.microsoft.com/office/drawing/2014/main" id="{AA337815-3376-2DC1-A8B8-5F081FA1E353}"/>
+                <a16:creationId xmlns:a16="http://schemas.microsoft.com/office/drawing/2014/main" id="{E2E16EC4-9DD0-14E8-FD55-8E245864AFDF}"/>
               </a:ext>
             </a:extLst>
           </p:cNvPr>
@@ -249,7 +244,7 @@
           <p:cNvPr id="4" name="Date Placeholder 3">
             <a:extLst>
               <a:ext uri="{FF2B5EF4-FFF2-40B4-BE49-F238E27FC236}">
-                <a16:creationId xmlns:a16="http://schemas.microsoft.com/office/drawing/2014/main" id="{638961AD-D74E-D4A0-1808-07888EEABE3F}"/>
+                <a16:creationId xmlns:a16="http://schemas.microsoft.com/office/drawing/2014/main" id="{F8A3D20F-868A-3EE7-73A9-EFBF92DF0F1D}"/>
               </a:ext>
             </a:extLst>
           </p:cNvPr>
@@ -265,9 +260,9 @@
           <a:bodyPr/>
           <a:lstStyle/>
           <a:p>
-            <a:fld id="{E10378E5-6EF0-46B6-A2C4-A173DBC89C5F}" type="datetimeFigureOut">
+            <a:fld id="{C4F2B529-FD99-48B2-B369-10511B923552}" type="datetimeFigureOut">
               <a:rPr lang="en-US" smtClean="0"/>
-              <a:t>3/19/2024</a:t>
+              <a:t>4/20/2024</a:t>
             </a:fld>
             <a:endParaRPr lang="en-US"/>
           </a:p>
@@ -278,7 +273,7 @@
           <p:cNvPr id="5" name="Footer Placeholder 4">
             <a:extLst>
               <a:ext uri="{FF2B5EF4-FFF2-40B4-BE49-F238E27FC236}">
-                <a16:creationId xmlns:a16="http://schemas.microsoft.com/office/drawing/2014/main" id="{AB035D7A-5D9C-4810-1D4A-ECBA875EF000}"/>
+                <a16:creationId xmlns:a16="http://schemas.microsoft.com/office/drawing/2014/main" id="{1CE7214C-1070-2096-5EFF-5D7836DD8446}"/>
               </a:ext>
             </a:extLst>
           </p:cNvPr>
@@ -303,7 +298,7 @@
           <p:cNvPr id="6" name="Slide Number Placeholder 5">
             <a:extLst>
               <a:ext uri="{FF2B5EF4-FFF2-40B4-BE49-F238E27FC236}">
-                <a16:creationId xmlns:a16="http://schemas.microsoft.com/office/drawing/2014/main" id="{A4EA724B-A8E3-E202-4453-7638628A8E1A}"/>
+                <a16:creationId xmlns:a16="http://schemas.microsoft.com/office/drawing/2014/main" id="{56B938E5-8E5F-3F87-0D77-1E7991FD4D3C}"/>
               </a:ext>
             </a:extLst>
           </p:cNvPr>
@@ -319,7 +314,7 @@
           <a:bodyPr/>
           <a:lstStyle/>
           <a:p>
-            <a:fld id="{895AD2E4-D34F-44D7-9A48-3BC91C8203D3}" type="slidenum">
+            <a:fld id="{A7B37220-20B4-4684-87C5-6E6D42F8CE37}" type="slidenum">
               <a:rPr lang="en-US" smtClean="0"/>
               <a:t>‹#›</a:t>
             </a:fld>
@@ -330,7 +325,7 @@
     </p:spTree>
     <p:extLst>
       <p:ext uri="{BB962C8B-B14F-4D97-AF65-F5344CB8AC3E}">
-        <p14:creationId xmlns:p14="http://schemas.microsoft.com/office/powerpoint/2010/main" val="4071881204"/>
+        <p14:creationId xmlns:p14="http://schemas.microsoft.com/office/powerpoint/2010/main" val="1116879121"/>
       </p:ext>
     </p:extLst>
   </p:cSld>
@@ -362,7 +357,7 @@
           <p:cNvPr id="2" name="Title 1">
             <a:extLst>
               <a:ext uri="{FF2B5EF4-FFF2-40B4-BE49-F238E27FC236}">
-                <a16:creationId xmlns:a16="http://schemas.microsoft.com/office/drawing/2014/main" id="{B71C9E14-D76B-6C45-47EC-E0D6D261A80E}"/>
+                <a16:creationId xmlns:a16="http://schemas.microsoft.com/office/drawing/2014/main" id="{06D29D53-3B60-9F48-B8BB-242245D49693}"/>
               </a:ext>
             </a:extLst>
           </p:cNvPr>
@@ -390,7 +385,7 @@
           <p:cNvPr id="3" name="Vertical Text Placeholder 2">
             <a:extLst>
               <a:ext uri="{FF2B5EF4-FFF2-40B4-BE49-F238E27FC236}">
-                <a16:creationId xmlns:a16="http://schemas.microsoft.com/office/drawing/2014/main" id="{E63DA3F8-623C-627F-5109-0EE101E3C2AF}"/>
+                <a16:creationId xmlns:a16="http://schemas.microsoft.com/office/drawing/2014/main" id="{5414594E-30A2-F15B-57F4-C42C16A74028}"/>
               </a:ext>
             </a:extLst>
           </p:cNvPr>
@@ -447,7 +442,7 @@
           <p:cNvPr id="4" name="Date Placeholder 3">
             <a:extLst>
               <a:ext uri="{FF2B5EF4-FFF2-40B4-BE49-F238E27FC236}">
-                <a16:creationId xmlns:a16="http://schemas.microsoft.com/office/drawing/2014/main" id="{D7783939-B17D-EB44-2F94-C1D7DC89211D}"/>
+                <a16:creationId xmlns:a16="http://schemas.microsoft.com/office/drawing/2014/main" id="{828C5991-78D3-4955-C0AC-5AEAA85AE0E3}"/>
               </a:ext>
             </a:extLst>
           </p:cNvPr>
@@ -463,9 +458,9 @@
           <a:bodyPr/>
           <a:lstStyle/>
           <a:p>
-            <a:fld id="{E10378E5-6EF0-46B6-A2C4-A173DBC89C5F}" type="datetimeFigureOut">
+            <a:fld id="{C4F2B529-FD99-48B2-B369-10511B923552}" type="datetimeFigureOut">
               <a:rPr lang="en-US" smtClean="0"/>
-              <a:t>3/19/2024</a:t>
+              <a:t>4/20/2024</a:t>
             </a:fld>
             <a:endParaRPr lang="en-US"/>
           </a:p>
@@ -476,7 +471,7 @@
           <p:cNvPr id="5" name="Footer Placeholder 4">
             <a:extLst>
               <a:ext uri="{FF2B5EF4-FFF2-40B4-BE49-F238E27FC236}">
-                <a16:creationId xmlns:a16="http://schemas.microsoft.com/office/drawing/2014/main" id="{F9CE67FF-A735-DC5C-8CE5-4DFDB33A1EC3}"/>
+                <a16:creationId xmlns:a16="http://schemas.microsoft.com/office/drawing/2014/main" id="{92D2DFF0-8964-FB18-497F-B7B8E1C5773F}"/>
               </a:ext>
             </a:extLst>
           </p:cNvPr>
@@ -501,7 +496,7 @@
           <p:cNvPr id="6" name="Slide Number Placeholder 5">
             <a:extLst>
               <a:ext uri="{FF2B5EF4-FFF2-40B4-BE49-F238E27FC236}">
-                <a16:creationId xmlns:a16="http://schemas.microsoft.com/office/drawing/2014/main" id="{23A1CE3B-33A7-8519-1E8F-CBEE308F63EE}"/>
+                <a16:creationId xmlns:a16="http://schemas.microsoft.com/office/drawing/2014/main" id="{C7681ACB-CC8C-D444-E540-474C6146DA87}"/>
               </a:ext>
             </a:extLst>
           </p:cNvPr>
@@ -517,7 +512,7 @@
           <a:bodyPr/>
           <a:lstStyle/>
           <a:p>
-            <a:fld id="{895AD2E4-D34F-44D7-9A48-3BC91C8203D3}" type="slidenum">
+            <a:fld id="{A7B37220-20B4-4684-87C5-6E6D42F8CE37}" type="slidenum">
               <a:rPr lang="en-US" smtClean="0"/>
               <a:t>‹#›</a:t>
             </a:fld>
@@ -528,7 +523,7 @@
     </p:spTree>
     <p:extLst>
       <p:ext uri="{BB962C8B-B14F-4D97-AF65-F5344CB8AC3E}">
-        <p14:creationId xmlns:p14="http://schemas.microsoft.com/office/powerpoint/2010/main" val="539086859"/>
+        <p14:creationId xmlns:p14="http://schemas.microsoft.com/office/powerpoint/2010/main" val="2817486724"/>
       </p:ext>
     </p:extLst>
   </p:cSld>
@@ -560,7 +555,7 @@
           <p:cNvPr id="2" name="Vertical Title 1">
             <a:extLst>
               <a:ext uri="{FF2B5EF4-FFF2-40B4-BE49-F238E27FC236}">
-                <a16:creationId xmlns:a16="http://schemas.microsoft.com/office/drawing/2014/main" id="{C7F80787-B9ED-2473-2E59-40A8A9B4AE04}"/>
+                <a16:creationId xmlns:a16="http://schemas.microsoft.com/office/drawing/2014/main" id="{9E3434FB-4F4E-291D-B212-51008D0DA209}"/>
               </a:ext>
             </a:extLst>
           </p:cNvPr>
@@ -593,7 +588,7 @@
           <p:cNvPr id="3" name="Vertical Text Placeholder 2">
             <a:extLst>
               <a:ext uri="{FF2B5EF4-FFF2-40B4-BE49-F238E27FC236}">
-                <a16:creationId xmlns:a16="http://schemas.microsoft.com/office/drawing/2014/main" id="{3DB9EDEC-DE84-EAB2-BC96-7B9D1F4397FF}"/>
+                <a16:creationId xmlns:a16="http://schemas.microsoft.com/office/drawing/2014/main" id="{6C489246-DABF-5E80-4248-82D651F36F49}"/>
               </a:ext>
             </a:extLst>
           </p:cNvPr>
@@ -655,7 +650,7 @@
           <p:cNvPr id="4" name="Date Placeholder 3">
             <a:extLst>
               <a:ext uri="{FF2B5EF4-FFF2-40B4-BE49-F238E27FC236}">
-                <a16:creationId xmlns:a16="http://schemas.microsoft.com/office/drawing/2014/main" id="{543F638F-3832-1D0B-9829-0202A930A98F}"/>
+                <a16:creationId xmlns:a16="http://schemas.microsoft.com/office/drawing/2014/main" id="{3ED97973-F8C7-1782-F641-A19837447A2D}"/>
               </a:ext>
             </a:extLst>
           </p:cNvPr>
@@ -671,9 +666,9 @@
           <a:bodyPr/>
           <a:lstStyle/>
           <a:p>
-            <a:fld id="{E10378E5-6EF0-46B6-A2C4-A173DBC89C5F}" type="datetimeFigureOut">
+            <a:fld id="{C4F2B529-FD99-48B2-B369-10511B923552}" type="datetimeFigureOut">
               <a:rPr lang="en-US" smtClean="0"/>
-              <a:t>3/19/2024</a:t>
+              <a:t>4/20/2024</a:t>
             </a:fld>
             <a:endParaRPr lang="en-US"/>
           </a:p>
@@ -684,7 +679,7 @@
           <p:cNvPr id="5" name="Footer Placeholder 4">
             <a:extLst>
               <a:ext uri="{FF2B5EF4-FFF2-40B4-BE49-F238E27FC236}">
-                <a16:creationId xmlns:a16="http://schemas.microsoft.com/office/drawing/2014/main" id="{791E742F-72EA-AD0B-8578-C1D295A2012A}"/>
+                <a16:creationId xmlns:a16="http://schemas.microsoft.com/office/drawing/2014/main" id="{2F5E2091-4498-939D-A9B9-42B6FC6021F6}"/>
               </a:ext>
             </a:extLst>
           </p:cNvPr>
@@ -709,7 +704,7 @@
           <p:cNvPr id="6" name="Slide Number Placeholder 5">
             <a:extLst>
               <a:ext uri="{FF2B5EF4-FFF2-40B4-BE49-F238E27FC236}">
-                <a16:creationId xmlns:a16="http://schemas.microsoft.com/office/drawing/2014/main" id="{1C102494-FF6B-4DFB-203F-16743648D6EA}"/>
+                <a16:creationId xmlns:a16="http://schemas.microsoft.com/office/drawing/2014/main" id="{6087EC5D-2AAF-067E-A616-10A97F87CB94}"/>
               </a:ext>
             </a:extLst>
           </p:cNvPr>
@@ -725,7 +720,7 @@
           <a:bodyPr/>
           <a:lstStyle/>
           <a:p>
-            <a:fld id="{895AD2E4-D34F-44D7-9A48-3BC91C8203D3}" type="slidenum">
+            <a:fld id="{A7B37220-20B4-4684-87C5-6E6D42F8CE37}" type="slidenum">
               <a:rPr lang="en-US" smtClean="0"/>
               <a:t>‹#›</a:t>
             </a:fld>
@@ -736,7 +731,7 @@
     </p:spTree>
     <p:extLst>
       <p:ext uri="{BB962C8B-B14F-4D97-AF65-F5344CB8AC3E}">
-        <p14:creationId xmlns:p14="http://schemas.microsoft.com/office/powerpoint/2010/main" val="226799939"/>
+        <p14:creationId xmlns:p14="http://schemas.microsoft.com/office/powerpoint/2010/main" val="1510314005"/>
       </p:ext>
     </p:extLst>
   </p:cSld>
@@ -768,7 +763,7 @@
           <p:cNvPr id="2" name="Title 1">
             <a:extLst>
               <a:ext uri="{FF2B5EF4-FFF2-40B4-BE49-F238E27FC236}">
-                <a16:creationId xmlns:a16="http://schemas.microsoft.com/office/drawing/2014/main" id="{517D9F4C-2619-5058-A605-C37AFEB6A3EA}"/>
+                <a16:creationId xmlns:a16="http://schemas.microsoft.com/office/drawing/2014/main" id="{EF557585-522C-69DB-8DF3-A91988E8FF36}"/>
               </a:ext>
             </a:extLst>
           </p:cNvPr>
@@ -796,7 +791,7 @@
           <p:cNvPr id="3" name="Content Placeholder 2">
             <a:extLst>
               <a:ext uri="{FF2B5EF4-FFF2-40B4-BE49-F238E27FC236}">
-                <a16:creationId xmlns:a16="http://schemas.microsoft.com/office/drawing/2014/main" id="{1A29655A-1B97-93A1-A08D-701F9CCCC866}"/>
+                <a16:creationId xmlns:a16="http://schemas.microsoft.com/office/drawing/2014/main" id="{602B25E0-4930-E5E6-30D6-0CC1E9577F17}"/>
               </a:ext>
             </a:extLst>
           </p:cNvPr>
@@ -853,7 +848,7 @@
           <p:cNvPr id="4" name="Date Placeholder 3">
             <a:extLst>
               <a:ext uri="{FF2B5EF4-FFF2-40B4-BE49-F238E27FC236}">
-                <a16:creationId xmlns:a16="http://schemas.microsoft.com/office/drawing/2014/main" id="{5C1BE244-94BA-248C-AFF9-1EED28935542}"/>
+                <a16:creationId xmlns:a16="http://schemas.microsoft.com/office/drawing/2014/main" id="{565CF610-21C3-FE9F-0CE6-6C5C106B2945}"/>
               </a:ext>
             </a:extLst>
           </p:cNvPr>
@@ -869,9 +864,9 @@
           <a:bodyPr/>
           <a:lstStyle/>
           <a:p>
-            <a:fld id="{E10378E5-6EF0-46B6-A2C4-A173DBC89C5F}" type="datetimeFigureOut">
+            <a:fld id="{C4F2B529-FD99-48B2-B369-10511B923552}" type="datetimeFigureOut">
               <a:rPr lang="en-US" smtClean="0"/>
-              <a:t>3/19/2024</a:t>
+              <a:t>4/20/2024</a:t>
             </a:fld>
             <a:endParaRPr lang="en-US"/>
           </a:p>
@@ -882,7 +877,7 @@
           <p:cNvPr id="5" name="Footer Placeholder 4">
             <a:extLst>
               <a:ext uri="{FF2B5EF4-FFF2-40B4-BE49-F238E27FC236}">
-                <a16:creationId xmlns:a16="http://schemas.microsoft.com/office/drawing/2014/main" id="{344D320D-6A12-E697-200B-660D727501BA}"/>
+                <a16:creationId xmlns:a16="http://schemas.microsoft.com/office/drawing/2014/main" id="{934D719B-A4B2-69F3-E3BB-5E629FF5288A}"/>
               </a:ext>
             </a:extLst>
           </p:cNvPr>
@@ -907,7 +902,7 @@
           <p:cNvPr id="6" name="Slide Number Placeholder 5">
             <a:extLst>
               <a:ext uri="{FF2B5EF4-FFF2-40B4-BE49-F238E27FC236}">
-                <a16:creationId xmlns:a16="http://schemas.microsoft.com/office/drawing/2014/main" id="{55F9A34D-AAC2-AD32-0099-12DD7C31D2DC}"/>
+                <a16:creationId xmlns:a16="http://schemas.microsoft.com/office/drawing/2014/main" id="{86C80EB6-7147-1AC4-3AED-4EB9C4D2A8DC}"/>
               </a:ext>
             </a:extLst>
           </p:cNvPr>
@@ -923,7 +918,7 @@
           <a:bodyPr/>
           <a:lstStyle/>
           <a:p>
-            <a:fld id="{895AD2E4-D34F-44D7-9A48-3BC91C8203D3}" type="slidenum">
+            <a:fld id="{A7B37220-20B4-4684-87C5-6E6D42F8CE37}" type="slidenum">
               <a:rPr lang="en-US" smtClean="0"/>
               <a:t>‹#›</a:t>
             </a:fld>
@@ -934,7 +929,7 @@
     </p:spTree>
     <p:extLst>
       <p:ext uri="{BB962C8B-B14F-4D97-AF65-F5344CB8AC3E}">
-        <p14:creationId xmlns:p14="http://schemas.microsoft.com/office/powerpoint/2010/main" val="4144247905"/>
+        <p14:creationId xmlns:p14="http://schemas.microsoft.com/office/powerpoint/2010/main" val="3011611833"/>
       </p:ext>
     </p:extLst>
   </p:cSld>
@@ -966,7 +961,7 @@
           <p:cNvPr id="2" name="Title 1">
             <a:extLst>
               <a:ext uri="{FF2B5EF4-FFF2-40B4-BE49-F238E27FC236}">
-                <a16:creationId xmlns:a16="http://schemas.microsoft.com/office/drawing/2014/main" id="{F98E5C9B-1ADC-53ED-B610-DAC6DE3B76B4}"/>
+                <a16:creationId xmlns:a16="http://schemas.microsoft.com/office/drawing/2014/main" id="{5C080B08-3E38-8DC5-AC67-86D2305AC77F}"/>
               </a:ext>
             </a:extLst>
           </p:cNvPr>
@@ -1003,7 +998,7 @@
           <p:cNvPr id="3" name="Text Placeholder 2">
             <a:extLst>
               <a:ext uri="{FF2B5EF4-FFF2-40B4-BE49-F238E27FC236}">
-                <a16:creationId xmlns:a16="http://schemas.microsoft.com/office/drawing/2014/main" id="{38D9FB0D-531E-DCF6-40C6-5E9C3D58CEAF}"/>
+                <a16:creationId xmlns:a16="http://schemas.microsoft.com/office/drawing/2014/main" id="{0012B999-341B-7210-C17A-F716ACFACAE1}"/>
               </a:ext>
             </a:extLst>
           </p:cNvPr>
@@ -1128,7 +1123,7 @@
           <p:cNvPr id="4" name="Date Placeholder 3">
             <a:extLst>
               <a:ext uri="{FF2B5EF4-FFF2-40B4-BE49-F238E27FC236}">
-                <a16:creationId xmlns:a16="http://schemas.microsoft.com/office/drawing/2014/main" id="{645D0C77-9789-E0B2-E970-D2BB600A34C7}"/>
+                <a16:creationId xmlns:a16="http://schemas.microsoft.com/office/drawing/2014/main" id="{CF5AFF85-A4B5-DBA0-AB66-F6F4450201B5}"/>
               </a:ext>
             </a:extLst>
           </p:cNvPr>
@@ -1144,9 +1139,9 @@
           <a:bodyPr/>
           <a:lstStyle/>
           <a:p>
-            <a:fld id="{E10378E5-6EF0-46B6-A2C4-A173DBC89C5F}" type="datetimeFigureOut">
+            <a:fld id="{C4F2B529-FD99-48B2-B369-10511B923552}" type="datetimeFigureOut">
               <a:rPr lang="en-US" smtClean="0"/>
-              <a:t>3/19/2024</a:t>
+              <a:t>4/20/2024</a:t>
             </a:fld>
             <a:endParaRPr lang="en-US"/>
           </a:p>
@@ -1157,7 +1152,7 @@
           <p:cNvPr id="5" name="Footer Placeholder 4">
             <a:extLst>
               <a:ext uri="{FF2B5EF4-FFF2-40B4-BE49-F238E27FC236}">
-                <a16:creationId xmlns:a16="http://schemas.microsoft.com/office/drawing/2014/main" id="{EB1B2F52-0DE3-278A-B851-56A878C195A8}"/>
+                <a16:creationId xmlns:a16="http://schemas.microsoft.com/office/drawing/2014/main" id="{EC6B2709-8AE7-F0A3-7F0E-2A4822210E77}"/>
               </a:ext>
             </a:extLst>
           </p:cNvPr>
@@ -1182,7 +1177,7 @@
           <p:cNvPr id="6" name="Slide Number Placeholder 5">
             <a:extLst>
               <a:ext uri="{FF2B5EF4-FFF2-40B4-BE49-F238E27FC236}">
-                <a16:creationId xmlns:a16="http://schemas.microsoft.com/office/drawing/2014/main" id="{23B49ED2-377E-CC9D-801F-41A23BB99CA4}"/>
+                <a16:creationId xmlns:a16="http://schemas.microsoft.com/office/drawing/2014/main" id="{EB6B7E43-83FE-77A9-8420-93E5218B1C60}"/>
               </a:ext>
             </a:extLst>
           </p:cNvPr>
@@ -1198,7 +1193,7 @@
           <a:bodyPr/>
           <a:lstStyle/>
           <a:p>
-            <a:fld id="{895AD2E4-D34F-44D7-9A48-3BC91C8203D3}" type="slidenum">
+            <a:fld id="{A7B37220-20B4-4684-87C5-6E6D42F8CE37}" type="slidenum">
               <a:rPr lang="en-US" smtClean="0"/>
               <a:t>‹#›</a:t>
             </a:fld>
@@ -1209,7 +1204,7 @@
     </p:spTree>
     <p:extLst>
       <p:ext uri="{BB962C8B-B14F-4D97-AF65-F5344CB8AC3E}">
-        <p14:creationId xmlns:p14="http://schemas.microsoft.com/office/powerpoint/2010/main" val="10754737"/>
+        <p14:creationId xmlns:p14="http://schemas.microsoft.com/office/powerpoint/2010/main" val="91703225"/>
       </p:ext>
     </p:extLst>
   </p:cSld>
@@ -1241,7 +1236,7 @@
           <p:cNvPr id="2" name="Title 1">
             <a:extLst>
               <a:ext uri="{FF2B5EF4-FFF2-40B4-BE49-F238E27FC236}">
-                <a16:creationId xmlns:a16="http://schemas.microsoft.com/office/drawing/2014/main" id="{0B13E26C-528D-770B-46D5-B0A5963AC247}"/>
+                <a16:creationId xmlns:a16="http://schemas.microsoft.com/office/drawing/2014/main" id="{91470D46-AF88-8861-BF60-67294795E235}"/>
               </a:ext>
             </a:extLst>
           </p:cNvPr>
@@ -1269,7 +1264,7 @@
           <p:cNvPr id="3" name="Content Placeholder 2">
             <a:extLst>
               <a:ext uri="{FF2B5EF4-FFF2-40B4-BE49-F238E27FC236}">
-                <a16:creationId xmlns:a16="http://schemas.microsoft.com/office/drawing/2014/main" id="{BCB147DE-48E7-A52A-9FEC-BF16E02470BA}"/>
+                <a16:creationId xmlns:a16="http://schemas.microsoft.com/office/drawing/2014/main" id="{68A3BE23-FB90-E21B-FA28-E36F820744A7}"/>
               </a:ext>
             </a:extLst>
           </p:cNvPr>
@@ -1331,7 +1326,7 @@
           <p:cNvPr id="4" name="Content Placeholder 3">
             <a:extLst>
               <a:ext uri="{FF2B5EF4-FFF2-40B4-BE49-F238E27FC236}">
-                <a16:creationId xmlns:a16="http://schemas.microsoft.com/office/drawing/2014/main" id="{AB759FC3-D4ED-A082-4FC2-30706EE27300}"/>
+                <a16:creationId xmlns:a16="http://schemas.microsoft.com/office/drawing/2014/main" id="{FDE8846E-3A89-2512-525E-E10E0CE35FA4}"/>
               </a:ext>
             </a:extLst>
           </p:cNvPr>
@@ -1393,7 +1388,7 @@
           <p:cNvPr id="5" name="Date Placeholder 4">
             <a:extLst>
               <a:ext uri="{FF2B5EF4-FFF2-40B4-BE49-F238E27FC236}">
-                <a16:creationId xmlns:a16="http://schemas.microsoft.com/office/drawing/2014/main" id="{AECDFC51-4DB8-195D-759A-91CCFCAF3A3E}"/>
+                <a16:creationId xmlns:a16="http://schemas.microsoft.com/office/drawing/2014/main" id="{EEAD02C3-230D-AEFE-4E7E-388E8C8B07A0}"/>
               </a:ext>
             </a:extLst>
           </p:cNvPr>
@@ -1409,9 +1404,9 @@
           <a:bodyPr/>
           <a:lstStyle/>
           <a:p>
-            <a:fld id="{E10378E5-6EF0-46B6-A2C4-A173DBC89C5F}" type="datetimeFigureOut">
+            <a:fld id="{C4F2B529-FD99-48B2-B369-10511B923552}" type="datetimeFigureOut">
               <a:rPr lang="en-US" smtClean="0"/>
-              <a:t>3/19/2024</a:t>
+              <a:t>4/20/2024</a:t>
             </a:fld>
             <a:endParaRPr lang="en-US"/>
           </a:p>
@@ -1422,7 +1417,7 @@
           <p:cNvPr id="6" name="Footer Placeholder 5">
             <a:extLst>
               <a:ext uri="{FF2B5EF4-FFF2-40B4-BE49-F238E27FC236}">
-                <a16:creationId xmlns:a16="http://schemas.microsoft.com/office/drawing/2014/main" id="{14D98D8E-8DD8-6044-305C-7470D1BF9328}"/>
+                <a16:creationId xmlns:a16="http://schemas.microsoft.com/office/drawing/2014/main" id="{1C72E96D-C3F1-630C-0274-344F9E08EC6D}"/>
               </a:ext>
             </a:extLst>
           </p:cNvPr>
@@ -1447,7 +1442,7 @@
           <p:cNvPr id="7" name="Slide Number Placeholder 6">
             <a:extLst>
               <a:ext uri="{FF2B5EF4-FFF2-40B4-BE49-F238E27FC236}">
-                <a16:creationId xmlns:a16="http://schemas.microsoft.com/office/drawing/2014/main" id="{E369695D-F37B-EC7C-98FE-3DB9B838D634}"/>
+                <a16:creationId xmlns:a16="http://schemas.microsoft.com/office/drawing/2014/main" id="{2B448F52-B283-65FD-7C83-B0E8A63DC372}"/>
               </a:ext>
             </a:extLst>
           </p:cNvPr>
@@ -1463,7 +1458,7 @@
           <a:bodyPr/>
           <a:lstStyle/>
           <a:p>
-            <a:fld id="{895AD2E4-D34F-44D7-9A48-3BC91C8203D3}" type="slidenum">
+            <a:fld id="{A7B37220-20B4-4684-87C5-6E6D42F8CE37}" type="slidenum">
               <a:rPr lang="en-US" smtClean="0"/>
               <a:t>‹#›</a:t>
             </a:fld>
@@ -1474,7 +1469,7 @@
     </p:spTree>
     <p:extLst>
       <p:ext uri="{BB962C8B-B14F-4D97-AF65-F5344CB8AC3E}">
-        <p14:creationId xmlns:p14="http://schemas.microsoft.com/office/powerpoint/2010/main" val="3750071516"/>
+        <p14:creationId xmlns:p14="http://schemas.microsoft.com/office/powerpoint/2010/main" val="1789431675"/>
       </p:ext>
     </p:extLst>
   </p:cSld>
@@ -1506,7 +1501,7 @@
           <p:cNvPr id="2" name="Title 1">
             <a:extLst>
               <a:ext uri="{FF2B5EF4-FFF2-40B4-BE49-F238E27FC236}">
-                <a16:creationId xmlns:a16="http://schemas.microsoft.com/office/drawing/2014/main" id="{DA2CC1B8-8C76-98D5-3F0E-F0759C54B7BC}"/>
+                <a16:creationId xmlns:a16="http://schemas.microsoft.com/office/drawing/2014/main" id="{A1528794-4C51-EA16-DB67-B67B34ACDAC4}"/>
               </a:ext>
             </a:extLst>
           </p:cNvPr>
@@ -1539,7 +1534,7 @@
           <p:cNvPr id="3" name="Text Placeholder 2">
             <a:extLst>
               <a:ext uri="{FF2B5EF4-FFF2-40B4-BE49-F238E27FC236}">
-                <a16:creationId xmlns:a16="http://schemas.microsoft.com/office/drawing/2014/main" id="{FABF6115-E26E-2931-0CCE-CD2B127417A2}"/>
+                <a16:creationId xmlns:a16="http://schemas.microsoft.com/office/drawing/2014/main" id="{A9DB4F63-1B37-FCC2-A720-5CE05C89A094}"/>
               </a:ext>
             </a:extLst>
           </p:cNvPr>
@@ -1610,7 +1605,7 @@
           <p:cNvPr id="4" name="Content Placeholder 3">
             <a:extLst>
               <a:ext uri="{FF2B5EF4-FFF2-40B4-BE49-F238E27FC236}">
-                <a16:creationId xmlns:a16="http://schemas.microsoft.com/office/drawing/2014/main" id="{CD1C9A59-3986-FB38-D628-8CC73B52D7EB}"/>
+                <a16:creationId xmlns:a16="http://schemas.microsoft.com/office/drawing/2014/main" id="{3F5D3751-E3BA-5C6B-DD42-3AF2464AE7DF}"/>
               </a:ext>
             </a:extLst>
           </p:cNvPr>
@@ -1672,7 +1667,7 @@
           <p:cNvPr id="5" name="Text Placeholder 4">
             <a:extLst>
               <a:ext uri="{FF2B5EF4-FFF2-40B4-BE49-F238E27FC236}">
-                <a16:creationId xmlns:a16="http://schemas.microsoft.com/office/drawing/2014/main" id="{9F7CD447-2310-CD1C-E607-60D9CF0FE170}"/>
+                <a16:creationId xmlns:a16="http://schemas.microsoft.com/office/drawing/2014/main" id="{BE7C6527-6333-8527-0EF3-B4AC19DABF85}"/>
               </a:ext>
             </a:extLst>
           </p:cNvPr>
@@ -1743,7 +1738,7 @@
           <p:cNvPr id="6" name="Content Placeholder 5">
             <a:extLst>
               <a:ext uri="{FF2B5EF4-FFF2-40B4-BE49-F238E27FC236}">
-                <a16:creationId xmlns:a16="http://schemas.microsoft.com/office/drawing/2014/main" id="{900CD0A1-DE55-4557-9005-DDA8CA067C55}"/>
+                <a16:creationId xmlns:a16="http://schemas.microsoft.com/office/drawing/2014/main" id="{2EFF4AC3-21F3-0389-1319-63EA251F183A}"/>
               </a:ext>
             </a:extLst>
           </p:cNvPr>
@@ -1805,7 +1800,7 @@
           <p:cNvPr id="7" name="Date Placeholder 6">
             <a:extLst>
               <a:ext uri="{FF2B5EF4-FFF2-40B4-BE49-F238E27FC236}">
-                <a16:creationId xmlns:a16="http://schemas.microsoft.com/office/drawing/2014/main" id="{EF4768DD-08EB-0636-8A43-C98084CB76E7}"/>
+                <a16:creationId xmlns:a16="http://schemas.microsoft.com/office/drawing/2014/main" id="{5DD303C2-ADC7-C6EF-88CF-CCAF9B42C0FC}"/>
               </a:ext>
             </a:extLst>
           </p:cNvPr>
@@ -1821,9 +1816,9 @@
           <a:bodyPr/>
           <a:lstStyle/>
           <a:p>
-            <a:fld id="{E10378E5-6EF0-46B6-A2C4-A173DBC89C5F}" type="datetimeFigureOut">
+            <a:fld id="{C4F2B529-FD99-48B2-B369-10511B923552}" type="datetimeFigureOut">
               <a:rPr lang="en-US" smtClean="0"/>
-              <a:t>3/19/2024</a:t>
+              <a:t>4/20/2024</a:t>
             </a:fld>
             <a:endParaRPr lang="en-US"/>
           </a:p>
@@ -1834,7 +1829,7 @@
           <p:cNvPr id="8" name="Footer Placeholder 7">
             <a:extLst>
               <a:ext uri="{FF2B5EF4-FFF2-40B4-BE49-F238E27FC236}">
-                <a16:creationId xmlns:a16="http://schemas.microsoft.com/office/drawing/2014/main" id="{28C0EEF4-D8A7-F157-2D6A-B901A7DDFBCD}"/>
+                <a16:creationId xmlns:a16="http://schemas.microsoft.com/office/drawing/2014/main" id="{140EE6B4-9A06-8717-E5A8-7A3D4F9D2B11}"/>
               </a:ext>
             </a:extLst>
           </p:cNvPr>
@@ -1859,7 +1854,7 @@
           <p:cNvPr id="9" name="Slide Number Placeholder 8">
             <a:extLst>
               <a:ext uri="{FF2B5EF4-FFF2-40B4-BE49-F238E27FC236}">
-                <a16:creationId xmlns:a16="http://schemas.microsoft.com/office/drawing/2014/main" id="{3B367B0C-3E00-F7DC-30FC-0488BA0253ED}"/>
+                <a16:creationId xmlns:a16="http://schemas.microsoft.com/office/drawing/2014/main" id="{C43D1871-9BF6-C79F-8346-E66462E1FEEE}"/>
               </a:ext>
             </a:extLst>
           </p:cNvPr>
@@ -1875,7 +1870,7 @@
           <a:bodyPr/>
           <a:lstStyle/>
           <a:p>
-            <a:fld id="{895AD2E4-D34F-44D7-9A48-3BC91C8203D3}" type="slidenum">
+            <a:fld id="{A7B37220-20B4-4684-87C5-6E6D42F8CE37}" type="slidenum">
               <a:rPr lang="en-US" smtClean="0"/>
               <a:t>‹#›</a:t>
             </a:fld>
@@ -1886,7 +1881,7 @@
     </p:spTree>
     <p:extLst>
       <p:ext uri="{BB962C8B-B14F-4D97-AF65-F5344CB8AC3E}">
-        <p14:creationId xmlns:p14="http://schemas.microsoft.com/office/powerpoint/2010/main" val="2510845256"/>
+        <p14:creationId xmlns:p14="http://schemas.microsoft.com/office/powerpoint/2010/main" val="1844786162"/>
       </p:ext>
     </p:extLst>
   </p:cSld>
@@ -1918,7 +1913,7 @@
           <p:cNvPr id="2" name="Title 1">
             <a:extLst>
               <a:ext uri="{FF2B5EF4-FFF2-40B4-BE49-F238E27FC236}">
-                <a16:creationId xmlns:a16="http://schemas.microsoft.com/office/drawing/2014/main" id="{13285B6B-E2CB-2F9B-F65E-37B005F0D3C2}"/>
+                <a16:creationId xmlns:a16="http://schemas.microsoft.com/office/drawing/2014/main" id="{D253CB60-11D7-98CC-253D-74790DEB14AE}"/>
               </a:ext>
             </a:extLst>
           </p:cNvPr>
@@ -1946,7 +1941,7 @@
           <p:cNvPr id="3" name="Date Placeholder 2">
             <a:extLst>
               <a:ext uri="{FF2B5EF4-FFF2-40B4-BE49-F238E27FC236}">
-                <a16:creationId xmlns:a16="http://schemas.microsoft.com/office/drawing/2014/main" id="{4D84D1B2-95A7-2128-144A-D7284396E375}"/>
+                <a16:creationId xmlns:a16="http://schemas.microsoft.com/office/drawing/2014/main" id="{1DBEFD5B-D487-3B8F-AD43-73413A99DF21}"/>
               </a:ext>
             </a:extLst>
           </p:cNvPr>
@@ -1962,9 +1957,9 @@
           <a:bodyPr/>
           <a:lstStyle/>
           <a:p>
-            <a:fld id="{E10378E5-6EF0-46B6-A2C4-A173DBC89C5F}" type="datetimeFigureOut">
+            <a:fld id="{C4F2B529-FD99-48B2-B369-10511B923552}" type="datetimeFigureOut">
               <a:rPr lang="en-US" smtClean="0"/>
-              <a:t>3/19/2024</a:t>
+              <a:t>4/20/2024</a:t>
             </a:fld>
             <a:endParaRPr lang="en-US"/>
           </a:p>
@@ -1975,7 +1970,7 @@
           <p:cNvPr id="4" name="Footer Placeholder 3">
             <a:extLst>
               <a:ext uri="{FF2B5EF4-FFF2-40B4-BE49-F238E27FC236}">
-                <a16:creationId xmlns:a16="http://schemas.microsoft.com/office/drawing/2014/main" id="{4CA8C614-880A-79A8-FF79-2DC9C6DDA011}"/>
+                <a16:creationId xmlns:a16="http://schemas.microsoft.com/office/drawing/2014/main" id="{4459A643-7105-B5D1-C0EB-F94239F5582E}"/>
               </a:ext>
             </a:extLst>
           </p:cNvPr>
@@ -2000,7 +1995,7 @@
           <p:cNvPr id="5" name="Slide Number Placeholder 4">
             <a:extLst>
               <a:ext uri="{FF2B5EF4-FFF2-40B4-BE49-F238E27FC236}">
-                <a16:creationId xmlns:a16="http://schemas.microsoft.com/office/drawing/2014/main" id="{35FD928A-D3F0-897F-5CB0-F8C1C116B90F}"/>
+                <a16:creationId xmlns:a16="http://schemas.microsoft.com/office/drawing/2014/main" id="{F571F02D-97FA-BAB4-12FC-542FBA68150F}"/>
               </a:ext>
             </a:extLst>
           </p:cNvPr>
@@ -2016,7 +2011,7 @@
           <a:bodyPr/>
           <a:lstStyle/>
           <a:p>
-            <a:fld id="{895AD2E4-D34F-44D7-9A48-3BC91C8203D3}" type="slidenum">
+            <a:fld id="{A7B37220-20B4-4684-87C5-6E6D42F8CE37}" type="slidenum">
               <a:rPr lang="en-US" smtClean="0"/>
               <a:t>‹#›</a:t>
             </a:fld>
@@ -2027,7 +2022,7 @@
     </p:spTree>
     <p:extLst>
       <p:ext uri="{BB962C8B-B14F-4D97-AF65-F5344CB8AC3E}">
-        <p14:creationId xmlns:p14="http://schemas.microsoft.com/office/powerpoint/2010/main" val="1340514481"/>
+        <p14:creationId xmlns:p14="http://schemas.microsoft.com/office/powerpoint/2010/main" val="2212098437"/>
       </p:ext>
     </p:extLst>
   </p:cSld>
@@ -2059,7 +2054,7 @@
           <p:cNvPr id="2" name="Date Placeholder 1">
             <a:extLst>
               <a:ext uri="{FF2B5EF4-FFF2-40B4-BE49-F238E27FC236}">
-                <a16:creationId xmlns:a16="http://schemas.microsoft.com/office/drawing/2014/main" id="{9AD6FD66-5806-64FA-AD34-EE0E90E82041}"/>
+                <a16:creationId xmlns:a16="http://schemas.microsoft.com/office/drawing/2014/main" id="{3277F963-1FF7-48AB-2155-4619A55D315D}"/>
               </a:ext>
             </a:extLst>
           </p:cNvPr>
@@ -2075,9 +2070,9 @@
           <a:bodyPr/>
           <a:lstStyle/>
           <a:p>
-            <a:fld id="{E10378E5-6EF0-46B6-A2C4-A173DBC89C5F}" type="datetimeFigureOut">
+            <a:fld id="{C4F2B529-FD99-48B2-B369-10511B923552}" type="datetimeFigureOut">
               <a:rPr lang="en-US" smtClean="0"/>
-              <a:t>3/19/2024</a:t>
+              <a:t>4/20/2024</a:t>
             </a:fld>
             <a:endParaRPr lang="en-US"/>
           </a:p>
@@ -2088,7 +2083,7 @@
           <p:cNvPr id="3" name="Footer Placeholder 2">
             <a:extLst>
               <a:ext uri="{FF2B5EF4-FFF2-40B4-BE49-F238E27FC236}">
-                <a16:creationId xmlns:a16="http://schemas.microsoft.com/office/drawing/2014/main" id="{80435663-F146-9BC1-5AA1-998A2F53BA66}"/>
+                <a16:creationId xmlns:a16="http://schemas.microsoft.com/office/drawing/2014/main" id="{211A5C00-0A58-A7D6-59F5-0673F7B9F0C0}"/>
               </a:ext>
             </a:extLst>
           </p:cNvPr>
@@ -2113,7 +2108,7 @@
           <p:cNvPr id="4" name="Slide Number Placeholder 3">
             <a:extLst>
               <a:ext uri="{FF2B5EF4-FFF2-40B4-BE49-F238E27FC236}">
-                <a16:creationId xmlns:a16="http://schemas.microsoft.com/office/drawing/2014/main" id="{D163B987-C15E-3CBE-1668-9E7FE59105A8}"/>
+                <a16:creationId xmlns:a16="http://schemas.microsoft.com/office/drawing/2014/main" id="{17113192-9988-BDDD-354B-FC889F6989C4}"/>
               </a:ext>
             </a:extLst>
           </p:cNvPr>
@@ -2129,7 +2124,7 @@
           <a:bodyPr/>
           <a:lstStyle/>
           <a:p>
-            <a:fld id="{895AD2E4-D34F-44D7-9A48-3BC91C8203D3}" type="slidenum">
+            <a:fld id="{A7B37220-20B4-4684-87C5-6E6D42F8CE37}" type="slidenum">
               <a:rPr lang="en-US" smtClean="0"/>
               <a:t>‹#›</a:t>
             </a:fld>
@@ -2140,7 +2135,7 @@
     </p:spTree>
     <p:extLst>
       <p:ext uri="{BB962C8B-B14F-4D97-AF65-F5344CB8AC3E}">
-        <p14:creationId xmlns:p14="http://schemas.microsoft.com/office/powerpoint/2010/main" val="1027570126"/>
+        <p14:creationId xmlns:p14="http://schemas.microsoft.com/office/powerpoint/2010/main" val="4182169471"/>
       </p:ext>
     </p:extLst>
   </p:cSld>
@@ -2172,7 +2167,7 @@
           <p:cNvPr id="2" name="Title 1">
             <a:extLst>
               <a:ext uri="{FF2B5EF4-FFF2-40B4-BE49-F238E27FC236}">
-                <a16:creationId xmlns:a16="http://schemas.microsoft.com/office/drawing/2014/main" id="{E14C7A2C-526D-6318-57C3-D498043E6797}"/>
+                <a16:creationId xmlns:a16="http://schemas.microsoft.com/office/drawing/2014/main" id="{5E6097F7-E79B-D48E-8368-C2FDBBE65739}"/>
               </a:ext>
             </a:extLst>
           </p:cNvPr>
@@ -2209,7 +2204,7 @@
           <p:cNvPr id="3" name="Content Placeholder 2">
             <a:extLst>
               <a:ext uri="{FF2B5EF4-FFF2-40B4-BE49-F238E27FC236}">
-                <a16:creationId xmlns:a16="http://schemas.microsoft.com/office/drawing/2014/main" id="{A25F1998-AF95-B7B0-5E44-CFE0EEFBFB7C}"/>
+                <a16:creationId xmlns:a16="http://schemas.microsoft.com/office/drawing/2014/main" id="{C070BF77-5823-57CA-EE23-25160D3480DD}"/>
               </a:ext>
             </a:extLst>
           </p:cNvPr>
@@ -2299,7 +2294,7 @@
           <p:cNvPr id="4" name="Text Placeholder 3">
             <a:extLst>
               <a:ext uri="{FF2B5EF4-FFF2-40B4-BE49-F238E27FC236}">
-                <a16:creationId xmlns:a16="http://schemas.microsoft.com/office/drawing/2014/main" id="{744D49EC-4B18-5E37-5D23-AB9FC7C123FC}"/>
+                <a16:creationId xmlns:a16="http://schemas.microsoft.com/office/drawing/2014/main" id="{2F1DEE6C-37DF-F1E5-E60F-F82827EA4C56}"/>
               </a:ext>
             </a:extLst>
           </p:cNvPr>
@@ -2370,7 +2365,7 @@
           <p:cNvPr id="5" name="Date Placeholder 4">
             <a:extLst>
               <a:ext uri="{FF2B5EF4-FFF2-40B4-BE49-F238E27FC236}">
-                <a16:creationId xmlns:a16="http://schemas.microsoft.com/office/drawing/2014/main" id="{DD03A61C-36C2-AE78-77B9-C76B40EB0366}"/>
+                <a16:creationId xmlns:a16="http://schemas.microsoft.com/office/drawing/2014/main" id="{19C8B28E-F0BA-096C-9E95-A1F421EC394E}"/>
               </a:ext>
             </a:extLst>
           </p:cNvPr>
@@ -2386,9 +2381,9 @@
           <a:bodyPr/>
           <a:lstStyle/>
           <a:p>
-            <a:fld id="{E10378E5-6EF0-46B6-A2C4-A173DBC89C5F}" type="datetimeFigureOut">
+            <a:fld id="{C4F2B529-FD99-48B2-B369-10511B923552}" type="datetimeFigureOut">
               <a:rPr lang="en-US" smtClean="0"/>
-              <a:t>3/19/2024</a:t>
+              <a:t>4/20/2024</a:t>
             </a:fld>
             <a:endParaRPr lang="en-US"/>
           </a:p>
@@ -2399,7 +2394,7 @@
           <p:cNvPr id="6" name="Footer Placeholder 5">
             <a:extLst>
               <a:ext uri="{FF2B5EF4-FFF2-40B4-BE49-F238E27FC236}">
-                <a16:creationId xmlns:a16="http://schemas.microsoft.com/office/drawing/2014/main" id="{519D1B9E-61BF-63DF-6A2F-C0A2547F5F4D}"/>
+                <a16:creationId xmlns:a16="http://schemas.microsoft.com/office/drawing/2014/main" id="{BFFD4952-78D6-0BCA-FEF6-A673D0DC3403}"/>
               </a:ext>
             </a:extLst>
           </p:cNvPr>
@@ -2424,7 +2419,7 @@
           <p:cNvPr id="7" name="Slide Number Placeholder 6">
             <a:extLst>
               <a:ext uri="{FF2B5EF4-FFF2-40B4-BE49-F238E27FC236}">
-                <a16:creationId xmlns:a16="http://schemas.microsoft.com/office/drawing/2014/main" id="{4CD1C3D4-8358-B72E-8126-DDB353748ABD}"/>
+                <a16:creationId xmlns:a16="http://schemas.microsoft.com/office/drawing/2014/main" id="{0CC193A1-23A5-6825-5953-24232F847523}"/>
               </a:ext>
             </a:extLst>
           </p:cNvPr>
@@ -2440,7 +2435,7 @@
           <a:bodyPr/>
           <a:lstStyle/>
           <a:p>
-            <a:fld id="{895AD2E4-D34F-44D7-9A48-3BC91C8203D3}" type="slidenum">
+            <a:fld id="{A7B37220-20B4-4684-87C5-6E6D42F8CE37}" type="slidenum">
               <a:rPr lang="en-US" smtClean="0"/>
               <a:t>‹#›</a:t>
             </a:fld>
@@ -2451,7 +2446,7 @@
     </p:spTree>
     <p:extLst>
       <p:ext uri="{BB962C8B-B14F-4D97-AF65-F5344CB8AC3E}">
-        <p14:creationId xmlns:p14="http://schemas.microsoft.com/office/powerpoint/2010/main" val="3884689007"/>
+        <p14:creationId xmlns:p14="http://schemas.microsoft.com/office/powerpoint/2010/main" val="447483259"/>
       </p:ext>
     </p:extLst>
   </p:cSld>
@@ -2483,7 +2478,7 @@
           <p:cNvPr id="2" name="Title 1">
             <a:extLst>
               <a:ext uri="{FF2B5EF4-FFF2-40B4-BE49-F238E27FC236}">
-                <a16:creationId xmlns:a16="http://schemas.microsoft.com/office/drawing/2014/main" id="{480A9291-DAC5-ADD4-4E79-ABDDFEE648A9}"/>
+                <a16:creationId xmlns:a16="http://schemas.microsoft.com/office/drawing/2014/main" id="{6DEE3A0C-E00E-BF79-4254-AE40B4CC0B65}"/>
               </a:ext>
             </a:extLst>
           </p:cNvPr>
@@ -2520,7 +2515,7 @@
           <p:cNvPr id="3" name="Picture Placeholder 2">
             <a:extLst>
               <a:ext uri="{FF2B5EF4-FFF2-40B4-BE49-F238E27FC236}">
-                <a16:creationId xmlns:a16="http://schemas.microsoft.com/office/drawing/2014/main" id="{5B197E46-F775-FBAE-2775-5934A3DFFF0A}"/>
+                <a16:creationId xmlns:a16="http://schemas.microsoft.com/office/drawing/2014/main" id="{49D1E6AF-E420-7E4D-F288-564738AE89C8}"/>
               </a:ext>
             </a:extLst>
           </p:cNvPr>
@@ -2587,7 +2582,7 @@
           <p:cNvPr id="4" name="Text Placeholder 3">
             <a:extLst>
               <a:ext uri="{FF2B5EF4-FFF2-40B4-BE49-F238E27FC236}">
-                <a16:creationId xmlns:a16="http://schemas.microsoft.com/office/drawing/2014/main" id="{39ED6408-7230-590A-F893-F05209CB5C35}"/>
+                <a16:creationId xmlns:a16="http://schemas.microsoft.com/office/drawing/2014/main" id="{9104D130-A13E-049B-6093-4BC964C337A4}"/>
               </a:ext>
             </a:extLst>
           </p:cNvPr>
@@ -2658,7 +2653,7 @@
           <p:cNvPr id="5" name="Date Placeholder 4">
             <a:extLst>
               <a:ext uri="{FF2B5EF4-FFF2-40B4-BE49-F238E27FC236}">
-                <a16:creationId xmlns:a16="http://schemas.microsoft.com/office/drawing/2014/main" id="{95A8BCE6-F03E-BC45-6634-0D029AFE1C65}"/>
+                <a16:creationId xmlns:a16="http://schemas.microsoft.com/office/drawing/2014/main" id="{E143D8C6-81D5-DD35-20DE-80ED31AC32E6}"/>
               </a:ext>
             </a:extLst>
           </p:cNvPr>
@@ -2674,9 +2669,9 @@
           <a:bodyPr/>
           <a:lstStyle/>
           <a:p>
-            <a:fld id="{E10378E5-6EF0-46B6-A2C4-A173DBC89C5F}" type="datetimeFigureOut">
+            <a:fld id="{C4F2B529-FD99-48B2-B369-10511B923552}" type="datetimeFigureOut">
               <a:rPr lang="en-US" smtClean="0"/>
-              <a:t>3/19/2024</a:t>
+              <a:t>4/20/2024</a:t>
             </a:fld>
             <a:endParaRPr lang="en-US"/>
           </a:p>
@@ -2687,7 +2682,7 @@
           <p:cNvPr id="6" name="Footer Placeholder 5">
             <a:extLst>
               <a:ext uri="{FF2B5EF4-FFF2-40B4-BE49-F238E27FC236}">
-                <a16:creationId xmlns:a16="http://schemas.microsoft.com/office/drawing/2014/main" id="{04732480-7CE5-20C8-841D-EFA6992F3C65}"/>
+                <a16:creationId xmlns:a16="http://schemas.microsoft.com/office/drawing/2014/main" id="{5DA3FB50-8589-17C7-68ED-EABA7BB36BD5}"/>
               </a:ext>
             </a:extLst>
           </p:cNvPr>
@@ -2712,7 +2707,7 @@
           <p:cNvPr id="7" name="Slide Number Placeholder 6">
             <a:extLst>
               <a:ext uri="{FF2B5EF4-FFF2-40B4-BE49-F238E27FC236}">
-                <a16:creationId xmlns:a16="http://schemas.microsoft.com/office/drawing/2014/main" id="{F0C71EE1-707B-1EEE-CC87-04125B2DABF7}"/>
+                <a16:creationId xmlns:a16="http://schemas.microsoft.com/office/drawing/2014/main" id="{E97B5E34-8010-A3B0-5E1D-253390AFE088}"/>
               </a:ext>
             </a:extLst>
           </p:cNvPr>
@@ -2728,7 +2723,7 @@
           <a:bodyPr/>
           <a:lstStyle/>
           <a:p>
-            <a:fld id="{895AD2E4-D34F-44D7-9A48-3BC91C8203D3}" type="slidenum">
+            <a:fld id="{A7B37220-20B4-4684-87C5-6E6D42F8CE37}" type="slidenum">
               <a:rPr lang="en-US" smtClean="0"/>
               <a:t>‹#›</a:t>
             </a:fld>
@@ -2739,7 +2734,7 @@
     </p:spTree>
     <p:extLst>
       <p:ext uri="{BB962C8B-B14F-4D97-AF65-F5344CB8AC3E}">
-        <p14:creationId xmlns:p14="http://schemas.microsoft.com/office/powerpoint/2010/main" val="3310405331"/>
+        <p14:creationId xmlns:p14="http://schemas.microsoft.com/office/powerpoint/2010/main" val="2982981683"/>
       </p:ext>
     </p:extLst>
   </p:cSld>
@@ -2776,7 +2771,7 @@
           <p:cNvPr id="2" name="Title Placeholder 1">
             <a:extLst>
               <a:ext uri="{FF2B5EF4-FFF2-40B4-BE49-F238E27FC236}">
-                <a16:creationId xmlns:a16="http://schemas.microsoft.com/office/drawing/2014/main" id="{DEF0C63E-79D9-9B4A-CB19-AADED9050EC8}"/>
+                <a16:creationId xmlns:a16="http://schemas.microsoft.com/office/drawing/2014/main" id="{8BDA8937-487C-3512-7388-803D0B113F58}"/>
               </a:ext>
             </a:extLst>
           </p:cNvPr>
@@ -2814,7 +2809,7 @@
           <p:cNvPr id="3" name="Text Placeholder 2">
             <a:extLst>
               <a:ext uri="{FF2B5EF4-FFF2-40B4-BE49-F238E27FC236}">
-                <a16:creationId xmlns:a16="http://schemas.microsoft.com/office/drawing/2014/main" id="{74FE6196-F2DD-9D37-109B-E46112F1AC79}"/>
+                <a16:creationId xmlns:a16="http://schemas.microsoft.com/office/drawing/2014/main" id="{C87D09E3-7189-AA08-3D33-89262B4D16AF}"/>
               </a:ext>
             </a:extLst>
           </p:cNvPr>
@@ -2881,7 +2876,7 @@
           <p:cNvPr id="4" name="Date Placeholder 3">
             <a:extLst>
               <a:ext uri="{FF2B5EF4-FFF2-40B4-BE49-F238E27FC236}">
-                <a16:creationId xmlns:a16="http://schemas.microsoft.com/office/drawing/2014/main" id="{129DD36B-EED4-42C0-2133-5D2A30C71873}"/>
+                <a16:creationId xmlns:a16="http://schemas.microsoft.com/office/drawing/2014/main" id="{40D19859-5934-41F5-47CB-E4902B583417}"/>
               </a:ext>
             </a:extLst>
           </p:cNvPr>
@@ -2915,9 +2910,9 @@
             </a:lvl1pPr>
           </a:lstStyle>
           <a:p>
-            <a:fld id="{E10378E5-6EF0-46B6-A2C4-A173DBC89C5F}" type="datetimeFigureOut">
+            <a:fld id="{C4F2B529-FD99-48B2-B369-10511B923552}" type="datetimeFigureOut">
               <a:rPr lang="en-US" smtClean="0"/>
-              <a:t>3/19/2024</a:t>
+              <a:t>4/20/2024</a:t>
             </a:fld>
             <a:endParaRPr lang="en-US"/>
           </a:p>
@@ -2928,7 +2923,7 @@
           <p:cNvPr id="5" name="Footer Placeholder 4">
             <a:extLst>
               <a:ext uri="{FF2B5EF4-FFF2-40B4-BE49-F238E27FC236}">
-                <a16:creationId xmlns:a16="http://schemas.microsoft.com/office/drawing/2014/main" id="{6C0FC8CD-4851-A86C-FBAF-3589F0E80421}"/>
+                <a16:creationId xmlns:a16="http://schemas.microsoft.com/office/drawing/2014/main" id="{7F1E356D-DAAB-345A-B8F1-5AC446751F8D}"/>
               </a:ext>
             </a:extLst>
           </p:cNvPr>
@@ -2971,7 +2966,7 @@
           <p:cNvPr id="6" name="Slide Number Placeholder 5">
             <a:extLst>
               <a:ext uri="{FF2B5EF4-FFF2-40B4-BE49-F238E27FC236}">
-                <a16:creationId xmlns:a16="http://schemas.microsoft.com/office/drawing/2014/main" id="{96A08AC2-B4B6-481E-BF7B-D8A008024D8A}"/>
+                <a16:creationId xmlns:a16="http://schemas.microsoft.com/office/drawing/2014/main" id="{2588DC33-128B-6B47-D087-04EE6F41D822}"/>
               </a:ext>
             </a:extLst>
           </p:cNvPr>
@@ -3005,7 +3000,7 @@
             </a:lvl1pPr>
           </a:lstStyle>
           <a:p>
-            <a:fld id="{895AD2E4-D34F-44D7-9A48-3BC91C8203D3}" type="slidenum">
+            <a:fld id="{A7B37220-20B4-4684-87C5-6E6D42F8CE37}" type="slidenum">
               <a:rPr lang="en-US" smtClean="0"/>
               <a:t>‹#›</a:t>
             </a:fld>
@@ -3016,7 +3011,7 @@
     </p:spTree>
     <p:extLst>
       <p:ext uri="{BB962C8B-B14F-4D97-AF65-F5344CB8AC3E}">
-        <p14:creationId xmlns:p14="http://schemas.microsoft.com/office/powerpoint/2010/main" val="924324270"/>
+        <p14:creationId xmlns:p14="http://schemas.microsoft.com/office/powerpoint/2010/main" val="1319918073"/>
       </p:ext>
     </p:extLst>
   </p:cSld>
@@ -3342,6 +3337,152 @@
       </p:grpSpPr>
       <p:sp>
         <p:nvSpPr>
+          <p:cNvPr id="4" name="Rectangle 3">
+            <a:extLst>
+              <a:ext uri="{FF2B5EF4-FFF2-40B4-BE49-F238E27FC236}">
+                <a16:creationId xmlns:a16="http://schemas.microsoft.com/office/drawing/2014/main" id="{1183F792-0A50-7D8C-7A9F-48AC8D6994B1}"/>
+              </a:ext>
+            </a:extLst>
+          </p:cNvPr>
+          <p:cNvSpPr/>
+          <p:nvPr/>
+        </p:nvSpPr>
+        <p:spPr>
+          <a:xfrm>
+            <a:off x="0" y="5840991"/>
+            <a:ext cx="12192000" cy="1017009"/>
+          </a:xfrm>
+          <a:prstGeom prst="rect">
+            <a:avLst/>
+          </a:prstGeom>
+          <a:solidFill>
+            <a:srgbClr val="FFD9E6"/>
+          </a:solidFill>
+          <a:ln>
+            <a:solidFill>
+              <a:srgbClr val="FFD9E6"/>
+            </a:solidFill>
+          </a:ln>
+        </p:spPr>
+        <p:style>
+          <a:lnRef idx="2">
+            <a:schemeClr val="accent1">
+              <a:shade val="15000"/>
+            </a:schemeClr>
+          </a:lnRef>
+          <a:fillRef idx="1">
+            <a:schemeClr val="accent1"/>
+          </a:fillRef>
+          <a:effectRef idx="0">
+            <a:schemeClr val="accent1"/>
+          </a:effectRef>
+          <a:fontRef idx="minor">
+            <a:schemeClr val="lt1"/>
+          </a:fontRef>
+        </p:style>
+        <p:txBody>
+          <a:bodyPr rtlCol="0" anchor="ctr"/>
+          <a:lstStyle/>
+          <a:p>
+            <a:pPr algn="ctr"/>
+            <a:endParaRPr lang="en-US"/>
+          </a:p>
+        </p:txBody>
+      </p:sp>
+      <p:sp>
+        <p:nvSpPr>
+          <p:cNvPr id="5" name="Rectangle 4">
+            <a:extLst>
+              <a:ext uri="{FF2B5EF4-FFF2-40B4-BE49-F238E27FC236}">
+                <a16:creationId xmlns:a16="http://schemas.microsoft.com/office/drawing/2014/main" id="{DC6785D4-90FC-0584-823E-CB7BFEF0F106}"/>
+              </a:ext>
+            </a:extLst>
+          </p:cNvPr>
+          <p:cNvSpPr/>
+          <p:nvPr/>
+        </p:nvSpPr>
+        <p:spPr>
+          <a:xfrm>
+            <a:off x="0" y="0"/>
+            <a:ext cx="12192000" cy="1136342"/>
+          </a:xfrm>
+          <a:prstGeom prst="rect">
+            <a:avLst/>
+          </a:prstGeom>
+          <a:solidFill>
+            <a:srgbClr val="FFD9E6"/>
+          </a:solidFill>
+          <a:ln>
+            <a:solidFill>
+              <a:srgbClr val="FFD9E6"/>
+            </a:solidFill>
+          </a:ln>
+        </p:spPr>
+        <p:style>
+          <a:lnRef idx="2">
+            <a:schemeClr val="accent1">
+              <a:shade val="15000"/>
+            </a:schemeClr>
+          </a:lnRef>
+          <a:fillRef idx="1">
+            <a:schemeClr val="accent1"/>
+          </a:fillRef>
+          <a:effectRef idx="0">
+            <a:schemeClr val="accent1"/>
+          </a:effectRef>
+          <a:fontRef idx="minor">
+            <a:schemeClr val="lt1"/>
+          </a:fontRef>
+        </p:style>
+        <p:txBody>
+          <a:bodyPr rtlCol="0" anchor="ctr"/>
+          <a:lstStyle/>
+          <a:p>
+            <a:pPr algn="ctr"/>
+            <a:endParaRPr lang="en-US" dirty="0">
+              <a:noFill/>
+            </a:endParaRPr>
+          </a:p>
+        </p:txBody>
+      </p:sp>
+      <p:pic>
+        <p:nvPicPr>
+          <p:cNvPr id="6" name="Picture 5" descr="A black and white logo&#10;&#10;Description automatically generated">
+            <a:extLst>
+              <a:ext uri="{FF2B5EF4-FFF2-40B4-BE49-F238E27FC236}">
+                <a16:creationId xmlns:a16="http://schemas.microsoft.com/office/drawing/2014/main" id="{9B486DE4-053A-9624-6A52-B9B7AFBB1BDD}"/>
+              </a:ext>
+            </a:extLst>
+          </p:cNvPr>
+          <p:cNvPicPr>
+            <a:picLocks noChangeAspect="1"/>
+          </p:cNvPicPr>
+          <p:nvPr/>
+        </p:nvPicPr>
+        <p:blipFill>
+          <a:blip r:embed="rId2">
+            <a:extLst>
+              <a:ext uri="{28A0092B-C50C-407E-A947-70E740481C1C}">
+                <a14:useLocalDpi xmlns:a14="http://schemas.microsoft.com/office/drawing/2010/main" val="0"/>
+              </a:ext>
+            </a:extLst>
+          </a:blip>
+          <a:stretch>
+            <a:fillRect/>
+          </a:stretch>
+        </p:blipFill>
+        <p:spPr>
+          <a:xfrm>
+            <a:off x="11051882" y="119333"/>
+            <a:ext cx="1093483" cy="1017009"/>
+          </a:xfrm>
+          <a:prstGeom prst="rect">
+            <a:avLst/>
+          </a:prstGeom>
+        </p:spPr>
+      </p:pic>
+      <p:sp>
+        <p:nvSpPr>
           <p:cNvPr id="2" name="Title 1">
             <a:extLst>
               <a:ext uri="{FF2B5EF4-FFF2-40B4-BE49-F238E27FC236}">
@@ -3362,7 +3503,10 @@
           <a:lstStyle/>
           <a:p>
             <a:r>
-              <a:rPr lang="en-US" dirty="0"/>
+              <a:rPr lang="en-US" dirty="0">
+                <a:latin typeface="TH SarabunPSK" panose="020B0500040200020003" pitchFamily="34" charset="-34"/>
+                <a:cs typeface="TH SarabunPSK" panose="020B0500040200020003" pitchFamily="34" charset="-34"/>
+              </a:rPr>
               <a:t>Class period 12</a:t>
             </a:r>
           </a:p>
@@ -3390,10 +3534,16 @@
           <a:lstStyle/>
           <a:p>
             <a:r>
-              <a:rPr lang="en-US" dirty="0" err="1"/>
+              <a:rPr lang="en-US" dirty="0" err="1">
+                <a:latin typeface="TH SarabunPSK" panose="020B0500040200020003" pitchFamily="34" charset="-34"/>
+                <a:cs typeface="TH SarabunPSK" panose="020B0500040200020003" pitchFamily="34" charset="-34"/>
+              </a:rPr>
               <a:t>Visualize_Data_Distribution</a:t>
             </a:r>
-            <a:endParaRPr lang="en-US" dirty="0"/>
+            <a:endParaRPr lang="en-US" dirty="0">
+              <a:latin typeface="TH SarabunPSK" panose="020B0500040200020003" pitchFamily="34" charset="-34"/>
+              <a:cs typeface="TH SarabunPSK" panose="020B0500040200020003" pitchFamily="34" charset="-34"/>
+            </a:endParaRPr>
           </a:p>
         </p:txBody>
       </p:sp>
@@ -3429,6 +3579,377 @@
       </p:grpSpPr>
       <p:sp>
         <p:nvSpPr>
+          <p:cNvPr id="4" name="Rectangle 3">
+            <a:extLst>
+              <a:ext uri="{FF2B5EF4-FFF2-40B4-BE49-F238E27FC236}">
+                <a16:creationId xmlns:a16="http://schemas.microsoft.com/office/drawing/2014/main" id="{B8D33D95-C0AD-2656-5D10-D56F202E869C}"/>
+              </a:ext>
+            </a:extLst>
+          </p:cNvPr>
+          <p:cNvSpPr/>
+          <p:nvPr/>
+        </p:nvSpPr>
+        <p:spPr>
+          <a:xfrm>
+            <a:off x="0" y="5840991"/>
+            <a:ext cx="12192000" cy="1017009"/>
+          </a:xfrm>
+          <a:prstGeom prst="rect">
+            <a:avLst/>
+          </a:prstGeom>
+          <a:solidFill>
+            <a:srgbClr val="FFD9E6"/>
+          </a:solidFill>
+          <a:ln>
+            <a:solidFill>
+              <a:srgbClr val="FFD9E6"/>
+            </a:solidFill>
+          </a:ln>
+        </p:spPr>
+        <p:style>
+          <a:lnRef idx="2">
+            <a:schemeClr val="accent1">
+              <a:shade val="15000"/>
+            </a:schemeClr>
+          </a:lnRef>
+          <a:fillRef idx="1">
+            <a:schemeClr val="accent1"/>
+          </a:fillRef>
+          <a:effectRef idx="0">
+            <a:schemeClr val="accent1"/>
+          </a:effectRef>
+          <a:fontRef idx="minor">
+            <a:schemeClr val="lt1"/>
+          </a:fontRef>
+        </p:style>
+        <p:txBody>
+          <a:bodyPr rtlCol="0" anchor="ctr"/>
+          <a:lstStyle/>
+          <a:p>
+            <a:pPr algn="ctr"/>
+            <a:endParaRPr lang="en-US"/>
+          </a:p>
+        </p:txBody>
+      </p:sp>
+      <p:sp>
+        <p:nvSpPr>
+          <p:cNvPr id="5" name="Rectangle 4">
+            <a:extLst>
+              <a:ext uri="{FF2B5EF4-FFF2-40B4-BE49-F238E27FC236}">
+                <a16:creationId xmlns:a16="http://schemas.microsoft.com/office/drawing/2014/main" id="{68228A8B-4B56-8021-4E7A-1752DCC6D7B6}"/>
+              </a:ext>
+            </a:extLst>
+          </p:cNvPr>
+          <p:cNvSpPr/>
+          <p:nvPr/>
+        </p:nvSpPr>
+        <p:spPr>
+          <a:xfrm>
+            <a:off x="0" y="0"/>
+            <a:ext cx="12192000" cy="1136342"/>
+          </a:xfrm>
+          <a:prstGeom prst="rect">
+            <a:avLst/>
+          </a:prstGeom>
+          <a:solidFill>
+            <a:srgbClr val="FFD9E6"/>
+          </a:solidFill>
+          <a:ln>
+            <a:solidFill>
+              <a:srgbClr val="FFD9E6"/>
+            </a:solidFill>
+          </a:ln>
+        </p:spPr>
+        <p:style>
+          <a:lnRef idx="2">
+            <a:schemeClr val="accent1">
+              <a:shade val="15000"/>
+            </a:schemeClr>
+          </a:lnRef>
+          <a:fillRef idx="1">
+            <a:schemeClr val="accent1"/>
+          </a:fillRef>
+          <a:effectRef idx="0">
+            <a:schemeClr val="accent1"/>
+          </a:effectRef>
+          <a:fontRef idx="minor">
+            <a:schemeClr val="lt1"/>
+          </a:fontRef>
+        </p:style>
+        <p:txBody>
+          <a:bodyPr rtlCol="0" anchor="ctr"/>
+          <a:lstStyle/>
+          <a:p>
+            <a:pPr algn="ctr"/>
+            <a:endParaRPr lang="en-US" dirty="0">
+              <a:noFill/>
+            </a:endParaRPr>
+          </a:p>
+        </p:txBody>
+      </p:sp>
+      <p:pic>
+        <p:nvPicPr>
+          <p:cNvPr id="6" name="Picture 5" descr="A black and white logo&#10;&#10;Description automatically generated">
+            <a:extLst>
+              <a:ext uri="{FF2B5EF4-FFF2-40B4-BE49-F238E27FC236}">
+                <a16:creationId xmlns:a16="http://schemas.microsoft.com/office/drawing/2014/main" id="{D354B156-A759-38A1-66B5-A6129BB57C7A}"/>
+              </a:ext>
+            </a:extLst>
+          </p:cNvPr>
+          <p:cNvPicPr>
+            <a:picLocks noChangeAspect="1"/>
+          </p:cNvPicPr>
+          <p:nvPr/>
+        </p:nvPicPr>
+        <p:blipFill>
+          <a:blip r:embed="rId2">
+            <a:extLst>
+              <a:ext uri="{28A0092B-C50C-407E-A947-70E740481C1C}">
+                <a14:useLocalDpi xmlns:a14="http://schemas.microsoft.com/office/drawing/2010/main" val="0"/>
+              </a:ext>
+            </a:extLst>
+          </a:blip>
+          <a:stretch>
+            <a:fillRect/>
+          </a:stretch>
+        </p:blipFill>
+        <p:spPr>
+          <a:xfrm>
+            <a:off x="11051882" y="119333"/>
+            <a:ext cx="1093483" cy="1017009"/>
+          </a:xfrm>
+          <a:prstGeom prst="rect">
+            <a:avLst/>
+          </a:prstGeom>
+        </p:spPr>
+      </p:pic>
+      <p:sp>
+        <p:nvSpPr>
+          <p:cNvPr id="7" name="Flowchart: Data 2">
+            <a:extLst>
+              <a:ext uri="{FF2B5EF4-FFF2-40B4-BE49-F238E27FC236}">
+                <a16:creationId xmlns:a16="http://schemas.microsoft.com/office/drawing/2014/main" id="{6BB9CD7A-F5D6-B9CA-33E3-19C313021154}"/>
+              </a:ext>
+            </a:extLst>
+          </p:cNvPr>
+          <p:cNvSpPr/>
+          <p:nvPr/>
+        </p:nvSpPr>
+        <p:spPr>
+          <a:xfrm>
+            <a:off x="10848138" y="6264097"/>
+            <a:ext cx="1343862" cy="608120"/>
+          </a:xfrm>
+          <a:custGeom>
+            <a:avLst/>
+            <a:gdLst>
+              <a:gd name="connsiteX0" fmla="*/ 0 w 10000"/>
+              <a:gd name="connsiteY0" fmla="*/ 10000 h 10000"/>
+              <a:gd name="connsiteX1" fmla="*/ 2000 w 10000"/>
+              <a:gd name="connsiteY1" fmla="*/ 0 h 10000"/>
+              <a:gd name="connsiteX2" fmla="*/ 10000 w 10000"/>
+              <a:gd name="connsiteY2" fmla="*/ 0 h 10000"/>
+              <a:gd name="connsiteX3" fmla="*/ 8000 w 10000"/>
+              <a:gd name="connsiteY3" fmla="*/ 10000 h 10000"/>
+              <a:gd name="connsiteX4" fmla="*/ 0 w 10000"/>
+              <a:gd name="connsiteY4" fmla="*/ 10000 h 10000"/>
+              <a:gd name="connsiteX0" fmla="*/ 0 w 8000"/>
+              <a:gd name="connsiteY0" fmla="*/ 10000 h 10000"/>
+              <a:gd name="connsiteX1" fmla="*/ 2000 w 8000"/>
+              <a:gd name="connsiteY1" fmla="*/ 0 h 10000"/>
+              <a:gd name="connsiteX2" fmla="*/ 4142 w 8000"/>
+              <a:gd name="connsiteY2" fmla="*/ 153 h 10000"/>
+              <a:gd name="connsiteX3" fmla="*/ 8000 w 8000"/>
+              <a:gd name="connsiteY3" fmla="*/ 10000 h 10000"/>
+              <a:gd name="connsiteX4" fmla="*/ 0 w 8000"/>
+              <a:gd name="connsiteY4" fmla="*/ 10000 h 10000"/>
+              <a:gd name="connsiteX0" fmla="*/ 0 w 5414"/>
+              <a:gd name="connsiteY0" fmla="*/ 10000 h 10000"/>
+              <a:gd name="connsiteX1" fmla="*/ 2500 w 5414"/>
+              <a:gd name="connsiteY1" fmla="*/ 0 h 10000"/>
+              <a:gd name="connsiteX2" fmla="*/ 5178 w 5414"/>
+              <a:gd name="connsiteY2" fmla="*/ 153 h 10000"/>
+              <a:gd name="connsiteX3" fmla="*/ 5414 w 5414"/>
+              <a:gd name="connsiteY3" fmla="*/ 10000 h 10000"/>
+              <a:gd name="connsiteX4" fmla="*/ 0 w 5414"/>
+              <a:gd name="connsiteY4" fmla="*/ 10000 h 10000"/>
+              <a:gd name="connsiteX0" fmla="*/ 0 w 9609"/>
+              <a:gd name="connsiteY0" fmla="*/ 10000 h 10000"/>
+              <a:gd name="connsiteX1" fmla="*/ 4618 w 9609"/>
+              <a:gd name="connsiteY1" fmla="*/ 0 h 10000"/>
+              <a:gd name="connsiteX2" fmla="*/ 9564 w 9609"/>
+              <a:gd name="connsiteY2" fmla="*/ 153 h 10000"/>
+              <a:gd name="connsiteX3" fmla="*/ 9590 w 9609"/>
+              <a:gd name="connsiteY3" fmla="*/ 10000 h 10000"/>
+              <a:gd name="connsiteX4" fmla="*/ 0 w 9609"/>
+              <a:gd name="connsiteY4" fmla="*/ 10000 h 10000"/>
+              <a:gd name="connsiteX0" fmla="*/ 0 w 10193"/>
+              <a:gd name="connsiteY0" fmla="*/ 10000 h 10153"/>
+              <a:gd name="connsiteX1" fmla="*/ 4806 w 10193"/>
+              <a:gd name="connsiteY1" fmla="*/ 0 h 10153"/>
+              <a:gd name="connsiteX2" fmla="*/ 9953 w 10193"/>
+              <a:gd name="connsiteY2" fmla="*/ 153 h 10153"/>
+              <a:gd name="connsiteX3" fmla="*/ 10193 w 10193"/>
+              <a:gd name="connsiteY3" fmla="*/ 10153 h 10153"/>
+              <a:gd name="connsiteX4" fmla="*/ 0 w 10193"/>
+              <a:gd name="connsiteY4" fmla="*/ 10000 h 10153"/>
+              <a:gd name="connsiteX0" fmla="*/ 0 w 10213"/>
+              <a:gd name="connsiteY0" fmla="*/ 10000 h 10153"/>
+              <a:gd name="connsiteX1" fmla="*/ 4806 w 10213"/>
+              <a:gd name="connsiteY1" fmla="*/ 0 h 10153"/>
+              <a:gd name="connsiteX2" fmla="*/ 10166 w 10213"/>
+              <a:gd name="connsiteY2" fmla="*/ 153 h 10153"/>
+              <a:gd name="connsiteX3" fmla="*/ 10193 w 10213"/>
+              <a:gd name="connsiteY3" fmla="*/ 10153 h 10153"/>
+              <a:gd name="connsiteX4" fmla="*/ 0 w 10213"/>
+              <a:gd name="connsiteY4" fmla="*/ 10000 h 10153"/>
+              <a:gd name="connsiteX0" fmla="*/ 0 w 10341"/>
+              <a:gd name="connsiteY0" fmla="*/ 10000 h 10153"/>
+              <a:gd name="connsiteX1" fmla="*/ 4806 w 10341"/>
+              <a:gd name="connsiteY1" fmla="*/ 0 h 10153"/>
+              <a:gd name="connsiteX2" fmla="*/ 10308 w 10341"/>
+              <a:gd name="connsiteY2" fmla="*/ 0 h 10153"/>
+              <a:gd name="connsiteX3" fmla="*/ 10193 w 10341"/>
+              <a:gd name="connsiteY3" fmla="*/ 10153 h 10153"/>
+              <a:gd name="connsiteX4" fmla="*/ 0 w 10341"/>
+              <a:gd name="connsiteY4" fmla="*/ 10000 h 10153"/>
+              <a:gd name="connsiteX0" fmla="*/ 0 w 10406"/>
+              <a:gd name="connsiteY0" fmla="*/ 10000 h 10306"/>
+              <a:gd name="connsiteX1" fmla="*/ 4806 w 10406"/>
+              <a:gd name="connsiteY1" fmla="*/ 0 h 10306"/>
+              <a:gd name="connsiteX2" fmla="*/ 10308 w 10406"/>
+              <a:gd name="connsiteY2" fmla="*/ 0 h 10306"/>
+              <a:gd name="connsiteX3" fmla="*/ 10406 w 10406"/>
+              <a:gd name="connsiteY3" fmla="*/ 10306 h 10306"/>
+              <a:gd name="connsiteX4" fmla="*/ 0 w 10406"/>
+              <a:gd name="connsiteY4" fmla="*/ 10000 h 10306"/>
+              <a:gd name="connsiteX0" fmla="*/ 0 w 10761"/>
+              <a:gd name="connsiteY0" fmla="*/ 10458 h 10458"/>
+              <a:gd name="connsiteX1" fmla="*/ 5161 w 10761"/>
+              <a:gd name="connsiteY1" fmla="*/ 0 h 10458"/>
+              <a:gd name="connsiteX2" fmla="*/ 10663 w 10761"/>
+              <a:gd name="connsiteY2" fmla="*/ 0 h 10458"/>
+              <a:gd name="connsiteX3" fmla="*/ 10761 w 10761"/>
+              <a:gd name="connsiteY3" fmla="*/ 10306 h 10458"/>
+              <a:gd name="connsiteX4" fmla="*/ 0 w 10761"/>
+              <a:gd name="connsiteY4" fmla="*/ 10458 h 10458"/>
+            </a:gdLst>
+            <a:ahLst/>
+            <a:cxnLst>
+              <a:cxn ang="0">
+                <a:pos x="connsiteX0" y="connsiteY0"/>
+              </a:cxn>
+              <a:cxn ang="0">
+                <a:pos x="connsiteX1" y="connsiteY1"/>
+              </a:cxn>
+              <a:cxn ang="0">
+                <a:pos x="connsiteX2" y="connsiteY2"/>
+              </a:cxn>
+              <a:cxn ang="0">
+                <a:pos x="connsiteX3" y="connsiteY3"/>
+              </a:cxn>
+              <a:cxn ang="0">
+                <a:pos x="connsiteX4" y="connsiteY4"/>
+              </a:cxn>
+            </a:cxnLst>
+            <a:rect l="l" t="t" r="r" b="b"/>
+            <a:pathLst>
+              <a:path w="10761" h="10458">
+                <a:moveTo>
+                  <a:pt x="0" y="10458"/>
+                </a:moveTo>
+                <a:lnTo>
+                  <a:pt x="5161" y="0"/>
+                </a:lnTo>
+                <a:lnTo>
+                  <a:pt x="10663" y="0"/>
+                </a:lnTo>
+                <a:cubicBezTo>
+                  <a:pt x="10815" y="3282"/>
+                  <a:pt x="10609" y="7024"/>
+                  <a:pt x="10761" y="10306"/>
+                </a:cubicBezTo>
+                <a:lnTo>
+                  <a:pt x="0" y="10458"/>
+                </a:lnTo>
+                <a:close/>
+              </a:path>
+            </a:pathLst>
+          </a:custGeom>
+          <a:solidFill>
+            <a:schemeClr val="bg1"/>
+          </a:solidFill>
+          <a:ln w="19050">
+            <a:solidFill>
+              <a:schemeClr val="tx1"/>
+            </a:solidFill>
+          </a:ln>
+        </p:spPr>
+        <p:style>
+          <a:lnRef idx="2">
+            <a:schemeClr val="accent1">
+              <a:shade val="15000"/>
+            </a:schemeClr>
+          </a:lnRef>
+          <a:fillRef idx="1">
+            <a:schemeClr val="accent1"/>
+          </a:fillRef>
+          <a:effectRef idx="0">
+            <a:schemeClr val="accent1"/>
+          </a:effectRef>
+          <a:fontRef idx="minor">
+            <a:schemeClr val="lt1"/>
+          </a:fontRef>
+        </p:style>
+        <p:txBody>
+          <a:bodyPr rtlCol="0" anchor="ctr"/>
+          <a:lstStyle/>
+          <a:p>
+            <a:pPr algn="ctr"/>
+            <a:endParaRPr lang="en-US"/>
+          </a:p>
+        </p:txBody>
+      </p:sp>
+      <p:sp>
+        <p:nvSpPr>
+          <p:cNvPr id="8" name="TextBox 7">
+            <a:extLst>
+              <a:ext uri="{FF2B5EF4-FFF2-40B4-BE49-F238E27FC236}">
+                <a16:creationId xmlns:a16="http://schemas.microsoft.com/office/drawing/2014/main" id="{8208CB86-3FDC-0DFB-B478-F95B28B12425}"/>
+              </a:ext>
+            </a:extLst>
+          </p:cNvPr>
+          <p:cNvSpPr txBox="1"/>
+          <p:nvPr/>
+        </p:nvSpPr>
+        <p:spPr>
+          <a:xfrm>
+            <a:off x="11520069" y="6287442"/>
+            <a:ext cx="557254" cy="584775"/>
+          </a:xfrm>
+          <a:prstGeom prst="rect">
+            <a:avLst/>
+          </a:prstGeom>
+          <a:noFill/>
+        </p:spPr>
+        <p:txBody>
+          <a:bodyPr wrap="square" rtlCol="0">
+            <a:spAutoFit/>
+          </a:bodyPr>
+          <a:lstStyle/>
+          <a:p>
+            <a:r>
+              <a:rPr lang="en-US" sz="3200" dirty="0">
+                <a:latin typeface="TH SarabunPSK" panose="020B0500040200020003" pitchFamily="34" charset="-34"/>
+                <a:cs typeface="TH SarabunPSK" panose="020B0500040200020003" pitchFamily="34" charset="-34"/>
+              </a:rPr>
+              <a:t>1</a:t>
+            </a:r>
+          </a:p>
+        </p:txBody>
+      </p:sp>
+      <p:sp>
+        <p:nvSpPr>
           <p:cNvPr id="2" name="Title 1">
             <a:extLst>
               <a:ext uri="{FF2B5EF4-FFF2-40B4-BE49-F238E27FC236}">
@@ -3443,13 +3964,21 @@
             <p:ph type="title"/>
           </p:nvPr>
         </p:nvSpPr>
-        <p:spPr/>
+        <p:spPr>
+          <a:xfrm>
+            <a:off x="838200" y="18255"/>
+            <a:ext cx="10515600" cy="1325563"/>
+          </a:xfrm>
+        </p:spPr>
         <p:txBody>
           <a:bodyPr/>
           <a:lstStyle/>
           <a:p>
             <a:r>
-              <a:rPr lang="en-US" dirty="0"/>
+              <a:rPr lang="en-US" dirty="0">
+                <a:latin typeface="TH SarabunPSK" panose="020B0500040200020003" pitchFamily="34" charset="-34"/>
+                <a:cs typeface="TH SarabunPSK" panose="020B0500040200020003" pitchFamily="34" charset="-34"/>
+              </a:rPr>
               <a:t>Quiz2</a:t>
             </a:r>
           </a:p>
@@ -3473,61 +4002,101 @@
         </p:nvSpPr>
         <p:spPr/>
         <p:txBody>
-          <a:bodyPr/>
-          <a:lstStyle/>
-          <a:p>
-            <a:r>
-              <a:rPr lang="th-TH" dirty="0"/>
+          <a:bodyPr>
+            <a:normAutofit/>
+          </a:bodyPr>
+          <a:lstStyle/>
+          <a:p>
+            <a:r>
+              <a:rPr lang="th-TH" sz="2400" dirty="0">
+                <a:latin typeface="TH SarabunPSK" panose="020B0500040200020003" pitchFamily="34" charset="-34"/>
+                <a:cs typeface="TH SarabunPSK" panose="020B0500040200020003" pitchFamily="34" charset="-34"/>
+              </a:rPr>
               <a:t>โหลดข้อมูลรายได้เฉลี่ยต่อเดือนต่อครัวเรือน จำแนกตามภาค และจังหวัดจาก</a:t>
             </a:r>
           </a:p>
           <a:p>
             <a:r>
-              <a:rPr lang="en-US" sz="2000" dirty="0">
-                <a:hlinkClick r:id="rId2"/>
+              <a:rPr lang="en-US" sz="2400" dirty="0">
+                <a:latin typeface="TH SarabunPSK" panose="020B0500040200020003" pitchFamily="34" charset="-34"/>
+                <a:cs typeface="TH SarabunPSK" panose="020B0500040200020003" pitchFamily="34" charset="-34"/>
+                <a:hlinkClick r:id="rId3"/>
               </a:rPr>
               <a:t>https://data.go.th/dataset/item_7049410f-5bb8-4c75-9e94-112ca18b63e2</a:t>
             </a:r>
-            <a:endParaRPr lang="th-TH" sz="2000" dirty="0"/>
-          </a:p>
-          <a:p>
-            <a:r>
-              <a:rPr lang="th-TH" dirty="0"/>
+            <a:endParaRPr lang="th-TH" sz="2400" dirty="0">
+              <a:latin typeface="TH SarabunPSK" panose="020B0500040200020003" pitchFamily="34" charset="-34"/>
+              <a:cs typeface="TH SarabunPSK" panose="020B0500040200020003" pitchFamily="34" charset="-34"/>
+            </a:endParaRPr>
+          </a:p>
+          <a:p>
+            <a:r>
+              <a:rPr lang="th-TH" sz="2400" dirty="0">
+                <a:latin typeface="TH SarabunPSK" panose="020B0500040200020003" pitchFamily="34" charset="-34"/>
+                <a:cs typeface="TH SarabunPSK" panose="020B0500040200020003" pitchFamily="34" charset="-34"/>
+              </a:rPr>
               <a:t>ให้นักศึกษา </a:t>
             </a:r>
             <a:r>
-              <a:rPr lang="en-US" dirty="0"/>
+              <a:rPr lang="en-US" sz="2400" dirty="0">
+                <a:latin typeface="TH SarabunPSK" panose="020B0500040200020003" pitchFamily="34" charset="-34"/>
+                <a:cs typeface="TH SarabunPSK" panose="020B0500040200020003" pitchFamily="34" charset="-34"/>
+              </a:rPr>
               <a:t>clean </a:t>
             </a:r>
             <a:r>
-              <a:rPr lang="th-TH" dirty="0"/>
+              <a:rPr lang="th-TH" sz="2400" dirty="0">
+                <a:latin typeface="TH SarabunPSK" panose="020B0500040200020003" pitchFamily="34" charset="-34"/>
+                <a:cs typeface="TH SarabunPSK" panose="020B0500040200020003" pitchFamily="34" charset="-34"/>
+              </a:rPr>
               <a:t>ข้อมูลคอลัมน์ </a:t>
             </a:r>
             <a:r>
-              <a:rPr lang="en-US" dirty="0"/>
+              <a:rPr lang="en-US" sz="2400" dirty="0">
+                <a:latin typeface="TH SarabunPSK" panose="020B0500040200020003" pitchFamily="34" charset="-34"/>
+                <a:cs typeface="TH SarabunPSK" panose="020B0500040200020003" pitchFamily="34" charset="-34"/>
+              </a:rPr>
               <a:t>‘</a:t>
             </a:r>
             <a:r>
-              <a:rPr lang="th-TH" dirty="0"/>
+              <a:rPr lang="th-TH" sz="2400" dirty="0">
+                <a:latin typeface="TH SarabunPSK" panose="020B0500040200020003" pitchFamily="34" charset="-34"/>
+                <a:cs typeface="TH SarabunPSK" panose="020B0500040200020003" pitchFamily="34" charset="-34"/>
+              </a:rPr>
               <a:t>ภาคและจังหวัด</a:t>
             </a:r>
             <a:r>
-              <a:rPr lang="en-US" dirty="0"/>
+              <a:rPr lang="en-US" sz="2400" dirty="0">
+                <a:latin typeface="TH SarabunPSK" panose="020B0500040200020003" pitchFamily="34" charset="-34"/>
+                <a:cs typeface="TH SarabunPSK" panose="020B0500040200020003" pitchFamily="34" charset="-34"/>
+              </a:rPr>
               <a:t>’</a:t>
             </a:r>
             <a:r>
-              <a:rPr lang="th-TH" dirty="0"/>
+              <a:rPr lang="th-TH" sz="2400" dirty="0">
+                <a:latin typeface="TH SarabunPSK" panose="020B0500040200020003" pitchFamily="34" charset="-34"/>
+                <a:cs typeface="TH SarabunPSK" panose="020B0500040200020003" pitchFamily="34" charset="-34"/>
+              </a:rPr>
               <a:t> และคอลัมน์ที่เป็น </a:t>
             </a:r>
             <a:r>
-              <a:rPr lang="en-US" dirty="0"/>
+              <a:rPr lang="en-US" sz="2400" dirty="0">
+                <a:latin typeface="TH SarabunPSK" panose="020B0500040200020003" pitchFamily="34" charset="-34"/>
+                <a:cs typeface="TH SarabunPSK" panose="020B0500040200020003" pitchFamily="34" charset="-34"/>
+              </a:rPr>
               <a:t>missing </a:t>
             </a:r>
             <a:r>
-              <a:rPr lang="th-TH" dirty="0"/>
+              <a:rPr lang="th-TH" sz="2400" dirty="0">
+                <a:latin typeface="TH SarabunPSK" panose="020B0500040200020003" pitchFamily="34" charset="-34"/>
+                <a:cs typeface="TH SarabunPSK" panose="020B0500040200020003" pitchFamily="34" charset="-34"/>
+              </a:rPr>
               <a:t>ออก </a:t>
             </a:r>
-            <a:endParaRPr lang="en-US" dirty="0"/>
+            <a:endParaRPr lang="en-US" sz="2400" dirty="0">
+              <a:latin typeface="TH SarabunPSK" panose="020B0500040200020003" pitchFamily="34" charset="-34"/>
+              <a:cs typeface="TH SarabunPSK" panose="020B0500040200020003" pitchFamily="34" charset="-34"/>
+            </a:endParaRPr>
           </a:p>
         </p:txBody>
       </p:sp>
@@ -3563,6 +4132,377 @@
       </p:grpSpPr>
       <p:sp>
         <p:nvSpPr>
+          <p:cNvPr id="4" name="Rectangle 3">
+            <a:extLst>
+              <a:ext uri="{FF2B5EF4-FFF2-40B4-BE49-F238E27FC236}">
+                <a16:creationId xmlns:a16="http://schemas.microsoft.com/office/drawing/2014/main" id="{54D53877-90AE-FA82-8DC3-6B055034C004}"/>
+              </a:ext>
+            </a:extLst>
+          </p:cNvPr>
+          <p:cNvSpPr/>
+          <p:nvPr/>
+        </p:nvSpPr>
+        <p:spPr>
+          <a:xfrm>
+            <a:off x="0" y="5840991"/>
+            <a:ext cx="12192000" cy="1017009"/>
+          </a:xfrm>
+          <a:prstGeom prst="rect">
+            <a:avLst/>
+          </a:prstGeom>
+          <a:solidFill>
+            <a:srgbClr val="FFD9E6"/>
+          </a:solidFill>
+          <a:ln>
+            <a:solidFill>
+              <a:srgbClr val="FFD9E6"/>
+            </a:solidFill>
+          </a:ln>
+        </p:spPr>
+        <p:style>
+          <a:lnRef idx="2">
+            <a:schemeClr val="accent1">
+              <a:shade val="15000"/>
+            </a:schemeClr>
+          </a:lnRef>
+          <a:fillRef idx="1">
+            <a:schemeClr val="accent1"/>
+          </a:fillRef>
+          <a:effectRef idx="0">
+            <a:schemeClr val="accent1"/>
+          </a:effectRef>
+          <a:fontRef idx="minor">
+            <a:schemeClr val="lt1"/>
+          </a:fontRef>
+        </p:style>
+        <p:txBody>
+          <a:bodyPr rtlCol="0" anchor="ctr"/>
+          <a:lstStyle/>
+          <a:p>
+            <a:pPr algn="ctr"/>
+            <a:endParaRPr lang="en-US"/>
+          </a:p>
+        </p:txBody>
+      </p:sp>
+      <p:sp>
+        <p:nvSpPr>
+          <p:cNvPr id="5" name="Rectangle 4">
+            <a:extLst>
+              <a:ext uri="{FF2B5EF4-FFF2-40B4-BE49-F238E27FC236}">
+                <a16:creationId xmlns:a16="http://schemas.microsoft.com/office/drawing/2014/main" id="{3E4B4B0D-0CCF-0F8D-F9EA-D9618517FA91}"/>
+              </a:ext>
+            </a:extLst>
+          </p:cNvPr>
+          <p:cNvSpPr/>
+          <p:nvPr/>
+        </p:nvSpPr>
+        <p:spPr>
+          <a:xfrm>
+            <a:off x="0" y="0"/>
+            <a:ext cx="12192000" cy="1136342"/>
+          </a:xfrm>
+          <a:prstGeom prst="rect">
+            <a:avLst/>
+          </a:prstGeom>
+          <a:solidFill>
+            <a:srgbClr val="FFD9E6"/>
+          </a:solidFill>
+          <a:ln>
+            <a:solidFill>
+              <a:srgbClr val="FFD9E6"/>
+            </a:solidFill>
+          </a:ln>
+        </p:spPr>
+        <p:style>
+          <a:lnRef idx="2">
+            <a:schemeClr val="accent1">
+              <a:shade val="15000"/>
+            </a:schemeClr>
+          </a:lnRef>
+          <a:fillRef idx="1">
+            <a:schemeClr val="accent1"/>
+          </a:fillRef>
+          <a:effectRef idx="0">
+            <a:schemeClr val="accent1"/>
+          </a:effectRef>
+          <a:fontRef idx="minor">
+            <a:schemeClr val="lt1"/>
+          </a:fontRef>
+        </p:style>
+        <p:txBody>
+          <a:bodyPr rtlCol="0" anchor="ctr"/>
+          <a:lstStyle/>
+          <a:p>
+            <a:pPr algn="ctr"/>
+            <a:endParaRPr lang="en-US" dirty="0">
+              <a:noFill/>
+            </a:endParaRPr>
+          </a:p>
+        </p:txBody>
+      </p:sp>
+      <p:pic>
+        <p:nvPicPr>
+          <p:cNvPr id="6" name="Picture 5" descr="A black and white logo&#10;&#10;Description automatically generated">
+            <a:extLst>
+              <a:ext uri="{FF2B5EF4-FFF2-40B4-BE49-F238E27FC236}">
+                <a16:creationId xmlns:a16="http://schemas.microsoft.com/office/drawing/2014/main" id="{55EC672A-5BA7-8506-DB0E-01254A5A204C}"/>
+              </a:ext>
+            </a:extLst>
+          </p:cNvPr>
+          <p:cNvPicPr>
+            <a:picLocks noChangeAspect="1"/>
+          </p:cNvPicPr>
+          <p:nvPr/>
+        </p:nvPicPr>
+        <p:blipFill>
+          <a:blip r:embed="rId2">
+            <a:extLst>
+              <a:ext uri="{28A0092B-C50C-407E-A947-70E740481C1C}">
+                <a14:useLocalDpi xmlns:a14="http://schemas.microsoft.com/office/drawing/2010/main" val="0"/>
+              </a:ext>
+            </a:extLst>
+          </a:blip>
+          <a:stretch>
+            <a:fillRect/>
+          </a:stretch>
+        </p:blipFill>
+        <p:spPr>
+          <a:xfrm>
+            <a:off x="11051882" y="119333"/>
+            <a:ext cx="1093483" cy="1017009"/>
+          </a:xfrm>
+          <a:prstGeom prst="rect">
+            <a:avLst/>
+          </a:prstGeom>
+        </p:spPr>
+      </p:pic>
+      <p:sp>
+        <p:nvSpPr>
+          <p:cNvPr id="7" name="Flowchart: Data 2">
+            <a:extLst>
+              <a:ext uri="{FF2B5EF4-FFF2-40B4-BE49-F238E27FC236}">
+                <a16:creationId xmlns:a16="http://schemas.microsoft.com/office/drawing/2014/main" id="{41406CCB-9A2A-C8E9-D56B-ECCBE77BF790}"/>
+              </a:ext>
+            </a:extLst>
+          </p:cNvPr>
+          <p:cNvSpPr/>
+          <p:nvPr/>
+        </p:nvSpPr>
+        <p:spPr>
+          <a:xfrm>
+            <a:off x="10848138" y="6264097"/>
+            <a:ext cx="1343862" cy="608120"/>
+          </a:xfrm>
+          <a:custGeom>
+            <a:avLst/>
+            <a:gdLst>
+              <a:gd name="connsiteX0" fmla="*/ 0 w 10000"/>
+              <a:gd name="connsiteY0" fmla="*/ 10000 h 10000"/>
+              <a:gd name="connsiteX1" fmla="*/ 2000 w 10000"/>
+              <a:gd name="connsiteY1" fmla="*/ 0 h 10000"/>
+              <a:gd name="connsiteX2" fmla="*/ 10000 w 10000"/>
+              <a:gd name="connsiteY2" fmla="*/ 0 h 10000"/>
+              <a:gd name="connsiteX3" fmla="*/ 8000 w 10000"/>
+              <a:gd name="connsiteY3" fmla="*/ 10000 h 10000"/>
+              <a:gd name="connsiteX4" fmla="*/ 0 w 10000"/>
+              <a:gd name="connsiteY4" fmla="*/ 10000 h 10000"/>
+              <a:gd name="connsiteX0" fmla="*/ 0 w 8000"/>
+              <a:gd name="connsiteY0" fmla="*/ 10000 h 10000"/>
+              <a:gd name="connsiteX1" fmla="*/ 2000 w 8000"/>
+              <a:gd name="connsiteY1" fmla="*/ 0 h 10000"/>
+              <a:gd name="connsiteX2" fmla="*/ 4142 w 8000"/>
+              <a:gd name="connsiteY2" fmla="*/ 153 h 10000"/>
+              <a:gd name="connsiteX3" fmla="*/ 8000 w 8000"/>
+              <a:gd name="connsiteY3" fmla="*/ 10000 h 10000"/>
+              <a:gd name="connsiteX4" fmla="*/ 0 w 8000"/>
+              <a:gd name="connsiteY4" fmla="*/ 10000 h 10000"/>
+              <a:gd name="connsiteX0" fmla="*/ 0 w 5414"/>
+              <a:gd name="connsiteY0" fmla="*/ 10000 h 10000"/>
+              <a:gd name="connsiteX1" fmla="*/ 2500 w 5414"/>
+              <a:gd name="connsiteY1" fmla="*/ 0 h 10000"/>
+              <a:gd name="connsiteX2" fmla="*/ 5178 w 5414"/>
+              <a:gd name="connsiteY2" fmla="*/ 153 h 10000"/>
+              <a:gd name="connsiteX3" fmla="*/ 5414 w 5414"/>
+              <a:gd name="connsiteY3" fmla="*/ 10000 h 10000"/>
+              <a:gd name="connsiteX4" fmla="*/ 0 w 5414"/>
+              <a:gd name="connsiteY4" fmla="*/ 10000 h 10000"/>
+              <a:gd name="connsiteX0" fmla="*/ 0 w 9609"/>
+              <a:gd name="connsiteY0" fmla="*/ 10000 h 10000"/>
+              <a:gd name="connsiteX1" fmla="*/ 4618 w 9609"/>
+              <a:gd name="connsiteY1" fmla="*/ 0 h 10000"/>
+              <a:gd name="connsiteX2" fmla="*/ 9564 w 9609"/>
+              <a:gd name="connsiteY2" fmla="*/ 153 h 10000"/>
+              <a:gd name="connsiteX3" fmla="*/ 9590 w 9609"/>
+              <a:gd name="connsiteY3" fmla="*/ 10000 h 10000"/>
+              <a:gd name="connsiteX4" fmla="*/ 0 w 9609"/>
+              <a:gd name="connsiteY4" fmla="*/ 10000 h 10000"/>
+              <a:gd name="connsiteX0" fmla="*/ 0 w 10193"/>
+              <a:gd name="connsiteY0" fmla="*/ 10000 h 10153"/>
+              <a:gd name="connsiteX1" fmla="*/ 4806 w 10193"/>
+              <a:gd name="connsiteY1" fmla="*/ 0 h 10153"/>
+              <a:gd name="connsiteX2" fmla="*/ 9953 w 10193"/>
+              <a:gd name="connsiteY2" fmla="*/ 153 h 10153"/>
+              <a:gd name="connsiteX3" fmla="*/ 10193 w 10193"/>
+              <a:gd name="connsiteY3" fmla="*/ 10153 h 10153"/>
+              <a:gd name="connsiteX4" fmla="*/ 0 w 10193"/>
+              <a:gd name="connsiteY4" fmla="*/ 10000 h 10153"/>
+              <a:gd name="connsiteX0" fmla="*/ 0 w 10213"/>
+              <a:gd name="connsiteY0" fmla="*/ 10000 h 10153"/>
+              <a:gd name="connsiteX1" fmla="*/ 4806 w 10213"/>
+              <a:gd name="connsiteY1" fmla="*/ 0 h 10153"/>
+              <a:gd name="connsiteX2" fmla="*/ 10166 w 10213"/>
+              <a:gd name="connsiteY2" fmla="*/ 153 h 10153"/>
+              <a:gd name="connsiteX3" fmla="*/ 10193 w 10213"/>
+              <a:gd name="connsiteY3" fmla="*/ 10153 h 10153"/>
+              <a:gd name="connsiteX4" fmla="*/ 0 w 10213"/>
+              <a:gd name="connsiteY4" fmla="*/ 10000 h 10153"/>
+              <a:gd name="connsiteX0" fmla="*/ 0 w 10341"/>
+              <a:gd name="connsiteY0" fmla="*/ 10000 h 10153"/>
+              <a:gd name="connsiteX1" fmla="*/ 4806 w 10341"/>
+              <a:gd name="connsiteY1" fmla="*/ 0 h 10153"/>
+              <a:gd name="connsiteX2" fmla="*/ 10308 w 10341"/>
+              <a:gd name="connsiteY2" fmla="*/ 0 h 10153"/>
+              <a:gd name="connsiteX3" fmla="*/ 10193 w 10341"/>
+              <a:gd name="connsiteY3" fmla="*/ 10153 h 10153"/>
+              <a:gd name="connsiteX4" fmla="*/ 0 w 10341"/>
+              <a:gd name="connsiteY4" fmla="*/ 10000 h 10153"/>
+              <a:gd name="connsiteX0" fmla="*/ 0 w 10406"/>
+              <a:gd name="connsiteY0" fmla="*/ 10000 h 10306"/>
+              <a:gd name="connsiteX1" fmla="*/ 4806 w 10406"/>
+              <a:gd name="connsiteY1" fmla="*/ 0 h 10306"/>
+              <a:gd name="connsiteX2" fmla="*/ 10308 w 10406"/>
+              <a:gd name="connsiteY2" fmla="*/ 0 h 10306"/>
+              <a:gd name="connsiteX3" fmla="*/ 10406 w 10406"/>
+              <a:gd name="connsiteY3" fmla="*/ 10306 h 10306"/>
+              <a:gd name="connsiteX4" fmla="*/ 0 w 10406"/>
+              <a:gd name="connsiteY4" fmla="*/ 10000 h 10306"/>
+              <a:gd name="connsiteX0" fmla="*/ 0 w 10761"/>
+              <a:gd name="connsiteY0" fmla="*/ 10458 h 10458"/>
+              <a:gd name="connsiteX1" fmla="*/ 5161 w 10761"/>
+              <a:gd name="connsiteY1" fmla="*/ 0 h 10458"/>
+              <a:gd name="connsiteX2" fmla="*/ 10663 w 10761"/>
+              <a:gd name="connsiteY2" fmla="*/ 0 h 10458"/>
+              <a:gd name="connsiteX3" fmla="*/ 10761 w 10761"/>
+              <a:gd name="connsiteY3" fmla="*/ 10306 h 10458"/>
+              <a:gd name="connsiteX4" fmla="*/ 0 w 10761"/>
+              <a:gd name="connsiteY4" fmla="*/ 10458 h 10458"/>
+            </a:gdLst>
+            <a:ahLst/>
+            <a:cxnLst>
+              <a:cxn ang="0">
+                <a:pos x="connsiteX0" y="connsiteY0"/>
+              </a:cxn>
+              <a:cxn ang="0">
+                <a:pos x="connsiteX1" y="connsiteY1"/>
+              </a:cxn>
+              <a:cxn ang="0">
+                <a:pos x="connsiteX2" y="connsiteY2"/>
+              </a:cxn>
+              <a:cxn ang="0">
+                <a:pos x="connsiteX3" y="connsiteY3"/>
+              </a:cxn>
+              <a:cxn ang="0">
+                <a:pos x="connsiteX4" y="connsiteY4"/>
+              </a:cxn>
+            </a:cxnLst>
+            <a:rect l="l" t="t" r="r" b="b"/>
+            <a:pathLst>
+              <a:path w="10761" h="10458">
+                <a:moveTo>
+                  <a:pt x="0" y="10458"/>
+                </a:moveTo>
+                <a:lnTo>
+                  <a:pt x="5161" y="0"/>
+                </a:lnTo>
+                <a:lnTo>
+                  <a:pt x="10663" y="0"/>
+                </a:lnTo>
+                <a:cubicBezTo>
+                  <a:pt x="10815" y="3282"/>
+                  <a:pt x="10609" y="7024"/>
+                  <a:pt x="10761" y="10306"/>
+                </a:cubicBezTo>
+                <a:lnTo>
+                  <a:pt x="0" y="10458"/>
+                </a:lnTo>
+                <a:close/>
+              </a:path>
+            </a:pathLst>
+          </a:custGeom>
+          <a:solidFill>
+            <a:schemeClr val="bg1"/>
+          </a:solidFill>
+          <a:ln w="19050">
+            <a:solidFill>
+              <a:schemeClr val="tx1"/>
+            </a:solidFill>
+          </a:ln>
+        </p:spPr>
+        <p:style>
+          <a:lnRef idx="2">
+            <a:schemeClr val="accent1">
+              <a:shade val="15000"/>
+            </a:schemeClr>
+          </a:lnRef>
+          <a:fillRef idx="1">
+            <a:schemeClr val="accent1"/>
+          </a:fillRef>
+          <a:effectRef idx="0">
+            <a:schemeClr val="accent1"/>
+          </a:effectRef>
+          <a:fontRef idx="minor">
+            <a:schemeClr val="lt1"/>
+          </a:fontRef>
+        </p:style>
+        <p:txBody>
+          <a:bodyPr rtlCol="0" anchor="ctr"/>
+          <a:lstStyle/>
+          <a:p>
+            <a:pPr algn="ctr"/>
+            <a:endParaRPr lang="en-US"/>
+          </a:p>
+        </p:txBody>
+      </p:sp>
+      <p:sp>
+        <p:nvSpPr>
+          <p:cNvPr id="8" name="TextBox 7">
+            <a:extLst>
+              <a:ext uri="{FF2B5EF4-FFF2-40B4-BE49-F238E27FC236}">
+                <a16:creationId xmlns:a16="http://schemas.microsoft.com/office/drawing/2014/main" id="{7646D6F7-4F60-5A9A-5C14-FC2FD45922DA}"/>
+              </a:ext>
+            </a:extLst>
+          </p:cNvPr>
+          <p:cNvSpPr txBox="1"/>
+          <p:nvPr/>
+        </p:nvSpPr>
+        <p:spPr>
+          <a:xfrm>
+            <a:off x="11520069" y="6287442"/>
+            <a:ext cx="557254" cy="584775"/>
+          </a:xfrm>
+          <a:prstGeom prst="rect">
+            <a:avLst/>
+          </a:prstGeom>
+          <a:noFill/>
+        </p:spPr>
+        <p:txBody>
+          <a:bodyPr wrap="square" rtlCol="0">
+            <a:spAutoFit/>
+          </a:bodyPr>
+          <a:lstStyle/>
+          <a:p>
+            <a:r>
+              <a:rPr lang="en-US" sz="3200" dirty="0">
+                <a:latin typeface="TH SarabunPSK" panose="020B0500040200020003" pitchFamily="34" charset="-34"/>
+                <a:cs typeface="TH SarabunPSK" panose="020B0500040200020003" pitchFamily="34" charset="-34"/>
+              </a:rPr>
+              <a:t>2</a:t>
+            </a:r>
+          </a:p>
+        </p:txBody>
+      </p:sp>
+      <p:sp>
+        <p:nvSpPr>
           <p:cNvPr id="2" name="Title 1">
             <a:extLst>
               <a:ext uri="{FF2B5EF4-FFF2-40B4-BE49-F238E27FC236}">
@@ -3577,17 +4517,28 @@
             <p:ph type="title"/>
           </p:nvPr>
         </p:nvSpPr>
-        <p:spPr/>
+        <p:spPr>
+          <a:xfrm>
+            <a:off x="838200" y="18255"/>
+            <a:ext cx="10515600" cy="1325563"/>
+          </a:xfrm>
+        </p:spPr>
         <p:txBody>
           <a:bodyPr/>
           <a:lstStyle/>
           <a:p>
             <a:r>
-              <a:rPr lang="th-TH" dirty="0"/>
+              <a:rPr lang="th-TH" dirty="0">
+                <a:latin typeface="TH SarabunPSK" panose="020B0500040200020003" pitchFamily="34" charset="-34"/>
+                <a:cs typeface="TH SarabunPSK" panose="020B0500040200020003" pitchFamily="34" charset="-34"/>
+              </a:rPr>
               <a:t>การแสดงผลการกระจายของข้อมูล</a:t>
             </a:r>
             <a:r>
-              <a:rPr lang="en-US" dirty="0"/>
+              <a:rPr lang="en-US" dirty="0">
+                <a:latin typeface="TH SarabunPSK" panose="020B0500040200020003" pitchFamily="34" charset="-34"/>
+                <a:cs typeface="TH SarabunPSK" panose="020B0500040200020003" pitchFamily="34" charset="-34"/>
+              </a:rPr>
               <a:t> Scatter Plot </a:t>
             </a:r>
           </a:p>
@@ -3617,7 +4568,7 @@
           <a:lstStyle/>
           <a:p>
             <a:r>
-              <a:rPr lang="en-US" sz="2400" b="0" i="0" dirty="0">
+              <a:rPr lang="en-US" sz="1800" b="0" i="0" dirty="0">
                 <a:solidFill>
                   <a:srgbClr val="7928A1"/>
                 </a:solidFill>
@@ -3627,7 +4578,7 @@
               <a:t>import</a:t>
             </a:r>
             <a:r>
-              <a:rPr lang="en-US" sz="2400" b="0" i="0" dirty="0">
+              <a:rPr lang="en-US" sz="1800" b="0" i="0" dirty="0">
                 <a:solidFill>
                   <a:srgbClr val="545454"/>
                 </a:solidFill>
@@ -3637,7 +4588,7 @@
               <a:t> pandas </a:t>
             </a:r>
             <a:r>
-              <a:rPr lang="en-US" sz="2400" b="0" i="0" dirty="0">
+              <a:rPr lang="en-US" sz="1800" b="0" i="0" dirty="0">
                 <a:solidFill>
                   <a:srgbClr val="7928A1"/>
                 </a:solidFill>
@@ -3647,7 +4598,7 @@
               <a:t>as</a:t>
             </a:r>
             <a:r>
-              <a:rPr lang="en-US" sz="2400" b="0" i="0" dirty="0">
+              <a:rPr lang="en-US" sz="1800" b="0" i="0" dirty="0">
                 <a:solidFill>
                   <a:srgbClr val="545454"/>
                 </a:solidFill>
@@ -3656,7 +4607,7 @@
               </a:rPr>
               <a:t> pd </a:t>
             </a:r>
-            <a:endParaRPr lang="th-TH" sz="2400" b="0" i="0" dirty="0">
+            <a:endParaRPr lang="th-TH" sz="1800" b="0" i="0" dirty="0">
               <a:solidFill>
                 <a:srgbClr val="545454"/>
               </a:solidFill>
@@ -3666,7 +4617,7 @@
           </a:p>
           <a:p>
             <a:r>
-              <a:rPr lang="en-US" sz="2400" b="0" i="0" dirty="0">
+              <a:rPr lang="en-US" sz="1800" b="0" i="0" dirty="0">
                 <a:solidFill>
                   <a:srgbClr val="7928A1"/>
                 </a:solidFill>
@@ -3676,7 +4627,7 @@
               <a:t>from</a:t>
             </a:r>
             <a:r>
-              <a:rPr lang="en-US" sz="2400" b="0" i="0" dirty="0">
+              <a:rPr lang="en-US" sz="1800" b="0" i="0" dirty="0">
                 <a:solidFill>
                   <a:srgbClr val="545454"/>
                 </a:solidFill>
@@ -3686,7 +4637,7 @@
               <a:t> matplotlib </a:t>
             </a:r>
             <a:r>
-              <a:rPr lang="en-US" sz="2400" b="0" i="0" dirty="0">
+              <a:rPr lang="en-US" sz="1800" b="0" i="0" dirty="0">
                 <a:solidFill>
                   <a:srgbClr val="7928A1"/>
                 </a:solidFill>
@@ -3696,7 +4647,7 @@
               <a:t>import</a:t>
             </a:r>
             <a:r>
-              <a:rPr lang="en-US" sz="2400" b="0" i="0" dirty="0">
+              <a:rPr lang="en-US" sz="1800" b="0" i="0" dirty="0">
                 <a:solidFill>
                   <a:srgbClr val="545454"/>
                 </a:solidFill>
@@ -3706,7 +4657,7 @@
               <a:t> </a:t>
             </a:r>
             <a:r>
-              <a:rPr lang="en-US" sz="2400" b="0" i="0" dirty="0" err="1">
+              <a:rPr lang="en-US" sz="1800" b="0" i="0" dirty="0" err="1">
                 <a:solidFill>
                   <a:srgbClr val="545454"/>
                 </a:solidFill>
@@ -3716,7 +4667,7 @@
               <a:t>pyplot</a:t>
             </a:r>
             <a:r>
-              <a:rPr lang="en-US" sz="2400" b="0" i="0" dirty="0">
+              <a:rPr lang="en-US" sz="1800" b="0" i="0" dirty="0">
                 <a:solidFill>
                   <a:srgbClr val="545454"/>
                 </a:solidFill>
@@ -3726,7 +4677,7 @@
               <a:t> </a:t>
             </a:r>
             <a:r>
-              <a:rPr lang="en-US" sz="2400" b="0" i="0" dirty="0">
+              <a:rPr lang="en-US" sz="1800" b="0" i="0" dirty="0">
                 <a:solidFill>
                   <a:srgbClr val="7928A1"/>
                 </a:solidFill>
@@ -3736,7 +4687,7 @@
               <a:t>as</a:t>
             </a:r>
             <a:r>
-              <a:rPr lang="en-US" sz="2400" b="0" i="0" dirty="0">
+              <a:rPr lang="en-US" sz="1800" b="0" i="0" dirty="0">
                 <a:solidFill>
                   <a:srgbClr val="545454"/>
                 </a:solidFill>
@@ -3746,7 +4697,7 @@
               <a:t> </a:t>
             </a:r>
             <a:r>
-              <a:rPr lang="en-US" sz="2400" b="0" i="0" dirty="0" err="1">
+              <a:rPr lang="en-US" sz="1800" b="0" i="0" dirty="0" err="1">
                 <a:solidFill>
                   <a:srgbClr val="545454"/>
                 </a:solidFill>
@@ -3755,7 +4706,7 @@
               </a:rPr>
               <a:t>plt</a:t>
             </a:r>
-            <a:endParaRPr lang="th-TH" sz="2400" b="0" i="0" dirty="0">
+            <a:endParaRPr lang="th-TH" sz="1800" b="0" i="0" dirty="0">
               <a:solidFill>
                 <a:srgbClr val="545454"/>
               </a:solidFill>
@@ -3765,7 +4716,7 @@
           </a:p>
           <a:p>
             <a:r>
-              <a:rPr lang="en-US" sz="2400" b="0" i="0" dirty="0" err="1">
+              <a:rPr lang="en-US" sz="1800" b="0" i="0" dirty="0" err="1">
                 <a:solidFill>
                   <a:srgbClr val="545454"/>
                 </a:solidFill>
@@ -3775,7 +4726,7 @@
               <a:t>df</a:t>
             </a:r>
             <a:r>
-              <a:rPr lang="en-US" sz="2400" b="0" i="0" dirty="0">
+              <a:rPr lang="en-US" sz="1800" b="0" i="0" dirty="0">
                 <a:solidFill>
                   <a:srgbClr val="545454"/>
                 </a:solidFill>
@@ -3785,7 +4736,7 @@
               <a:t> = </a:t>
             </a:r>
             <a:r>
-              <a:rPr lang="en-US" sz="2400" b="0" i="0" dirty="0" err="1">
+              <a:rPr lang="en-US" sz="1800" b="0" i="0" dirty="0" err="1">
                 <a:solidFill>
                   <a:srgbClr val="545454"/>
                 </a:solidFill>
@@ -3795,7 +4746,7 @@
               <a:t>pd.read_csv</a:t>
             </a:r>
             <a:r>
-              <a:rPr lang="en-US" sz="2400" b="0" i="0" dirty="0">
+              <a:rPr lang="en-US" sz="1800" b="0" i="0" dirty="0">
                 <a:solidFill>
                   <a:srgbClr val="545454"/>
                 </a:solidFill>
@@ -3805,7 +4756,7 @@
               <a:t>(</a:t>
             </a:r>
             <a:r>
-              <a:rPr lang="en-US" sz="2400" b="0" i="0" dirty="0">
+              <a:rPr lang="en-US" sz="1800" b="0" i="0" dirty="0">
                 <a:solidFill>
                   <a:srgbClr val="008000"/>
                 </a:solidFill>
@@ -3815,7 +4766,7 @@
               <a:t>'https://raw.github.com/pandas-dev/pandas/master/pandas/tests/io/data/csv/iris.csv’</a:t>
             </a:r>
             <a:r>
-              <a:rPr lang="en-US" sz="2400" b="0" i="0" dirty="0">
+              <a:rPr lang="en-US" sz="1800" b="0" i="0" dirty="0">
                 <a:solidFill>
                   <a:srgbClr val="545454"/>
                 </a:solidFill>
@@ -3824,7 +4775,7 @@
               </a:rPr>
               <a:t>) </a:t>
             </a:r>
-            <a:endParaRPr lang="th-TH" sz="2400" b="0" i="0" dirty="0">
+            <a:endParaRPr lang="th-TH" sz="1800" b="0" i="0" dirty="0">
               <a:solidFill>
                 <a:srgbClr val="545454"/>
               </a:solidFill>
@@ -3834,7 +4785,7 @@
           </a:p>
           <a:p>
             <a:r>
-              <a:rPr lang="en-US" sz="2400" b="0" i="0" dirty="0" err="1">
+              <a:rPr lang="en-US" sz="1800" b="0" i="0" dirty="0" err="1">
                 <a:solidFill>
                   <a:srgbClr val="545454"/>
                 </a:solidFill>
@@ -3844,7 +4795,7 @@
               <a:t>df.head</a:t>
             </a:r>
             <a:r>
-              <a:rPr lang="en-US" sz="2400" b="0" i="0" dirty="0">
+              <a:rPr lang="en-US" sz="1800" b="0" i="0" dirty="0">
                 <a:solidFill>
                   <a:srgbClr val="545454"/>
                 </a:solidFill>
@@ -3853,7 +4804,7 @@
               </a:rPr>
               <a:t>()</a:t>
             </a:r>
-            <a:endParaRPr lang="th-TH" sz="2400" b="0" i="0" dirty="0">
+            <a:endParaRPr lang="th-TH" sz="1800" b="0" i="0" dirty="0">
               <a:solidFill>
                 <a:srgbClr val="545454"/>
               </a:solidFill>
@@ -3871,52 +4822,75 @@
           </a:p>
           <a:p>
             <a:r>
-              <a:rPr lang="th-TH" sz="2800" dirty="0"/>
+              <a:rPr lang="th-TH" sz="2400" dirty="0">
+                <a:latin typeface="TH SarabunPSK" panose="020B0500040200020003" pitchFamily="34" charset="-34"/>
+                <a:cs typeface="TH SarabunPSK" panose="020B0500040200020003" pitchFamily="34" charset="-34"/>
+              </a:rPr>
               <a:t>สร้าง </a:t>
             </a:r>
             <a:r>
-              <a:rPr lang="en-US" sz="2800" dirty="0"/>
+              <a:rPr lang="en-US" sz="2400" dirty="0">
+                <a:latin typeface="TH SarabunPSK" panose="020B0500040200020003" pitchFamily="34" charset="-34"/>
+                <a:cs typeface="TH SarabunPSK" panose="020B0500040200020003" pitchFamily="34" charset="-34"/>
+              </a:rPr>
               <a:t>google </a:t>
             </a:r>
             <a:r>
-              <a:rPr lang="en-US" sz="2800" dirty="0" err="1"/>
+              <a:rPr lang="en-US" sz="2400" dirty="0" err="1">
+                <a:latin typeface="TH SarabunPSK" panose="020B0500040200020003" pitchFamily="34" charset="-34"/>
+                <a:cs typeface="TH SarabunPSK" panose="020B0500040200020003" pitchFamily="34" charset="-34"/>
+              </a:rPr>
               <a:t>colab</a:t>
             </a:r>
             <a:r>
-              <a:rPr lang="en-US" sz="2800" dirty="0"/>
+              <a:rPr lang="en-US" sz="2400" dirty="0">
+                <a:latin typeface="TH SarabunPSK" panose="020B0500040200020003" pitchFamily="34" charset="-34"/>
+                <a:cs typeface="TH SarabunPSK" panose="020B0500040200020003" pitchFamily="34" charset="-34"/>
+              </a:rPr>
               <a:t> </a:t>
             </a:r>
             <a:r>
-              <a:rPr lang="th-TH" sz="2800" dirty="0"/>
+              <a:rPr lang="th-TH" sz="2400" dirty="0">
+                <a:latin typeface="TH SarabunPSK" panose="020B0500040200020003" pitchFamily="34" charset="-34"/>
+                <a:cs typeface="TH SarabunPSK" panose="020B0500040200020003" pitchFamily="34" charset="-34"/>
+              </a:rPr>
               <a:t>ใหม่ </a:t>
             </a:r>
             <a:r>
-              <a:rPr lang="en-US" sz="2800" dirty="0" err="1"/>
+              <a:rPr lang="en-US" sz="2400" dirty="0" err="1">
+                <a:latin typeface="TH SarabunPSK" panose="020B0500040200020003" pitchFamily="34" charset="-34"/>
+                <a:cs typeface="TH SarabunPSK" panose="020B0500040200020003" pitchFamily="34" charset="-34"/>
+              </a:rPr>
               <a:t>Visualize_Data_Distribution</a:t>
             </a:r>
             <a:r>
-              <a:rPr lang="en-US" sz="2800" dirty="0"/>
+              <a:rPr lang="en-US" sz="2400" dirty="0">
+                <a:latin typeface="TH SarabunPSK" panose="020B0500040200020003" pitchFamily="34" charset="-34"/>
+                <a:cs typeface="TH SarabunPSK" panose="020B0500040200020003" pitchFamily="34" charset="-34"/>
+              </a:rPr>
               <a:t>_(02) </a:t>
             </a:r>
           </a:p>
           <a:p>
             <a:r>
-              <a:rPr lang="th-TH" sz="2800" dirty="0"/>
+              <a:rPr lang="th-TH" sz="2400" dirty="0">
+                <a:latin typeface="TH SarabunPSK" panose="020B0500040200020003" pitchFamily="34" charset="-34"/>
+                <a:cs typeface="TH SarabunPSK" panose="020B0500040200020003" pitchFamily="34" charset="-34"/>
+              </a:rPr>
               <a:t>ดาวน์โหลดข้อมูลดอกไม้</a:t>
             </a:r>
             <a:r>
-              <a:rPr lang="en-US" sz="2800" dirty="0"/>
-              <a:t> </a:t>
-            </a:r>
-            <a:r>
-              <a:rPr lang="en-US" sz="2800" dirty="0">
-                <a:latin typeface="Courier New" panose="02070309020205020404" pitchFamily="49" charset="0"/>
-                <a:cs typeface="Courier New" panose="02070309020205020404" pitchFamily="49" charset="0"/>
-              </a:rPr>
-              <a:t>iris</a:t>
-            </a:r>
-            <a:r>
-              <a:rPr lang="th-TH" sz="2800" dirty="0"/>
+              <a:rPr lang="en-US" sz="2400" dirty="0">
+                <a:latin typeface="TH SarabunPSK" panose="020B0500040200020003" pitchFamily="34" charset="-34"/>
+                <a:cs typeface="TH SarabunPSK" panose="020B0500040200020003" pitchFamily="34" charset="-34"/>
+              </a:rPr>
+              <a:t> iris</a:t>
+            </a:r>
+            <a:r>
+              <a:rPr lang="th-TH" sz="2400" dirty="0">
+                <a:latin typeface="TH SarabunPSK" panose="020B0500040200020003" pitchFamily="34" charset="-34"/>
+                <a:cs typeface="TH SarabunPSK" panose="020B0500040200020003" pitchFamily="34" charset="-34"/>
+              </a:rPr>
               <a:t> </a:t>
             </a:r>
           </a:p>
@@ -3954,6 +4928,377 @@
       </p:grpSpPr>
       <p:sp>
         <p:nvSpPr>
+          <p:cNvPr id="3" name="Rectangle 2">
+            <a:extLst>
+              <a:ext uri="{FF2B5EF4-FFF2-40B4-BE49-F238E27FC236}">
+                <a16:creationId xmlns:a16="http://schemas.microsoft.com/office/drawing/2014/main" id="{9BCBE5BF-5502-B6F7-45B1-AB12F8185F5F}"/>
+              </a:ext>
+            </a:extLst>
+          </p:cNvPr>
+          <p:cNvSpPr/>
+          <p:nvPr/>
+        </p:nvSpPr>
+        <p:spPr>
+          <a:xfrm>
+            <a:off x="0" y="5840991"/>
+            <a:ext cx="12192000" cy="1017009"/>
+          </a:xfrm>
+          <a:prstGeom prst="rect">
+            <a:avLst/>
+          </a:prstGeom>
+          <a:solidFill>
+            <a:srgbClr val="FFD9E6"/>
+          </a:solidFill>
+          <a:ln>
+            <a:solidFill>
+              <a:srgbClr val="FFD9E6"/>
+            </a:solidFill>
+          </a:ln>
+        </p:spPr>
+        <p:style>
+          <a:lnRef idx="2">
+            <a:schemeClr val="accent1">
+              <a:shade val="15000"/>
+            </a:schemeClr>
+          </a:lnRef>
+          <a:fillRef idx="1">
+            <a:schemeClr val="accent1"/>
+          </a:fillRef>
+          <a:effectRef idx="0">
+            <a:schemeClr val="accent1"/>
+          </a:effectRef>
+          <a:fontRef idx="minor">
+            <a:schemeClr val="lt1"/>
+          </a:fontRef>
+        </p:style>
+        <p:txBody>
+          <a:bodyPr rtlCol="0" anchor="ctr"/>
+          <a:lstStyle/>
+          <a:p>
+            <a:pPr algn="ctr"/>
+            <a:endParaRPr lang="en-US"/>
+          </a:p>
+        </p:txBody>
+      </p:sp>
+      <p:sp>
+        <p:nvSpPr>
+          <p:cNvPr id="4" name="Rectangle 3">
+            <a:extLst>
+              <a:ext uri="{FF2B5EF4-FFF2-40B4-BE49-F238E27FC236}">
+                <a16:creationId xmlns:a16="http://schemas.microsoft.com/office/drawing/2014/main" id="{4C19CB34-54FB-08F1-994E-47D238BE4A5E}"/>
+              </a:ext>
+            </a:extLst>
+          </p:cNvPr>
+          <p:cNvSpPr/>
+          <p:nvPr/>
+        </p:nvSpPr>
+        <p:spPr>
+          <a:xfrm>
+            <a:off x="0" y="0"/>
+            <a:ext cx="12192000" cy="1136342"/>
+          </a:xfrm>
+          <a:prstGeom prst="rect">
+            <a:avLst/>
+          </a:prstGeom>
+          <a:solidFill>
+            <a:srgbClr val="FFD9E6"/>
+          </a:solidFill>
+          <a:ln>
+            <a:solidFill>
+              <a:srgbClr val="FFD9E6"/>
+            </a:solidFill>
+          </a:ln>
+        </p:spPr>
+        <p:style>
+          <a:lnRef idx="2">
+            <a:schemeClr val="accent1">
+              <a:shade val="15000"/>
+            </a:schemeClr>
+          </a:lnRef>
+          <a:fillRef idx="1">
+            <a:schemeClr val="accent1"/>
+          </a:fillRef>
+          <a:effectRef idx="0">
+            <a:schemeClr val="accent1"/>
+          </a:effectRef>
+          <a:fontRef idx="minor">
+            <a:schemeClr val="lt1"/>
+          </a:fontRef>
+        </p:style>
+        <p:txBody>
+          <a:bodyPr rtlCol="0" anchor="ctr"/>
+          <a:lstStyle/>
+          <a:p>
+            <a:pPr algn="ctr"/>
+            <a:endParaRPr lang="en-US" dirty="0">
+              <a:noFill/>
+            </a:endParaRPr>
+          </a:p>
+        </p:txBody>
+      </p:sp>
+      <p:pic>
+        <p:nvPicPr>
+          <p:cNvPr id="6" name="Picture 5" descr="A black and white logo&#10;&#10;Description automatically generated">
+            <a:extLst>
+              <a:ext uri="{FF2B5EF4-FFF2-40B4-BE49-F238E27FC236}">
+                <a16:creationId xmlns:a16="http://schemas.microsoft.com/office/drawing/2014/main" id="{9D40BE1D-B813-EA5C-6741-8BAB63EABFC5}"/>
+              </a:ext>
+            </a:extLst>
+          </p:cNvPr>
+          <p:cNvPicPr>
+            <a:picLocks noChangeAspect="1"/>
+          </p:cNvPicPr>
+          <p:nvPr/>
+        </p:nvPicPr>
+        <p:blipFill>
+          <a:blip r:embed="rId2">
+            <a:extLst>
+              <a:ext uri="{28A0092B-C50C-407E-A947-70E740481C1C}">
+                <a14:useLocalDpi xmlns:a14="http://schemas.microsoft.com/office/drawing/2010/main" val="0"/>
+              </a:ext>
+            </a:extLst>
+          </a:blip>
+          <a:stretch>
+            <a:fillRect/>
+          </a:stretch>
+        </p:blipFill>
+        <p:spPr>
+          <a:xfrm>
+            <a:off x="11051882" y="119333"/>
+            <a:ext cx="1093483" cy="1017009"/>
+          </a:xfrm>
+          <a:prstGeom prst="rect">
+            <a:avLst/>
+          </a:prstGeom>
+        </p:spPr>
+      </p:pic>
+      <p:sp>
+        <p:nvSpPr>
+          <p:cNvPr id="7" name="Flowchart: Data 2">
+            <a:extLst>
+              <a:ext uri="{FF2B5EF4-FFF2-40B4-BE49-F238E27FC236}">
+                <a16:creationId xmlns:a16="http://schemas.microsoft.com/office/drawing/2014/main" id="{EE5DF568-9A97-3744-B539-B55410913ED6}"/>
+              </a:ext>
+            </a:extLst>
+          </p:cNvPr>
+          <p:cNvSpPr/>
+          <p:nvPr/>
+        </p:nvSpPr>
+        <p:spPr>
+          <a:xfrm>
+            <a:off x="10848138" y="6264097"/>
+            <a:ext cx="1343862" cy="608120"/>
+          </a:xfrm>
+          <a:custGeom>
+            <a:avLst/>
+            <a:gdLst>
+              <a:gd name="connsiteX0" fmla="*/ 0 w 10000"/>
+              <a:gd name="connsiteY0" fmla="*/ 10000 h 10000"/>
+              <a:gd name="connsiteX1" fmla="*/ 2000 w 10000"/>
+              <a:gd name="connsiteY1" fmla="*/ 0 h 10000"/>
+              <a:gd name="connsiteX2" fmla="*/ 10000 w 10000"/>
+              <a:gd name="connsiteY2" fmla="*/ 0 h 10000"/>
+              <a:gd name="connsiteX3" fmla="*/ 8000 w 10000"/>
+              <a:gd name="connsiteY3" fmla="*/ 10000 h 10000"/>
+              <a:gd name="connsiteX4" fmla="*/ 0 w 10000"/>
+              <a:gd name="connsiteY4" fmla="*/ 10000 h 10000"/>
+              <a:gd name="connsiteX0" fmla="*/ 0 w 8000"/>
+              <a:gd name="connsiteY0" fmla="*/ 10000 h 10000"/>
+              <a:gd name="connsiteX1" fmla="*/ 2000 w 8000"/>
+              <a:gd name="connsiteY1" fmla="*/ 0 h 10000"/>
+              <a:gd name="connsiteX2" fmla="*/ 4142 w 8000"/>
+              <a:gd name="connsiteY2" fmla="*/ 153 h 10000"/>
+              <a:gd name="connsiteX3" fmla="*/ 8000 w 8000"/>
+              <a:gd name="connsiteY3" fmla="*/ 10000 h 10000"/>
+              <a:gd name="connsiteX4" fmla="*/ 0 w 8000"/>
+              <a:gd name="connsiteY4" fmla="*/ 10000 h 10000"/>
+              <a:gd name="connsiteX0" fmla="*/ 0 w 5414"/>
+              <a:gd name="connsiteY0" fmla="*/ 10000 h 10000"/>
+              <a:gd name="connsiteX1" fmla="*/ 2500 w 5414"/>
+              <a:gd name="connsiteY1" fmla="*/ 0 h 10000"/>
+              <a:gd name="connsiteX2" fmla="*/ 5178 w 5414"/>
+              <a:gd name="connsiteY2" fmla="*/ 153 h 10000"/>
+              <a:gd name="connsiteX3" fmla="*/ 5414 w 5414"/>
+              <a:gd name="connsiteY3" fmla="*/ 10000 h 10000"/>
+              <a:gd name="connsiteX4" fmla="*/ 0 w 5414"/>
+              <a:gd name="connsiteY4" fmla="*/ 10000 h 10000"/>
+              <a:gd name="connsiteX0" fmla="*/ 0 w 9609"/>
+              <a:gd name="connsiteY0" fmla="*/ 10000 h 10000"/>
+              <a:gd name="connsiteX1" fmla="*/ 4618 w 9609"/>
+              <a:gd name="connsiteY1" fmla="*/ 0 h 10000"/>
+              <a:gd name="connsiteX2" fmla="*/ 9564 w 9609"/>
+              <a:gd name="connsiteY2" fmla="*/ 153 h 10000"/>
+              <a:gd name="connsiteX3" fmla="*/ 9590 w 9609"/>
+              <a:gd name="connsiteY3" fmla="*/ 10000 h 10000"/>
+              <a:gd name="connsiteX4" fmla="*/ 0 w 9609"/>
+              <a:gd name="connsiteY4" fmla="*/ 10000 h 10000"/>
+              <a:gd name="connsiteX0" fmla="*/ 0 w 10193"/>
+              <a:gd name="connsiteY0" fmla="*/ 10000 h 10153"/>
+              <a:gd name="connsiteX1" fmla="*/ 4806 w 10193"/>
+              <a:gd name="connsiteY1" fmla="*/ 0 h 10153"/>
+              <a:gd name="connsiteX2" fmla="*/ 9953 w 10193"/>
+              <a:gd name="connsiteY2" fmla="*/ 153 h 10153"/>
+              <a:gd name="connsiteX3" fmla="*/ 10193 w 10193"/>
+              <a:gd name="connsiteY3" fmla="*/ 10153 h 10153"/>
+              <a:gd name="connsiteX4" fmla="*/ 0 w 10193"/>
+              <a:gd name="connsiteY4" fmla="*/ 10000 h 10153"/>
+              <a:gd name="connsiteX0" fmla="*/ 0 w 10213"/>
+              <a:gd name="connsiteY0" fmla="*/ 10000 h 10153"/>
+              <a:gd name="connsiteX1" fmla="*/ 4806 w 10213"/>
+              <a:gd name="connsiteY1" fmla="*/ 0 h 10153"/>
+              <a:gd name="connsiteX2" fmla="*/ 10166 w 10213"/>
+              <a:gd name="connsiteY2" fmla="*/ 153 h 10153"/>
+              <a:gd name="connsiteX3" fmla="*/ 10193 w 10213"/>
+              <a:gd name="connsiteY3" fmla="*/ 10153 h 10153"/>
+              <a:gd name="connsiteX4" fmla="*/ 0 w 10213"/>
+              <a:gd name="connsiteY4" fmla="*/ 10000 h 10153"/>
+              <a:gd name="connsiteX0" fmla="*/ 0 w 10341"/>
+              <a:gd name="connsiteY0" fmla="*/ 10000 h 10153"/>
+              <a:gd name="connsiteX1" fmla="*/ 4806 w 10341"/>
+              <a:gd name="connsiteY1" fmla="*/ 0 h 10153"/>
+              <a:gd name="connsiteX2" fmla="*/ 10308 w 10341"/>
+              <a:gd name="connsiteY2" fmla="*/ 0 h 10153"/>
+              <a:gd name="connsiteX3" fmla="*/ 10193 w 10341"/>
+              <a:gd name="connsiteY3" fmla="*/ 10153 h 10153"/>
+              <a:gd name="connsiteX4" fmla="*/ 0 w 10341"/>
+              <a:gd name="connsiteY4" fmla="*/ 10000 h 10153"/>
+              <a:gd name="connsiteX0" fmla="*/ 0 w 10406"/>
+              <a:gd name="connsiteY0" fmla="*/ 10000 h 10306"/>
+              <a:gd name="connsiteX1" fmla="*/ 4806 w 10406"/>
+              <a:gd name="connsiteY1" fmla="*/ 0 h 10306"/>
+              <a:gd name="connsiteX2" fmla="*/ 10308 w 10406"/>
+              <a:gd name="connsiteY2" fmla="*/ 0 h 10306"/>
+              <a:gd name="connsiteX3" fmla="*/ 10406 w 10406"/>
+              <a:gd name="connsiteY3" fmla="*/ 10306 h 10306"/>
+              <a:gd name="connsiteX4" fmla="*/ 0 w 10406"/>
+              <a:gd name="connsiteY4" fmla="*/ 10000 h 10306"/>
+              <a:gd name="connsiteX0" fmla="*/ 0 w 10761"/>
+              <a:gd name="connsiteY0" fmla="*/ 10458 h 10458"/>
+              <a:gd name="connsiteX1" fmla="*/ 5161 w 10761"/>
+              <a:gd name="connsiteY1" fmla="*/ 0 h 10458"/>
+              <a:gd name="connsiteX2" fmla="*/ 10663 w 10761"/>
+              <a:gd name="connsiteY2" fmla="*/ 0 h 10458"/>
+              <a:gd name="connsiteX3" fmla="*/ 10761 w 10761"/>
+              <a:gd name="connsiteY3" fmla="*/ 10306 h 10458"/>
+              <a:gd name="connsiteX4" fmla="*/ 0 w 10761"/>
+              <a:gd name="connsiteY4" fmla="*/ 10458 h 10458"/>
+            </a:gdLst>
+            <a:ahLst/>
+            <a:cxnLst>
+              <a:cxn ang="0">
+                <a:pos x="connsiteX0" y="connsiteY0"/>
+              </a:cxn>
+              <a:cxn ang="0">
+                <a:pos x="connsiteX1" y="connsiteY1"/>
+              </a:cxn>
+              <a:cxn ang="0">
+                <a:pos x="connsiteX2" y="connsiteY2"/>
+              </a:cxn>
+              <a:cxn ang="0">
+                <a:pos x="connsiteX3" y="connsiteY3"/>
+              </a:cxn>
+              <a:cxn ang="0">
+                <a:pos x="connsiteX4" y="connsiteY4"/>
+              </a:cxn>
+            </a:cxnLst>
+            <a:rect l="l" t="t" r="r" b="b"/>
+            <a:pathLst>
+              <a:path w="10761" h="10458">
+                <a:moveTo>
+                  <a:pt x="0" y="10458"/>
+                </a:moveTo>
+                <a:lnTo>
+                  <a:pt x="5161" y="0"/>
+                </a:lnTo>
+                <a:lnTo>
+                  <a:pt x="10663" y="0"/>
+                </a:lnTo>
+                <a:cubicBezTo>
+                  <a:pt x="10815" y="3282"/>
+                  <a:pt x="10609" y="7024"/>
+                  <a:pt x="10761" y="10306"/>
+                </a:cubicBezTo>
+                <a:lnTo>
+                  <a:pt x="0" y="10458"/>
+                </a:lnTo>
+                <a:close/>
+              </a:path>
+            </a:pathLst>
+          </a:custGeom>
+          <a:solidFill>
+            <a:schemeClr val="bg1"/>
+          </a:solidFill>
+          <a:ln w="19050">
+            <a:solidFill>
+              <a:schemeClr val="tx1"/>
+            </a:solidFill>
+          </a:ln>
+        </p:spPr>
+        <p:style>
+          <a:lnRef idx="2">
+            <a:schemeClr val="accent1">
+              <a:shade val="15000"/>
+            </a:schemeClr>
+          </a:lnRef>
+          <a:fillRef idx="1">
+            <a:schemeClr val="accent1"/>
+          </a:fillRef>
+          <a:effectRef idx="0">
+            <a:schemeClr val="accent1"/>
+          </a:effectRef>
+          <a:fontRef idx="minor">
+            <a:schemeClr val="lt1"/>
+          </a:fontRef>
+        </p:style>
+        <p:txBody>
+          <a:bodyPr rtlCol="0" anchor="ctr"/>
+          <a:lstStyle/>
+          <a:p>
+            <a:pPr algn="ctr"/>
+            <a:endParaRPr lang="en-US"/>
+          </a:p>
+        </p:txBody>
+      </p:sp>
+      <p:sp>
+        <p:nvSpPr>
+          <p:cNvPr id="8" name="TextBox 7">
+            <a:extLst>
+              <a:ext uri="{FF2B5EF4-FFF2-40B4-BE49-F238E27FC236}">
+                <a16:creationId xmlns:a16="http://schemas.microsoft.com/office/drawing/2014/main" id="{82D28265-96C4-C940-46AE-65D081BACED8}"/>
+              </a:ext>
+            </a:extLst>
+          </p:cNvPr>
+          <p:cNvSpPr txBox="1"/>
+          <p:nvPr/>
+        </p:nvSpPr>
+        <p:spPr>
+          <a:xfrm>
+            <a:off x="11520069" y="6287442"/>
+            <a:ext cx="557254" cy="584775"/>
+          </a:xfrm>
+          <a:prstGeom prst="rect">
+            <a:avLst/>
+          </a:prstGeom>
+          <a:noFill/>
+        </p:spPr>
+        <p:txBody>
+          <a:bodyPr wrap="square" rtlCol="0">
+            <a:spAutoFit/>
+          </a:bodyPr>
+          <a:lstStyle/>
+          <a:p>
+            <a:r>
+              <a:rPr lang="en-US" sz="3200" dirty="0">
+                <a:latin typeface="TH SarabunPSK" panose="020B0500040200020003" pitchFamily="34" charset="-34"/>
+                <a:cs typeface="TH SarabunPSK" panose="020B0500040200020003" pitchFamily="34" charset="-34"/>
+              </a:rPr>
+              <a:t>3</a:t>
+            </a:r>
+          </a:p>
+        </p:txBody>
+      </p:sp>
+      <p:sp>
+        <p:nvSpPr>
           <p:cNvPr id="2" name="Title 1">
             <a:extLst>
               <a:ext uri="{FF2B5EF4-FFF2-40B4-BE49-F238E27FC236}">
@@ -3968,17 +5313,28 @@
             <p:ph type="title"/>
           </p:nvPr>
         </p:nvSpPr>
-        <p:spPr/>
+        <p:spPr>
+          <a:xfrm>
+            <a:off x="838200" y="0"/>
+            <a:ext cx="10515600" cy="1325563"/>
+          </a:xfrm>
+        </p:spPr>
         <p:txBody>
           <a:bodyPr/>
           <a:lstStyle/>
           <a:p>
             <a:r>
-              <a:rPr lang="th-TH" dirty="0"/>
+              <a:rPr lang="th-TH" dirty="0">
+                <a:latin typeface="TH SarabunPSK" panose="020B0500040200020003" pitchFamily="34" charset="-34"/>
+                <a:cs typeface="TH SarabunPSK" panose="020B0500040200020003" pitchFamily="34" charset="-34"/>
+              </a:rPr>
               <a:t>ดอกไม้ </a:t>
             </a:r>
             <a:r>
-              <a:rPr lang="en-US" dirty="0"/>
+              <a:rPr lang="en-US" dirty="0">
+                <a:latin typeface="TH SarabunPSK" panose="020B0500040200020003" pitchFamily="34" charset="-34"/>
+                <a:cs typeface="TH SarabunPSK" panose="020B0500040200020003" pitchFamily="34" charset="-34"/>
+              </a:rPr>
               <a:t>iris </a:t>
             </a:r>
           </a:p>
@@ -3999,14 +5355,14 @@
           <p:nvPr/>
         </p:nvPicPr>
         <p:blipFill>
-          <a:blip r:embed="rId2"/>
+          <a:blip r:embed="rId3"/>
           <a:stretch>
             <a:fillRect/>
           </a:stretch>
         </p:blipFill>
         <p:spPr>
           <a:xfrm>
-            <a:off x="1781129" y="1959900"/>
+            <a:off x="1781129" y="1612209"/>
             <a:ext cx="8629742" cy="3942136"/>
           </a:xfrm>
           <a:prstGeom prst="rect">
@@ -4046,6 +5402,377 @@
       </p:grpSpPr>
       <p:sp>
         <p:nvSpPr>
+          <p:cNvPr id="6" name="Rectangle 5">
+            <a:extLst>
+              <a:ext uri="{FF2B5EF4-FFF2-40B4-BE49-F238E27FC236}">
+                <a16:creationId xmlns:a16="http://schemas.microsoft.com/office/drawing/2014/main" id="{E22EC969-D808-76A8-98DC-B654DE1CD2A4}"/>
+              </a:ext>
+            </a:extLst>
+          </p:cNvPr>
+          <p:cNvSpPr/>
+          <p:nvPr/>
+        </p:nvSpPr>
+        <p:spPr>
+          <a:xfrm>
+            <a:off x="0" y="5840991"/>
+            <a:ext cx="12192000" cy="1017009"/>
+          </a:xfrm>
+          <a:prstGeom prst="rect">
+            <a:avLst/>
+          </a:prstGeom>
+          <a:solidFill>
+            <a:srgbClr val="FFD9E6"/>
+          </a:solidFill>
+          <a:ln>
+            <a:solidFill>
+              <a:srgbClr val="FFD9E6"/>
+            </a:solidFill>
+          </a:ln>
+        </p:spPr>
+        <p:style>
+          <a:lnRef idx="2">
+            <a:schemeClr val="accent1">
+              <a:shade val="15000"/>
+            </a:schemeClr>
+          </a:lnRef>
+          <a:fillRef idx="1">
+            <a:schemeClr val="accent1"/>
+          </a:fillRef>
+          <a:effectRef idx="0">
+            <a:schemeClr val="accent1"/>
+          </a:effectRef>
+          <a:fontRef idx="minor">
+            <a:schemeClr val="lt1"/>
+          </a:fontRef>
+        </p:style>
+        <p:txBody>
+          <a:bodyPr rtlCol="0" anchor="ctr"/>
+          <a:lstStyle/>
+          <a:p>
+            <a:pPr algn="ctr"/>
+            <a:endParaRPr lang="en-US"/>
+          </a:p>
+        </p:txBody>
+      </p:sp>
+      <p:sp>
+        <p:nvSpPr>
+          <p:cNvPr id="7" name="Rectangle 6">
+            <a:extLst>
+              <a:ext uri="{FF2B5EF4-FFF2-40B4-BE49-F238E27FC236}">
+                <a16:creationId xmlns:a16="http://schemas.microsoft.com/office/drawing/2014/main" id="{E07590C9-BE15-7644-7447-1C1DE212D58A}"/>
+              </a:ext>
+            </a:extLst>
+          </p:cNvPr>
+          <p:cNvSpPr/>
+          <p:nvPr/>
+        </p:nvSpPr>
+        <p:spPr>
+          <a:xfrm>
+            <a:off x="0" y="0"/>
+            <a:ext cx="12192000" cy="1136342"/>
+          </a:xfrm>
+          <a:prstGeom prst="rect">
+            <a:avLst/>
+          </a:prstGeom>
+          <a:solidFill>
+            <a:srgbClr val="FFD9E6"/>
+          </a:solidFill>
+          <a:ln>
+            <a:solidFill>
+              <a:srgbClr val="FFD9E6"/>
+            </a:solidFill>
+          </a:ln>
+        </p:spPr>
+        <p:style>
+          <a:lnRef idx="2">
+            <a:schemeClr val="accent1">
+              <a:shade val="15000"/>
+            </a:schemeClr>
+          </a:lnRef>
+          <a:fillRef idx="1">
+            <a:schemeClr val="accent1"/>
+          </a:fillRef>
+          <a:effectRef idx="0">
+            <a:schemeClr val="accent1"/>
+          </a:effectRef>
+          <a:fontRef idx="minor">
+            <a:schemeClr val="lt1"/>
+          </a:fontRef>
+        </p:style>
+        <p:txBody>
+          <a:bodyPr rtlCol="0" anchor="ctr"/>
+          <a:lstStyle/>
+          <a:p>
+            <a:pPr algn="ctr"/>
+            <a:endParaRPr lang="en-US" dirty="0">
+              <a:noFill/>
+            </a:endParaRPr>
+          </a:p>
+        </p:txBody>
+      </p:sp>
+      <p:pic>
+        <p:nvPicPr>
+          <p:cNvPr id="9" name="Picture 8" descr="A black and white logo&#10;&#10;Description automatically generated">
+            <a:extLst>
+              <a:ext uri="{FF2B5EF4-FFF2-40B4-BE49-F238E27FC236}">
+                <a16:creationId xmlns:a16="http://schemas.microsoft.com/office/drawing/2014/main" id="{8A305CF4-E191-6EDB-BBD1-F988BDC3AF53}"/>
+              </a:ext>
+            </a:extLst>
+          </p:cNvPr>
+          <p:cNvPicPr>
+            <a:picLocks noChangeAspect="1"/>
+          </p:cNvPicPr>
+          <p:nvPr/>
+        </p:nvPicPr>
+        <p:blipFill>
+          <a:blip r:embed="rId2">
+            <a:extLst>
+              <a:ext uri="{28A0092B-C50C-407E-A947-70E740481C1C}">
+                <a14:useLocalDpi xmlns:a14="http://schemas.microsoft.com/office/drawing/2010/main" val="0"/>
+              </a:ext>
+            </a:extLst>
+          </a:blip>
+          <a:stretch>
+            <a:fillRect/>
+          </a:stretch>
+        </p:blipFill>
+        <p:spPr>
+          <a:xfrm>
+            <a:off x="11051882" y="119333"/>
+            <a:ext cx="1093483" cy="1017009"/>
+          </a:xfrm>
+          <a:prstGeom prst="rect">
+            <a:avLst/>
+          </a:prstGeom>
+        </p:spPr>
+      </p:pic>
+      <p:sp>
+        <p:nvSpPr>
+          <p:cNvPr id="10" name="Flowchart: Data 2">
+            <a:extLst>
+              <a:ext uri="{FF2B5EF4-FFF2-40B4-BE49-F238E27FC236}">
+                <a16:creationId xmlns:a16="http://schemas.microsoft.com/office/drawing/2014/main" id="{8DDBDECE-7988-1D30-953A-E98FF11CB6D6}"/>
+              </a:ext>
+            </a:extLst>
+          </p:cNvPr>
+          <p:cNvSpPr/>
+          <p:nvPr/>
+        </p:nvSpPr>
+        <p:spPr>
+          <a:xfrm>
+            <a:off x="10848138" y="6264097"/>
+            <a:ext cx="1343862" cy="608120"/>
+          </a:xfrm>
+          <a:custGeom>
+            <a:avLst/>
+            <a:gdLst>
+              <a:gd name="connsiteX0" fmla="*/ 0 w 10000"/>
+              <a:gd name="connsiteY0" fmla="*/ 10000 h 10000"/>
+              <a:gd name="connsiteX1" fmla="*/ 2000 w 10000"/>
+              <a:gd name="connsiteY1" fmla="*/ 0 h 10000"/>
+              <a:gd name="connsiteX2" fmla="*/ 10000 w 10000"/>
+              <a:gd name="connsiteY2" fmla="*/ 0 h 10000"/>
+              <a:gd name="connsiteX3" fmla="*/ 8000 w 10000"/>
+              <a:gd name="connsiteY3" fmla="*/ 10000 h 10000"/>
+              <a:gd name="connsiteX4" fmla="*/ 0 w 10000"/>
+              <a:gd name="connsiteY4" fmla="*/ 10000 h 10000"/>
+              <a:gd name="connsiteX0" fmla="*/ 0 w 8000"/>
+              <a:gd name="connsiteY0" fmla="*/ 10000 h 10000"/>
+              <a:gd name="connsiteX1" fmla="*/ 2000 w 8000"/>
+              <a:gd name="connsiteY1" fmla="*/ 0 h 10000"/>
+              <a:gd name="connsiteX2" fmla="*/ 4142 w 8000"/>
+              <a:gd name="connsiteY2" fmla="*/ 153 h 10000"/>
+              <a:gd name="connsiteX3" fmla="*/ 8000 w 8000"/>
+              <a:gd name="connsiteY3" fmla="*/ 10000 h 10000"/>
+              <a:gd name="connsiteX4" fmla="*/ 0 w 8000"/>
+              <a:gd name="connsiteY4" fmla="*/ 10000 h 10000"/>
+              <a:gd name="connsiteX0" fmla="*/ 0 w 5414"/>
+              <a:gd name="connsiteY0" fmla="*/ 10000 h 10000"/>
+              <a:gd name="connsiteX1" fmla="*/ 2500 w 5414"/>
+              <a:gd name="connsiteY1" fmla="*/ 0 h 10000"/>
+              <a:gd name="connsiteX2" fmla="*/ 5178 w 5414"/>
+              <a:gd name="connsiteY2" fmla="*/ 153 h 10000"/>
+              <a:gd name="connsiteX3" fmla="*/ 5414 w 5414"/>
+              <a:gd name="connsiteY3" fmla="*/ 10000 h 10000"/>
+              <a:gd name="connsiteX4" fmla="*/ 0 w 5414"/>
+              <a:gd name="connsiteY4" fmla="*/ 10000 h 10000"/>
+              <a:gd name="connsiteX0" fmla="*/ 0 w 9609"/>
+              <a:gd name="connsiteY0" fmla="*/ 10000 h 10000"/>
+              <a:gd name="connsiteX1" fmla="*/ 4618 w 9609"/>
+              <a:gd name="connsiteY1" fmla="*/ 0 h 10000"/>
+              <a:gd name="connsiteX2" fmla="*/ 9564 w 9609"/>
+              <a:gd name="connsiteY2" fmla="*/ 153 h 10000"/>
+              <a:gd name="connsiteX3" fmla="*/ 9590 w 9609"/>
+              <a:gd name="connsiteY3" fmla="*/ 10000 h 10000"/>
+              <a:gd name="connsiteX4" fmla="*/ 0 w 9609"/>
+              <a:gd name="connsiteY4" fmla="*/ 10000 h 10000"/>
+              <a:gd name="connsiteX0" fmla="*/ 0 w 10193"/>
+              <a:gd name="connsiteY0" fmla="*/ 10000 h 10153"/>
+              <a:gd name="connsiteX1" fmla="*/ 4806 w 10193"/>
+              <a:gd name="connsiteY1" fmla="*/ 0 h 10153"/>
+              <a:gd name="connsiteX2" fmla="*/ 9953 w 10193"/>
+              <a:gd name="connsiteY2" fmla="*/ 153 h 10153"/>
+              <a:gd name="connsiteX3" fmla="*/ 10193 w 10193"/>
+              <a:gd name="connsiteY3" fmla="*/ 10153 h 10153"/>
+              <a:gd name="connsiteX4" fmla="*/ 0 w 10193"/>
+              <a:gd name="connsiteY4" fmla="*/ 10000 h 10153"/>
+              <a:gd name="connsiteX0" fmla="*/ 0 w 10213"/>
+              <a:gd name="connsiteY0" fmla="*/ 10000 h 10153"/>
+              <a:gd name="connsiteX1" fmla="*/ 4806 w 10213"/>
+              <a:gd name="connsiteY1" fmla="*/ 0 h 10153"/>
+              <a:gd name="connsiteX2" fmla="*/ 10166 w 10213"/>
+              <a:gd name="connsiteY2" fmla="*/ 153 h 10153"/>
+              <a:gd name="connsiteX3" fmla="*/ 10193 w 10213"/>
+              <a:gd name="connsiteY3" fmla="*/ 10153 h 10153"/>
+              <a:gd name="connsiteX4" fmla="*/ 0 w 10213"/>
+              <a:gd name="connsiteY4" fmla="*/ 10000 h 10153"/>
+              <a:gd name="connsiteX0" fmla="*/ 0 w 10341"/>
+              <a:gd name="connsiteY0" fmla="*/ 10000 h 10153"/>
+              <a:gd name="connsiteX1" fmla="*/ 4806 w 10341"/>
+              <a:gd name="connsiteY1" fmla="*/ 0 h 10153"/>
+              <a:gd name="connsiteX2" fmla="*/ 10308 w 10341"/>
+              <a:gd name="connsiteY2" fmla="*/ 0 h 10153"/>
+              <a:gd name="connsiteX3" fmla="*/ 10193 w 10341"/>
+              <a:gd name="connsiteY3" fmla="*/ 10153 h 10153"/>
+              <a:gd name="connsiteX4" fmla="*/ 0 w 10341"/>
+              <a:gd name="connsiteY4" fmla="*/ 10000 h 10153"/>
+              <a:gd name="connsiteX0" fmla="*/ 0 w 10406"/>
+              <a:gd name="connsiteY0" fmla="*/ 10000 h 10306"/>
+              <a:gd name="connsiteX1" fmla="*/ 4806 w 10406"/>
+              <a:gd name="connsiteY1" fmla="*/ 0 h 10306"/>
+              <a:gd name="connsiteX2" fmla="*/ 10308 w 10406"/>
+              <a:gd name="connsiteY2" fmla="*/ 0 h 10306"/>
+              <a:gd name="connsiteX3" fmla="*/ 10406 w 10406"/>
+              <a:gd name="connsiteY3" fmla="*/ 10306 h 10306"/>
+              <a:gd name="connsiteX4" fmla="*/ 0 w 10406"/>
+              <a:gd name="connsiteY4" fmla="*/ 10000 h 10306"/>
+              <a:gd name="connsiteX0" fmla="*/ 0 w 10761"/>
+              <a:gd name="connsiteY0" fmla="*/ 10458 h 10458"/>
+              <a:gd name="connsiteX1" fmla="*/ 5161 w 10761"/>
+              <a:gd name="connsiteY1" fmla="*/ 0 h 10458"/>
+              <a:gd name="connsiteX2" fmla="*/ 10663 w 10761"/>
+              <a:gd name="connsiteY2" fmla="*/ 0 h 10458"/>
+              <a:gd name="connsiteX3" fmla="*/ 10761 w 10761"/>
+              <a:gd name="connsiteY3" fmla="*/ 10306 h 10458"/>
+              <a:gd name="connsiteX4" fmla="*/ 0 w 10761"/>
+              <a:gd name="connsiteY4" fmla="*/ 10458 h 10458"/>
+            </a:gdLst>
+            <a:ahLst/>
+            <a:cxnLst>
+              <a:cxn ang="0">
+                <a:pos x="connsiteX0" y="connsiteY0"/>
+              </a:cxn>
+              <a:cxn ang="0">
+                <a:pos x="connsiteX1" y="connsiteY1"/>
+              </a:cxn>
+              <a:cxn ang="0">
+                <a:pos x="connsiteX2" y="connsiteY2"/>
+              </a:cxn>
+              <a:cxn ang="0">
+                <a:pos x="connsiteX3" y="connsiteY3"/>
+              </a:cxn>
+              <a:cxn ang="0">
+                <a:pos x="connsiteX4" y="connsiteY4"/>
+              </a:cxn>
+            </a:cxnLst>
+            <a:rect l="l" t="t" r="r" b="b"/>
+            <a:pathLst>
+              <a:path w="10761" h="10458">
+                <a:moveTo>
+                  <a:pt x="0" y="10458"/>
+                </a:moveTo>
+                <a:lnTo>
+                  <a:pt x="5161" y="0"/>
+                </a:lnTo>
+                <a:lnTo>
+                  <a:pt x="10663" y="0"/>
+                </a:lnTo>
+                <a:cubicBezTo>
+                  <a:pt x="10815" y="3282"/>
+                  <a:pt x="10609" y="7024"/>
+                  <a:pt x="10761" y="10306"/>
+                </a:cubicBezTo>
+                <a:lnTo>
+                  <a:pt x="0" y="10458"/>
+                </a:lnTo>
+                <a:close/>
+              </a:path>
+            </a:pathLst>
+          </a:custGeom>
+          <a:solidFill>
+            <a:schemeClr val="bg1"/>
+          </a:solidFill>
+          <a:ln w="19050">
+            <a:solidFill>
+              <a:schemeClr val="tx1"/>
+            </a:solidFill>
+          </a:ln>
+        </p:spPr>
+        <p:style>
+          <a:lnRef idx="2">
+            <a:schemeClr val="accent1">
+              <a:shade val="15000"/>
+            </a:schemeClr>
+          </a:lnRef>
+          <a:fillRef idx="1">
+            <a:schemeClr val="accent1"/>
+          </a:fillRef>
+          <a:effectRef idx="0">
+            <a:schemeClr val="accent1"/>
+          </a:effectRef>
+          <a:fontRef idx="minor">
+            <a:schemeClr val="lt1"/>
+          </a:fontRef>
+        </p:style>
+        <p:txBody>
+          <a:bodyPr rtlCol="0" anchor="ctr"/>
+          <a:lstStyle/>
+          <a:p>
+            <a:pPr algn="ctr"/>
+            <a:endParaRPr lang="en-US"/>
+          </a:p>
+        </p:txBody>
+      </p:sp>
+      <p:sp>
+        <p:nvSpPr>
+          <p:cNvPr id="12" name="TextBox 11">
+            <a:extLst>
+              <a:ext uri="{FF2B5EF4-FFF2-40B4-BE49-F238E27FC236}">
+                <a16:creationId xmlns:a16="http://schemas.microsoft.com/office/drawing/2014/main" id="{5A3CF0E8-10C9-6F91-3CFC-F5FE13A32FED}"/>
+              </a:ext>
+            </a:extLst>
+          </p:cNvPr>
+          <p:cNvSpPr txBox="1"/>
+          <p:nvPr/>
+        </p:nvSpPr>
+        <p:spPr>
+          <a:xfrm>
+            <a:off x="11520069" y="6287442"/>
+            <a:ext cx="557254" cy="584775"/>
+          </a:xfrm>
+          <a:prstGeom prst="rect">
+            <a:avLst/>
+          </a:prstGeom>
+          <a:noFill/>
+        </p:spPr>
+        <p:txBody>
+          <a:bodyPr wrap="square" rtlCol="0">
+            <a:spAutoFit/>
+          </a:bodyPr>
+          <a:lstStyle/>
+          <a:p>
+            <a:r>
+              <a:rPr lang="en-US" sz="3200" dirty="0">
+                <a:latin typeface="TH SarabunPSK" panose="020B0500040200020003" pitchFamily="34" charset="-34"/>
+                <a:cs typeface="TH SarabunPSK" panose="020B0500040200020003" pitchFamily="34" charset="-34"/>
+              </a:rPr>
+              <a:t>4</a:t>
+            </a:r>
+          </a:p>
+        </p:txBody>
+      </p:sp>
+      <p:sp>
+        <p:nvSpPr>
           <p:cNvPr id="2" name="Title 1">
             <a:extLst>
               <a:ext uri="{FF2B5EF4-FFF2-40B4-BE49-F238E27FC236}">
@@ -4060,13 +5787,21 @@
             <p:ph type="title"/>
           </p:nvPr>
         </p:nvSpPr>
-        <p:spPr/>
+        <p:spPr>
+          <a:xfrm>
+            <a:off x="838200" y="-18746"/>
+            <a:ext cx="10515600" cy="1325563"/>
+          </a:xfrm>
+        </p:spPr>
         <p:txBody>
           <a:bodyPr/>
           <a:lstStyle/>
           <a:p>
             <a:r>
-              <a:rPr lang="en-US" dirty="0"/>
+              <a:rPr lang="en-US" dirty="0">
+                <a:latin typeface="TH SarabunPSK" panose="020B0500040200020003" pitchFamily="34" charset="-34"/>
+                <a:cs typeface="TH SarabunPSK" panose="020B0500040200020003" pitchFamily="34" charset="-34"/>
+              </a:rPr>
               <a:t>Scatter 2D</a:t>
             </a:r>
           </a:p>
@@ -4088,136 +5823,187 @@
             <p:ph idx="1"/>
           </p:nvPr>
         </p:nvSpPr>
-        <p:spPr/>
+        <p:spPr>
+          <a:xfrm>
+            <a:off x="910012" y="1437741"/>
+            <a:ext cx="10515600" cy="4351338"/>
+          </a:xfrm>
+        </p:spPr>
         <p:txBody>
           <a:bodyPr/>
           <a:lstStyle/>
           <a:p>
             <a:r>
-              <a:rPr lang="th-TH" dirty="0"/>
+              <a:rPr lang="th-TH" sz="2400" dirty="0">
+                <a:latin typeface="TH SarabunPSK" panose="020B0500040200020003" pitchFamily="34" charset="-34"/>
+                <a:cs typeface="TH SarabunPSK" panose="020B0500040200020003" pitchFamily="34" charset="-34"/>
+              </a:rPr>
               <a:t>คือการมองข้อมูลในตารางแต่ละค่าเป็นจุด </a:t>
             </a:r>
             <a:r>
-              <a:rPr lang="en-US" dirty="0"/>
+              <a:rPr lang="en-US" sz="2400" dirty="0">
+                <a:latin typeface="TH SarabunPSK" panose="020B0500040200020003" pitchFamily="34" charset="-34"/>
+                <a:cs typeface="TH SarabunPSK" panose="020B0500040200020003" pitchFamily="34" charset="-34"/>
+              </a:rPr>
               <a:t>1</a:t>
             </a:r>
             <a:r>
-              <a:rPr lang="th-TH" dirty="0"/>
+              <a:rPr lang="th-TH" sz="2400" dirty="0">
+                <a:latin typeface="TH SarabunPSK" panose="020B0500040200020003" pitchFamily="34" charset="-34"/>
+                <a:cs typeface="TH SarabunPSK" panose="020B0500040200020003" pitchFamily="34" charset="-34"/>
+              </a:rPr>
               <a:t> จุด และนำจุดมาสร้างกราฟ เพื่อดูการกระจายของข้อมูลระหว่าง </a:t>
             </a:r>
             <a:r>
-              <a:rPr lang="en-US" dirty="0"/>
+              <a:rPr lang="en-US" sz="2400" dirty="0">
+                <a:latin typeface="TH SarabunPSK" panose="020B0500040200020003" pitchFamily="34" charset="-34"/>
+                <a:cs typeface="TH SarabunPSK" panose="020B0500040200020003" pitchFamily="34" charset="-34"/>
+              </a:rPr>
               <a:t>2</a:t>
             </a:r>
             <a:r>
-              <a:rPr lang="th-TH" dirty="0"/>
+              <a:rPr lang="th-TH" sz="2400" dirty="0">
+                <a:latin typeface="TH SarabunPSK" panose="020B0500040200020003" pitchFamily="34" charset="-34"/>
+                <a:cs typeface="TH SarabunPSK" panose="020B0500040200020003" pitchFamily="34" charset="-34"/>
+              </a:rPr>
               <a:t> </a:t>
             </a:r>
             <a:r>
-              <a:rPr lang="en-US" dirty="0"/>
+              <a:rPr lang="en-US" sz="2400" dirty="0">
+                <a:latin typeface="TH SarabunPSK" panose="020B0500040200020003" pitchFamily="34" charset="-34"/>
+                <a:cs typeface="TH SarabunPSK" panose="020B0500040200020003" pitchFamily="34" charset="-34"/>
+              </a:rPr>
               <a:t>nomination</a:t>
             </a:r>
             <a:r>
-              <a:rPr lang="th-TH" dirty="0"/>
+              <a:rPr lang="th-TH" sz="2400" dirty="0">
+                <a:latin typeface="TH SarabunPSK" panose="020B0500040200020003" pitchFamily="34" charset="-34"/>
+                <a:cs typeface="TH SarabunPSK" panose="020B0500040200020003" pitchFamily="34" charset="-34"/>
+              </a:rPr>
               <a:t> </a:t>
             </a:r>
             <a:r>
-              <a:rPr lang="en-US" dirty="0"/>
+              <a:rPr lang="en-US" sz="2400" dirty="0">
+                <a:latin typeface="TH SarabunPSK" panose="020B0500040200020003" pitchFamily="34" charset="-34"/>
+                <a:cs typeface="TH SarabunPSK" panose="020B0500040200020003" pitchFamily="34" charset="-34"/>
+              </a:rPr>
               <a:t>(</a:t>
             </a:r>
             <a:r>
-              <a:rPr lang="th-TH" dirty="0"/>
+              <a:rPr lang="th-TH" sz="2400" dirty="0">
+                <a:latin typeface="TH SarabunPSK" panose="020B0500040200020003" pitchFamily="34" charset="-34"/>
+                <a:cs typeface="TH SarabunPSK" panose="020B0500040200020003" pitchFamily="34" charset="-34"/>
+              </a:rPr>
               <a:t>คอลัมน์</a:t>
             </a:r>
             <a:r>
-              <a:rPr lang="en-US" dirty="0"/>
+              <a:rPr lang="en-US" sz="2400" dirty="0">
+                <a:latin typeface="TH SarabunPSK" panose="020B0500040200020003" pitchFamily="34" charset="-34"/>
+                <a:cs typeface="TH SarabunPSK" panose="020B0500040200020003" pitchFamily="34" charset="-34"/>
+              </a:rPr>
               <a:t>)</a:t>
             </a:r>
             <a:r>
-              <a:rPr lang="th-TH" dirty="0"/>
+              <a:rPr lang="th-TH" sz="2400" dirty="0">
+                <a:latin typeface="TH SarabunPSK" panose="020B0500040200020003" pitchFamily="34" charset="-34"/>
+                <a:cs typeface="TH SarabunPSK" panose="020B0500040200020003" pitchFamily="34" charset="-34"/>
+              </a:rPr>
               <a:t> </a:t>
             </a:r>
           </a:p>
           <a:p>
             <a:r>
-              <a:rPr lang="th-TH" dirty="0"/>
+              <a:rPr lang="th-TH" sz="2400" dirty="0">
+                <a:latin typeface="TH SarabunPSK" panose="020B0500040200020003" pitchFamily="34" charset="-34"/>
+                <a:cs typeface="TH SarabunPSK" panose="020B0500040200020003" pitchFamily="34" charset="-34"/>
+              </a:rPr>
               <a:t>โดยใช้คำสั่ง </a:t>
             </a:r>
             <a:r>
-              <a:rPr lang="en-US" b="0" i="0" dirty="0" err="1">
+              <a:rPr lang="en-US" sz="2400" b="0" i="0" dirty="0" err="1">
                 <a:solidFill>
                   <a:srgbClr val="545454"/>
                 </a:solidFill>
                 <a:effectLst/>
-                <a:latin typeface="Courier New" panose="02070309020205020404" pitchFamily="49" charset="0"/>
+                <a:latin typeface="TH SarabunPSK" panose="020B0500040200020003" pitchFamily="34" charset="-34"/>
+                <a:cs typeface="TH SarabunPSK" panose="020B0500040200020003" pitchFamily="34" charset="-34"/>
               </a:rPr>
               <a:t>plt.scatter</a:t>
             </a:r>
             <a:r>
-              <a:rPr lang="en-US" b="0" i="0" dirty="0">
+              <a:rPr lang="en-US" sz="2400" b="0" i="0" dirty="0">
                 <a:solidFill>
                   <a:srgbClr val="545454"/>
                 </a:solidFill>
                 <a:effectLst/>
-                <a:latin typeface="Courier New" panose="02070309020205020404" pitchFamily="49" charset="0"/>
+                <a:latin typeface="TH SarabunPSK" panose="020B0500040200020003" pitchFamily="34" charset="-34"/>
+                <a:cs typeface="TH SarabunPSK" panose="020B0500040200020003" pitchFamily="34" charset="-34"/>
               </a:rPr>
               <a:t>(</a:t>
             </a:r>
             <a:r>
-              <a:rPr lang="th-TH" b="0" i="0" dirty="0">
+              <a:rPr lang="th-TH" sz="2400" b="0" i="0" dirty="0">
                 <a:solidFill>
                   <a:srgbClr val="545454"/>
                 </a:solidFill>
                 <a:effectLst/>
-                <a:latin typeface="Courier New" panose="02070309020205020404" pitchFamily="49" charset="0"/>
+                <a:latin typeface="TH SarabunPSK" panose="020B0500040200020003" pitchFamily="34" charset="-34"/>
+                <a:cs typeface="TH SarabunPSK" panose="020B0500040200020003" pitchFamily="34" charset="-34"/>
               </a:rPr>
               <a:t>แกน</a:t>
             </a:r>
             <a:r>
-              <a:rPr lang="en-US" dirty="0">
+              <a:rPr lang="en-US" sz="2400" dirty="0">
                 <a:solidFill>
                   <a:srgbClr val="545454"/>
                 </a:solidFill>
-                <a:latin typeface="Courier New" panose="02070309020205020404" pitchFamily="49" charset="0"/>
+                <a:latin typeface="TH SarabunPSK" panose="020B0500040200020003" pitchFamily="34" charset="-34"/>
+                <a:cs typeface="TH SarabunPSK" panose="020B0500040200020003" pitchFamily="34" charset="-34"/>
               </a:rPr>
               <a:t>X,</a:t>
             </a:r>
             <a:r>
-              <a:rPr lang="th-TH" dirty="0">
+              <a:rPr lang="th-TH" sz="2400" dirty="0">
                 <a:solidFill>
                   <a:srgbClr val="545454"/>
                 </a:solidFill>
-                <a:latin typeface="Courier New" panose="02070309020205020404" pitchFamily="49" charset="0"/>
+                <a:latin typeface="TH SarabunPSK" panose="020B0500040200020003" pitchFamily="34" charset="-34"/>
+                <a:cs typeface="TH SarabunPSK" panose="020B0500040200020003" pitchFamily="34" charset="-34"/>
               </a:rPr>
               <a:t>แกน</a:t>
             </a:r>
             <a:r>
-              <a:rPr lang="en-US" dirty="0">
+              <a:rPr lang="en-US" sz="2400" dirty="0">
                 <a:solidFill>
                   <a:srgbClr val="545454"/>
                 </a:solidFill>
-                <a:latin typeface="Courier New" panose="02070309020205020404" pitchFamily="49" charset="0"/>
+                <a:latin typeface="TH SarabunPSK" panose="020B0500040200020003" pitchFamily="34" charset="-34"/>
+                <a:cs typeface="TH SarabunPSK" panose="020B0500040200020003" pitchFamily="34" charset="-34"/>
               </a:rPr>
               <a:t>Y</a:t>
             </a:r>
             <a:r>
-              <a:rPr lang="en-US" b="0" i="0" dirty="0">
+              <a:rPr lang="en-US" sz="2400" b="0" i="0" dirty="0">
                 <a:solidFill>
                   <a:srgbClr val="545454"/>
                 </a:solidFill>
                 <a:effectLst/>
-                <a:latin typeface="Courier New" panose="02070309020205020404" pitchFamily="49" charset="0"/>
+                <a:latin typeface="TH SarabunPSK" panose="020B0500040200020003" pitchFamily="34" charset="-34"/>
+                <a:cs typeface="TH SarabunPSK" panose="020B0500040200020003" pitchFamily="34" charset="-34"/>
               </a:rPr>
               <a:t>)</a:t>
             </a:r>
             <a:r>
-              <a:rPr lang="th-TH" dirty="0"/>
+              <a:rPr lang="th-TH" sz="2400" dirty="0">
+                <a:latin typeface="TH SarabunPSK" panose="020B0500040200020003" pitchFamily="34" charset="-34"/>
+                <a:cs typeface="TH SarabunPSK" panose="020B0500040200020003" pitchFamily="34" charset="-34"/>
+              </a:rPr>
               <a:t> เช่น </a:t>
             </a:r>
           </a:p>
           <a:p>
             <a:r>
-              <a:rPr lang="en-US" b="0" i="0" dirty="0" err="1">
+              <a:rPr lang="en-US" sz="1800" b="0" i="0" dirty="0" err="1">
                 <a:solidFill>
                   <a:srgbClr val="545454"/>
                 </a:solidFill>
@@ -4227,7 +6013,7 @@
               <a:t>plt.scatter</a:t>
             </a:r>
             <a:r>
-              <a:rPr lang="en-US" b="0" i="0" dirty="0">
+              <a:rPr lang="en-US" sz="1800" b="0" i="0" dirty="0">
                 <a:solidFill>
                   <a:srgbClr val="545454"/>
                 </a:solidFill>
@@ -4237,7 +6023,7 @@
               <a:t>(</a:t>
             </a:r>
             <a:r>
-              <a:rPr lang="en-US" b="0" i="0" dirty="0" err="1">
+              <a:rPr lang="en-US" sz="1800" b="0" i="0" dirty="0" err="1">
                 <a:solidFill>
                   <a:srgbClr val="545454"/>
                 </a:solidFill>
@@ -4247,7 +6033,7 @@
               <a:t>df</a:t>
             </a:r>
             <a:r>
-              <a:rPr lang="en-US" b="0" i="0" dirty="0">
+              <a:rPr lang="en-US" sz="1800" b="0" i="0" dirty="0">
                 <a:solidFill>
                   <a:srgbClr val="545454"/>
                 </a:solidFill>
@@ -4257,7 +6043,7 @@
               <a:t>[</a:t>
             </a:r>
             <a:r>
-              <a:rPr lang="en-US" b="0" i="0" dirty="0">
+              <a:rPr lang="en-US" sz="1800" b="0" i="0" dirty="0">
                 <a:solidFill>
                   <a:srgbClr val="008000"/>
                 </a:solidFill>
@@ -4267,7 +6053,7 @@
               <a:t>'</a:t>
             </a:r>
             <a:r>
-              <a:rPr lang="en-US" b="0" i="0" dirty="0" err="1">
+              <a:rPr lang="en-US" sz="1800" b="0" i="0" dirty="0" err="1">
                 <a:solidFill>
                   <a:srgbClr val="008000"/>
                 </a:solidFill>
@@ -4277,7 +6063,7 @@
               <a:t>PetalLength</a:t>
             </a:r>
             <a:r>
-              <a:rPr lang="en-US" b="0" i="0" dirty="0">
+              <a:rPr lang="en-US" sz="1800" b="0" i="0" dirty="0">
                 <a:solidFill>
                   <a:srgbClr val="008000"/>
                 </a:solidFill>
@@ -4287,7 +6073,7 @@
               <a:t>'</a:t>
             </a:r>
             <a:r>
-              <a:rPr lang="en-US" b="0" i="0" dirty="0">
+              <a:rPr lang="en-US" sz="1800" b="0" i="0" dirty="0">
                 <a:solidFill>
                   <a:srgbClr val="545454"/>
                 </a:solidFill>
@@ -4297,7 +6083,7 @@
               <a:t>],</a:t>
             </a:r>
             <a:r>
-              <a:rPr lang="en-US" b="0" i="0" dirty="0" err="1">
+              <a:rPr lang="en-US" sz="1800" b="0" i="0" dirty="0" err="1">
                 <a:solidFill>
                   <a:srgbClr val="545454"/>
                 </a:solidFill>
@@ -4307,7 +6093,7 @@
               <a:t>df</a:t>
             </a:r>
             <a:r>
-              <a:rPr lang="en-US" b="0" i="0" dirty="0">
+              <a:rPr lang="en-US" sz="1800" b="0" i="0" dirty="0">
                 <a:solidFill>
                   <a:srgbClr val="545454"/>
                 </a:solidFill>
@@ -4317,7 +6103,7 @@
               <a:t>[</a:t>
             </a:r>
             <a:r>
-              <a:rPr lang="en-US" b="0" i="0" dirty="0">
+              <a:rPr lang="en-US" sz="1800" b="0" i="0" dirty="0">
                 <a:solidFill>
                   <a:srgbClr val="008000"/>
                 </a:solidFill>
@@ -4327,7 +6113,7 @@
               <a:t>'</a:t>
             </a:r>
             <a:r>
-              <a:rPr lang="en-US" b="0" i="0" dirty="0" err="1">
+              <a:rPr lang="en-US" sz="1800" b="0" i="0" dirty="0" err="1">
                 <a:solidFill>
                   <a:srgbClr val="008000"/>
                 </a:solidFill>
@@ -4337,7 +6123,7 @@
               <a:t>SepalLength</a:t>
             </a:r>
             <a:r>
-              <a:rPr lang="en-US" b="0" i="0" dirty="0">
+              <a:rPr lang="en-US" sz="1800" b="0" i="0" dirty="0">
                 <a:solidFill>
                   <a:srgbClr val="008000"/>
                 </a:solidFill>
@@ -4347,7 +6133,7 @@
               <a:t>'</a:t>
             </a:r>
             <a:r>
-              <a:rPr lang="en-US" b="0" i="0" dirty="0">
+              <a:rPr lang="en-US" sz="1800" b="0" i="0" dirty="0">
                 <a:solidFill>
                   <a:srgbClr val="545454"/>
                 </a:solidFill>
@@ -4356,7 +6142,7 @@
               </a:rPr>
               <a:t>])</a:t>
             </a:r>
-            <a:endParaRPr lang="en-US" dirty="0"/>
+            <a:endParaRPr lang="en-US" sz="1800" dirty="0"/>
           </a:p>
         </p:txBody>
       </p:sp>
@@ -4375,15 +6161,15 @@
           <p:nvPr/>
         </p:nvPicPr>
         <p:blipFill>
-          <a:blip r:embed="rId2"/>
+          <a:blip r:embed="rId3"/>
           <a:stretch>
             <a:fillRect/>
           </a:stretch>
         </p:blipFill>
         <p:spPr>
           <a:xfrm>
-            <a:off x="752532" y="4065759"/>
-            <a:ext cx="4936894" cy="2092458"/>
+            <a:off x="7889932" y="2449866"/>
+            <a:ext cx="3535680" cy="1498566"/>
           </a:xfrm>
           <a:prstGeom prst="rect">
             <a:avLst/>
@@ -4404,8 +6190,8 @@
         </p:nvSpPr>
         <p:spPr>
           <a:xfrm>
-            <a:off x="1033877" y="4001294"/>
-            <a:ext cx="1044305" cy="2092458"/>
+            <a:off x="8092989" y="2442437"/>
+            <a:ext cx="777962" cy="1426208"/>
           </a:xfrm>
           <a:prstGeom prst="rect">
             <a:avLst/>
@@ -4456,8 +6242,8 @@
         </p:nvSpPr>
         <p:spPr>
           <a:xfrm>
-            <a:off x="2944948" y="4001294"/>
-            <a:ext cx="1044305" cy="2129950"/>
+            <a:off x="9453341" y="2453642"/>
+            <a:ext cx="719359" cy="1426208"/>
           </a:xfrm>
           <a:prstGeom prst="rect">
             <a:avLst/>
@@ -4509,15 +6295,15 @@
           <p:nvPr/>
         </p:nvPicPr>
         <p:blipFill>
-          <a:blip r:embed="rId3"/>
+          <a:blip r:embed="rId4"/>
           <a:stretch>
             <a:fillRect/>
           </a:stretch>
         </p:blipFill>
         <p:spPr>
           <a:xfrm>
-            <a:off x="6286454" y="3812510"/>
-            <a:ext cx="4022684" cy="3027103"/>
+            <a:off x="2487281" y="3151158"/>
+            <a:ext cx="3221370" cy="2424108"/>
           </a:xfrm>
           <a:prstGeom prst="rect">
             <a:avLst/>
@@ -4556,6 +6342,377 @@
       </p:grpSpPr>
       <p:sp>
         <p:nvSpPr>
+          <p:cNvPr id="4" name="Rectangle 3">
+            <a:extLst>
+              <a:ext uri="{FF2B5EF4-FFF2-40B4-BE49-F238E27FC236}">
+                <a16:creationId xmlns:a16="http://schemas.microsoft.com/office/drawing/2014/main" id="{28A863EE-1BD7-BCA5-3403-656E54427D48}"/>
+              </a:ext>
+            </a:extLst>
+          </p:cNvPr>
+          <p:cNvSpPr/>
+          <p:nvPr/>
+        </p:nvSpPr>
+        <p:spPr>
+          <a:xfrm>
+            <a:off x="0" y="5840991"/>
+            <a:ext cx="12192000" cy="1017009"/>
+          </a:xfrm>
+          <a:prstGeom prst="rect">
+            <a:avLst/>
+          </a:prstGeom>
+          <a:solidFill>
+            <a:srgbClr val="FFD9E6"/>
+          </a:solidFill>
+          <a:ln>
+            <a:solidFill>
+              <a:srgbClr val="FFD9E6"/>
+            </a:solidFill>
+          </a:ln>
+        </p:spPr>
+        <p:style>
+          <a:lnRef idx="2">
+            <a:schemeClr val="accent1">
+              <a:shade val="15000"/>
+            </a:schemeClr>
+          </a:lnRef>
+          <a:fillRef idx="1">
+            <a:schemeClr val="accent1"/>
+          </a:fillRef>
+          <a:effectRef idx="0">
+            <a:schemeClr val="accent1"/>
+          </a:effectRef>
+          <a:fontRef idx="minor">
+            <a:schemeClr val="lt1"/>
+          </a:fontRef>
+        </p:style>
+        <p:txBody>
+          <a:bodyPr rtlCol="0" anchor="ctr"/>
+          <a:lstStyle/>
+          <a:p>
+            <a:pPr algn="ctr"/>
+            <a:endParaRPr lang="en-US"/>
+          </a:p>
+        </p:txBody>
+      </p:sp>
+      <p:sp>
+        <p:nvSpPr>
+          <p:cNvPr id="6" name="Rectangle 5">
+            <a:extLst>
+              <a:ext uri="{FF2B5EF4-FFF2-40B4-BE49-F238E27FC236}">
+                <a16:creationId xmlns:a16="http://schemas.microsoft.com/office/drawing/2014/main" id="{DBCED268-79B7-8E25-8892-0ED5947231CA}"/>
+              </a:ext>
+            </a:extLst>
+          </p:cNvPr>
+          <p:cNvSpPr/>
+          <p:nvPr/>
+        </p:nvSpPr>
+        <p:spPr>
+          <a:xfrm>
+            <a:off x="0" y="0"/>
+            <a:ext cx="12192000" cy="1136342"/>
+          </a:xfrm>
+          <a:prstGeom prst="rect">
+            <a:avLst/>
+          </a:prstGeom>
+          <a:solidFill>
+            <a:srgbClr val="FFD9E6"/>
+          </a:solidFill>
+          <a:ln>
+            <a:solidFill>
+              <a:srgbClr val="FFD9E6"/>
+            </a:solidFill>
+          </a:ln>
+        </p:spPr>
+        <p:style>
+          <a:lnRef idx="2">
+            <a:schemeClr val="accent1">
+              <a:shade val="15000"/>
+            </a:schemeClr>
+          </a:lnRef>
+          <a:fillRef idx="1">
+            <a:schemeClr val="accent1"/>
+          </a:fillRef>
+          <a:effectRef idx="0">
+            <a:schemeClr val="accent1"/>
+          </a:effectRef>
+          <a:fontRef idx="minor">
+            <a:schemeClr val="lt1"/>
+          </a:fontRef>
+        </p:style>
+        <p:txBody>
+          <a:bodyPr rtlCol="0" anchor="ctr"/>
+          <a:lstStyle/>
+          <a:p>
+            <a:pPr algn="ctr"/>
+            <a:endParaRPr lang="en-US" dirty="0">
+              <a:noFill/>
+            </a:endParaRPr>
+          </a:p>
+        </p:txBody>
+      </p:sp>
+      <p:pic>
+        <p:nvPicPr>
+          <p:cNvPr id="7" name="Picture 6" descr="A black and white logo&#10;&#10;Description automatically generated">
+            <a:extLst>
+              <a:ext uri="{FF2B5EF4-FFF2-40B4-BE49-F238E27FC236}">
+                <a16:creationId xmlns:a16="http://schemas.microsoft.com/office/drawing/2014/main" id="{5A234A36-AE54-04CB-A1F8-AE1A89FD08BD}"/>
+              </a:ext>
+            </a:extLst>
+          </p:cNvPr>
+          <p:cNvPicPr>
+            <a:picLocks noChangeAspect="1"/>
+          </p:cNvPicPr>
+          <p:nvPr/>
+        </p:nvPicPr>
+        <p:blipFill>
+          <a:blip r:embed="rId2">
+            <a:extLst>
+              <a:ext uri="{28A0092B-C50C-407E-A947-70E740481C1C}">
+                <a14:useLocalDpi xmlns:a14="http://schemas.microsoft.com/office/drawing/2010/main" val="0"/>
+              </a:ext>
+            </a:extLst>
+          </a:blip>
+          <a:stretch>
+            <a:fillRect/>
+          </a:stretch>
+        </p:blipFill>
+        <p:spPr>
+          <a:xfrm>
+            <a:off x="11051882" y="119333"/>
+            <a:ext cx="1093483" cy="1017009"/>
+          </a:xfrm>
+          <a:prstGeom prst="rect">
+            <a:avLst/>
+          </a:prstGeom>
+        </p:spPr>
+      </p:pic>
+      <p:sp>
+        <p:nvSpPr>
+          <p:cNvPr id="8" name="Flowchart: Data 2">
+            <a:extLst>
+              <a:ext uri="{FF2B5EF4-FFF2-40B4-BE49-F238E27FC236}">
+                <a16:creationId xmlns:a16="http://schemas.microsoft.com/office/drawing/2014/main" id="{F5CB8ADD-C6D6-DA0E-B32F-67B98E89E055}"/>
+              </a:ext>
+            </a:extLst>
+          </p:cNvPr>
+          <p:cNvSpPr/>
+          <p:nvPr/>
+        </p:nvSpPr>
+        <p:spPr>
+          <a:xfrm>
+            <a:off x="10848138" y="6264097"/>
+            <a:ext cx="1343862" cy="608120"/>
+          </a:xfrm>
+          <a:custGeom>
+            <a:avLst/>
+            <a:gdLst>
+              <a:gd name="connsiteX0" fmla="*/ 0 w 10000"/>
+              <a:gd name="connsiteY0" fmla="*/ 10000 h 10000"/>
+              <a:gd name="connsiteX1" fmla="*/ 2000 w 10000"/>
+              <a:gd name="connsiteY1" fmla="*/ 0 h 10000"/>
+              <a:gd name="connsiteX2" fmla="*/ 10000 w 10000"/>
+              <a:gd name="connsiteY2" fmla="*/ 0 h 10000"/>
+              <a:gd name="connsiteX3" fmla="*/ 8000 w 10000"/>
+              <a:gd name="connsiteY3" fmla="*/ 10000 h 10000"/>
+              <a:gd name="connsiteX4" fmla="*/ 0 w 10000"/>
+              <a:gd name="connsiteY4" fmla="*/ 10000 h 10000"/>
+              <a:gd name="connsiteX0" fmla="*/ 0 w 8000"/>
+              <a:gd name="connsiteY0" fmla="*/ 10000 h 10000"/>
+              <a:gd name="connsiteX1" fmla="*/ 2000 w 8000"/>
+              <a:gd name="connsiteY1" fmla="*/ 0 h 10000"/>
+              <a:gd name="connsiteX2" fmla="*/ 4142 w 8000"/>
+              <a:gd name="connsiteY2" fmla="*/ 153 h 10000"/>
+              <a:gd name="connsiteX3" fmla="*/ 8000 w 8000"/>
+              <a:gd name="connsiteY3" fmla="*/ 10000 h 10000"/>
+              <a:gd name="connsiteX4" fmla="*/ 0 w 8000"/>
+              <a:gd name="connsiteY4" fmla="*/ 10000 h 10000"/>
+              <a:gd name="connsiteX0" fmla="*/ 0 w 5414"/>
+              <a:gd name="connsiteY0" fmla="*/ 10000 h 10000"/>
+              <a:gd name="connsiteX1" fmla="*/ 2500 w 5414"/>
+              <a:gd name="connsiteY1" fmla="*/ 0 h 10000"/>
+              <a:gd name="connsiteX2" fmla="*/ 5178 w 5414"/>
+              <a:gd name="connsiteY2" fmla="*/ 153 h 10000"/>
+              <a:gd name="connsiteX3" fmla="*/ 5414 w 5414"/>
+              <a:gd name="connsiteY3" fmla="*/ 10000 h 10000"/>
+              <a:gd name="connsiteX4" fmla="*/ 0 w 5414"/>
+              <a:gd name="connsiteY4" fmla="*/ 10000 h 10000"/>
+              <a:gd name="connsiteX0" fmla="*/ 0 w 9609"/>
+              <a:gd name="connsiteY0" fmla="*/ 10000 h 10000"/>
+              <a:gd name="connsiteX1" fmla="*/ 4618 w 9609"/>
+              <a:gd name="connsiteY1" fmla="*/ 0 h 10000"/>
+              <a:gd name="connsiteX2" fmla="*/ 9564 w 9609"/>
+              <a:gd name="connsiteY2" fmla="*/ 153 h 10000"/>
+              <a:gd name="connsiteX3" fmla="*/ 9590 w 9609"/>
+              <a:gd name="connsiteY3" fmla="*/ 10000 h 10000"/>
+              <a:gd name="connsiteX4" fmla="*/ 0 w 9609"/>
+              <a:gd name="connsiteY4" fmla="*/ 10000 h 10000"/>
+              <a:gd name="connsiteX0" fmla="*/ 0 w 10193"/>
+              <a:gd name="connsiteY0" fmla="*/ 10000 h 10153"/>
+              <a:gd name="connsiteX1" fmla="*/ 4806 w 10193"/>
+              <a:gd name="connsiteY1" fmla="*/ 0 h 10153"/>
+              <a:gd name="connsiteX2" fmla="*/ 9953 w 10193"/>
+              <a:gd name="connsiteY2" fmla="*/ 153 h 10153"/>
+              <a:gd name="connsiteX3" fmla="*/ 10193 w 10193"/>
+              <a:gd name="connsiteY3" fmla="*/ 10153 h 10153"/>
+              <a:gd name="connsiteX4" fmla="*/ 0 w 10193"/>
+              <a:gd name="connsiteY4" fmla="*/ 10000 h 10153"/>
+              <a:gd name="connsiteX0" fmla="*/ 0 w 10213"/>
+              <a:gd name="connsiteY0" fmla="*/ 10000 h 10153"/>
+              <a:gd name="connsiteX1" fmla="*/ 4806 w 10213"/>
+              <a:gd name="connsiteY1" fmla="*/ 0 h 10153"/>
+              <a:gd name="connsiteX2" fmla="*/ 10166 w 10213"/>
+              <a:gd name="connsiteY2" fmla="*/ 153 h 10153"/>
+              <a:gd name="connsiteX3" fmla="*/ 10193 w 10213"/>
+              <a:gd name="connsiteY3" fmla="*/ 10153 h 10153"/>
+              <a:gd name="connsiteX4" fmla="*/ 0 w 10213"/>
+              <a:gd name="connsiteY4" fmla="*/ 10000 h 10153"/>
+              <a:gd name="connsiteX0" fmla="*/ 0 w 10341"/>
+              <a:gd name="connsiteY0" fmla="*/ 10000 h 10153"/>
+              <a:gd name="connsiteX1" fmla="*/ 4806 w 10341"/>
+              <a:gd name="connsiteY1" fmla="*/ 0 h 10153"/>
+              <a:gd name="connsiteX2" fmla="*/ 10308 w 10341"/>
+              <a:gd name="connsiteY2" fmla="*/ 0 h 10153"/>
+              <a:gd name="connsiteX3" fmla="*/ 10193 w 10341"/>
+              <a:gd name="connsiteY3" fmla="*/ 10153 h 10153"/>
+              <a:gd name="connsiteX4" fmla="*/ 0 w 10341"/>
+              <a:gd name="connsiteY4" fmla="*/ 10000 h 10153"/>
+              <a:gd name="connsiteX0" fmla="*/ 0 w 10406"/>
+              <a:gd name="connsiteY0" fmla="*/ 10000 h 10306"/>
+              <a:gd name="connsiteX1" fmla="*/ 4806 w 10406"/>
+              <a:gd name="connsiteY1" fmla="*/ 0 h 10306"/>
+              <a:gd name="connsiteX2" fmla="*/ 10308 w 10406"/>
+              <a:gd name="connsiteY2" fmla="*/ 0 h 10306"/>
+              <a:gd name="connsiteX3" fmla="*/ 10406 w 10406"/>
+              <a:gd name="connsiteY3" fmla="*/ 10306 h 10306"/>
+              <a:gd name="connsiteX4" fmla="*/ 0 w 10406"/>
+              <a:gd name="connsiteY4" fmla="*/ 10000 h 10306"/>
+              <a:gd name="connsiteX0" fmla="*/ 0 w 10761"/>
+              <a:gd name="connsiteY0" fmla="*/ 10458 h 10458"/>
+              <a:gd name="connsiteX1" fmla="*/ 5161 w 10761"/>
+              <a:gd name="connsiteY1" fmla="*/ 0 h 10458"/>
+              <a:gd name="connsiteX2" fmla="*/ 10663 w 10761"/>
+              <a:gd name="connsiteY2" fmla="*/ 0 h 10458"/>
+              <a:gd name="connsiteX3" fmla="*/ 10761 w 10761"/>
+              <a:gd name="connsiteY3" fmla="*/ 10306 h 10458"/>
+              <a:gd name="connsiteX4" fmla="*/ 0 w 10761"/>
+              <a:gd name="connsiteY4" fmla="*/ 10458 h 10458"/>
+            </a:gdLst>
+            <a:ahLst/>
+            <a:cxnLst>
+              <a:cxn ang="0">
+                <a:pos x="connsiteX0" y="connsiteY0"/>
+              </a:cxn>
+              <a:cxn ang="0">
+                <a:pos x="connsiteX1" y="connsiteY1"/>
+              </a:cxn>
+              <a:cxn ang="0">
+                <a:pos x="connsiteX2" y="connsiteY2"/>
+              </a:cxn>
+              <a:cxn ang="0">
+                <a:pos x="connsiteX3" y="connsiteY3"/>
+              </a:cxn>
+              <a:cxn ang="0">
+                <a:pos x="connsiteX4" y="connsiteY4"/>
+              </a:cxn>
+            </a:cxnLst>
+            <a:rect l="l" t="t" r="r" b="b"/>
+            <a:pathLst>
+              <a:path w="10761" h="10458">
+                <a:moveTo>
+                  <a:pt x="0" y="10458"/>
+                </a:moveTo>
+                <a:lnTo>
+                  <a:pt x="5161" y="0"/>
+                </a:lnTo>
+                <a:lnTo>
+                  <a:pt x="10663" y="0"/>
+                </a:lnTo>
+                <a:cubicBezTo>
+                  <a:pt x="10815" y="3282"/>
+                  <a:pt x="10609" y="7024"/>
+                  <a:pt x="10761" y="10306"/>
+                </a:cubicBezTo>
+                <a:lnTo>
+                  <a:pt x="0" y="10458"/>
+                </a:lnTo>
+                <a:close/>
+              </a:path>
+            </a:pathLst>
+          </a:custGeom>
+          <a:solidFill>
+            <a:schemeClr val="bg1"/>
+          </a:solidFill>
+          <a:ln w="19050">
+            <a:solidFill>
+              <a:schemeClr val="tx1"/>
+            </a:solidFill>
+          </a:ln>
+        </p:spPr>
+        <p:style>
+          <a:lnRef idx="2">
+            <a:schemeClr val="accent1">
+              <a:shade val="15000"/>
+            </a:schemeClr>
+          </a:lnRef>
+          <a:fillRef idx="1">
+            <a:schemeClr val="accent1"/>
+          </a:fillRef>
+          <a:effectRef idx="0">
+            <a:schemeClr val="accent1"/>
+          </a:effectRef>
+          <a:fontRef idx="minor">
+            <a:schemeClr val="lt1"/>
+          </a:fontRef>
+        </p:style>
+        <p:txBody>
+          <a:bodyPr rtlCol="0" anchor="ctr"/>
+          <a:lstStyle/>
+          <a:p>
+            <a:pPr algn="ctr"/>
+            <a:endParaRPr lang="en-US"/>
+          </a:p>
+        </p:txBody>
+      </p:sp>
+      <p:sp>
+        <p:nvSpPr>
+          <p:cNvPr id="9" name="TextBox 8">
+            <a:extLst>
+              <a:ext uri="{FF2B5EF4-FFF2-40B4-BE49-F238E27FC236}">
+                <a16:creationId xmlns:a16="http://schemas.microsoft.com/office/drawing/2014/main" id="{5DB6276E-2D63-2FEE-226B-9CB89AE3EBD8}"/>
+              </a:ext>
+            </a:extLst>
+          </p:cNvPr>
+          <p:cNvSpPr txBox="1"/>
+          <p:nvPr/>
+        </p:nvSpPr>
+        <p:spPr>
+          <a:xfrm>
+            <a:off x="11520069" y="6287442"/>
+            <a:ext cx="557254" cy="584775"/>
+          </a:xfrm>
+          <a:prstGeom prst="rect">
+            <a:avLst/>
+          </a:prstGeom>
+          <a:noFill/>
+        </p:spPr>
+        <p:txBody>
+          <a:bodyPr wrap="square" rtlCol="0">
+            <a:spAutoFit/>
+          </a:bodyPr>
+          <a:lstStyle/>
+          <a:p>
+            <a:r>
+              <a:rPr lang="en-US" sz="3200" dirty="0">
+                <a:latin typeface="TH SarabunPSK" panose="020B0500040200020003" pitchFamily="34" charset="-34"/>
+                <a:cs typeface="TH SarabunPSK" panose="020B0500040200020003" pitchFamily="34" charset="-34"/>
+              </a:rPr>
+              <a:t>5</a:t>
+            </a:r>
+          </a:p>
+        </p:txBody>
+      </p:sp>
+      <p:sp>
+        <p:nvSpPr>
           <p:cNvPr id="2" name="Title 1">
             <a:extLst>
               <a:ext uri="{FF2B5EF4-FFF2-40B4-BE49-F238E27FC236}">
@@ -4570,20 +6727,34 @@
             <p:ph type="title"/>
           </p:nvPr>
         </p:nvSpPr>
-        <p:spPr/>
+        <p:spPr>
+          <a:xfrm>
+            <a:off x="838200" y="18255"/>
+            <a:ext cx="10515600" cy="1325563"/>
+          </a:xfrm>
+        </p:spPr>
         <p:txBody>
           <a:bodyPr/>
           <a:lstStyle/>
           <a:p>
             <a:r>
-              <a:rPr lang="en-US" dirty="0"/>
+              <a:rPr lang="en-US" dirty="0">
+                <a:latin typeface="TH SarabunPSK" panose="020B0500040200020003" pitchFamily="34" charset="-34"/>
+                <a:cs typeface="TH SarabunPSK" panose="020B0500040200020003" pitchFamily="34" charset="-34"/>
+              </a:rPr>
               <a:t>Parameter: c (color)</a:t>
             </a:r>
             <a:r>
-              <a:rPr lang="th-TH" dirty="0"/>
+              <a:rPr lang="th-TH" dirty="0">
+                <a:latin typeface="TH SarabunPSK" panose="020B0500040200020003" pitchFamily="34" charset="-34"/>
+                <a:cs typeface="TH SarabunPSK" panose="020B0500040200020003" pitchFamily="34" charset="-34"/>
+              </a:rPr>
               <a:t> กำหนดค่าสีให้ทุกจุด</a:t>
             </a:r>
-            <a:endParaRPr lang="en-US" dirty="0"/>
+            <a:endParaRPr lang="en-US" dirty="0">
+              <a:latin typeface="TH SarabunPSK" panose="020B0500040200020003" pitchFamily="34" charset="-34"/>
+              <a:cs typeface="TH SarabunPSK" panose="020B0500040200020003" pitchFamily="34" charset="-34"/>
+            </a:endParaRPr>
           </a:p>
         </p:txBody>
       </p:sp>
@@ -4603,27 +6774,41 @@
             <p:ph idx="1"/>
           </p:nvPr>
         </p:nvSpPr>
-        <p:spPr/>
+        <p:spPr>
+          <a:xfrm>
+            <a:off x="838200" y="1551645"/>
+            <a:ext cx="10515600" cy="4351338"/>
+          </a:xfrm>
+        </p:spPr>
         <p:txBody>
           <a:bodyPr/>
           <a:lstStyle/>
           <a:p>
             <a:r>
-              <a:rPr lang="th-TH" dirty="0"/>
+              <a:rPr lang="th-TH" sz="2400" dirty="0">
+                <a:latin typeface="TH SarabunPSK" panose="020B0500040200020003" pitchFamily="34" charset="-34"/>
+                <a:cs typeface="TH SarabunPSK" panose="020B0500040200020003" pitchFamily="34" charset="-34"/>
+              </a:rPr>
               <a:t>สามารถกำหนดค่าสีที่ต้องการให้ทุกจุดได้</a:t>
             </a:r>
             <a:r>
-              <a:rPr lang="en-US" dirty="0"/>
+              <a:rPr lang="en-US" sz="2400" dirty="0">
+                <a:latin typeface="TH SarabunPSK" panose="020B0500040200020003" pitchFamily="34" charset="-34"/>
+                <a:cs typeface="TH SarabunPSK" panose="020B0500040200020003" pitchFamily="34" charset="-34"/>
+              </a:rPr>
               <a:t> </a:t>
             </a:r>
             <a:r>
-              <a:rPr lang="th-TH" dirty="0"/>
+              <a:rPr lang="th-TH" sz="2400" dirty="0">
+                <a:latin typeface="TH SarabunPSK" panose="020B0500040200020003" pitchFamily="34" charset="-34"/>
+                <a:cs typeface="TH SarabunPSK" panose="020B0500040200020003" pitchFamily="34" charset="-34"/>
+              </a:rPr>
               <a:t>แต่ทุกจุดจะสีเดียวกัน เช่น</a:t>
             </a:r>
           </a:p>
           <a:p>
             <a:r>
-              <a:rPr lang="en-US" sz="2000" b="0" i="0" dirty="0" err="1">
+              <a:rPr lang="en-US" sz="1800" b="0" i="0" dirty="0" err="1">
                 <a:solidFill>
                   <a:srgbClr val="545454"/>
                 </a:solidFill>
@@ -4633,7 +6818,7 @@
               <a:t>plt.scatter</a:t>
             </a:r>
             <a:r>
-              <a:rPr lang="en-US" sz="2000" b="0" i="0" dirty="0">
+              <a:rPr lang="en-US" sz="1800" b="0" i="0" dirty="0">
                 <a:solidFill>
                   <a:srgbClr val="545454"/>
                 </a:solidFill>
@@ -4643,7 +6828,7 @@
               <a:t>(</a:t>
             </a:r>
             <a:r>
-              <a:rPr lang="en-US" sz="2000" b="0" i="0" dirty="0" err="1">
+              <a:rPr lang="en-US" sz="1800" b="0" i="0" dirty="0" err="1">
                 <a:solidFill>
                   <a:srgbClr val="545454"/>
                 </a:solidFill>
@@ -4653,7 +6838,7 @@
               <a:t>df</a:t>
             </a:r>
             <a:r>
-              <a:rPr lang="en-US" sz="2000" b="0" i="0" dirty="0">
+              <a:rPr lang="en-US" sz="1800" b="0" i="0" dirty="0">
                 <a:solidFill>
                   <a:srgbClr val="545454"/>
                 </a:solidFill>
@@ -4663,7 +6848,7 @@
               <a:t>[</a:t>
             </a:r>
             <a:r>
-              <a:rPr lang="en-US" sz="2000" b="0" i="0" dirty="0">
+              <a:rPr lang="en-US" sz="1800" b="0" i="0" dirty="0">
                 <a:solidFill>
                   <a:srgbClr val="008000"/>
                 </a:solidFill>
@@ -4673,7 +6858,7 @@
               <a:t>'</a:t>
             </a:r>
             <a:r>
-              <a:rPr lang="en-US" sz="2000" b="0" i="0" dirty="0" err="1">
+              <a:rPr lang="en-US" sz="1800" b="0" i="0" dirty="0" err="1">
                 <a:solidFill>
                   <a:srgbClr val="008000"/>
                 </a:solidFill>
@@ -4683,7 +6868,7 @@
               <a:t>PetalLength</a:t>
             </a:r>
             <a:r>
-              <a:rPr lang="en-US" sz="2000" b="0" i="0" dirty="0">
+              <a:rPr lang="en-US" sz="1800" b="0" i="0" dirty="0">
                 <a:solidFill>
                   <a:srgbClr val="008000"/>
                 </a:solidFill>
@@ -4693,7 +6878,7 @@
               <a:t>'</a:t>
             </a:r>
             <a:r>
-              <a:rPr lang="en-US" sz="2000" b="0" i="0" dirty="0">
+              <a:rPr lang="en-US" sz="1800" b="0" i="0" dirty="0">
                 <a:solidFill>
                   <a:srgbClr val="545454"/>
                 </a:solidFill>
@@ -4703,7 +6888,7 @@
               <a:t>],</a:t>
             </a:r>
             <a:r>
-              <a:rPr lang="en-US" sz="2000" b="0" i="0" dirty="0" err="1">
+              <a:rPr lang="en-US" sz="1800" b="0" i="0" dirty="0" err="1">
                 <a:solidFill>
                   <a:srgbClr val="545454"/>
                 </a:solidFill>
@@ -4713,7 +6898,7 @@
               <a:t>df</a:t>
             </a:r>
             <a:r>
-              <a:rPr lang="en-US" sz="2000" b="0" i="0" dirty="0">
+              <a:rPr lang="en-US" sz="1800" b="0" i="0" dirty="0">
                 <a:solidFill>
                   <a:srgbClr val="545454"/>
                 </a:solidFill>
@@ -4723,7 +6908,7 @@
               <a:t>[</a:t>
             </a:r>
             <a:r>
-              <a:rPr lang="en-US" sz="2000" b="0" i="0" dirty="0">
+              <a:rPr lang="en-US" sz="1800" b="0" i="0" dirty="0">
                 <a:solidFill>
                   <a:srgbClr val="008000"/>
                 </a:solidFill>
@@ -4733,7 +6918,7 @@
               <a:t>'</a:t>
             </a:r>
             <a:r>
-              <a:rPr lang="en-US" sz="2000" b="0" i="0" dirty="0" err="1">
+              <a:rPr lang="en-US" sz="1800" b="0" i="0" dirty="0" err="1">
                 <a:solidFill>
                   <a:srgbClr val="008000"/>
                 </a:solidFill>
@@ -4743,7 +6928,7 @@
               <a:t>SepalLength</a:t>
             </a:r>
             <a:r>
-              <a:rPr lang="en-US" sz="2000" b="0" i="0" dirty="0">
+              <a:rPr lang="en-US" sz="1800" b="0" i="0" dirty="0">
                 <a:solidFill>
                   <a:srgbClr val="008000"/>
                 </a:solidFill>
@@ -4753,7 +6938,7 @@
               <a:t>'</a:t>
             </a:r>
             <a:r>
-              <a:rPr lang="en-US" sz="2000" b="0" i="0" dirty="0">
+              <a:rPr lang="en-US" sz="1800" b="0" i="0" dirty="0">
                 <a:solidFill>
                   <a:srgbClr val="545454"/>
                 </a:solidFill>
@@ -4763,7 +6948,7 @@
               <a:t>],c=</a:t>
             </a:r>
             <a:r>
-              <a:rPr lang="en-US" sz="2000" b="0" i="0" dirty="0">
+              <a:rPr lang="en-US" sz="1800" b="0" i="0" dirty="0">
                 <a:solidFill>
                   <a:srgbClr val="008000"/>
                 </a:solidFill>
@@ -4773,7 +6958,7 @@
               <a:t>‘r’</a:t>
             </a:r>
             <a:r>
-              <a:rPr lang="en-US" sz="2000" b="0" i="0" dirty="0">
+              <a:rPr lang="en-US" sz="1800" b="0" i="0" dirty="0">
                 <a:solidFill>
                   <a:srgbClr val="545454"/>
                 </a:solidFill>
@@ -4782,6 +6967,23 @@
               </a:rPr>
               <a:t>)</a:t>
             </a:r>
+            <a:endParaRPr lang="th-TH" sz="1800" b="0" i="0" dirty="0">
+              <a:solidFill>
+                <a:srgbClr val="545454"/>
+              </a:solidFill>
+              <a:effectLst/>
+              <a:latin typeface="Courier New" panose="02070309020205020404" pitchFamily="49" charset="0"/>
+            </a:endParaRPr>
+          </a:p>
+          <a:p>
+            <a:endParaRPr lang="th-TH" sz="2000" dirty="0">
+              <a:solidFill>
+                <a:srgbClr val="545454"/>
+              </a:solidFill>
+              <a:latin typeface="Courier New" panose="02070309020205020404" pitchFamily="49" charset="0"/>
+            </a:endParaRPr>
+          </a:p>
+          <a:p>
             <a:endParaRPr lang="th-TH" sz="2000" b="0" i="0" dirty="0">
               <a:solidFill>
                 <a:srgbClr val="545454"/>
@@ -4808,23 +7010,6 @@
             </a:endParaRPr>
           </a:p>
           <a:p>
-            <a:endParaRPr lang="th-TH" sz="2000" dirty="0">
-              <a:solidFill>
-                <a:srgbClr val="545454"/>
-              </a:solidFill>
-              <a:latin typeface="Courier New" panose="02070309020205020404" pitchFamily="49" charset="0"/>
-            </a:endParaRPr>
-          </a:p>
-          <a:p>
-            <a:endParaRPr lang="th-TH" sz="2000" b="0" i="0" dirty="0">
-              <a:solidFill>
-                <a:srgbClr val="545454"/>
-              </a:solidFill>
-              <a:effectLst/>
-              <a:latin typeface="Courier New" panose="02070309020205020404" pitchFamily="49" charset="0"/>
-            </a:endParaRPr>
-          </a:p>
-          <a:p>
             <a:endParaRPr lang="th-TH" sz="2000" dirty="0"/>
           </a:p>
         </p:txBody>
@@ -4844,15 +7029,15 @@
           <p:nvPr/>
         </p:nvPicPr>
         <p:blipFill>
-          <a:blip r:embed="rId2"/>
+          <a:blip r:embed="rId3"/>
           <a:stretch>
             <a:fillRect/>
           </a:stretch>
         </p:blipFill>
         <p:spPr>
           <a:xfrm>
-            <a:off x="3566873" y="2817311"/>
-            <a:ext cx="5058254" cy="3808568"/>
+            <a:off x="4259815" y="2571749"/>
+            <a:ext cx="3672370" cy="2765079"/>
           </a:xfrm>
           <a:prstGeom prst="rect">
             <a:avLst/>
@@ -4891,6 +7076,377 @@
       </p:grpSpPr>
       <p:sp>
         <p:nvSpPr>
+          <p:cNvPr id="4" name="Rectangle 3">
+            <a:extLst>
+              <a:ext uri="{FF2B5EF4-FFF2-40B4-BE49-F238E27FC236}">
+                <a16:creationId xmlns:a16="http://schemas.microsoft.com/office/drawing/2014/main" id="{4E28F414-B625-1AFD-5CA7-DE8F4D770BB7}"/>
+              </a:ext>
+            </a:extLst>
+          </p:cNvPr>
+          <p:cNvSpPr/>
+          <p:nvPr/>
+        </p:nvSpPr>
+        <p:spPr>
+          <a:xfrm>
+            <a:off x="0" y="5840991"/>
+            <a:ext cx="12192000" cy="1017009"/>
+          </a:xfrm>
+          <a:prstGeom prst="rect">
+            <a:avLst/>
+          </a:prstGeom>
+          <a:solidFill>
+            <a:srgbClr val="FFD9E6"/>
+          </a:solidFill>
+          <a:ln>
+            <a:solidFill>
+              <a:srgbClr val="FFD9E6"/>
+            </a:solidFill>
+          </a:ln>
+        </p:spPr>
+        <p:style>
+          <a:lnRef idx="2">
+            <a:schemeClr val="accent1">
+              <a:shade val="15000"/>
+            </a:schemeClr>
+          </a:lnRef>
+          <a:fillRef idx="1">
+            <a:schemeClr val="accent1"/>
+          </a:fillRef>
+          <a:effectRef idx="0">
+            <a:schemeClr val="accent1"/>
+          </a:effectRef>
+          <a:fontRef idx="minor">
+            <a:schemeClr val="lt1"/>
+          </a:fontRef>
+        </p:style>
+        <p:txBody>
+          <a:bodyPr rtlCol="0" anchor="ctr"/>
+          <a:lstStyle/>
+          <a:p>
+            <a:pPr algn="ctr"/>
+            <a:endParaRPr lang="en-US"/>
+          </a:p>
+        </p:txBody>
+      </p:sp>
+      <p:sp>
+        <p:nvSpPr>
+          <p:cNvPr id="5" name="Rectangle 4">
+            <a:extLst>
+              <a:ext uri="{FF2B5EF4-FFF2-40B4-BE49-F238E27FC236}">
+                <a16:creationId xmlns:a16="http://schemas.microsoft.com/office/drawing/2014/main" id="{F2E55517-C9B9-FB8A-BD40-CBEC6464BCE5}"/>
+              </a:ext>
+            </a:extLst>
+          </p:cNvPr>
+          <p:cNvSpPr/>
+          <p:nvPr/>
+        </p:nvSpPr>
+        <p:spPr>
+          <a:xfrm>
+            <a:off x="0" y="0"/>
+            <a:ext cx="12192000" cy="1136342"/>
+          </a:xfrm>
+          <a:prstGeom prst="rect">
+            <a:avLst/>
+          </a:prstGeom>
+          <a:solidFill>
+            <a:srgbClr val="FFD9E6"/>
+          </a:solidFill>
+          <a:ln>
+            <a:solidFill>
+              <a:srgbClr val="FFD9E6"/>
+            </a:solidFill>
+          </a:ln>
+        </p:spPr>
+        <p:style>
+          <a:lnRef idx="2">
+            <a:schemeClr val="accent1">
+              <a:shade val="15000"/>
+            </a:schemeClr>
+          </a:lnRef>
+          <a:fillRef idx="1">
+            <a:schemeClr val="accent1"/>
+          </a:fillRef>
+          <a:effectRef idx="0">
+            <a:schemeClr val="accent1"/>
+          </a:effectRef>
+          <a:fontRef idx="minor">
+            <a:schemeClr val="lt1"/>
+          </a:fontRef>
+        </p:style>
+        <p:txBody>
+          <a:bodyPr rtlCol="0" anchor="ctr"/>
+          <a:lstStyle/>
+          <a:p>
+            <a:pPr algn="ctr"/>
+            <a:endParaRPr lang="en-US" dirty="0">
+              <a:noFill/>
+            </a:endParaRPr>
+          </a:p>
+        </p:txBody>
+      </p:sp>
+      <p:pic>
+        <p:nvPicPr>
+          <p:cNvPr id="6" name="Picture 5" descr="A black and white logo&#10;&#10;Description automatically generated">
+            <a:extLst>
+              <a:ext uri="{FF2B5EF4-FFF2-40B4-BE49-F238E27FC236}">
+                <a16:creationId xmlns:a16="http://schemas.microsoft.com/office/drawing/2014/main" id="{570ABC35-AA0F-A935-985E-5DC6F1F6114C}"/>
+              </a:ext>
+            </a:extLst>
+          </p:cNvPr>
+          <p:cNvPicPr>
+            <a:picLocks noChangeAspect="1"/>
+          </p:cNvPicPr>
+          <p:nvPr/>
+        </p:nvPicPr>
+        <p:blipFill>
+          <a:blip r:embed="rId2">
+            <a:extLst>
+              <a:ext uri="{28A0092B-C50C-407E-A947-70E740481C1C}">
+                <a14:useLocalDpi xmlns:a14="http://schemas.microsoft.com/office/drawing/2010/main" val="0"/>
+              </a:ext>
+            </a:extLst>
+          </a:blip>
+          <a:stretch>
+            <a:fillRect/>
+          </a:stretch>
+        </p:blipFill>
+        <p:spPr>
+          <a:xfrm>
+            <a:off x="11051882" y="119333"/>
+            <a:ext cx="1093483" cy="1017009"/>
+          </a:xfrm>
+          <a:prstGeom prst="rect">
+            <a:avLst/>
+          </a:prstGeom>
+        </p:spPr>
+      </p:pic>
+      <p:sp>
+        <p:nvSpPr>
+          <p:cNvPr id="7" name="Flowchart: Data 2">
+            <a:extLst>
+              <a:ext uri="{FF2B5EF4-FFF2-40B4-BE49-F238E27FC236}">
+                <a16:creationId xmlns:a16="http://schemas.microsoft.com/office/drawing/2014/main" id="{1CE2D731-2216-2C2A-72F2-0ED3EA90165F}"/>
+              </a:ext>
+            </a:extLst>
+          </p:cNvPr>
+          <p:cNvSpPr/>
+          <p:nvPr/>
+        </p:nvSpPr>
+        <p:spPr>
+          <a:xfrm>
+            <a:off x="10848138" y="6264097"/>
+            <a:ext cx="1343862" cy="608120"/>
+          </a:xfrm>
+          <a:custGeom>
+            <a:avLst/>
+            <a:gdLst>
+              <a:gd name="connsiteX0" fmla="*/ 0 w 10000"/>
+              <a:gd name="connsiteY0" fmla="*/ 10000 h 10000"/>
+              <a:gd name="connsiteX1" fmla="*/ 2000 w 10000"/>
+              <a:gd name="connsiteY1" fmla="*/ 0 h 10000"/>
+              <a:gd name="connsiteX2" fmla="*/ 10000 w 10000"/>
+              <a:gd name="connsiteY2" fmla="*/ 0 h 10000"/>
+              <a:gd name="connsiteX3" fmla="*/ 8000 w 10000"/>
+              <a:gd name="connsiteY3" fmla="*/ 10000 h 10000"/>
+              <a:gd name="connsiteX4" fmla="*/ 0 w 10000"/>
+              <a:gd name="connsiteY4" fmla="*/ 10000 h 10000"/>
+              <a:gd name="connsiteX0" fmla="*/ 0 w 8000"/>
+              <a:gd name="connsiteY0" fmla="*/ 10000 h 10000"/>
+              <a:gd name="connsiteX1" fmla="*/ 2000 w 8000"/>
+              <a:gd name="connsiteY1" fmla="*/ 0 h 10000"/>
+              <a:gd name="connsiteX2" fmla="*/ 4142 w 8000"/>
+              <a:gd name="connsiteY2" fmla="*/ 153 h 10000"/>
+              <a:gd name="connsiteX3" fmla="*/ 8000 w 8000"/>
+              <a:gd name="connsiteY3" fmla="*/ 10000 h 10000"/>
+              <a:gd name="connsiteX4" fmla="*/ 0 w 8000"/>
+              <a:gd name="connsiteY4" fmla="*/ 10000 h 10000"/>
+              <a:gd name="connsiteX0" fmla="*/ 0 w 5414"/>
+              <a:gd name="connsiteY0" fmla="*/ 10000 h 10000"/>
+              <a:gd name="connsiteX1" fmla="*/ 2500 w 5414"/>
+              <a:gd name="connsiteY1" fmla="*/ 0 h 10000"/>
+              <a:gd name="connsiteX2" fmla="*/ 5178 w 5414"/>
+              <a:gd name="connsiteY2" fmla="*/ 153 h 10000"/>
+              <a:gd name="connsiteX3" fmla="*/ 5414 w 5414"/>
+              <a:gd name="connsiteY3" fmla="*/ 10000 h 10000"/>
+              <a:gd name="connsiteX4" fmla="*/ 0 w 5414"/>
+              <a:gd name="connsiteY4" fmla="*/ 10000 h 10000"/>
+              <a:gd name="connsiteX0" fmla="*/ 0 w 9609"/>
+              <a:gd name="connsiteY0" fmla="*/ 10000 h 10000"/>
+              <a:gd name="connsiteX1" fmla="*/ 4618 w 9609"/>
+              <a:gd name="connsiteY1" fmla="*/ 0 h 10000"/>
+              <a:gd name="connsiteX2" fmla="*/ 9564 w 9609"/>
+              <a:gd name="connsiteY2" fmla="*/ 153 h 10000"/>
+              <a:gd name="connsiteX3" fmla="*/ 9590 w 9609"/>
+              <a:gd name="connsiteY3" fmla="*/ 10000 h 10000"/>
+              <a:gd name="connsiteX4" fmla="*/ 0 w 9609"/>
+              <a:gd name="connsiteY4" fmla="*/ 10000 h 10000"/>
+              <a:gd name="connsiteX0" fmla="*/ 0 w 10193"/>
+              <a:gd name="connsiteY0" fmla="*/ 10000 h 10153"/>
+              <a:gd name="connsiteX1" fmla="*/ 4806 w 10193"/>
+              <a:gd name="connsiteY1" fmla="*/ 0 h 10153"/>
+              <a:gd name="connsiteX2" fmla="*/ 9953 w 10193"/>
+              <a:gd name="connsiteY2" fmla="*/ 153 h 10153"/>
+              <a:gd name="connsiteX3" fmla="*/ 10193 w 10193"/>
+              <a:gd name="connsiteY3" fmla="*/ 10153 h 10153"/>
+              <a:gd name="connsiteX4" fmla="*/ 0 w 10193"/>
+              <a:gd name="connsiteY4" fmla="*/ 10000 h 10153"/>
+              <a:gd name="connsiteX0" fmla="*/ 0 w 10213"/>
+              <a:gd name="connsiteY0" fmla="*/ 10000 h 10153"/>
+              <a:gd name="connsiteX1" fmla="*/ 4806 w 10213"/>
+              <a:gd name="connsiteY1" fmla="*/ 0 h 10153"/>
+              <a:gd name="connsiteX2" fmla="*/ 10166 w 10213"/>
+              <a:gd name="connsiteY2" fmla="*/ 153 h 10153"/>
+              <a:gd name="connsiteX3" fmla="*/ 10193 w 10213"/>
+              <a:gd name="connsiteY3" fmla="*/ 10153 h 10153"/>
+              <a:gd name="connsiteX4" fmla="*/ 0 w 10213"/>
+              <a:gd name="connsiteY4" fmla="*/ 10000 h 10153"/>
+              <a:gd name="connsiteX0" fmla="*/ 0 w 10341"/>
+              <a:gd name="connsiteY0" fmla="*/ 10000 h 10153"/>
+              <a:gd name="connsiteX1" fmla="*/ 4806 w 10341"/>
+              <a:gd name="connsiteY1" fmla="*/ 0 h 10153"/>
+              <a:gd name="connsiteX2" fmla="*/ 10308 w 10341"/>
+              <a:gd name="connsiteY2" fmla="*/ 0 h 10153"/>
+              <a:gd name="connsiteX3" fmla="*/ 10193 w 10341"/>
+              <a:gd name="connsiteY3" fmla="*/ 10153 h 10153"/>
+              <a:gd name="connsiteX4" fmla="*/ 0 w 10341"/>
+              <a:gd name="connsiteY4" fmla="*/ 10000 h 10153"/>
+              <a:gd name="connsiteX0" fmla="*/ 0 w 10406"/>
+              <a:gd name="connsiteY0" fmla="*/ 10000 h 10306"/>
+              <a:gd name="connsiteX1" fmla="*/ 4806 w 10406"/>
+              <a:gd name="connsiteY1" fmla="*/ 0 h 10306"/>
+              <a:gd name="connsiteX2" fmla="*/ 10308 w 10406"/>
+              <a:gd name="connsiteY2" fmla="*/ 0 h 10306"/>
+              <a:gd name="connsiteX3" fmla="*/ 10406 w 10406"/>
+              <a:gd name="connsiteY3" fmla="*/ 10306 h 10306"/>
+              <a:gd name="connsiteX4" fmla="*/ 0 w 10406"/>
+              <a:gd name="connsiteY4" fmla="*/ 10000 h 10306"/>
+              <a:gd name="connsiteX0" fmla="*/ 0 w 10761"/>
+              <a:gd name="connsiteY0" fmla="*/ 10458 h 10458"/>
+              <a:gd name="connsiteX1" fmla="*/ 5161 w 10761"/>
+              <a:gd name="connsiteY1" fmla="*/ 0 h 10458"/>
+              <a:gd name="connsiteX2" fmla="*/ 10663 w 10761"/>
+              <a:gd name="connsiteY2" fmla="*/ 0 h 10458"/>
+              <a:gd name="connsiteX3" fmla="*/ 10761 w 10761"/>
+              <a:gd name="connsiteY3" fmla="*/ 10306 h 10458"/>
+              <a:gd name="connsiteX4" fmla="*/ 0 w 10761"/>
+              <a:gd name="connsiteY4" fmla="*/ 10458 h 10458"/>
+            </a:gdLst>
+            <a:ahLst/>
+            <a:cxnLst>
+              <a:cxn ang="0">
+                <a:pos x="connsiteX0" y="connsiteY0"/>
+              </a:cxn>
+              <a:cxn ang="0">
+                <a:pos x="connsiteX1" y="connsiteY1"/>
+              </a:cxn>
+              <a:cxn ang="0">
+                <a:pos x="connsiteX2" y="connsiteY2"/>
+              </a:cxn>
+              <a:cxn ang="0">
+                <a:pos x="connsiteX3" y="connsiteY3"/>
+              </a:cxn>
+              <a:cxn ang="0">
+                <a:pos x="connsiteX4" y="connsiteY4"/>
+              </a:cxn>
+            </a:cxnLst>
+            <a:rect l="l" t="t" r="r" b="b"/>
+            <a:pathLst>
+              <a:path w="10761" h="10458">
+                <a:moveTo>
+                  <a:pt x="0" y="10458"/>
+                </a:moveTo>
+                <a:lnTo>
+                  <a:pt x="5161" y="0"/>
+                </a:lnTo>
+                <a:lnTo>
+                  <a:pt x="10663" y="0"/>
+                </a:lnTo>
+                <a:cubicBezTo>
+                  <a:pt x="10815" y="3282"/>
+                  <a:pt x="10609" y="7024"/>
+                  <a:pt x="10761" y="10306"/>
+                </a:cubicBezTo>
+                <a:lnTo>
+                  <a:pt x="0" y="10458"/>
+                </a:lnTo>
+                <a:close/>
+              </a:path>
+            </a:pathLst>
+          </a:custGeom>
+          <a:solidFill>
+            <a:schemeClr val="bg1"/>
+          </a:solidFill>
+          <a:ln w="19050">
+            <a:solidFill>
+              <a:schemeClr val="tx1"/>
+            </a:solidFill>
+          </a:ln>
+        </p:spPr>
+        <p:style>
+          <a:lnRef idx="2">
+            <a:schemeClr val="accent1">
+              <a:shade val="15000"/>
+            </a:schemeClr>
+          </a:lnRef>
+          <a:fillRef idx="1">
+            <a:schemeClr val="accent1"/>
+          </a:fillRef>
+          <a:effectRef idx="0">
+            <a:schemeClr val="accent1"/>
+          </a:effectRef>
+          <a:fontRef idx="minor">
+            <a:schemeClr val="lt1"/>
+          </a:fontRef>
+        </p:style>
+        <p:txBody>
+          <a:bodyPr rtlCol="0" anchor="ctr"/>
+          <a:lstStyle/>
+          <a:p>
+            <a:pPr algn="ctr"/>
+            <a:endParaRPr lang="en-US"/>
+          </a:p>
+        </p:txBody>
+      </p:sp>
+      <p:sp>
+        <p:nvSpPr>
+          <p:cNvPr id="8" name="TextBox 7">
+            <a:extLst>
+              <a:ext uri="{FF2B5EF4-FFF2-40B4-BE49-F238E27FC236}">
+                <a16:creationId xmlns:a16="http://schemas.microsoft.com/office/drawing/2014/main" id="{5C329695-20C2-A144-66F2-9DA6DBA8E782}"/>
+              </a:ext>
+            </a:extLst>
+          </p:cNvPr>
+          <p:cNvSpPr txBox="1"/>
+          <p:nvPr/>
+        </p:nvSpPr>
+        <p:spPr>
+          <a:xfrm>
+            <a:off x="11520069" y="6287442"/>
+            <a:ext cx="557254" cy="584775"/>
+          </a:xfrm>
+          <a:prstGeom prst="rect">
+            <a:avLst/>
+          </a:prstGeom>
+          <a:noFill/>
+        </p:spPr>
+        <p:txBody>
+          <a:bodyPr wrap="square" rtlCol="0">
+            <a:spAutoFit/>
+          </a:bodyPr>
+          <a:lstStyle/>
+          <a:p>
+            <a:r>
+              <a:rPr lang="en-US" sz="3200" dirty="0">
+                <a:latin typeface="TH SarabunPSK" panose="020B0500040200020003" pitchFamily="34" charset="-34"/>
+                <a:cs typeface="TH SarabunPSK" panose="020B0500040200020003" pitchFamily="34" charset="-34"/>
+              </a:rPr>
+              <a:t>6</a:t>
+            </a:r>
+          </a:p>
+        </p:txBody>
+      </p:sp>
+      <p:sp>
+        <p:nvSpPr>
           <p:cNvPr id="2" name="Title 1">
             <a:extLst>
               <a:ext uri="{FF2B5EF4-FFF2-40B4-BE49-F238E27FC236}">
@@ -4905,20 +7461,34 @@
             <p:ph type="title"/>
           </p:nvPr>
         </p:nvSpPr>
-        <p:spPr/>
+        <p:spPr>
+          <a:xfrm>
+            <a:off x="838200" y="0"/>
+            <a:ext cx="10515600" cy="1325563"/>
+          </a:xfrm>
+        </p:spPr>
         <p:txBody>
           <a:bodyPr/>
           <a:lstStyle/>
           <a:p>
             <a:r>
-              <a:rPr lang="en-US" dirty="0"/>
+              <a:rPr lang="en-US" dirty="0">
+                <a:latin typeface="TH SarabunPSK" panose="020B0500040200020003" pitchFamily="34" charset="-34"/>
+                <a:cs typeface="TH SarabunPSK" panose="020B0500040200020003" pitchFamily="34" charset="-34"/>
+              </a:rPr>
               <a:t>Parameter: c (color)</a:t>
             </a:r>
             <a:r>
-              <a:rPr lang="th-TH" dirty="0"/>
+              <a:rPr lang="th-TH" dirty="0">
+                <a:latin typeface="TH SarabunPSK" panose="020B0500040200020003" pitchFamily="34" charset="-34"/>
+                <a:cs typeface="TH SarabunPSK" panose="020B0500040200020003" pitchFamily="34" charset="-34"/>
+              </a:rPr>
               <a:t> กำหนดค่าสีตามกลุ่มข้อมูลที่ต้องการ</a:t>
             </a:r>
-            <a:endParaRPr lang="en-US" dirty="0"/>
+            <a:endParaRPr lang="en-US" dirty="0">
+              <a:latin typeface="TH SarabunPSK" panose="020B0500040200020003" pitchFamily="34" charset="-34"/>
+              <a:cs typeface="TH SarabunPSK" panose="020B0500040200020003" pitchFamily="34" charset="-34"/>
+            </a:endParaRPr>
           </a:p>
         </p:txBody>
       </p:sp>
@@ -4940,7 +7510,7 @@
         </p:nvSpPr>
         <p:spPr>
           <a:xfrm>
-            <a:off x="838200" y="1690688"/>
+            <a:off x="838200" y="1444896"/>
             <a:ext cx="10515600" cy="5032375"/>
           </a:xfrm>
         </p:spPr>
@@ -4951,19 +7521,23 @@
           <a:lstStyle/>
           <a:p>
             <a:r>
-              <a:rPr lang="th-TH" dirty="0"/>
+              <a:rPr lang="th-TH" sz="2400" dirty="0">
+                <a:latin typeface="TH SarabunPSK" panose="020B0500040200020003" pitchFamily="34" charset="-34"/>
+                <a:cs typeface="TH SarabunPSK" panose="020B0500040200020003" pitchFamily="34" charset="-34"/>
+              </a:rPr>
               <a:t>สามารถกำหนดค่าสีแต่ละจุดตามชื่อดอกไม้แต่ละกลุ่มได้ โดยการแทนที่ข้อมูลชื่อดอกไม้แต่ละกลุ่มด้วยตัวเลข หรือตัวย่อของสี เช่น</a:t>
             </a:r>
           </a:p>
           <a:p>
             <a:r>
-              <a:rPr lang="th-TH" dirty="0">
-                <a:latin typeface="Courier New" panose="02070309020205020404" pitchFamily="49" charset="0"/>
+              <a:rPr lang="th-TH" sz="2400" dirty="0">
+                <a:latin typeface="TH SarabunPSK" panose="020B0500040200020003" pitchFamily="34" charset="-34"/>
+                <a:cs typeface="TH SarabunPSK" panose="020B0500040200020003" pitchFamily="34" charset="-34"/>
               </a:rPr>
               <a:t>ใช้คำสั่ง </a:t>
             </a:r>
             <a:r>
-              <a:rPr lang="en-US" sz="2000" b="0" i="0" dirty="0">
+              <a:rPr lang="en-US" sz="1800" b="0" i="0" dirty="0">
                 <a:solidFill>
                   <a:srgbClr val="AA5D00"/>
                 </a:solidFill>
@@ -4973,7 +7547,7 @@
               <a:t>set</a:t>
             </a:r>
             <a:r>
-              <a:rPr lang="en-US" sz="2000" b="0" i="0" dirty="0">
+              <a:rPr lang="en-US" sz="1800" b="0" i="0" dirty="0">
                 <a:solidFill>
                   <a:srgbClr val="545454"/>
                 </a:solidFill>
@@ -4983,7 +7557,7 @@
               <a:t>(</a:t>
             </a:r>
             <a:r>
-              <a:rPr lang="en-US" sz="2000" b="0" i="0" dirty="0" err="1">
+              <a:rPr lang="en-US" sz="1800" b="0" i="0" dirty="0" err="1">
                 <a:solidFill>
                   <a:srgbClr val="545454"/>
                 </a:solidFill>
@@ -4993,7 +7567,7 @@
               <a:t>df</a:t>
             </a:r>
             <a:r>
-              <a:rPr lang="en-US" sz="2000" b="0" i="0" dirty="0">
+              <a:rPr lang="en-US" sz="1800" b="0" i="0" dirty="0">
                 <a:solidFill>
                   <a:srgbClr val="545454"/>
                 </a:solidFill>
@@ -5003,7 +7577,7 @@
               <a:t>[</a:t>
             </a:r>
             <a:r>
-              <a:rPr lang="en-US" sz="2000" b="0" i="0" dirty="0">
+              <a:rPr lang="en-US" sz="1800" b="0" i="0" dirty="0">
                 <a:solidFill>
                   <a:srgbClr val="008000"/>
                 </a:solidFill>
@@ -5013,7 +7587,7 @@
               <a:t>'Name'</a:t>
             </a:r>
             <a:r>
-              <a:rPr lang="en-US" sz="2000" b="0" i="0" dirty="0">
+              <a:rPr lang="en-US" sz="1800" b="0" i="0" dirty="0">
                 <a:solidFill>
                   <a:srgbClr val="545454"/>
                 </a:solidFill>
@@ -5023,39 +7597,50 @@
               <a:t>])</a:t>
             </a:r>
             <a:r>
-              <a:rPr lang="th-TH" b="0" i="0" dirty="0">
+              <a:rPr lang="th-TH" sz="2400" b="0" i="0" dirty="0">
                 <a:solidFill>
                   <a:srgbClr val="545454"/>
                 </a:solidFill>
                 <a:effectLst/>
-                <a:latin typeface="Courier New" panose="02070309020205020404" pitchFamily="49" charset="0"/>
+                <a:latin typeface="TH SarabunPSK" panose="020B0500040200020003" pitchFamily="34" charset="-34"/>
+                <a:cs typeface="TH SarabunPSK" panose="020B0500040200020003" pitchFamily="34" charset="-34"/>
               </a:rPr>
               <a:t>เพื่อดูชื่อดอกไม้ในคอลัมน์ </a:t>
             </a:r>
             <a:r>
-              <a:rPr lang="en-US" b="0" i="0" dirty="0">
+              <a:rPr lang="en-US" sz="2400" b="0" i="0" dirty="0">
                 <a:solidFill>
                   <a:srgbClr val="545454"/>
                 </a:solidFill>
                 <a:effectLst/>
-                <a:latin typeface="Courier New" panose="02070309020205020404" pitchFamily="49" charset="0"/>
+                <a:latin typeface="TH SarabunPSK" panose="020B0500040200020003" pitchFamily="34" charset="-34"/>
+                <a:cs typeface="TH SarabunPSK" panose="020B0500040200020003" pitchFamily="34" charset="-34"/>
               </a:rPr>
               <a:t>Name</a:t>
             </a:r>
             <a:r>
-              <a:rPr lang="th-TH" b="0" i="0" dirty="0">
+              <a:rPr lang="th-TH" sz="2400" b="0" i="0" dirty="0">
                 <a:solidFill>
                   <a:srgbClr val="545454"/>
                 </a:solidFill>
                 <a:effectLst/>
-                <a:latin typeface="Courier New" panose="02070309020205020404" pitchFamily="49" charset="0"/>
+                <a:latin typeface="TH SarabunPSK" panose="020B0500040200020003" pitchFamily="34" charset="-34"/>
+                <a:cs typeface="TH SarabunPSK" panose="020B0500040200020003" pitchFamily="34" charset="-34"/>
               </a:rPr>
               <a:t> ผลลัพธ์จะได้</a:t>
             </a:r>
-          </a:p>
-          <a:p>
-            <a:r>
-              <a:rPr lang="en-US" sz="2000" b="0" i="0" dirty="0">
+            <a:endParaRPr lang="th-TH" b="0" i="0" dirty="0">
+              <a:solidFill>
+                <a:srgbClr val="545454"/>
+              </a:solidFill>
+              <a:effectLst/>
+              <a:latin typeface="TH SarabunPSK" panose="020B0500040200020003" pitchFamily="34" charset="-34"/>
+              <a:cs typeface="TH SarabunPSK" panose="020B0500040200020003" pitchFamily="34" charset="-34"/>
+            </a:endParaRPr>
+          </a:p>
+          <a:p>
+            <a:r>
+              <a:rPr lang="en-US" sz="1800" b="0" i="0" dirty="0">
                 <a:solidFill>
                   <a:srgbClr val="545454"/>
                 </a:solidFill>
@@ -5065,7 +7650,7 @@
               <a:t>{'Iris-</a:t>
             </a:r>
             <a:r>
-              <a:rPr lang="en-US" sz="2000" b="0" i="0" dirty="0" err="1">
+              <a:rPr lang="en-US" sz="1800" b="0" i="0" dirty="0" err="1">
                 <a:solidFill>
                   <a:srgbClr val="545454"/>
                 </a:solidFill>
@@ -5075,7 +7660,7 @@
               <a:t>setosa</a:t>
             </a:r>
             <a:r>
-              <a:rPr lang="en-US" sz="2000" b="0" i="0" dirty="0">
+              <a:rPr lang="en-US" sz="1800" b="0" i="0" dirty="0">
                 <a:solidFill>
                   <a:srgbClr val="545454"/>
                 </a:solidFill>
@@ -5084,6 +7669,15 @@
               </a:rPr>
               <a:t>', 'Iris-versicolor', 'Iris-virginica’}</a:t>
             </a:r>
+            <a:endParaRPr lang="th-TH" sz="1800" b="0" i="0" dirty="0">
+              <a:solidFill>
+                <a:srgbClr val="545454"/>
+              </a:solidFill>
+              <a:effectLst/>
+              <a:latin typeface="Courier New" panose="02070309020205020404" pitchFamily="49" charset="0"/>
+            </a:endParaRPr>
+          </a:p>
+          <a:p>
             <a:endParaRPr lang="th-TH" sz="2000" b="0" i="0" dirty="0">
               <a:solidFill>
                 <a:srgbClr val="545454"/>
@@ -5093,7 +7687,208 @@
             </a:endParaRPr>
           </a:p>
           <a:p>
-            <a:endParaRPr lang="th-TH" sz="2000" b="0" i="0" dirty="0">
+            <a:r>
+              <a:rPr lang="th-TH" sz="2400" dirty="0">
+                <a:latin typeface="TH SarabunPSK" panose="020B0500040200020003" pitchFamily="34" charset="-34"/>
+                <a:cs typeface="TH SarabunPSK" panose="020B0500040200020003" pitchFamily="34" charset="-34"/>
+              </a:rPr>
+              <a:t>ใช้คำสั่ง </a:t>
+            </a:r>
+            <a:r>
+              <a:rPr lang="en-US" sz="2400" b="0" i="0" dirty="0">
+                <a:solidFill>
+                  <a:srgbClr val="545454"/>
+                </a:solidFill>
+                <a:effectLst/>
+                <a:latin typeface="TH SarabunPSK" panose="020B0500040200020003" pitchFamily="34" charset="-34"/>
+                <a:cs typeface="TH SarabunPSK" panose="020B0500040200020003" pitchFamily="34" charset="-34"/>
+              </a:rPr>
+              <a:t>replace</a:t>
+            </a:r>
+            <a:r>
+              <a:rPr lang="th-TH" sz="2400" b="0" i="0" dirty="0">
+                <a:solidFill>
+                  <a:srgbClr val="545454"/>
+                </a:solidFill>
+                <a:effectLst/>
+                <a:latin typeface="TH SarabunPSK" panose="020B0500040200020003" pitchFamily="34" charset="-34"/>
+                <a:cs typeface="TH SarabunPSK" panose="020B0500040200020003" pitchFamily="34" charset="-34"/>
+              </a:rPr>
+              <a:t> เพื่อแทนที่ค่าที่ต้องการด้วยตัวเลขหรือตัวย่อสี และเก็บตารางที่แทนที่ข้อมูลไว้ในตัวแปรใหม่ เช่น </a:t>
+            </a:r>
+          </a:p>
+          <a:p>
+            <a:r>
+              <a:rPr lang="en-US" sz="1800" b="0" i="0" dirty="0">
+                <a:solidFill>
+                  <a:srgbClr val="545454"/>
+                </a:solidFill>
+                <a:effectLst/>
+                <a:latin typeface="Courier New" panose="02070309020205020404" pitchFamily="49" charset="0"/>
+              </a:rPr>
+              <a:t>df2 = </a:t>
+            </a:r>
+            <a:r>
+              <a:rPr lang="en-US" sz="1800" b="0" i="0" dirty="0" err="1">
+                <a:solidFill>
+                  <a:srgbClr val="545454"/>
+                </a:solidFill>
+                <a:effectLst/>
+                <a:latin typeface="Courier New" panose="02070309020205020404" pitchFamily="49" charset="0"/>
+              </a:rPr>
+              <a:t>df.replace</a:t>
+            </a:r>
+            <a:r>
+              <a:rPr lang="en-US" sz="1800" b="0" i="0" dirty="0">
+                <a:solidFill>
+                  <a:srgbClr val="545454"/>
+                </a:solidFill>
+                <a:effectLst/>
+                <a:latin typeface="Courier New" panose="02070309020205020404" pitchFamily="49" charset="0"/>
+              </a:rPr>
+              <a:t>({</a:t>
+            </a:r>
+            <a:r>
+              <a:rPr lang="en-US" sz="1800" b="0" i="0" dirty="0">
+                <a:solidFill>
+                  <a:srgbClr val="008000"/>
+                </a:solidFill>
+                <a:effectLst/>
+                <a:latin typeface="Courier New" panose="02070309020205020404" pitchFamily="49" charset="0"/>
+              </a:rPr>
+              <a:t>'Iris-</a:t>
+            </a:r>
+            <a:r>
+              <a:rPr lang="en-US" sz="1800" b="0" i="0" dirty="0" err="1">
+                <a:solidFill>
+                  <a:srgbClr val="008000"/>
+                </a:solidFill>
+                <a:effectLst/>
+                <a:latin typeface="Courier New" panose="02070309020205020404" pitchFamily="49" charset="0"/>
+              </a:rPr>
+              <a:t>setosa</a:t>
+            </a:r>
+            <a:r>
+              <a:rPr lang="en-US" sz="1800" b="0" i="0" dirty="0">
+                <a:solidFill>
+                  <a:srgbClr val="008000"/>
+                </a:solidFill>
+                <a:effectLst/>
+                <a:latin typeface="Courier New" panose="02070309020205020404" pitchFamily="49" charset="0"/>
+              </a:rPr>
+              <a:t>'</a:t>
+            </a:r>
+            <a:r>
+              <a:rPr lang="en-US" sz="1800" b="0" i="0" dirty="0">
+                <a:solidFill>
+                  <a:srgbClr val="545454"/>
+                </a:solidFill>
+                <a:effectLst/>
+                <a:latin typeface="Courier New" panose="02070309020205020404" pitchFamily="49" charset="0"/>
+              </a:rPr>
+              <a:t>: </a:t>
+            </a:r>
+            <a:r>
+              <a:rPr lang="en-US" sz="1800" b="0" i="0" dirty="0">
+                <a:solidFill>
+                  <a:srgbClr val="AA5D00"/>
+                </a:solidFill>
+                <a:effectLst/>
+                <a:latin typeface="Courier New" panose="02070309020205020404" pitchFamily="49" charset="0"/>
+              </a:rPr>
+              <a:t>0</a:t>
+            </a:r>
+            <a:r>
+              <a:rPr lang="en-US" sz="1800" b="0" i="0" dirty="0">
+                <a:solidFill>
+                  <a:srgbClr val="545454"/>
+                </a:solidFill>
+                <a:effectLst/>
+                <a:latin typeface="Courier New" panose="02070309020205020404" pitchFamily="49" charset="0"/>
+              </a:rPr>
+              <a:t>, </a:t>
+            </a:r>
+            <a:r>
+              <a:rPr lang="en-US" sz="1800" b="0" i="0" dirty="0">
+                <a:solidFill>
+                  <a:srgbClr val="008000"/>
+                </a:solidFill>
+                <a:effectLst/>
+                <a:latin typeface="Courier New" panose="02070309020205020404" pitchFamily="49" charset="0"/>
+              </a:rPr>
+              <a:t>'Iris-versicolor'</a:t>
+            </a:r>
+            <a:r>
+              <a:rPr lang="en-US" sz="1800" b="0" i="0" dirty="0">
+                <a:solidFill>
+                  <a:srgbClr val="545454"/>
+                </a:solidFill>
+                <a:effectLst/>
+                <a:latin typeface="Courier New" panose="02070309020205020404" pitchFamily="49" charset="0"/>
+              </a:rPr>
+              <a:t>: </a:t>
+            </a:r>
+            <a:r>
+              <a:rPr lang="en-US" sz="1800" b="0" i="0" dirty="0">
+                <a:solidFill>
+                  <a:srgbClr val="AA5D00"/>
+                </a:solidFill>
+                <a:effectLst/>
+                <a:latin typeface="Courier New" panose="02070309020205020404" pitchFamily="49" charset="0"/>
+              </a:rPr>
+              <a:t>1</a:t>
+            </a:r>
+            <a:r>
+              <a:rPr lang="en-US" sz="1800" b="0" i="0" dirty="0">
+                <a:solidFill>
+                  <a:srgbClr val="545454"/>
+                </a:solidFill>
+                <a:effectLst/>
+                <a:latin typeface="Courier New" panose="02070309020205020404" pitchFamily="49" charset="0"/>
+              </a:rPr>
+              <a:t>, </a:t>
+            </a:r>
+            <a:r>
+              <a:rPr lang="en-US" sz="1800" b="0" i="0" dirty="0">
+                <a:solidFill>
+                  <a:srgbClr val="008000"/>
+                </a:solidFill>
+                <a:effectLst/>
+                <a:latin typeface="Courier New" panose="02070309020205020404" pitchFamily="49" charset="0"/>
+              </a:rPr>
+              <a:t>'Iris-virginica'</a:t>
+            </a:r>
+            <a:r>
+              <a:rPr lang="en-US" sz="1800" b="0" i="0" dirty="0">
+                <a:solidFill>
+                  <a:srgbClr val="545454"/>
+                </a:solidFill>
+                <a:effectLst/>
+                <a:latin typeface="Courier New" panose="02070309020205020404" pitchFamily="49" charset="0"/>
+              </a:rPr>
+              <a:t>:</a:t>
+            </a:r>
+            <a:r>
+              <a:rPr lang="en-US" sz="1800" b="0" i="0" dirty="0">
+                <a:solidFill>
+                  <a:srgbClr val="AA5D00"/>
+                </a:solidFill>
+                <a:effectLst/>
+                <a:latin typeface="Courier New" panose="02070309020205020404" pitchFamily="49" charset="0"/>
+              </a:rPr>
+              <a:t>2</a:t>
+            </a:r>
+            <a:r>
+              <a:rPr lang="en-US" sz="1800" b="0" i="0" dirty="0">
+                <a:solidFill>
+                  <a:srgbClr val="545454"/>
+                </a:solidFill>
+                <a:effectLst/>
+                <a:latin typeface="Courier New" panose="02070309020205020404" pitchFamily="49" charset="0"/>
+              </a:rPr>
+              <a:t>})</a:t>
+            </a:r>
+            <a:endParaRPr lang="th-TH" sz="1800" b="0" i="0" dirty="0">
               <a:solidFill>
                 <a:srgbClr val="545454"/>
               </a:solidFill>
@@ -5103,262 +7898,57 @@
           </a:p>
           <a:p>
             <a:r>
-              <a:rPr lang="th-TH" dirty="0">
-                <a:latin typeface="Courier New" panose="02070309020205020404" pitchFamily="49" charset="0"/>
-              </a:rPr>
-              <a:t>ใช้คำสั่ง </a:t>
-            </a:r>
-            <a:r>
-              <a:rPr lang="en-US" b="0" i="0" dirty="0">
+              <a:rPr lang="th-TH" sz="2400" dirty="0">
                 <a:solidFill>
                   <a:srgbClr val="545454"/>
                 </a:solidFill>
-                <a:effectLst/>
-                <a:latin typeface="Courier New" panose="02070309020205020404" pitchFamily="49" charset="0"/>
-              </a:rPr>
-              <a:t>replace</a:t>
-            </a:r>
-            <a:r>
-              <a:rPr lang="th-TH" b="0" i="0" dirty="0">
-                <a:solidFill>
-                  <a:srgbClr val="545454"/>
-                </a:solidFill>
-                <a:effectLst/>
-                <a:latin typeface="Courier New" panose="02070309020205020404" pitchFamily="49" charset="0"/>
-              </a:rPr>
-              <a:t> เพื่อแทนที่ค่าที่ต้องการด้วยตัวเลขหรือตัวย่อสี และเก็บตารางที่แทนที่ข้อมูลไว้ในตัวแปรใหม่ เช่น </a:t>
-            </a:r>
-          </a:p>
-          <a:p>
-            <a:r>
-              <a:rPr lang="en-US" sz="2000" b="0" i="0" dirty="0">
-                <a:solidFill>
-                  <a:srgbClr val="545454"/>
-                </a:solidFill>
-                <a:effectLst/>
-                <a:latin typeface="Courier New" panose="02070309020205020404" pitchFamily="49" charset="0"/>
-              </a:rPr>
-              <a:t>df2 = </a:t>
-            </a:r>
-            <a:r>
-              <a:rPr lang="en-US" sz="2000" b="0" i="0" dirty="0" err="1">
-                <a:solidFill>
-                  <a:srgbClr val="545454"/>
-                </a:solidFill>
-                <a:effectLst/>
-                <a:latin typeface="Courier New" panose="02070309020205020404" pitchFamily="49" charset="0"/>
-              </a:rPr>
-              <a:t>df.replace</a:t>
-            </a:r>
-            <a:r>
-              <a:rPr lang="en-US" sz="2000" b="0" i="0" dirty="0">
-                <a:solidFill>
-                  <a:srgbClr val="545454"/>
-                </a:solidFill>
-                <a:effectLst/>
-                <a:latin typeface="Courier New" panose="02070309020205020404" pitchFamily="49" charset="0"/>
-              </a:rPr>
-              <a:t>({</a:t>
-            </a:r>
-            <a:r>
-              <a:rPr lang="en-US" sz="2000" b="0" i="0" dirty="0">
-                <a:solidFill>
-                  <a:srgbClr val="008000"/>
-                </a:solidFill>
-                <a:effectLst/>
-                <a:latin typeface="Courier New" panose="02070309020205020404" pitchFamily="49" charset="0"/>
-              </a:rPr>
-              <a:t>'Iris-</a:t>
-            </a:r>
-            <a:r>
-              <a:rPr lang="en-US" sz="2000" b="0" i="0" dirty="0" err="1">
-                <a:solidFill>
-                  <a:srgbClr val="008000"/>
-                </a:solidFill>
-                <a:effectLst/>
-                <a:latin typeface="Courier New" panose="02070309020205020404" pitchFamily="49" charset="0"/>
-              </a:rPr>
-              <a:t>setosa</a:t>
-            </a:r>
-            <a:r>
-              <a:rPr lang="en-US" sz="2000" b="0" i="0" dirty="0">
-                <a:solidFill>
-                  <a:srgbClr val="008000"/>
-                </a:solidFill>
-                <a:effectLst/>
-                <a:latin typeface="Courier New" panose="02070309020205020404" pitchFamily="49" charset="0"/>
-              </a:rPr>
-              <a:t>'</a:t>
-            </a:r>
-            <a:r>
-              <a:rPr lang="en-US" sz="2000" b="0" i="0" dirty="0">
-                <a:solidFill>
-                  <a:srgbClr val="545454"/>
-                </a:solidFill>
-                <a:effectLst/>
-                <a:latin typeface="Courier New" panose="02070309020205020404" pitchFamily="49" charset="0"/>
-              </a:rPr>
-              <a:t>: </a:t>
-            </a:r>
-            <a:r>
-              <a:rPr lang="en-US" sz="2000" b="0" i="0" dirty="0">
-                <a:solidFill>
-                  <a:srgbClr val="AA5D00"/>
-                </a:solidFill>
-                <a:effectLst/>
-                <a:latin typeface="Courier New" panose="02070309020205020404" pitchFamily="49" charset="0"/>
-              </a:rPr>
-              <a:t>0</a:t>
-            </a:r>
-            <a:r>
-              <a:rPr lang="en-US" sz="2000" b="0" i="0" dirty="0">
-                <a:solidFill>
-                  <a:srgbClr val="545454"/>
-                </a:solidFill>
-                <a:effectLst/>
-                <a:latin typeface="Courier New" panose="02070309020205020404" pitchFamily="49" charset="0"/>
-              </a:rPr>
-              <a:t>, </a:t>
-            </a:r>
-            <a:r>
-              <a:rPr lang="en-US" sz="2000" b="0" i="0" dirty="0">
-                <a:solidFill>
-                  <a:srgbClr val="008000"/>
-                </a:solidFill>
-                <a:effectLst/>
-                <a:latin typeface="Courier New" panose="02070309020205020404" pitchFamily="49" charset="0"/>
-              </a:rPr>
-              <a:t>'Iris-versicolor'</a:t>
-            </a:r>
-            <a:r>
-              <a:rPr lang="en-US" sz="2000" b="0" i="0" dirty="0">
-                <a:solidFill>
-                  <a:srgbClr val="545454"/>
-                </a:solidFill>
-                <a:effectLst/>
-                <a:latin typeface="Courier New" panose="02070309020205020404" pitchFamily="49" charset="0"/>
-              </a:rPr>
-              <a:t>: </a:t>
-            </a:r>
-            <a:r>
-              <a:rPr lang="en-US" sz="2000" b="0" i="0" dirty="0">
-                <a:solidFill>
-                  <a:srgbClr val="AA5D00"/>
-                </a:solidFill>
-                <a:effectLst/>
-                <a:latin typeface="Courier New" panose="02070309020205020404" pitchFamily="49" charset="0"/>
-              </a:rPr>
-              <a:t>1</a:t>
-            </a:r>
-            <a:r>
-              <a:rPr lang="en-US" sz="2000" b="0" i="0" dirty="0">
-                <a:solidFill>
-                  <a:srgbClr val="545454"/>
-                </a:solidFill>
-                <a:effectLst/>
-                <a:latin typeface="Courier New" panose="02070309020205020404" pitchFamily="49" charset="0"/>
-              </a:rPr>
-              <a:t>, </a:t>
-            </a:r>
-            <a:r>
-              <a:rPr lang="en-US" sz="2000" b="0" i="0" dirty="0">
-                <a:solidFill>
-                  <a:srgbClr val="008000"/>
-                </a:solidFill>
-                <a:effectLst/>
-                <a:latin typeface="Courier New" panose="02070309020205020404" pitchFamily="49" charset="0"/>
-              </a:rPr>
-              <a:t>'Iris-virginica'</a:t>
-            </a:r>
-            <a:r>
-              <a:rPr lang="en-US" sz="2000" b="0" i="0" dirty="0">
-                <a:solidFill>
-                  <a:srgbClr val="545454"/>
-                </a:solidFill>
-                <a:effectLst/>
-                <a:latin typeface="Courier New" panose="02070309020205020404" pitchFamily="49" charset="0"/>
-              </a:rPr>
-              <a:t>:</a:t>
-            </a:r>
-            <a:r>
-              <a:rPr lang="en-US" sz="2000" b="0" i="0" dirty="0">
-                <a:solidFill>
-                  <a:srgbClr val="AA5D00"/>
-                </a:solidFill>
-                <a:effectLst/>
-                <a:latin typeface="Courier New" panose="02070309020205020404" pitchFamily="49" charset="0"/>
-              </a:rPr>
-              <a:t>2</a:t>
-            </a:r>
-            <a:r>
-              <a:rPr lang="en-US" sz="2000" b="0" i="0" dirty="0">
-                <a:solidFill>
-                  <a:srgbClr val="545454"/>
-                </a:solidFill>
-                <a:effectLst/>
-                <a:latin typeface="Courier New" panose="02070309020205020404" pitchFamily="49" charset="0"/>
-              </a:rPr>
-              <a:t>})</a:t>
-            </a:r>
-            <a:endParaRPr lang="th-TH" sz="2000" b="0" i="0" dirty="0">
+                <a:latin typeface="TH SarabunPSK" panose="020B0500040200020003" pitchFamily="34" charset="-34"/>
+                <a:cs typeface="TH SarabunPSK" panose="020B0500040200020003" pitchFamily="34" charset="-34"/>
+              </a:rPr>
+              <a:t>หรือ</a:t>
+            </a:r>
+            <a:endParaRPr lang="th-TH" sz="2400" b="0" i="0" dirty="0">
               <a:solidFill>
                 <a:srgbClr val="545454"/>
               </a:solidFill>
               <a:effectLst/>
-              <a:latin typeface="Courier New" panose="02070309020205020404" pitchFamily="49" charset="0"/>
+              <a:latin typeface="TH SarabunPSK" panose="020B0500040200020003" pitchFamily="34" charset="-34"/>
+              <a:cs typeface="TH SarabunPSK" panose="020B0500040200020003" pitchFamily="34" charset="-34"/>
             </a:endParaRPr>
           </a:p>
           <a:p>
             <a:r>
-              <a:rPr lang="th-TH" dirty="0">
+              <a:rPr lang="en-US" sz="1800" b="0" i="0" dirty="0">
                 <a:solidFill>
                   <a:srgbClr val="545454"/>
                 </a:solidFill>
-                <a:latin typeface="Courier New" panose="02070309020205020404" pitchFamily="49" charset="0"/>
-              </a:rPr>
-              <a:t>หรือ</a:t>
-            </a:r>
-            <a:endParaRPr lang="th-TH" b="0" i="0" dirty="0">
-              <a:solidFill>
-                <a:srgbClr val="545454"/>
-              </a:solidFill>
-              <a:effectLst/>
-              <a:latin typeface="Courier New" panose="02070309020205020404" pitchFamily="49" charset="0"/>
-            </a:endParaRPr>
-          </a:p>
-          <a:p>
-            <a:r>
-              <a:rPr lang="en-US" sz="2000" b="0" i="0" dirty="0">
+                <a:effectLst/>
+                <a:latin typeface="Courier New" panose="02070309020205020404" pitchFamily="49" charset="0"/>
+              </a:rPr>
+              <a:t>df2 = </a:t>
+            </a:r>
+            <a:r>
+              <a:rPr lang="en-US" sz="1800" b="0" i="0" dirty="0" err="1">
                 <a:solidFill>
                   <a:srgbClr val="545454"/>
                 </a:solidFill>
                 <a:effectLst/>
                 <a:latin typeface="Courier New" panose="02070309020205020404" pitchFamily="49" charset="0"/>
               </a:rPr>
-              <a:t>df2 = </a:t>
-            </a:r>
-            <a:r>
-              <a:rPr lang="en-US" sz="2000" b="0" i="0" dirty="0" err="1">
+              <a:t>df.replace</a:t>
+            </a:r>
+            <a:r>
+              <a:rPr lang="en-US" sz="1800" b="0" i="0" dirty="0">
                 <a:solidFill>
                   <a:srgbClr val="545454"/>
                 </a:solidFill>
                 <a:effectLst/>
                 <a:latin typeface="Courier New" panose="02070309020205020404" pitchFamily="49" charset="0"/>
               </a:rPr>
-              <a:t>df.replace</a:t>
-            </a:r>
-            <a:r>
-              <a:rPr lang="en-US" sz="2000" b="0" i="0" dirty="0">
-                <a:solidFill>
-                  <a:srgbClr val="545454"/>
-                </a:solidFill>
-                <a:effectLst/>
-                <a:latin typeface="Courier New" panose="02070309020205020404" pitchFamily="49" charset="0"/>
-              </a:rPr>
               <a:t>({</a:t>
             </a:r>
             <a:r>
-              <a:rPr lang="en-US" sz="2000" b="0" i="0" dirty="0">
+              <a:rPr lang="en-US" sz="1800" b="0" i="0" dirty="0">
                 <a:solidFill>
                   <a:srgbClr val="008000"/>
                 </a:solidFill>
@@ -5368,7 +7958,7 @@
               <a:t>'Iris-</a:t>
             </a:r>
             <a:r>
-              <a:rPr lang="en-US" sz="2000" b="0" i="0" dirty="0" err="1">
+              <a:rPr lang="en-US" sz="1800" b="0" i="0" dirty="0" err="1">
                 <a:solidFill>
                   <a:srgbClr val="008000"/>
                 </a:solidFill>
@@ -5378,7 +7968,7 @@
               <a:t>set</a:t>
             </a:r>
             <a:r>
-              <a:rPr lang="en-US" sz="2000" b="0" i="0" dirty="0" err="1">
+              <a:rPr lang="en-US" sz="1800" b="0" i="0" dirty="0" err="1">
                 <a:solidFill>
                   <a:schemeClr val="accent6">
                     <a:lumMod val="75000"/>
@@ -5390,7 +7980,7 @@
               <a:t>os</a:t>
             </a:r>
             <a:r>
-              <a:rPr lang="en-US" sz="2000" b="0" i="0" dirty="0" err="1">
+              <a:rPr lang="en-US" sz="1800" b="0" i="0" dirty="0" err="1">
                 <a:solidFill>
                   <a:srgbClr val="008000"/>
                 </a:solidFill>
@@ -5400,7 +7990,7 @@
               <a:t>a</a:t>
             </a:r>
             <a:r>
-              <a:rPr lang="en-US" sz="2000" b="0" i="0" dirty="0">
+              <a:rPr lang="en-US" sz="1800" b="0" i="0" dirty="0">
                 <a:solidFill>
                   <a:srgbClr val="008000"/>
                 </a:solidFill>
@@ -5410,7 +8000,7 @@
               <a:t>’</a:t>
             </a:r>
             <a:r>
-              <a:rPr lang="en-US" sz="2000" b="0" i="0" dirty="0">
+              <a:rPr lang="en-US" sz="1800" b="0" i="0" dirty="0">
                 <a:solidFill>
                   <a:srgbClr val="545454"/>
                 </a:solidFill>
@@ -5420,7 +8010,7 @@
               <a:t>: </a:t>
             </a:r>
             <a:r>
-              <a:rPr lang="en-US" sz="2000" dirty="0">
+              <a:rPr lang="en-US" sz="1800" dirty="0">
                 <a:solidFill>
                   <a:schemeClr val="accent6">
                     <a:lumMod val="75000"/>
@@ -5431,7 +8021,7 @@
               <a:t>‘r’</a:t>
             </a:r>
             <a:r>
-              <a:rPr lang="en-US" sz="2000" b="0" i="0" dirty="0">
+              <a:rPr lang="en-US" sz="1800" b="0" i="0" dirty="0">
                 <a:solidFill>
                   <a:srgbClr val="545454"/>
                 </a:solidFill>
@@ -5441,7 +8031,7 @@
               <a:t>, </a:t>
             </a:r>
             <a:r>
-              <a:rPr lang="en-US" sz="2000" b="0" i="0" dirty="0">
+              <a:rPr lang="en-US" sz="1800" b="0" i="0" dirty="0">
                 <a:solidFill>
                   <a:srgbClr val="008000"/>
                 </a:solidFill>
@@ -5451,7 +8041,7 @@
               <a:t>'Iris-versicolor’</a:t>
             </a:r>
             <a:r>
-              <a:rPr lang="en-US" sz="2000" b="0" i="0" dirty="0">
+              <a:rPr lang="en-US" sz="1800" b="0" i="0" dirty="0">
                 <a:solidFill>
                   <a:srgbClr val="545454"/>
                 </a:solidFill>
@@ -5461,7 +8051,7 @@
               <a:t>: </a:t>
             </a:r>
             <a:r>
-              <a:rPr lang="en-US" sz="2000" dirty="0">
+              <a:rPr lang="en-US" sz="1800" dirty="0">
                 <a:solidFill>
                   <a:schemeClr val="accent6">
                     <a:lumMod val="75000"/>
@@ -5472,7 +8062,7 @@
               <a:t>‘g’</a:t>
             </a:r>
             <a:r>
-              <a:rPr lang="en-US" sz="2000" b="0" i="0" dirty="0">
+              <a:rPr lang="en-US" sz="1800" b="0" i="0" dirty="0">
                 <a:solidFill>
                   <a:srgbClr val="545454"/>
                 </a:solidFill>
@@ -5482,7 +8072,7 @@
               <a:t>, </a:t>
             </a:r>
             <a:r>
-              <a:rPr lang="en-US" sz="2000" b="0" i="0" dirty="0">
+              <a:rPr lang="en-US" sz="1800" b="0" i="0" dirty="0">
                 <a:solidFill>
                   <a:srgbClr val="008000"/>
                 </a:solidFill>
@@ -5492,7 +8082,7 @@
               <a:t>'Iris-virginica’</a:t>
             </a:r>
             <a:r>
-              <a:rPr lang="en-US" sz="2000" b="0" i="0" dirty="0">
+              <a:rPr lang="en-US" sz="1800" b="0" i="0" dirty="0">
                 <a:solidFill>
                   <a:srgbClr val="545454"/>
                 </a:solidFill>
@@ -5502,7 +8092,7 @@
               <a:t>: </a:t>
             </a:r>
             <a:r>
-              <a:rPr lang="en-US" sz="2000" dirty="0">
+              <a:rPr lang="en-US" sz="1800" dirty="0">
                 <a:solidFill>
                   <a:schemeClr val="accent6">
                     <a:lumMod val="75000"/>
@@ -5513,7 +8103,7 @@
               <a:t>‘b’</a:t>
             </a:r>
             <a:r>
-              <a:rPr lang="en-US" sz="2000" b="0" i="0" dirty="0">
+              <a:rPr lang="en-US" sz="1800" b="0" i="0" dirty="0">
                 <a:solidFill>
                   <a:srgbClr val="545454"/>
                 </a:solidFill>
@@ -5522,7 +8112,7 @@
               </a:rPr>
               <a:t>})</a:t>
             </a:r>
-            <a:endParaRPr lang="th-TH" sz="2000" b="0" i="0" dirty="0">
+            <a:endParaRPr lang="th-TH" sz="1800" b="0" i="0" dirty="0">
               <a:solidFill>
                 <a:srgbClr val="545454"/>
               </a:solidFill>
@@ -5570,6 +8160,377 @@
       </p:grpSpPr>
       <p:sp>
         <p:nvSpPr>
+          <p:cNvPr id="4" name="Rectangle 3">
+            <a:extLst>
+              <a:ext uri="{FF2B5EF4-FFF2-40B4-BE49-F238E27FC236}">
+                <a16:creationId xmlns:a16="http://schemas.microsoft.com/office/drawing/2014/main" id="{4A9FE15D-584E-0288-76AF-BD9EBA2E74AD}"/>
+              </a:ext>
+            </a:extLst>
+          </p:cNvPr>
+          <p:cNvSpPr/>
+          <p:nvPr/>
+        </p:nvSpPr>
+        <p:spPr>
+          <a:xfrm>
+            <a:off x="0" y="5840991"/>
+            <a:ext cx="12192000" cy="1017009"/>
+          </a:xfrm>
+          <a:prstGeom prst="rect">
+            <a:avLst/>
+          </a:prstGeom>
+          <a:solidFill>
+            <a:srgbClr val="FFD9E6"/>
+          </a:solidFill>
+          <a:ln>
+            <a:solidFill>
+              <a:srgbClr val="FFD9E6"/>
+            </a:solidFill>
+          </a:ln>
+        </p:spPr>
+        <p:style>
+          <a:lnRef idx="2">
+            <a:schemeClr val="accent1">
+              <a:shade val="15000"/>
+            </a:schemeClr>
+          </a:lnRef>
+          <a:fillRef idx="1">
+            <a:schemeClr val="accent1"/>
+          </a:fillRef>
+          <a:effectRef idx="0">
+            <a:schemeClr val="accent1"/>
+          </a:effectRef>
+          <a:fontRef idx="minor">
+            <a:schemeClr val="lt1"/>
+          </a:fontRef>
+        </p:style>
+        <p:txBody>
+          <a:bodyPr rtlCol="0" anchor="ctr"/>
+          <a:lstStyle/>
+          <a:p>
+            <a:pPr algn="ctr"/>
+            <a:endParaRPr lang="en-US"/>
+          </a:p>
+        </p:txBody>
+      </p:sp>
+      <p:sp>
+        <p:nvSpPr>
+          <p:cNvPr id="5" name="Rectangle 4">
+            <a:extLst>
+              <a:ext uri="{FF2B5EF4-FFF2-40B4-BE49-F238E27FC236}">
+                <a16:creationId xmlns:a16="http://schemas.microsoft.com/office/drawing/2014/main" id="{CCD2B3C3-6B50-9D88-4A64-029352FBBB0D}"/>
+              </a:ext>
+            </a:extLst>
+          </p:cNvPr>
+          <p:cNvSpPr/>
+          <p:nvPr/>
+        </p:nvSpPr>
+        <p:spPr>
+          <a:xfrm>
+            <a:off x="0" y="0"/>
+            <a:ext cx="12192000" cy="1136342"/>
+          </a:xfrm>
+          <a:prstGeom prst="rect">
+            <a:avLst/>
+          </a:prstGeom>
+          <a:solidFill>
+            <a:srgbClr val="FFD9E6"/>
+          </a:solidFill>
+          <a:ln>
+            <a:solidFill>
+              <a:srgbClr val="FFD9E6"/>
+            </a:solidFill>
+          </a:ln>
+        </p:spPr>
+        <p:style>
+          <a:lnRef idx="2">
+            <a:schemeClr val="accent1">
+              <a:shade val="15000"/>
+            </a:schemeClr>
+          </a:lnRef>
+          <a:fillRef idx="1">
+            <a:schemeClr val="accent1"/>
+          </a:fillRef>
+          <a:effectRef idx="0">
+            <a:schemeClr val="accent1"/>
+          </a:effectRef>
+          <a:fontRef idx="minor">
+            <a:schemeClr val="lt1"/>
+          </a:fontRef>
+        </p:style>
+        <p:txBody>
+          <a:bodyPr rtlCol="0" anchor="ctr"/>
+          <a:lstStyle/>
+          <a:p>
+            <a:pPr algn="ctr"/>
+            <a:endParaRPr lang="en-US" dirty="0">
+              <a:noFill/>
+            </a:endParaRPr>
+          </a:p>
+        </p:txBody>
+      </p:sp>
+      <p:pic>
+        <p:nvPicPr>
+          <p:cNvPr id="7" name="Picture 6" descr="A black and white logo&#10;&#10;Description automatically generated">
+            <a:extLst>
+              <a:ext uri="{FF2B5EF4-FFF2-40B4-BE49-F238E27FC236}">
+                <a16:creationId xmlns:a16="http://schemas.microsoft.com/office/drawing/2014/main" id="{FB33946F-91FA-5C68-B206-2C517A5E779D}"/>
+              </a:ext>
+            </a:extLst>
+          </p:cNvPr>
+          <p:cNvPicPr>
+            <a:picLocks noChangeAspect="1"/>
+          </p:cNvPicPr>
+          <p:nvPr/>
+        </p:nvPicPr>
+        <p:blipFill>
+          <a:blip r:embed="rId2">
+            <a:extLst>
+              <a:ext uri="{28A0092B-C50C-407E-A947-70E740481C1C}">
+                <a14:useLocalDpi xmlns:a14="http://schemas.microsoft.com/office/drawing/2010/main" val="0"/>
+              </a:ext>
+            </a:extLst>
+          </a:blip>
+          <a:stretch>
+            <a:fillRect/>
+          </a:stretch>
+        </p:blipFill>
+        <p:spPr>
+          <a:xfrm>
+            <a:off x="11051882" y="119333"/>
+            <a:ext cx="1093483" cy="1017009"/>
+          </a:xfrm>
+          <a:prstGeom prst="rect">
+            <a:avLst/>
+          </a:prstGeom>
+        </p:spPr>
+      </p:pic>
+      <p:sp>
+        <p:nvSpPr>
+          <p:cNvPr id="8" name="Flowchart: Data 2">
+            <a:extLst>
+              <a:ext uri="{FF2B5EF4-FFF2-40B4-BE49-F238E27FC236}">
+                <a16:creationId xmlns:a16="http://schemas.microsoft.com/office/drawing/2014/main" id="{25D2724C-7958-A6EE-01C9-77BCAFF24C93}"/>
+              </a:ext>
+            </a:extLst>
+          </p:cNvPr>
+          <p:cNvSpPr/>
+          <p:nvPr/>
+        </p:nvSpPr>
+        <p:spPr>
+          <a:xfrm>
+            <a:off x="10848138" y="6264097"/>
+            <a:ext cx="1343862" cy="608120"/>
+          </a:xfrm>
+          <a:custGeom>
+            <a:avLst/>
+            <a:gdLst>
+              <a:gd name="connsiteX0" fmla="*/ 0 w 10000"/>
+              <a:gd name="connsiteY0" fmla="*/ 10000 h 10000"/>
+              <a:gd name="connsiteX1" fmla="*/ 2000 w 10000"/>
+              <a:gd name="connsiteY1" fmla="*/ 0 h 10000"/>
+              <a:gd name="connsiteX2" fmla="*/ 10000 w 10000"/>
+              <a:gd name="connsiteY2" fmla="*/ 0 h 10000"/>
+              <a:gd name="connsiteX3" fmla="*/ 8000 w 10000"/>
+              <a:gd name="connsiteY3" fmla="*/ 10000 h 10000"/>
+              <a:gd name="connsiteX4" fmla="*/ 0 w 10000"/>
+              <a:gd name="connsiteY4" fmla="*/ 10000 h 10000"/>
+              <a:gd name="connsiteX0" fmla="*/ 0 w 8000"/>
+              <a:gd name="connsiteY0" fmla="*/ 10000 h 10000"/>
+              <a:gd name="connsiteX1" fmla="*/ 2000 w 8000"/>
+              <a:gd name="connsiteY1" fmla="*/ 0 h 10000"/>
+              <a:gd name="connsiteX2" fmla="*/ 4142 w 8000"/>
+              <a:gd name="connsiteY2" fmla="*/ 153 h 10000"/>
+              <a:gd name="connsiteX3" fmla="*/ 8000 w 8000"/>
+              <a:gd name="connsiteY3" fmla="*/ 10000 h 10000"/>
+              <a:gd name="connsiteX4" fmla="*/ 0 w 8000"/>
+              <a:gd name="connsiteY4" fmla="*/ 10000 h 10000"/>
+              <a:gd name="connsiteX0" fmla="*/ 0 w 5414"/>
+              <a:gd name="connsiteY0" fmla="*/ 10000 h 10000"/>
+              <a:gd name="connsiteX1" fmla="*/ 2500 w 5414"/>
+              <a:gd name="connsiteY1" fmla="*/ 0 h 10000"/>
+              <a:gd name="connsiteX2" fmla="*/ 5178 w 5414"/>
+              <a:gd name="connsiteY2" fmla="*/ 153 h 10000"/>
+              <a:gd name="connsiteX3" fmla="*/ 5414 w 5414"/>
+              <a:gd name="connsiteY3" fmla="*/ 10000 h 10000"/>
+              <a:gd name="connsiteX4" fmla="*/ 0 w 5414"/>
+              <a:gd name="connsiteY4" fmla="*/ 10000 h 10000"/>
+              <a:gd name="connsiteX0" fmla="*/ 0 w 9609"/>
+              <a:gd name="connsiteY0" fmla="*/ 10000 h 10000"/>
+              <a:gd name="connsiteX1" fmla="*/ 4618 w 9609"/>
+              <a:gd name="connsiteY1" fmla="*/ 0 h 10000"/>
+              <a:gd name="connsiteX2" fmla="*/ 9564 w 9609"/>
+              <a:gd name="connsiteY2" fmla="*/ 153 h 10000"/>
+              <a:gd name="connsiteX3" fmla="*/ 9590 w 9609"/>
+              <a:gd name="connsiteY3" fmla="*/ 10000 h 10000"/>
+              <a:gd name="connsiteX4" fmla="*/ 0 w 9609"/>
+              <a:gd name="connsiteY4" fmla="*/ 10000 h 10000"/>
+              <a:gd name="connsiteX0" fmla="*/ 0 w 10193"/>
+              <a:gd name="connsiteY0" fmla="*/ 10000 h 10153"/>
+              <a:gd name="connsiteX1" fmla="*/ 4806 w 10193"/>
+              <a:gd name="connsiteY1" fmla="*/ 0 h 10153"/>
+              <a:gd name="connsiteX2" fmla="*/ 9953 w 10193"/>
+              <a:gd name="connsiteY2" fmla="*/ 153 h 10153"/>
+              <a:gd name="connsiteX3" fmla="*/ 10193 w 10193"/>
+              <a:gd name="connsiteY3" fmla="*/ 10153 h 10153"/>
+              <a:gd name="connsiteX4" fmla="*/ 0 w 10193"/>
+              <a:gd name="connsiteY4" fmla="*/ 10000 h 10153"/>
+              <a:gd name="connsiteX0" fmla="*/ 0 w 10213"/>
+              <a:gd name="connsiteY0" fmla="*/ 10000 h 10153"/>
+              <a:gd name="connsiteX1" fmla="*/ 4806 w 10213"/>
+              <a:gd name="connsiteY1" fmla="*/ 0 h 10153"/>
+              <a:gd name="connsiteX2" fmla="*/ 10166 w 10213"/>
+              <a:gd name="connsiteY2" fmla="*/ 153 h 10153"/>
+              <a:gd name="connsiteX3" fmla="*/ 10193 w 10213"/>
+              <a:gd name="connsiteY3" fmla="*/ 10153 h 10153"/>
+              <a:gd name="connsiteX4" fmla="*/ 0 w 10213"/>
+              <a:gd name="connsiteY4" fmla="*/ 10000 h 10153"/>
+              <a:gd name="connsiteX0" fmla="*/ 0 w 10341"/>
+              <a:gd name="connsiteY0" fmla="*/ 10000 h 10153"/>
+              <a:gd name="connsiteX1" fmla="*/ 4806 w 10341"/>
+              <a:gd name="connsiteY1" fmla="*/ 0 h 10153"/>
+              <a:gd name="connsiteX2" fmla="*/ 10308 w 10341"/>
+              <a:gd name="connsiteY2" fmla="*/ 0 h 10153"/>
+              <a:gd name="connsiteX3" fmla="*/ 10193 w 10341"/>
+              <a:gd name="connsiteY3" fmla="*/ 10153 h 10153"/>
+              <a:gd name="connsiteX4" fmla="*/ 0 w 10341"/>
+              <a:gd name="connsiteY4" fmla="*/ 10000 h 10153"/>
+              <a:gd name="connsiteX0" fmla="*/ 0 w 10406"/>
+              <a:gd name="connsiteY0" fmla="*/ 10000 h 10306"/>
+              <a:gd name="connsiteX1" fmla="*/ 4806 w 10406"/>
+              <a:gd name="connsiteY1" fmla="*/ 0 h 10306"/>
+              <a:gd name="connsiteX2" fmla="*/ 10308 w 10406"/>
+              <a:gd name="connsiteY2" fmla="*/ 0 h 10306"/>
+              <a:gd name="connsiteX3" fmla="*/ 10406 w 10406"/>
+              <a:gd name="connsiteY3" fmla="*/ 10306 h 10306"/>
+              <a:gd name="connsiteX4" fmla="*/ 0 w 10406"/>
+              <a:gd name="connsiteY4" fmla="*/ 10000 h 10306"/>
+              <a:gd name="connsiteX0" fmla="*/ 0 w 10761"/>
+              <a:gd name="connsiteY0" fmla="*/ 10458 h 10458"/>
+              <a:gd name="connsiteX1" fmla="*/ 5161 w 10761"/>
+              <a:gd name="connsiteY1" fmla="*/ 0 h 10458"/>
+              <a:gd name="connsiteX2" fmla="*/ 10663 w 10761"/>
+              <a:gd name="connsiteY2" fmla="*/ 0 h 10458"/>
+              <a:gd name="connsiteX3" fmla="*/ 10761 w 10761"/>
+              <a:gd name="connsiteY3" fmla="*/ 10306 h 10458"/>
+              <a:gd name="connsiteX4" fmla="*/ 0 w 10761"/>
+              <a:gd name="connsiteY4" fmla="*/ 10458 h 10458"/>
+            </a:gdLst>
+            <a:ahLst/>
+            <a:cxnLst>
+              <a:cxn ang="0">
+                <a:pos x="connsiteX0" y="connsiteY0"/>
+              </a:cxn>
+              <a:cxn ang="0">
+                <a:pos x="connsiteX1" y="connsiteY1"/>
+              </a:cxn>
+              <a:cxn ang="0">
+                <a:pos x="connsiteX2" y="connsiteY2"/>
+              </a:cxn>
+              <a:cxn ang="0">
+                <a:pos x="connsiteX3" y="connsiteY3"/>
+              </a:cxn>
+              <a:cxn ang="0">
+                <a:pos x="connsiteX4" y="connsiteY4"/>
+              </a:cxn>
+            </a:cxnLst>
+            <a:rect l="l" t="t" r="r" b="b"/>
+            <a:pathLst>
+              <a:path w="10761" h="10458">
+                <a:moveTo>
+                  <a:pt x="0" y="10458"/>
+                </a:moveTo>
+                <a:lnTo>
+                  <a:pt x="5161" y="0"/>
+                </a:lnTo>
+                <a:lnTo>
+                  <a:pt x="10663" y="0"/>
+                </a:lnTo>
+                <a:cubicBezTo>
+                  <a:pt x="10815" y="3282"/>
+                  <a:pt x="10609" y="7024"/>
+                  <a:pt x="10761" y="10306"/>
+                </a:cubicBezTo>
+                <a:lnTo>
+                  <a:pt x="0" y="10458"/>
+                </a:lnTo>
+                <a:close/>
+              </a:path>
+            </a:pathLst>
+          </a:custGeom>
+          <a:solidFill>
+            <a:schemeClr val="bg1"/>
+          </a:solidFill>
+          <a:ln w="19050">
+            <a:solidFill>
+              <a:schemeClr val="tx1"/>
+            </a:solidFill>
+          </a:ln>
+        </p:spPr>
+        <p:style>
+          <a:lnRef idx="2">
+            <a:schemeClr val="accent1">
+              <a:shade val="15000"/>
+            </a:schemeClr>
+          </a:lnRef>
+          <a:fillRef idx="1">
+            <a:schemeClr val="accent1"/>
+          </a:fillRef>
+          <a:effectRef idx="0">
+            <a:schemeClr val="accent1"/>
+          </a:effectRef>
+          <a:fontRef idx="minor">
+            <a:schemeClr val="lt1"/>
+          </a:fontRef>
+        </p:style>
+        <p:txBody>
+          <a:bodyPr rtlCol="0" anchor="ctr"/>
+          <a:lstStyle/>
+          <a:p>
+            <a:pPr algn="ctr"/>
+            <a:endParaRPr lang="en-US"/>
+          </a:p>
+        </p:txBody>
+      </p:sp>
+      <p:sp>
+        <p:nvSpPr>
+          <p:cNvPr id="9" name="TextBox 8">
+            <a:extLst>
+              <a:ext uri="{FF2B5EF4-FFF2-40B4-BE49-F238E27FC236}">
+                <a16:creationId xmlns:a16="http://schemas.microsoft.com/office/drawing/2014/main" id="{7BE19F77-0713-A254-172A-A837A56F8FC5}"/>
+              </a:ext>
+            </a:extLst>
+          </p:cNvPr>
+          <p:cNvSpPr txBox="1"/>
+          <p:nvPr/>
+        </p:nvSpPr>
+        <p:spPr>
+          <a:xfrm>
+            <a:off x="11520069" y="6287442"/>
+            <a:ext cx="557254" cy="584775"/>
+          </a:xfrm>
+          <a:prstGeom prst="rect">
+            <a:avLst/>
+          </a:prstGeom>
+          <a:noFill/>
+        </p:spPr>
+        <p:txBody>
+          <a:bodyPr wrap="square" rtlCol="0">
+            <a:spAutoFit/>
+          </a:bodyPr>
+          <a:lstStyle/>
+          <a:p>
+            <a:r>
+              <a:rPr lang="en-US" sz="3200" dirty="0">
+                <a:latin typeface="TH SarabunPSK" panose="020B0500040200020003" pitchFamily="34" charset="-34"/>
+                <a:cs typeface="TH SarabunPSK" panose="020B0500040200020003" pitchFamily="34" charset="-34"/>
+              </a:rPr>
+              <a:t>7</a:t>
+            </a:r>
+          </a:p>
+        </p:txBody>
+      </p:sp>
+      <p:sp>
+        <p:nvSpPr>
           <p:cNvPr id="2" name="Title 1">
             <a:extLst>
               <a:ext uri="{FF2B5EF4-FFF2-40B4-BE49-F238E27FC236}">
@@ -5584,20 +8545,34 @@
             <p:ph type="title"/>
           </p:nvPr>
         </p:nvSpPr>
-        <p:spPr/>
+        <p:spPr>
+          <a:xfrm>
+            <a:off x="838200" y="18255"/>
+            <a:ext cx="10515600" cy="1325563"/>
+          </a:xfrm>
+        </p:spPr>
         <p:txBody>
           <a:bodyPr/>
           <a:lstStyle/>
           <a:p>
             <a:r>
-              <a:rPr lang="en-US" dirty="0"/>
+              <a:rPr lang="en-US" dirty="0">
+                <a:latin typeface="TH SarabunPSK" panose="020B0500040200020003" pitchFamily="34" charset="-34"/>
+                <a:cs typeface="TH SarabunPSK" panose="020B0500040200020003" pitchFamily="34" charset="-34"/>
+              </a:rPr>
               <a:t>Parameter: c (color)</a:t>
             </a:r>
             <a:r>
-              <a:rPr lang="th-TH" dirty="0"/>
+              <a:rPr lang="th-TH" dirty="0">
+                <a:latin typeface="TH SarabunPSK" panose="020B0500040200020003" pitchFamily="34" charset="-34"/>
+                <a:cs typeface="TH SarabunPSK" panose="020B0500040200020003" pitchFamily="34" charset="-34"/>
+              </a:rPr>
               <a:t> กำหนดค่าสีตามกลุ่มข้อมูลที่ต้องการ</a:t>
             </a:r>
-            <a:endParaRPr lang="en-US" dirty="0"/>
+            <a:endParaRPr lang="en-US" dirty="0">
+              <a:latin typeface="TH SarabunPSK" panose="020B0500040200020003" pitchFamily="34" charset="-34"/>
+              <a:cs typeface="TH SarabunPSK" panose="020B0500040200020003" pitchFamily="34" charset="-34"/>
+            </a:endParaRPr>
           </a:p>
         </p:txBody>
       </p:sp>
@@ -5617,36 +8592,59 @@
             <p:ph idx="1"/>
           </p:nvPr>
         </p:nvSpPr>
-        <p:spPr/>
+        <p:spPr>
+          <a:xfrm>
+            <a:off x="838200" y="1463151"/>
+            <a:ext cx="10515600" cy="4351338"/>
+          </a:xfrm>
+        </p:spPr>
         <p:txBody>
           <a:bodyPr/>
           <a:lstStyle/>
           <a:p>
             <a:r>
-              <a:rPr lang="th-TH" dirty="0"/>
+              <a:rPr lang="th-TH" sz="2400" dirty="0">
+                <a:latin typeface="TH SarabunPSK" panose="020B0500040200020003" pitchFamily="34" charset="-34"/>
+                <a:cs typeface="TH SarabunPSK" panose="020B0500040200020003" pitchFamily="34" charset="-34"/>
+              </a:rPr>
               <a:t>ให้กำหนด </a:t>
             </a:r>
             <a:r>
-              <a:rPr lang="en-US" dirty="0"/>
+              <a:rPr lang="en-US" sz="2400" dirty="0">
+                <a:latin typeface="TH SarabunPSK" panose="020B0500040200020003" pitchFamily="34" charset="-34"/>
+                <a:cs typeface="TH SarabunPSK" panose="020B0500040200020003" pitchFamily="34" charset="-34"/>
+              </a:rPr>
               <a:t>Parameter: c</a:t>
             </a:r>
             <a:r>
-              <a:rPr lang="th-TH" dirty="0"/>
+              <a:rPr lang="th-TH" sz="2400" dirty="0">
+                <a:latin typeface="TH SarabunPSK" panose="020B0500040200020003" pitchFamily="34" charset="-34"/>
+                <a:cs typeface="TH SarabunPSK" panose="020B0500040200020003" pitchFamily="34" charset="-34"/>
+              </a:rPr>
               <a:t> ด้วยค่าในคอลัมน์ </a:t>
             </a:r>
             <a:r>
-              <a:rPr lang="en-US" dirty="0"/>
+              <a:rPr lang="en-US" sz="2400" dirty="0">
+                <a:latin typeface="TH SarabunPSK" panose="020B0500040200020003" pitchFamily="34" charset="-34"/>
+                <a:cs typeface="TH SarabunPSK" panose="020B0500040200020003" pitchFamily="34" charset="-34"/>
+              </a:rPr>
               <a:t>Name</a:t>
             </a:r>
             <a:r>
-              <a:rPr lang="th-TH" dirty="0"/>
+              <a:rPr lang="th-TH" sz="2400" dirty="0">
+                <a:latin typeface="TH SarabunPSK" panose="020B0500040200020003" pitchFamily="34" charset="-34"/>
+                <a:cs typeface="TH SarabunPSK" panose="020B0500040200020003" pitchFamily="34" charset="-34"/>
+              </a:rPr>
               <a:t> ของตัวแปรตารางที่แทนที่ค่าแล้ว</a:t>
             </a:r>
-            <a:endParaRPr lang="en-US" dirty="0"/>
-          </a:p>
-          <a:p>
-            <a:r>
-              <a:rPr lang="en-US" sz="2000" b="0" i="0" dirty="0" err="1">
+            <a:endParaRPr lang="en-US" sz="2400" dirty="0">
+              <a:latin typeface="TH SarabunPSK" panose="020B0500040200020003" pitchFamily="34" charset="-34"/>
+              <a:cs typeface="TH SarabunPSK" panose="020B0500040200020003" pitchFamily="34" charset="-34"/>
+            </a:endParaRPr>
+          </a:p>
+          <a:p>
+            <a:r>
+              <a:rPr lang="en-US" sz="1800" b="0" i="0" dirty="0" err="1">
                 <a:solidFill>
                   <a:srgbClr val="545454"/>
                 </a:solidFill>
@@ -5656,7 +8654,7 @@
               <a:t>plt.scatter</a:t>
             </a:r>
             <a:r>
-              <a:rPr lang="en-US" sz="2000" b="0" i="0" dirty="0">
+              <a:rPr lang="en-US" sz="1800" b="0" i="0" dirty="0">
                 <a:solidFill>
                   <a:srgbClr val="545454"/>
                 </a:solidFill>
@@ -5666,7 +8664,7 @@
               <a:t>(df2[</a:t>
             </a:r>
             <a:r>
-              <a:rPr lang="en-US" sz="2000" b="0" i="0" dirty="0">
+              <a:rPr lang="en-US" sz="1800" b="0" i="0" dirty="0">
                 <a:solidFill>
                   <a:srgbClr val="008000"/>
                 </a:solidFill>
@@ -5676,7 +8674,7 @@
               <a:t>'</a:t>
             </a:r>
             <a:r>
-              <a:rPr lang="en-US" sz="2000" b="0" i="0" dirty="0" err="1">
+              <a:rPr lang="en-US" sz="1800" b="0" i="0" dirty="0" err="1">
                 <a:solidFill>
                   <a:srgbClr val="008000"/>
                 </a:solidFill>
@@ -5686,7 +8684,7 @@
               <a:t>PetalLength</a:t>
             </a:r>
             <a:r>
-              <a:rPr lang="en-US" sz="2000" b="0" i="0" dirty="0">
+              <a:rPr lang="en-US" sz="1800" b="0" i="0" dirty="0">
                 <a:solidFill>
                   <a:srgbClr val="008000"/>
                 </a:solidFill>
@@ -5696,7 +8694,7 @@
               <a:t>'</a:t>
             </a:r>
             <a:r>
-              <a:rPr lang="en-US" sz="2000" b="0" i="0" dirty="0">
+              <a:rPr lang="en-US" sz="1800" b="0" i="0" dirty="0">
                 <a:solidFill>
                   <a:srgbClr val="545454"/>
                 </a:solidFill>
@@ -5706,7 +8704,7 @@
               <a:t>],df2[</a:t>
             </a:r>
             <a:r>
-              <a:rPr lang="en-US" sz="2000" b="0" i="0" dirty="0">
+              <a:rPr lang="en-US" sz="1800" b="0" i="0" dirty="0">
                 <a:solidFill>
                   <a:srgbClr val="008000"/>
                 </a:solidFill>
@@ -5716,7 +8714,7 @@
               <a:t>'</a:t>
             </a:r>
             <a:r>
-              <a:rPr lang="en-US" sz="2000" b="0" i="0" dirty="0" err="1">
+              <a:rPr lang="en-US" sz="1800" b="0" i="0" dirty="0" err="1">
                 <a:solidFill>
                   <a:srgbClr val="008000"/>
                 </a:solidFill>
@@ -5726,7 +8724,7 @@
               <a:t>SepalLength</a:t>
             </a:r>
             <a:r>
-              <a:rPr lang="en-US" sz="2000" b="0" i="0" dirty="0">
+              <a:rPr lang="en-US" sz="1800" b="0" i="0" dirty="0">
                 <a:solidFill>
                   <a:srgbClr val="008000"/>
                 </a:solidFill>
@@ -5736,7 +8734,7 @@
               <a:t>'</a:t>
             </a:r>
             <a:r>
-              <a:rPr lang="en-US" sz="2000" b="0" i="0" dirty="0">
+              <a:rPr lang="en-US" sz="1800" b="0" i="0" dirty="0">
                 <a:solidFill>
                   <a:srgbClr val="545454"/>
                 </a:solidFill>
@@ -5746,7 +8744,7 @@
               <a:t>],c=df2[</a:t>
             </a:r>
             <a:r>
-              <a:rPr lang="en-US" sz="2000" b="0" i="0" dirty="0">
+              <a:rPr lang="en-US" sz="1800" b="0" i="0" dirty="0">
                 <a:solidFill>
                   <a:srgbClr val="008000"/>
                 </a:solidFill>
@@ -5756,7 +8754,7 @@
               <a:t>'Name'</a:t>
             </a:r>
             <a:r>
-              <a:rPr lang="en-US" sz="2000" b="0" i="0" dirty="0">
+              <a:rPr lang="en-US" sz="1800" b="0" i="0" dirty="0">
                 <a:solidFill>
                   <a:srgbClr val="545454"/>
                 </a:solidFill>
@@ -5765,7 +8763,7 @@
               </a:rPr>
               <a:t>])</a:t>
             </a:r>
-            <a:endParaRPr lang="en-US" sz="2000" dirty="0"/>
+            <a:endParaRPr lang="en-US" sz="1800" dirty="0"/>
           </a:p>
         </p:txBody>
       </p:sp>
@@ -5784,15 +8782,15 @@
           <p:nvPr/>
         </p:nvPicPr>
         <p:blipFill>
-          <a:blip r:embed="rId2"/>
+          <a:blip r:embed="rId3"/>
           <a:stretch>
             <a:fillRect/>
           </a:stretch>
         </p:blipFill>
         <p:spPr>
           <a:xfrm>
-            <a:off x="3541223" y="2883930"/>
-            <a:ext cx="5109554" cy="3847194"/>
+            <a:off x="4101061" y="2577630"/>
+            <a:ext cx="3989877" cy="3004143"/>
           </a:xfrm>
           <a:prstGeom prst="rect">
             <a:avLst/>
@@ -5831,6 +8829,377 @@
       </p:grpSpPr>
       <p:sp>
         <p:nvSpPr>
+          <p:cNvPr id="4" name="Rectangle 3">
+            <a:extLst>
+              <a:ext uri="{FF2B5EF4-FFF2-40B4-BE49-F238E27FC236}">
+                <a16:creationId xmlns:a16="http://schemas.microsoft.com/office/drawing/2014/main" id="{39E556E6-FB2D-6966-B240-1BAE12EE3B21}"/>
+              </a:ext>
+            </a:extLst>
+          </p:cNvPr>
+          <p:cNvSpPr/>
+          <p:nvPr/>
+        </p:nvSpPr>
+        <p:spPr>
+          <a:xfrm>
+            <a:off x="0" y="5840991"/>
+            <a:ext cx="12192000" cy="1017009"/>
+          </a:xfrm>
+          <a:prstGeom prst="rect">
+            <a:avLst/>
+          </a:prstGeom>
+          <a:solidFill>
+            <a:srgbClr val="FFD9E6"/>
+          </a:solidFill>
+          <a:ln>
+            <a:solidFill>
+              <a:srgbClr val="FFD9E6"/>
+            </a:solidFill>
+          </a:ln>
+        </p:spPr>
+        <p:style>
+          <a:lnRef idx="2">
+            <a:schemeClr val="accent1">
+              <a:shade val="15000"/>
+            </a:schemeClr>
+          </a:lnRef>
+          <a:fillRef idx="1">
+            <a:schemeClr val="accent1"/>
+          </a:fillRef>
+          <a:effectRef idx="0">
+            <a:schemeClr val="accent1"/>
+          </a:effectRef>
+          <a:fontRef idx="minor">
+            <a:schemeClr val="lt1"/>
+          </a:fontRef>
+        </p:style>
+        <p:txBody>
+          <a:bodyPr rtlCol="0" anchor="ctr"/>
+          <a:lstStyle/>
+          <a:p>
+            <a:pPr algn="ctr"/>
+            <a:endParaRPr lang="en-US"/>
+          </a:p>
+        </p:txBody>
+      </p:sp>
+      <p:sp>
+        <p:nvSpPr>
+          <p:cNvPr id="6" name="Rectangle 5">
+            <a:extLst>
+              <a:ext uri="{FF2B5EF4-FFF2-40B4-BE49-F238E27FC236}">
+                <a16:creationId xmlns:a16="http://schemas.microsoft.com/office/drawing/2014/main" id="{1D56037F-C46D-0F9A-2118-EA5111BA11A0}"/>
+              </a:ext>
+            </a:extLst>
+          </p:cNvPr>
+          <p:cNvSpPr/>
+          <p:nvPr/>
+        </p:nvSpPr>
+        <p:spPr>
+          <a:xfrm>
+            <a:off x="0" y="0"/>
+            <a:ext cx="12192000" cy="1136342"/>
+          </a:xfrm>
+          <a:prstGeom prst="rect">
+            <a:avLst/>
+          </a:prstGeom>
+          <a:solidFill>
+            <a:srgbClr val="FFD9E6"/>
+          </a:solidFill>
+          <a:ln>
+            <a:solidFill>
+              <a:srgbClr val="FFD9E6"/>
+            </a:solidFill>
+          </a:ln>
+        </p:spPr>
+        <p:style>
+          <a:lnRef idx="2">
+            <a:schemeClr val="accent1">
+              <a:shade val="15000"/>
+            </a:schemeClr>
+          </a:lnRef>
+          <a:fillRef idx="1">
+            <a:schemeClr val="accent1"/>
+          </a:fillRef>
+          <a:effectRef idx="0">
+            <a:schemeClr val="accent1"/>
+          </a:effectRef>
+          <a:fontRef idx="minor">
+            <a:schemeClr val="lt1"/>
+          </a:fontRef>
+        </p:style>
+        <p:txBody>
+          <a:bodyPr rtlCol="0" anchor="ctr"/>
+          <a:lstStyle/>
+          <a:p>
+            <a:pPr algn="ctr"/>
+            <a:endParaRPr lang="en-US" dirty="0">
+              <a:noFill/>
+            </a:endParaRPr>
+          </a:p>
+        </p:txBody>
+      </p:sp>
+      <p:pic>
+        <p:nvPicPr>
+          <p:cNvPr id="7" name="Picture 6" descr="A black and white logo&#10;&#10;Description automatically generated">
+            <a:extLst>
+              <a:ext uri="{FF2B5EF4-FFF2-40B4-BE49-F238E27FC236}">
+                <a16:creationId xmlns:a16="http://schemas.microsoft.com/office/drawing/2014/main" id="{E7C5BD78-CDDC-4706-0A08-93DD4CC49858}"/>
+              </a:ext>
+            </a:extLst>
+          </p:cNvPr>
+          <p:cNvPicPr>
+            <a:picLocks noChangeAspect="1"/>
+          </p:cNvPicPr>
+          <p:nvPr/>
+        </p:nvPicPr>
+        <p:blipFill>
+          <a:blip r:embed="rId2">
+            <a:extLst>
+              <a:ext uri="{28A0092B-C50C-407E-A947-70E740481C1C}">
+                <a14:useLocalDpi xmlns:a14="http://schemas.microsoft.com/office/drawing/2010/main" val="0"/>
+              </a:ext>
+            </a:extLst>
+          </a:blip>
+          <a:stretch>
+            <a:fillRect/>
+          </a:stretch>
+        </p:blipFill>
+        <p:spPr>
+          <a:xfrm>
+            <a:off x="11051882" y="119333"/>
+            <a:ext cx="1093483" cy="1017009"/>
+          </a:xfrm>
+          <a:prstGeom prst="rect">
+            <a:avLst/>
+          </a:prstGeom>
+        </p:spPr>
+      </p:pic>
+      <p:sp>
+        <p:nvSpPr>
+          <p:cNvPr id="8" name="Flowchart: Data 2">
+            <a:extLst>
+              <a:ext uri="{FF2B5EF4-FFF2-40B4-BE49-F238E27FC236}">
+                <a16:creationId xmlns:a16="http://schemas.microsoft.com/office/drawing/2014/main" id="{19318A5D-6E3F-880C-AE13-1D41FF7FAD6F}"/>
+              </a:ext>
+            </a:extLst>
+          </p:cNvPr>
+          <p:cNvSpPr/>
+          <p:nvPr/>
+        </p:nvSpPr>
+        <p:spPr>
+          <a:xfrm>
+            <a:off x="10848138" y="6264097"/>
+            <a:ext cx="1343862" cy="608120"/>
+          </a:xfrm>
+          <a:custGeom>
+            <a:avLst/>
+            <a:gdLst>
+              <a:gd name="connsiteX0" fmla="*/ 0 w 10000"/>
+              <a:gd name="connsiteY0" fmla="*/ 10000 h 10000"/>
+              <a:gd name="connsiteX1" fmla="*/ 2000 w 10000"/>
+              <a:gd name="connsiteY1" fmla="*/ 0 h 10000"/>
+              <a:gd name="connsiteX2" fmla="*/ 10000 w 10000"/>
+              <a:gd name="connsiteY2" fmla="*/ 0 h 10000"/>
+              <a:gd name="connsiteX3" fmla="*/ 8000 w 10000"/>
+              <a:gd name="connsiteY3" fmla="*/ 10000 h 10000"/>
+              <a:gd name="connsiteX4" fmla="*/ 0 w 10000"/>
+              <a:gd name="connsiteY4" fmla="*/ 10000 h 10000"/>
+              <a:gd name="connsiteX0" fmla="*/ 0 w 8000"/>
+              <a:gd name="connsiteY0" fmla="*/ 10000 h 10000"/>
+              <a:gd name="connsiteX1" fmla="*/ 2000 w 8000"/>
+              <a:gd name="connsiteY1" fmla="*/ 0 h 10000"/>
+              <a:gd name="connsiteX2" fmla="*/ 4142 w 8000"/>
+              <a:gd name="connsiteY2" fmla="*/ 153 h 10000"/>
+              <a:gd name="connsiteX3" fmla="*/ 8000 w 8000"/>
+              <a:gd name="connsiteY3" fmla="*/ 10000 h 10000"/>
+              <a:gd name="connsiteX4" fmla="*/ 0 w 8000"/>
+              <a:gd name="connsiteY4" fmla="*/ 10000 h 10000"/>
+              <a:gd name="connsiteX0" fmla="*/ 0 w 5414"/>
+              <a:gd name="connsiteY0" fmla="*/ 10000 h 10000"/>
+              <a:gd name="connsiteX1" fmla="*/ 2500 w 5414"/>
+              <a:gd name="connsiteY1" fmla="*/ 0 h 10000"/>
+              <a:gd name="connsiteX2" fmla="*/ 5178 w 5414"/>
+              <a:gd name="connsiteY2" fmla="*/ 153 h 10000"/>
+              <a:gd name="connsiteX3" fmla="*/ 5414 w 5414"/>
+              <a:gd name="connsiteY3" fmla="*/ 10000 h 10000"/>
+              <a:gd name="connsiteX4" fmla="*/ 0 w 5414"/>
+              <a:gd name="connsiteY4" fmla="*/ 10000 h 10000"/>
+              <a:gd name="connsiteX0" fmla="*/ 0 w 9609"/>
+              <a:gd name="connsiteY0" fmla="*/ 10000 h 10000"/>
+              <a:gd name="connsiteX1" fmla="*/ 4618 w 9609"/>
+              <a:gd name="connsiteY1" fmla="*/ 0 h 10000"/>
+              <a:gd name="connsiteX2" fmla="*/ 9564 w 9609"/>
+              <a:gd name="connsiteY2" fmla="*/ 153 h 10000"/>
+              <a:gd name="connsiteX3" fmla="*/ 9590 w 9609"/>
+              <a:gd name="connsiteY3" fmla="*/ 10000 h 10000"/>
+              <a:gd name="connsiteX4" fmla="*/ 0 w 9609"/>
+              <a:gd name="connsiteY4" fmla="*/ 10000 h 10000"/>
+              <a:gd name="connsiteX0" fmla="*/ 0 w 10193"/>
+              <a:gd name="connsiteY0" fmla="*/ 10000 h 10153"/>
+              <a:gd name="connsiteX1" fmla="*/ 4806 w 10193"/>
+              <a:gd name="connsiteY1" fmla="*/ 0 h 10153"/>
+              <a:gd name="connsiteX2" fmla="*/ 9953 w 10193"/>
+              <a:gd name="connsiteY2" fmla="*/ 153 h 10153"/>
+              <a:gd name="connsiteX3" fmla="*/ 10193 w 10193"/>
+              <a:gd name="connsiteY3" fmla="*/ 10153 h 10153"/>
+              <a:gd name="connsiteX4" fmla="*/ 0 w 10193"/>
+              <a:gd name="connsiteY4" fmla="*/ 10000 h 10153"/>
+              <a:gd name="connsiteX0" fmla="*/ 0 w 10213"/>
+              <a:gd name="connsiteY0" fmla="*/ 10000 h 10153"/>
+              <a:gd name="connsiteX1" fmla="*/ 4806 w 10213"/>
+              <a:gd name="connsiteY1" fmla="*/ 0 h 10153"/>
+              <a:gd name="connsiteX2" fmla="*/ 10166 w 10213"/>
+              <a:gd name="connsiteY2" fmla="*/ 153 h 10153"/>
+              <a:gd name="connsiteX3" fmla="*/ 10193 w 10213"/>
+              <a:gd name="connsiteY3" fmla="*/ 10153 h 10153"/>
+              <a:gd name="connsiteX4" fmla="*/ 0 w 10213"/>
+              <a:gd name="connsiteY4" fmla="*/ 10000 h 10153"/>
+              <a:gd name="connsiteX0" fmla="*/ 0 w 10341"/>
+              <a:gd name="connsiteY0" fmla="*/ 10000 h 10153"/>
+              <a:gd name="connsiteX1" fmla="*/ 4806 w 10341"/>
+              <a:gd name="connsiteY1" fmla="*/ 0 h 10153"/>
+              <a:gd name="connsiteX2" fmla="*/ 10308 w 10341"/>
+              <a:gd name="connsiteY2" fmla="*/ 0 h 10153"/>
+              <a:gd name="connsiteX3" fmla="*/ 10193 w 10341"/>
+              <a:gd name="connsiteY3" fmla="*/ 10153 h 10153"/>
+              <a:gd name="connsiteX4" fmla="*/ 0 w 10341"/>
+              <a:gd name="connsiteY4" fmla="*/ 10000 h 10153"/>
+              <a:gd name="connsiteX0" fmla="*/ 0 w 10406"/>
+              <a:gd name="connsiteY0" fmla="*/ 10000 h 10306"/>
+              <a:gd name="connsiteX1" fmla="*/ 4806 w 10406"/>
+              <a:gd name="connsiteY1" fmla="*/ 0 h 10306"/>
+              <a:gd name="connsiteX2" fmla="*/ 10308 w 10406"/>
+              <a:gd name="connsiteY2" fmla="*/ 0 h 10306"/>
+              <a:gd name="connsiteX3" fmla="*/ 10406 w 10406"/>
+              <a:gd name="connsiteY3" fmla="*/ 10306 h 10306"/>
+              <a:gd name="connsiteX4" fmla="*/ 0 w 10406"/>
+              <a:gd name="connsiteY4" fmla="*/ 10000 h 10306"/>
+              <a:gd name="connsiteX0" fmla="*/ 0 w 10761"/>
+              <a:gd name="connsiteY0" fmla="*/ 10458 h 10458"/>
+              <a:gd name="connsiteX1" fmla="*/ 5161 w 10761"/>
+              <a:gd name="connsiteY1" fmla="*/ 0 h 10458"/>
+              <a:gd name="connsiteX2" fmla="*/ 10663 w 10761"/>
+              <a:gd name="connsiteY2" fmla="*/ 0 h 10458"/>
+              <a:gd name="connsiteX3" fmla="*/ 10761 w 10761"/>
+              <a:gd name="connsiteY3" fmla="*/ 10306 h 10458"/>
+              <a:gd name="connsiteX4" fmla="*/ 0 w 10761"/>
+              <a:gd name="connsiteY4" fmla="*/ 10458 h 10458"/>
+            </a:gdLst>
+            <a:ahLst/>
+            <a:cxnLst>
+              <a:cxn ang="0">
+                <a:pos x="connsiteX0" y="connsiteY0"/>
+              </a:cxn>
+              <a:cxn ang="0">
+                <a:pos x="connsiteX1" y="connsiteY1"/>
+              </a:cxn>
+              <a:cxn ang="0">
+                <a:pos x="connsiteX2" y="connsiteY2"/>
+              </a:cxn>
+              <a:cxn ang="0">
+                <a:pos x="connsiteX3" y="connsiteY3"/>
+              </a:cxn>
+              <a:cxn ang="0">
+                <a:pos x="connsiteX4" y="connsiteY4"/>
+              </a:cxn>
+            </a:cxnLst>
+            <a:rect l="l" t="t" r="r" b="b"/>
+            <a:pathLst>
+              <a:path w="10761" h="10458">
+                <a:moveTo>
+                  <a:pt x="0" y="10458"/>
+                </a:moveTo>
+                <a:lnTo>
+                  <a:pt x="5161" y="0"/>
+                </a:lnTo>
+                <a:lnTo>
+                  <a:pt x="10663" y="0"/>
+                </a:lnTo>
+                <a:cubicBezTo>
+                  <a:pt x="10815" y="3282"/>
+                  <a:pt x="10609" y="7024"/>
+                  <a:pt x="10761" y="10306"/>
+                </a:cubicBezTo>
+                <a:lnTo>
+                  <a:pt x="0" y="10458"/>
+                </a:lnTo>
+                <a:close/>
+              </a:path>
+            </a:pathLst>
+          </a:custGeom>
+          <a:solidFill>
+            <a:schemeClr val="bg1"/>
+          </a:solidFill>
+          <a:ln w="19050">
+            <a:solidFill>
+              <a:schemeClr val="tx1"/>
+            </a:solidFill>
+          </a:ln>
+        </p:spPr>
+        <p:style>
+          <a:lnRef idx="2">
+            <a:schemeClr val="accent1">
+              <a:shade val="15000"/>
+            </a:schemeClr>
+          </a:lnRef>
+          <a:fillRef idx="1">
+            <a:schemeClr val="accent1"/>
+          </a:fillRef>
+          <a:effectRef idx="0">
+            <a:schemeClr val="accent1"/>
+          </a:effectRef>
+          <a:fontRef idx="minor">
+            <a:schemeClr val="lt1"/>
+          </a:fontRef>
+        </p:style>
+        <p:txBody>
+          <a:bodyPr rtlCol="0" anchor="ctr"/>
+          <a:lstStyle/>
+          <a:p>
+            <a:pPr algn="ctr"/>
+            <a:endParaRPr lang="en-US"/>
+          </a:p>
+        </p:txBody>
+      </p:sp>
+      <p:sp>
+        <p:nvSpPr>
+          <p:cNvPr id="9" name="TextBox 8">
+            <a:extLst>
+              <a:ext uri="{FF2B5EF4-FFF2-40B4-BE49-F238E27FC236}">
+                <a16:creationId xmlns:a16="http://schemas.microsoft.com/office/drawing/2014/main" id="{ACD69F1E-0676-FA14-E21A-94C01CB37ED9}"/>
+              </a:ext>
+            </a:extLst>
+          </p:cNvPr>
+          <p:cNvSpPr txBox="1"/>
+          <p:nvPr/>
+        </p:nvSpPr>
+        <p:spPr>
+          <a:xfrm>
+            <a:off x="11520069" y="6287442"/>
+            <a:ext cx="557254" cy="584775"/>
+          </a:xfrm>
+          <a:prstGeom prst="rect">
+            <a:avLst/>
+          </a:prstGeom>
+          <a:noFill/>
+        </p:spPr>
+        <p:txBody>
+          <a:bodyPr wrap="square" rtlCol="0">
+            <a:spAutoFit/>
+          </a:bodyPr>
+          <a:lstStyle/>
+          <a:p>
+            <a:r>
+              <a:rPr lang="en-US" sz="3200" dirty="0">
+                <a:latin typeface="TH SarabunPSK" panose="020B0500040200020003" pitchFamily="34" charset="-34"/>
+                <a:cs typeface="TH SarabunPSK" panose="020B0500040200020003" pitchFamily="34" charset="-34"/>
+              </a:rPr>
+              <a:t>8</a:t>
+            </a:r>
+          </a:p>
+        </p:txBody>
+      </p:sp>
+      <p:sp>
+        <p:nvSpPr>
           <p:cNvPr id="2" name="Title 1">
             <a:extLst>
               <a:ext uri="{FF2B5EF4-FFF2-40B4-BE49-F238E27FC236}">
@@ -5845,20 +9214,34 @@
             <p:ph type="title"/>
           </p:nvPr>
         </p:nvSpPr>
-        <p:spPr/>
+        <p:spPr>
+          <a:xfrm>
+            <a:off x="838200" y="18255"/>
+            <a:ext cx="10515600" cy="1325563"/>
+          </a:xfrm>
+        </p:spPr>
         <p:txBody>
           <a:bodyPr/>
           <a:lstStyle/>
           <a:p>
             <a:r>
-              <a:rPr lang="en-US" dirty="0"/>
+              <a:rPr lang="en-US" dirty="0">
+                <a:latin typeface="TH SarabunPSK" panose="020B0500040200020003" pitchFamily="34" charset="-34"/>
+                <a:cs typeface="TH SarabunPSK" panose="020B0500040200020003" pitchFamily="34" charset="-34"/>
+              </a:rPr>
               <a:t>alpha </a:t>
             </a:r>
             <a:r>
-              <a:rPr lang="th-TH" dirty="0"/>
+              <a:rPr lang="th-TH" dirty="0">
+                <a:latin typeface="TH SarabunPSK" panose="020B0500040200020003" pitchFamily="34" charset="-34"/>
+                <a:cs typeface="TH SarabunPSK" panose="020B0500040200020003" pitchFamily="34" charset="-34"/>
+              </a:rPr>
               <a:t>กำหนดความโปร่งแสง</a:t>
             </a:r>
-            <a:endParaRPr lang="en-US" dirty="0"/>
+            <a:endParaRPr lang="en-US" dirty="0">
+              <a:latin typeface="TH SarabunPSK" panose="020B0500040200020003" pitchFamily="34" charset="-34"/>
+              <a:cs typeface="TH SarabunPSK" panose="020B0500040200020003" pitchFamily="34" charset="-34"/>
+            </a:endParaRPr>
           </a:p>
         </p:txBody>
       </p:sp>
@@ -5878,47 +9261,76 @@
             <p:ph idx="1"/>
           </p:nvPr>
         </p:nvSpPr>
-        <p:spPr/>
+        <p:spPr>
+          <a:xfrm>
+            <a:off x="838200" y="1559448"/>
+            <a:ext cx="10515600" cy="4351338"/>
+          </a:xfrm>
+        </p:spPr>
         <p:txBody>
           <a:bodyPr/>
           <a:lstStyle/>
           <a:p>
             <a:r>
-              <a:rPr lang="th-TH" dirty="0"/>
+              <a:rPr lang="th-TH" sz="2400" dirty="0">
+                <a:latin typeface="TH SarabunPSK" panose="020B0500040200020003" pitchFamily="34" charset="-34"/>
+                <a:cs typeface="TH SarabunPSK" panose="020B0500040200020003" pitchFamily="34" charset="-34"/>
+              </a:rPr>
               <a:t>คือค่าความโปร่งแสงของสี มีค่า </a:t>
             </a:r>
             <a:r>
-              <a:rPr lang="en-US" dirty="0"/>
+              <a:rPr lang="en-US" sz="2400" dirty="0">
+                <a:latin typeface="TH SarabunPSK" panose="020B0500040200020003" pitchFamily="34" charset="-34"/>
+                <a:cs typeface="TH SarabunPSK" panose="020B0500040200020003" pitchFamily="34" charset="-34"/>
+              </a:rPr>
               <a:t>0</a:t>
             </a:r>
             <a:r>
-              <a:rPr lang="th-TH" dirty="0"/>
+              <a:rPr lang="th-TH" sz="2400" dirty="0">
+                <a:latin typeface="TH SarabunPSK" panose="020B0500040200020003" pitchFamily="34" charset="-34"/>
+                <a:cs typeface="TH SarabunPSK" panose="020B0500040200020003" pitchFamily="34" charset="-34"/>
+              </a:rPr>
               <a:t> ถึง </a:t>
             </a:r>
             <a:r>
-              <a:rPr lang="en-US" dirty="0"/>
+              <a:rPr lang="en-US" sz="2400" dirty="0">
+                <a:latin typeface="TH SarabunPSK" panose="020B0500040200020003" pitchFamily="34" charset="-34"/>
+                <a:cs typeface="TH SarabunPSK" panose="020B0500040200020003" pitchFamily="34" charset="-34"/>
+              </a:rPr>
               <a:t>1</a:t>
             </a:r>
             <a:r>
-              <a:rPr lang="th-TH" dirty="0"/>
+              <a:rPr lang="th-TH" sz="2400" dirty="0">
+                <a:latin typeface="TH SarabunPSK" panose="020B0500040200020003" pitchFamily="34" charset="-34"/>
+                <a:cs typeface="TH SarabunPSK" panose="020B0500040200020003" pitchFamily="34" charset="-34"/>
+              </a:rPr>
               <a:t> โดย </a:t>
             </a:r>
             <a:r>
-              <a:rPr lang="en-US" dirty="0"/>
+              <a:rPr lang="en-US" sz="2400" dirty="0">
+                <a:latin typeface="TH SarabunPSK" panose="020B0500040200020003" pitchFamily="34" charset="-34"/>
+                <a:cs typeface="TH SarabunPSK" panose="020B0500040200020003" pitchFamily="34" charset="-34"/>
+              </a:rPr>
               <a:t>1</a:t>
             </a:r>
             <a:r>
-              <a:rPr lang="th-TH" dirty="0"/>
+              <a:rPr lang="th-TH" sz="2400" dirty="0">
+                <a:latin typeface="TH SarabunPSK" panose="020B0500040200020003" pitchFamily="34" charset="-34"/>
+                <a:cs typeface="TH SarabunPSK" panose="020B0500040200020003" pitchFamily="34" charset="-34"/>
+              </a:rPr>
               <a:t> คือไม่โปรงแสง เพื่อให้มองเห็นจุดที่ถูกบัง (</a:t>
             </a:r>
             <a:r>
-              <a:rPr lang="en-US" dirty="0"/>
+              <a:rPr lang="en-US" sz="2400" dirty="0">
+                <a:latin typeface="TH SarabunPSK" panose="020B0500040200020003" pitchFamily="34" charset="-34"/>
+                <a:cs typeface="TH SarabunPSK" panose="020B0500040200020003" pitchFamily="34" charset="-34"/>
+              </a:rPr>
               <a:t>Bubble Chart)</a:t>
             </a:r>
           </a:p>
           <a:p>
             <a:r>
-              <a:rPr lang="en-US" sz="2000" b="0" i="0" dirty="0" err="1">
+              <a:rPr lang="en-US" sz="1800" b="0" i="0" dirty="0" err="1">
                 <a:solidFill>
                   <a:srgbClr val="545454"/>
                 </a:solidFill>
@@ -5928,7 +9340,7 @@
               <a:t>plt.scatter</a:t>
             </a:r>
             <a:r>
-              <a:rPr lang="en-US" sz="2000" b="0" i="0" dirty="0">
+              <a:rPr lang="en-US" sz="1800" b="0" i="0" dirty="0">
                 <a:solidFill>
                   <a:srgbClr val="545454"/>
                 </a:solidFill>
@@ -5938,7 +9350,7 @@
               <a:t>(df2[</a:t>
             </a:r>
             <a:r>
-              <a:rPr lang="en-US" sz="2000" b="0" i="0" dirty="0">
+              <a:rPr lang="en-US" sz="1800" b="0" i="0" dirty="0">
                 <a:solidFill>
                   <a:srgbClr val="008000"/>
                 </a:solidFill>
@@ -5948,7 +9360,7 @@
               <a:t>'</a:t>
             </a:r>
             <a:r>
-              <a:rPr lang="en-US" sz="2000" b="0" i="0" dirty="0" err="1">
+              <a:rPr lang="en-US" sz="1800" b="0" i="0" dirty="0" err="1">
                 <a:solidFill>
                   <a:srgbClr val="008000"/>
                 </a:solidFill>
@@ -5958,7 +9370,7 @@
               <a:t>PetalLength</a:t>
             </a:r>
             <a:r>
-              <a:rPr lang="en-US" sz="2000" b="0" i="0" dirty="0">
+              <a:rPr lang="en-US" sz="1800" b="0" i="0" dirty="0">
                 <a:solidFill>
                   <a:srgbClr val="008000"/>
                 </a:solidFill>
@@ -5968,7 +9380,7 @@
               <a:t>’</a:t>
             </a:r>
             <a:r>
-              <a:rPr lang="en-US" sz="2000" b="0" i="0" dirty="0">
+              <a:rPr lang="en-US" sz="1800" b="0" i="0" dirty="0">
                 <a:solidFill>
                   <a:srgbClr val="545454"/>
                 </a:solidFill>
@@ -5978,7 +9390,7 @@
               <a:t>],df2[</a:t>
             </a:r>
             <a:r>
-              <a:rPr lang="en-US" sz="2000" b="0" i="0" dirty="0">
+              <a:rPr lang="en-US" sz="1800" b="0" i="0" dirty="0">
                 <a:solidFill>
                   <a:srgbClr val="008000"/>
                 </a:solidFill>
@@ -5988,7 +9400,7 @@
               <a:t>'</a:t>
             </a:r>
             <a:r>
-              <a:rPr lang="en-US" sz="2000" b="0" i="0" dirty="0" err="1">
+              <a:rPr lang="en-US" sz="1800" b="0" i="0" dirty="0" err="1">
                 <a:solidFill>
                   <a:srgbClr val="008000"/>
                 </a:solidFill>
@@ -5998,7 +9410,7 @@
               <a:t>SepalLength</a:t>
             </a:r>
             <a:r>
-              <a:rPr lang="en-US" sz="2000" b="0" i="0" dirty="0">
+              <a:rPr lang="en-US" sz="1800" b="0" i="0" dirty="0">
                 <a:solidFill>
                   <a:srgbClr val="008000"/>
                 </a:solidFill>
@@ -6008,7 +9420,7 @@
               <a:t>'</a:t>
             </a:r>
             <a:r>
-              <a:rPr lang="en-US" sz="2000" b="0" i="0" dirty="0">
+              <a:rPr lang="en-US" sz="1800" b="0" i="0" dirty="0">
                 <a:solidFill>
                   <a:srgbClr val="545454"/>
                 </a:solidFill>
@@ -6018,7 +9430,7 @@
               <a:t>],c=df2[</a:t>
             </a:r>
             <a:r>
-              <a:rPr lang="en-US" sz="2000" b="0" i="0" dirty="0">
+              <a:rPr lang="en-US" sz="1800" b="0" i="0" dirty="0">
                 <a:solidFill>
                   <a:srgbClr val="008000"/>
                 </a:solidFill>
@@ -6028,7 +9440,7 @@
               <a:t>'Name’</a:t>
             </a:r>
             <a:r>
-              <a:rPr lang="en-US" sz="2000" b="0" i="0" dirty="0">
+              <a:rPr lang="en-US" sz="1800" b="0" i="0" dirty="0">
                 <a:solidFill>
                   <a:srgbClr val="545454"/>
                 </a:solidFill>
@@ -6038,7 +9450,7 @@
               <a:t>] ,alpha=</a:t>
             </a:r>
             <a:r>
-              <a:rPr lang="en-US" sz="2000" b="0" i="0" dirty="0">
+              <a:rPr lang="en-US" sz="1800" b="0" i="0" dirty="0">
                 <a:solidFill>
                   <a:srgbClr val="AA5D00"/>
                 </a:solidFill>
@@ -6048,7 +9460,7 @@
               <a:t>0.5</a:t>
             </a:r>
             <a:r>
-              <a:rPr lang="en-US" sz="2000" b="0" i="0" dirty="0">
+              <a:rPr lang="en-US" sz="1800" b="0" i="0" dirty="0">
                 <a:solidFill>
                   <a:srgbClr val="545454"/>
                 </a:solidFill>
@@ -6057,7 +9469,7 @@
               </a:rPr>
               <a:t>)</a:t>
             </a:r>
-            <a:endParaRPr lang="en-US" sz="2000" dirty="0"/>
+            <a:endParaRPr lang="en-US" sz="1800" dirty="0"/>
           </a:p>
         </p:txBody>
       </p:sp>
@@ -6076,15 +9488,15 @@
           <p:nvPr/>
         </p:nvPicPr>
         <p:blipFill>
-          <a:blip r:embed="rId2"/>
+          <a:blip r:embed="rId3"/>
           <a:stretch>
             <a:fillRect/>
           </a:stretch>
         </p:blipFill>
         <p:spPr>
           <a:xfrm>
-            <a:off x="3780676" y="3241964"/>
-            <a:ext cx="4630648" cy="3476884"/>
+            <a:off x="4096963" y="2751936"/>
+            <a:ext cx="3998074" cy="3001921"/>
           </a:xfrm>
           <a:prstGeom prst="rect">
             <a:avLst/>

--- a/PPT/Class period 12.pptx
+++ b/PPT/Class period 12.pptx
@@ -137,7 +137,7 @@
           <p:cNvPr id="2" name="Title 1">
             <a:extLst>
               <a:ext uri="{FF2B5EF4-FFF2-40B4-BE49-F238E27FC236}">
-                <a16:creationId xmlns:a16="http://schemas.microsoft.com/office/drawing/2014/main" id="{CB51DF87-3726-F520-35D4-05167B3E588E}"/>
+                <a16:creationId xmlns:a16="http://schemas.microsoft.com/office/drawing/2014/main" id="{03397F45-5775-C73D-C811-9087DAE3B7CA}"/>
               </a:ext>
             </a:extLst>
           </p:cNvPr>
@@ -174,7 +174,7 @@
           <p:cNvPr id="3" name="Subtitle 2">
             <a:extLst>
               <a:ext uri="{FF2B5EF4-FFF2-40B4-BE49-F238E27FC236}">
-                <a16:creationId xmlns:a16="http://schemas.microsoft.com/office/drawing/2014/main" id="{E2E16EC4-9DD0-14E8-FD55-8E245864AFDF}"/>
+                <a16:creationId xmlns:a16="http://schemas.microsoft.com/office/drawing/2014/main" id="{60CCF52D-1328-F575-E7F0-DCAA50BB02D0}"/>
               </a:ext>
             </a:extLst>
           </p:cNvPr>
@@ -244,7 +244,7 @@
           <p:cNvPr id="4" name="Date Placeholder 3">
             <a:extLst>
               <a:ext uri="{FF2B5EF4-FFF2-40B4-BE49-F238E27FC236}">
-                <a16:creationId xmlns:a16="http://schemas.microsoft.com/office/drawing/2014/main" id="{F8A3D20F-868A-3EE7-73A9-EFBF92DF0F1D}"/>
+                <a16:creationId xmlns:a16="http://schemas.microsoft.com/office/drawing/2014/main" id="{EF79B3EA-8F17-8351-518D-7D7FC1FF5B0A}"/>
               </a:ext>
             </a:extLst>
           </p:cNvPr>
@@ -260,9 +260,9 @@
           <a:bodyPr/>
           <a:lstStyle/>
           <a:p>
-            <a:fld id="{C4F2B529-FD99-48B2-B369-10511B923552}" type="datetimeFigureOut">
+            <a:fld id="{B9F32098-E3ED-4911-9A3D-141E56B985FD}" type="datetimeFigureOut">
               <a:rPr lang="en-US" smtClean="0"/>
-              <a:t>4/20/2024</a:t>
+              <a:t>5/15/2024</a:t>
             </a:fld>
             <a:endParaRPr lang="en-US"/>
           </a:p>
@@ -273,7 +273,7 @@
           <p:cNvPr id="5" name="Footer Placeholder 4">
             <a:extLst>
               <a:ext uri="{FF2B5EF4-FFF2-40B4-BE49-F238E27FC236}">
-                <a16:creationId xmlns:a16="http://schemas.microsoft.com/office/drawing/2014/main" id="{1CE7214C-1070-2096-5EFF-5D7836DD8446}"/>
+                <a16:creationId xmlns:a16="http://schemas.microsoft.com/office/drawing/2014/main" id="{9A7AD168-84EC-E58E-00E4-6BC6BDD16414}"/>
               </a:ext>
             </a:extLst>
           </p:cNvPr>
@@ -298,7 +298,7 @@
           <p:cNvPr id="6" name="Slide Number Placeholder 5">
             <a:extLst>
               <a:ext uri="{FF2B5EF4-FFF2-40B4-BE49-F238E27FC236}">
-                <a16:creationId xmlns:a16="http://schemas.microsoft.com/office/drawing/2014/main" id="{56B938E5-8E5F-3F87-0D77-1E7991FD4D3C}"/>
+                <a16:creationId xmlns:a16="http://schemas.microsoft.com/office/drawing/2014/main" id="{1FF4C39B-2BCC-76F5-5D0D-0EDEF3496362}"/>
               </a:ext>
             </a:extLst>
           </p:cNvPr>
@@ -314,7 +314,7 @@
           <a:bodyPr/>
           <a:lstStyle/>
           <a:p>
-            <a:fld id="{A7B37220-20B4-4684-87C5-6E6D42F8CE37}" type="slidenum">
+            <a:fld id="{F77C2B26-0A83-4DFD-9490-96B424C98A2C}" type="slidenum">
               <a:rPr lang="en-US" smtClean="0"/>
               <a:t>‹#›</a:t>
             </a:fld>
@@ -325,7 +325,7 @@
     </p:spTree>
     <p:extLst>
       <p:ext uri="{BB962C8B-B14F-4D97-AF65-F5344CB8AC3E}">
-        <p14:creationId xmlns:p14="http://schemas.microsoft.com/office/powerpoint/2010/main" val="1116879121"/>
+        <p14:creationId xmlns:p14="http://schemas.microsoft.com/office/powerpoint/2010/main" val="3806895561"/>
       </p:ext>
     </p:extLst>
   </p:cSld>
@@ -357,7 +357,7 @@
           <p:cNvPr id="2" name="Title 1">
             <a:extLst>
               <a:ext uri="{FF2B5EF4-FFF2-40B4-BE49-F238E27FC236}">
-                <a16:creationId xmlns:a16="http://schemas.microsoft.com/office/drawing/2014/main" id="{06D29D53-3B60-9F48-B8BB-242245D49693}"/>
+                <a16:creationId xmlns:a16="http://schemas.microsoft.com/office/drawing/2014/main" id="{3A498D6E-6E25-ADF8-8CC7-BA41926E7ACB}"/>
               </a:ext>
             </a:extLst>
           </p:cNvPr>
@@ -385,7 +385,7 @@
           <p:cNvPr id="3" name="Vertical Text Placeholder 2">
             <a:extLst>
               <a:ext uri="{FF2B5EF4-FFF2-40B4-BE49-F238E27FC236}">
-                <a16:creationId xmlns:a16="http://schemas.microsoft.com/office/drawing/2014/main" id="{5414594E-30A2-F15B-57F4-C42C16A74028}"/>
+                <a16:creationId xmlns:a16="http://schemas.microsoft.com/office/drawing/2014/main" id="{16E0AC64-AFB4-8C20-7E98-7E1F8B2F241E}"/>
               </a:ext>
             </a:extLst>
           </p:cNvPr>
@@ -442,7 +442,7 @@
           <p:cNvPr id="4" name="Date Placeholder 3">
             <a:extLst>
               <a:ext uri="{FF2B5EF4-FFF2-40B4-BE49-F238E27FC236}">
-                <a16:creationId xmlns:a16="http://schemas.microsoft.com/office/drawing/2014/main" id="{828C5991-78D3-4955-C0AC-5AEAA85AE0E3}"/>
+                <a16:creationId xmlns:a16="http://schemas.microsoft.com/office/drawing/2014/main" id="{9434AC07-0FD5-9CE8-A652-A2F4991D54CF}"/>
               </a:ext>
             </a:extLst>
           </p:cNvPr>
@@ -458,9 +458,9 @@
           <a:bodyPr/>
           <a:lstStyle/>
           <a:p>
-            <a:fld id="{C4F2B529-FD99-48B2-B369-10511B923552}" type="datetimeFigureOut">
+            <a:fld id="{B9F32098-E3ED-4911-9A3D-141E56B985FD}" type="datetimeFigureOut">
               <a:rPr lang="en-US" smtClean="0"/>
-              <a:t>4/20/2024</a:t>
+              <a:t>5/15/2024</a:t>
             </a:fld>
             <a:endParaRPr lang="en-US"/>
           </a:p>
@@ -471,7 +471,7 @@
           <p:cNvPr id="5" name="Footer Placeholder 4">
             <a:extLst>
               <a:ext uri="{FF2B5EF4-FFF2-40B4-BE49-F238E27FC236}">
-                <a16:creationId xmlns:a16="http://schemas.microsoft.com/office/drawing/2014/main" id="{92D2DFF0-8964-FB18-497F-B7B8E1C5773F}"/>
+                <a16:creationId xmlns:a16="http://schemas.microsoft.com/office/drawing/2014/main" id="{DDA74710-9A49-DFB6-2E22-690965069BEC}"/>
               </a:ext>
             </a:extLst>
           </p:cNvPr>
@@ -496,7 +496,7 @@
           <p:cNvPr id="6" name="Slide Number Placeholder 5">
             <a:extLst>
               <a:ext uri="{FF2B5EF4-FFF2-40B4-BE49-F238E27FC236}">
-                <a16:creationId xmlns:a16="http://schemas.microsoft.com/office/drawing/2014/main" id="{C7681ACB-CC8C-D444-E540-474C6146DA87}"/>
+                <a16:creationId xmlns:a16="http://schemas.microsoft.com/office/drawing/2014/main" id="{9F6DA468-1598-DEB9-0292-A032F03FB632}"/>
               </a:ext>
             </a:extLst>
           </p:cNvPr>
@@ -512,7 +512,7 @@
           <a:bodyPr/>
           <a:lstStyle/>
           <a:p>
-            <a:fld id="{A7B37220-20B4-4684-87C5-6E6D42F8CE37}" type="slidenum">
+            <a:fld id="{F77C2B26-0A83-4DFD-9490-96B424C98A2C}" type="slidenum">
               <a:rPr lang="en-US" smtClean="0"/>
               <a:t>‹#›</a:t>
             </a:fld>
@@ -523,7 +523,7 @@
     </p:spTree>
     <p:extLst>
       <p:ext uri="{BB962C8B-B14F-4D97-AF65-F5344CB8AC3E}">
-        <p14:creationId xmlns:p14="http://schemas.microsoft.com/office/powerpoint/2010/main" val="2817486724"/>
+        <p14:creationId xmlns:p14="http://schemas.microsoft.com/office/powerpoint/2010/main" val="1587341623"/>
       </p:ext>
     </p:extLst>
   </p:cSld>
@@ -555,7 +555,7 @@
           <p:cNvPr id="2" name="Vertical Title 1">
             <a:extLst>
               <a:ext uri="{FF2B5EF4-FFF2-40B4-BE49-F238E27FC236}">
-                <a16:creationId xmlns:a16="http://schemas.microsoft.com/office/drawing/2014/main" id="{9E3434FB-4F4E-291D-B212-51008D0DA209}"/>
+                <a16:creationId xmlns:a16="http://schemas.microsoft.com/office/drawing/2014/main" id="{6E2000D1-A441-1ACB-1768-F432CB6BCFCC}"/>
               </a:ext>
             </a:extLst>
           </p:cNvPr>
@@ -588,7 +588,7 @@
           <p:cNvPr id="3" name="Vertical Text Placeholder 2">
             <a:extLst>
               <a:ext uri="{FF2B5EF4-FFF2-40B4-BE49-F238E27FC236}">
-                <a16:creationId xmlns:a16="http://schemas.microsoft.com/office/drawing/2014/main" id="{6C489246-DABF-5E80-4248-82D651F36F49}"/>
+                <a16:creationId xmlns:a16="http://schemas.microsoft.com/office/drawing/2014/main" id="{1CBF4721-446F-5AC6-700E-7962C63F4D78}"/>
               </a:ext>
             </a:extLst>
           </p:cNvPr>
@@ -650,7 +650,7 @@
           <p:cNvPr id="4" name="Date Placeholder 3">
             <a:extLst>
               <a:ext uri="{FF2B5EF4-FFF2-40B4-BE49-F238E27FC236}">
-                <a16:creationId xmlns:a16="http://schemas.microsoft.com/office/drawing/2014/main" id="{3ED97973-F8C7-1782-F641-A19837447A2D}"/>
+                <a16:creationId xmlns:a16="http://schemas.microsoft.com/office/drawing/2014/main" id="{ACEBCED3-A1F0-7D4D-87D4-A47A9EAFEE80}"/>
               </a:ext>
             </a:extLst>
           </p:cNvPr>
@@ -666,9 +666,9 @@
           <a:bodyPr/>
           <a:lstStyle/>
           <a:p>
-            <a:fld id="{C4F2B529-FD99-48B2-B369-10511B923552}" type="datetimeFigureOut">
+            <a:fld id="{B9F32098-E3ED-4911-9A3D-141E56B985FD}" type="datetimeFigureOut">
               <a:rPr lang="en-US" smtClean="0"/>
-              <a:t>4/20/2024</a:t>
+              <a:t>5/15/2024</a:t>
             </a:fld>
             <a:endParaRPr lang="en-US"/>
           </a:p>
@@ -679,7 +679,7 @@
           <p:cNvPr id="5" name="Footer Placeholder 4">
             <a:extLst>
               <a:ext uri="{FF2B5EF4-FFF2-40B4-BE49-F238E27FC236}">
-                <a16:creationId xmlns:a16="http://schemas.microsoft.com/office/drawing/2014/main" id="{2F5E2091-4498-939D-A9B9-42B6FC6021F6}"/>
+                <a16:creationId xmlns:a16="http://schemas.microsoft.com/office/drawing/2014/main" id="{F1A5C362-F761-91FE-829B-4119FB4B1E09}"/>
               </a:ext>
             </a:extLst>
           </p:cNvPr>
@@ -704,7 +704,7 @@
           <p:cNvPr id="6" name="Slide Number Placeholder 5">
             <a:extLst>
               <a:ext uri="{FF2B5EF4-FFF2-40B4-BE49-F238E27FC236}">
-                <a16:creationId xmlns:a16="http://schemas.microsoft.com/office/drawing/2014/main" id="{6087EC5D-2AAF-067E-A616-10A97F87CB94}"/>
+                <a16:creationId xmlns:a16="http://schemas.microsoft.com/office/drawing/2014/main" id="{F7F5B5F8-6683-D5F9-1418-2EFE7AD2E387}"/>
               </a:ext>
             </a:extLst>
           </p:cNvPr>
@@ -720,7 +720,7 @@
           <a:bodyPr/>
           <a:lstStyle/>
           <a:p>
-            <a:fld id="{A7B37220-20B4-4684-87C5-6E6D42F8CE37}" type="slidenum">
+            <a:fld id="{F77C2B26-0A83-4DFD-9490-96B424C98A2C}" type="slidenum">
               <a:rPr lang="en-US" smtClean="0"/>
               <a:t>‹#›</a:t>
             </a:fld>
@@ -731,7 +731,7 @@
     </p:spTree>
     <p:extLst>
       <p:ext uri="{BB962C8B-B14F-4D97-AF65-F5344CB8AC3E}">
-        <p14:creationId xmlns:p14="http://schemas.microsoft.com/office/powerpoint/2010/main" val="1510314005"/>
+        <p14:creationId xmlns:p14="http://schemas.microsoft.com/office/powerpoint/2010/main" val="261504856"/>
       </p:ext>
     </p:extLst>
   </p:cSld>
@@ -763,7 +763,7 @@
           <p:cNvPr id="2" name="Title 1">
             <a:extLst>
               <a:ext uri="{FF2B5EF4-FFF2-40B4-BE49-F238E27FC236}">
-                <a16:creationId xmlns:a16="http://schemas.microsoft.com/office/drawing/2014/main" id="{EF557585-522C-69DB-8DF3-A91988E8FF36}"/>
+                <a16:creationId xmlns:a16="http://schemas.microsoft.com/office/drawing/2014/main" id="{49A6C760-0420-76AD-AB12-A8D2E7CE028E}"/>
               </a:ext>
             </a:extLst>
           </p:cNvPr>
@@ -791,7 +791,7 @@
           <p:cNvPr id="3" name="Content Placeholder 2">
             <a:extLst>
               <a:ext uri="{FF2B5EF4-FFF2-40B4-BE49-F238E27FC236}">
-                <a16:creationId xmlns:a16="http://schemas.microsoft.com/office/drawing/2014/main" id="{602B25E0-4930-E5E6-30D6-0CC1E9577F17}"/>
+                <a16:creationId xmlns:a16="http://schemas.microsoft.com/office/drawing/2014/main" id="{5BB3BFEC-DD74-B2FF-3B7A-2701FC18D8BC}"/>
               </a:ext>
             </a:extLst>
           </p:cNvPr>
@@ -848,7 +848,7 @@
           <p:cNvPr id="4" name="Date Placeholder 3">
             <a:extLst>
               <a:ext uri="{FF2B5EF4-FFF2-40B4-BE49-F238E27FC236}">
-                <a16:creationId xmlns:a16="http://schemas.microsoft.com/office/drawing/2014/main" id="{565CF610-21C3-FE9F-0CE6-6C5C106B2945}"/>
+                <a16:creationId xmlns:a16="http://schemas.microsoft.com/office/drawing/2014/main" id="{A155DCC0-005D-3B03-2FAF-342702A90D60}"/>
               </a:ext>
             </a:extLst>
           </p:cNvPr>
@@ -864,9 +864,9 @@
           <a:bodyPr/>
           <a:lstStyle/>
           <a:p>
-            <a:fld id="{C4F2B529-FD99-48B2-B369-10511B923552}" type="datetimeFigureOut">
+            <a:fld id="{B9F32098-E3ED-4911-9A3D-141E56B985FD}" type="datetimeFigureOut">
               <a:rPr lang="en-US" smtClean="0"/>
-              <a:t>4/20/2024</a:t>
+              <a:t>5/15/2024</a:t>
             </a:fld>
             <a:endParaRPr lang="en-US"/>
           </a:p>
@@ -877,7 +877,7 @@
           <p:cNvPr id="5" name="Footer Placeholder 4">
             <a:extLst>
               <a:ext uri="{FF2B5EF4-FFF2-40B4-BE49-F238E27FC236}">
-                <a16:creationId xmlns:a16="http://schemas.microsoft.com/office/drawing/2014/main" id="{934D719B-A4B2-69F3-E3BB-5E629FF5288A}"/>
+                <a16:creationId xmlns:a16="http://schemas.microsoft.com/office/drawing/2014/main" id="{DADB2482-71D8-D238-B070-DF53828C0032}"/>
               </a:ext>
             </a:extLst>
           </p:cNvPr>
@@ -902,7 +902,7 @@
           <p:cNvPr id="6" name="Slide Number Placeholder 5">
             <a:extLst>
               <a:ext uri="{FF2B5EF4-FFF2-40B4-BE49-F238E27FC236}">
-                <a16:creationId xmlns:a16="http://schemas.microsoft.com/office/drawing/2014/main" id="{86C80EB6-7147-1AC4-3AED-4EB9C4D2A8DC}"/>
+                <a16:creationId xmlns:a16="http://schemas.microsoft.com/office/drawing/2014/main" id="{6BCF0270-7927-6DBD-4ED8-5149D0D3344D}"/>
               </a:ext>
             </a:extLst>
           </p:cNvPr>
@@ -918,7 +918,7 @@
           <a:bodyPr/>
           <a:lstStyle/>
           <a:p>
-            <a:fld id="{A7B37220-20B4-4684-87C5-6E6D42F8CE37}" type="slidenum">
+            <a:fld id="{F77C2B26-0A83-4DFD-9490-96B424C98A2C}" type="slidenum">
               <a:rPr lang="en-US" smtClean="0"/>
               <a:t>‹#›</a:t>
             </a:fld>
@@ -929,7 +929,7 @@
     </p:spTree>
     <p:extLst>
       <p:ext uri="{BB962C8B-B14F-4D97-AF65-F5344CB8AC3E}">
-        <p14:creationId xmlns:p14="http://schemas.microsoft.com/office/powerpoint/2010/main" val="3011611833"/>
+        <p14:creationId xmlns:p14="http://schemas.microsoft.com/office/powerpoint/2010/main" val="75556032"/>
       </p:ext>
     </p:extLst>
   </p:cSld>
@@ -961,7 +961,7 @@
           <p:cNvPr id="2" name="Title 1">
             <a:extLst>
               <a:ext uri="{FF2B5EF4-FFF2-40B4-BE49-F238E27FC236}">
-                <a16:creationId xmlns:a16="http://schemas.microsoft.com/office/drawing/2014/main" id="{5C080B08-3E38-8DC5-AC67-86D2305AC77F}"/>
+                <a16:creationId xmlns:a16="http://schemas.microsoft.com/office/drawing/2014/main" id="{4EB604A3-2C7D-0FDC-493E-47FBDB068A71}"/>
               </a:ext>
             </a:extLst>
           </p:cNvPr>
@@ -998,7 +998,7 @@
           <p:cNvPr id="3" name="Text Placeholder 2">
             <a:extLst>
               <a:ext uri="{FF2B5EF4-FFF2-40B4-BE49-F238E27FC236}">
-                <a16:creationId xmlns:a16="http://schemas.microsoft.com/office/drawing/2014/main" id="{0012B999-341B-7210-C17A-F716ACFACAE1}"/>
+                <a16:creationId xmlns:a16="http://schemas.microsoft.com/office/drawing/2014/main" id="{4E9EB74C-8AE5-B269-19A6-0DFD687AB0C1}"/>
               </a:ext>
             </a:extLst>
           </p:cNvPr>
@@ -1123,7 +1123,7 @@
           <p:cNvPr id="4" name="Date Placeholder 3">
             <a:extLst>
               <a:ext uri="{FF2B5EF4-FFF2-40B4-BE49-F238E27FC236}">
-                <a16:creationId xmlns:a16="http://schemas.microsoft.com/office/drawing/2014/main" id="{CF5AFF85-A4B5-DBA0-AB66-F6F4450201B5}"/>
+                <a16:creationId xmlns:a16="http://schemas.microsoft.com/office/drawing/2014/main" id="{5BB5171E-0FB8-B47D-56C4-5B477FA89DF1}"/>
               </a:ext>
             </a:extLst>
           </p:cNvPr>
@@ -1139,9 +1139,9 @@
           <a:bodyPr/>
           <a:lstStyle/>
           <a:p>
-            <a:fld id="{C4F2B529-FD99-48B2-B369-10511B923552}" type="datetimeFigureOut">
+            <a:fld id="{B9F32098-E3ED-4911-9A3D-141E56B985FD}" type="datetimeFigureOut">
               <a:rPr lang="en-US" smtClean="0"/>
-              <a:t>4/20/2024</a:t>
+              <a:t>5/15/2024</a:t>
             </a:fld>
             <a:endParaRPr lang="en-US"/>
           </a:p>
@@ -1152,7 +1152,7 @@
           <p:cNvPr id="5" name="Footer Placeholder 4">
             <a:extLst>
               <a:ext uri="{FF2B5EF4-FFF2-40B4-BE49-F238E27FC236}">
-                <a16:creationId xmlns:a16="http://schemas.microsoft.com/office/drawing/2014/main" id="{EC6B2709-8AE7-F0A3-7F0E-2A4822210E77}"/>
+                <a16:creationId xmlns:a16="http://schemas.microsoft.com/office/drawing/2014/main" id="{E225DC66-2615-2AED-5916-F82E90C1C122}"/>
               </a:ext>
             </a:extLst>
           </p:cNvPr>
@@ -1177,7 +1177,7 @@
           <p:cNvPr id="6" name="Slide Number Placeholder 5">
             <a:extLst>
               <a:ext uri="{FF2B5EF4-FFF2-40B4-BE49-F238E27FC236}">
-                <a16:creationId xmlns:a16="http://schemas.microsoft.com/office/drawing/2014/main" id="{EB6B7E43-83FE-77A9-8420-93E5218B1C60}"/>
+                <a16:creationId xmlns:a16="http://schemas.microsoft.com/office/drawing/2014/main" id="{1D063FB2-E39E-4732-1A66-841F4CE705B7}"/>
               </a:ext>
             </a:extLst>
           </p:cNvPr>
@@ -1193,7 +1193,7 @@
           <a:bodyPr/>
           <a:lstStyle/>
           <a:p>
-            <a:fld id="{A7B37220-20B4-4684-87C5-6E6D42F8CE37}" type="slidenum">
+            <a:fld id="{F77C2B26-0A83-4DFD-9490-96B424C98A2C}" type="slidenum">
               <a:rPr lang="en-US" smtClean="0"/>
               <a:t>‹#›</a:t>
             </a:fld>
@@ -1204,7 +1204,7 @@
     </p:spTree>
     <p:extLst>
       <p:ext uri="{BB962C8B-B14F-4D97-AF65-F5344CB8AC3E}">
-        <p14:creationId xmlns:p14="http://schemas.microsoft.com/office/powerpoint/2010/main" val="91703225"/>
+        <p14:creationId xmlns:p14="http://schemas.microsoft.com/office/powerpoint/2010/main" val="3945712920"/>
       </p:ext>
     </p:extLst>
   </p:cSld>
@@ -1236,7 +1236,7 @@
           <p:cNvPr id="2" name="Title 1">
             <a:extLst>
               <a:ext uri="{FF2B5EF4-FFF2-40B4-BE49-F238E27FC236}">
-                <a16:creationId xmlns:a16="http://schemas.microsoft.com/office/drawing/2014/main" id="{91470D46-AF88-8861-BF60-67294795E235}"/>
+                <a16:creationId xmlns:a16="http://schemas.microsoft.com/office/drawing/2014/main" id="{BC664871-5BAB-5E01-AA3D-BE8D74AEA123}"/>
               </a:ext>
             </a:extLst>
           </p:cNvPr>
@@ -1264,7 +1264,7 @@
           <p:cNvPr id="3" name="Content Placeholder 2">
             <a:extLst>
               <a:ext uri="{FF2B5EF4-FFF2-40B4-BE49-F238E27FC236}">
-                <a16:creationId xmlns:a16="http://schemas.microsoft.com/office/drawing/2014/main" id="{68A3BE23-FB90-E21B-FA28-E36F820744A7}"/>
+                <a16:creationId xmlns:a16="http://schemas.microsoft.com/office/drawing/2014/main" id="{ACEBB760-A228-4F32-DD25-D9DFE09C06E1}"/>
               </a:ext>
             </a:extLst>
           </p:cNvPr>
@@ -1326,7 +1326,7 @@
           <p:cNvPr id="4" name="Content Placeholder 3">
             <a:extLst>
               <a:ext uri="{FF2B5EF4-FFF2-40B4-BE49-F238E27FC236}">
-                <a16:creationId xmlns:a16="http://schemas.microsoft.com/office/drawing/2014/main" id="{FDE8846E-3A89-2512-525E-E10E0CE35FA4}"/>
+                <a16:creationId xmlns:a16="http://schemas.microsoft.com/office/drawing/2014/main" id="{355138C5-3B74-188A-C459-9188EC42FDB0}"/>
               </a:ext>
             </a:extLst>
           </p:cNvPr>
@@ -1388,7 +1388,7 @@
           <p:cNvPr id="5" name="Date Placeholder 4">
             <a:extLst>
               <a:ext uri="{FF2B5EF4-FFF2-40B4-BE49-F238E27FC236}">
-                <a16:creationId xmlns:a16="http://schemas.microsoft.com/office/drawing/2014/main" id="{EEAD02C3-230D-AEFE-4E7E-388E8C8B07A0}"/>
+                <a16:creationId xmlns:a16="http://schemas.microsoft.com/office/drawing/2014/main" id="{2DA90948-F9F6-575C-4713-ADD64BE7402F}"/>
               </a:ext>
             </a:extLst>
           </p:cNvPr>
@@ -1404,9 +1404,9 @@
           <a:bodyPr/>
           <a:lstStyle/>
           <a:p>
-            <a:fld id="{C4F2B529-FD99-48B2-B369-10511B923552}" type="datetimeFigureOut">
+            <a:fld id="{B9F32098-E3ED-4911-9A3D-141E56B985FD}" type="datetimeFigureOut">
               <a:rPr lang="en-US" smtClean="0"/>
-              <a:t>4/20/2024</a:t>
+              <a:t>5/15/2024</a:t>
             </a:fld>
             <a:endParaRPr lang="en-US"/>
           </a:p>
@@ -1417,7 +1417,7 @@
           <p:cNvPr id="6" name="Footer Placeholder 5">
             <a:extLst>
               <a:ext uri="{FF2B5EF4-FFF2-40B4-BE49-F238E27FC236}">
-                <a16:creationId xmlns:a16="http://schemas.microsoft.com/office/drawing/2014/main" id="{1C72E96D-C3F1-630C-0274-344F9E08EC6D}"/>
+                <a16:creationId xmlns:a16="http://schemas.microsoft.com/office/drawing/2014/main" id="{AFA703F8-19BC-1A4D-4E3F-F259AB466AB8}"/>
               </a:ext>
             </a:extLst>
           </p:cNvPr>
@@ -1442,7 +1442,7 @@
           <p:cNvPr id="7" name="Slide Number Placeholder 6">
             <a:extLst>
               <a:ext uri="{FF2B5EF4-FFF2-40B4-BE49-F238E27FC236}">
-                <a16:creationId xmlns:a16="http://schemas.microsoft.com/office/drawing/2014/main" id="{2B448F52-B283-65FD-7C83-B0E8A63DC372}"/>
+                <a16:creationId xmlns:a16="http://schemas.microsoft.com/office/drawing/2014/main" id="{3BC8A42F-DACC-9C68-9112-AFC6AEBB6829}"/>
               </a:ext>
             </a:extLst>
           </p:cNvPr>
@@ -1458,7 +1458,7 @@
           <a:bodyPr/>
           <a:lstStyle/>
           <a:p>
-            <a:fld id="{A7B37220-20B4-4684-87C5-6E6D42F8CE37}" type="slidenum">
+            <a:fld id="{F77C2B26-0A83-4DFD-9490-96B424C98A2C}" type="slidenum">
               <a:rPr lang="en-US" smtClean="0"/>
               <a:t>‹#›</a:t>
             </a:fld>
@@ -1469,7 +1469,7 @@
     </p:spTree>
     <p:extLst>
       <p:ext uri="{BB962C8B-B14F-4D97-AF65-F5344CB8AC3E}">
-        <p14:creationId xmlns:p14="http://schemas.microsoft.com/office/powerpoint/2010/main" val="1789431675"/>
+        <p14:creationId xmlns:p14="http://schemas.microsoft.com/office/powerpoint/2010/main" val="4174372235"/>
       </p:ext>
     </p:extLst>
   </p:cSld>
@@ -1501,7 +1501,7 @@
           <p:cNvPr id="2" name="Title 1">
             <a:extLst>
               <a:ext uri="{FF2B5EF4-FFF2-40B4-BE49-F238E27FC236}">
-                <a16:creationId xmlns:a16="http://schemas.microsoft.com/office/drawing/2014/main" id="{A1528794-4C51-EA16-DB67-B67B34ACDAC4}"/>
+                <a16:creationId xmlns:a16="http://schemas.microsoft.com/office/drawing/2014/main" id="{A10DC63F-ADD6-D24E-B0D2-708D048B02EC}"/>
               </a:ext>
             </a:extLst>
           </p:cNvPr>
@@ -1534,7 +1534,7 @@
           <p:cNvPr id="3" name="Text Placeholder 2">
             <a:extLst>
               <a:ext uri="{FF2B5EF4-FFF2-40B4-BE49-F238E27FC236}">
-                <a16:creationId xmlns:a16="http://schemas.microsoft.com/office/drawing/2014/main" id="{A9DB4F63-1B37-FCC2-A720-5CE05C89A094}"/>
+                <a16:creationId xmlns:a16="http://schemas.microsoft.com/office/drawing/2014/main" id="{F5015DB4-D6DA-2A54-7B45-93EC73FBABB2}"/>
               </a:ext>
             </a:extLst>
           </p:cNvPr>
@@ -1605,7 +1605,7 @@
           <p:cNvPr id="4" name="Content Placeholder 3">
             <a:extLst>
               <a:ext uri="{FF2B5EF4-FFF2-40B4-BE49-F238E27FC236}">
-                <a16:creationId xmlns:a16="http://schemas.microsoft.com/office/drawing/2014/main" id="{3F5D3751-E3BA-5C6B-DD42-3AF2464AE7DF}"/>
+                <a16:creationId xmlns:a16="http://schemas.microsoft.com/office/drawing/2014/main" id="{4134F158-BA75-3936-9CFE-DB8196687316}"/>
               </a:ext>
             </a:extLst>
           </p:cNvPr>
@@ -1667,7 +1667,7 @@
           <p:cNvPr id="5" name="Text Placeholder 4">
             <a:extLst>
               <a:ext uri="{FF2B5EF4-FFF2-40B4-BE49-F238E27FC236}">
-                <a16:creationId xmlns:a16="http://schemas.microsoft.com/office/drawing/2014/main" id="{BE7C6527-6333-8527-0EF3-B4AC19DABF85}"/>
+                <a16:creationId xmlns:a16="http://schemas.microsoft.com/office/drawing/2014/main" id="{EBD5B394-7312-4BC2-F163-D8AE41CF72FC}"/>
               </a:ext>
             </a:extLst>
           </p:cNvPr>
@@ -1738,7 +1738,7 @@
           <p:cNvPr id="6" name="Content Placeholder 5">
             <a:extLst>
               <a:ext uri="{FF2B5EF4-FFF2-40B4-BE49-F238E27FC236}">
-                <a16:creationId xmlns:a16="http://schemas.microsoft.com/office/drawing/2014/main" id="{2EFF4AC3-21F3-0389-1319-63EA251F183A}"/>
+                <a16:creationId xmlns:a16="http://schemas.microsoft.com/office/drawing/2014/main" id="{F8E7302D-4056-79FF-96AB-00E1A68E1ED4}"/>
               </a:ext>
             </a:extLst>
           </p:cNvPr>
@@ -1800,7 +1800,7 @@
           <p:cNvPr id="7" name="Date Placeholder 6">
             <a:extLst>
               <a:ext uri="{FF2B5EF4-FFF2-40B4-BE49-F238E27FC236}">
-                <a16:creationId xmlns:a16="http://schemas.microsoft.com/office/drawing/2014/main" id="{5DD303C2-ADC7-C6EF-88CF-CCAF9B42C0FC}"/>
+                <a16:creationId xmlns:a16="http://schemas.microsoft.com/office/drawing/2014/main" id="{113E12FA-0B13-414D-F560-94E1A09E1AED}"/>
               </a:ext>
             </a:extLst>
           </p:cNvPr>
@@ -1816,9 +1816,9 @@
           <a:bodyPr/>
           <a:lstStyle/>
           <a:p>
-            <a:fld id="{C4F2B529-FD99-48B2-B369-10511B923552}" type="datetimeFigureOut">
+            <a:fld id="{B9F32098-E3ED-4911-9A3D-141E56B985FD}" type="datetimeFigureOut">
               <a:rPr lang="en-US" smtClean="0"/>
-              <a:t>4/20/2024</a:t>
+              <a:t>5/15/2024</a:t>
             </a:fld>
             <a:endParaRPr lang="en-US"/>
           </a:p>
@@ -1829,7 +1829,7 @@
           <p:cNvPr id="8" name="Footer Placeholder 7">
             <a:extLst>
               <a:ext uri="{FF2B5EF4-FFF2-40B4-BE49-F238E27FC236}">
-                <a16:creationId xmlns:a16="http://schemas.microsoft.com/office/drawing/2014/main" id="{140EE6B4-9A06-8717-E5A8-7A3D4F9D2B11}"/>
+                <a16:creationId xmlns:a16="http://schemas.microsoft.com/office/drawing/2014/main" id="{CC281144-69EB-A61C-B969-4ADC5753400E}"/>
               </a:ext>
             </a:extLst>
           </p:cNvPr>
@@ -1854,7 +1854,7 @@
           <p:cNvPr id="9" name="Slide Number Placeholder 8">
             <a:extLst>
               <a:ext uri="{FF2B5EF4-FFF2-40B4-BE49-F238E27FC236}">
-                <a16:creationId xmlns:a16="http://schemas.microsoft.com/office/drawing/2014/main" id="{C43D1871-9BF6-C79F-8346-E66462E1FEEE}"/>
+                <a16:creationId xmlns:a16="http://schemas.microsoft.com/office/drawing/2014/main" id="{21B4AA77-00C2-18ED-CF91-2F7C5C0DF6F2}"/>
               </a:ext>
             </a:extLst>
           </p:cNvPr>
@@ -1870,7 +1870,7 @@
           <a:bodyPr/>
           <a:lstStyle/>
           <a:p>
-            <a:fld id="{A7B37220-20B4-4684-87C5-6E6D42F8CE37}" type="slidenum">
+            <a:fld id="{F77C2B26-0A83-4DFD-9490-96B424C98A2C}" type="slidenum">
               <a:rPr lang="en-US" smtClean="0"/>
               <a:t>‹#›</a:t>
             </a:fld>
@@ -1881,7 +1881,7 @@
     </p:spTree>
     <p:extLst>
       <p:ext uri="{BB962C8B-B14F-4D97-AF65-F5344CB8AC3E}">
-        <p14:creationId xmlns:p14="http://schemas.microsoft.com/office/powerpoint/2010/main" val="1844786162"/>
+        <p14:creationId xmlns:p14="http://schemas.microsoft.com/office/powerpoint/2010/main" val="2296739291"/>
       </p:ext>
     </p:extLst>
   </p:cSld>
@@ -1913,7 +1913,7 @@
           <p:cNvPr id="2" name="Title 1">
             <a:extLst>
               <a:ext uri="{FF2B5EF4-FFF2-40B4-BE49-F238E27FC236}">
-                <a16:creationId xmlns:a16="http://schemas.microsoft.com/office/drawing/2014/main" id="{D253CB60-11D7-98CC-253D-74790DEB14AE}"/>
+                <a16:creationId xmlns:a16="http://schemas.microsoft.com/office/drawing/2014/main" id="{39B53271-96BB-8F55-1F59-43556DAD62DB}"/>
               </a:ext>
             </a:extLst>
           </p:cNvPr>
@@ -1941,7 +1941,7 @@
           <p:cNvPr id="3" name="Date Placeholder 2">
             <a:extLst>
               <a:ext uri="{FF2B5EF4-FFF2-40B4-BE49-F238E27FC236}">
-                <a16:creationId xmlns:a16="http://schemas.microsoft.com/office/drawing/2014/main" id="{1DBEFD5B-D487-3B8F-AD43-73413A99DF21}"/>
+                <a16:creationId xmlns:a16="http://schemas.microsoft.com/office/drawing/2014/main" id="{F3EBD5BC-2DB0-98A5-6FEA-0576ED316DA6}"/>
               </a:ext>
             </a:extLst>
           </p:cNvPr>
@@ -1957,9 +1957,9 @@
           <a:bodyPr/>
           <a:lstStyle/>
           <a:p>
-            <a:fld id="{C4F2B529-FD99-48B2-B369-10511B923552}" type="datetimeFigureOut">
+            <a:fld id="{B9F32098-E3ED-4911-9A3D-141E56B985FD}" type="datetimeFigureOut">
               <a:rPr lang="en-US" smtClean="0"/>
-              <a:t>4/20/2024</a:t>
+              <a:t>5/15/2024</a:t>
             </a:fld>
             <a:endParaRPr lang="en-US"/>
           </a:p>
@@ -1970,7 +1970,7 @@
           <p:cNvPr id="4" name="Footer Placeholder 3">
             <a:extLst>
               <a:ext uri="{FF2B5EF4-FFF2-40B4-BE49-F238E27FC236}">
-                <a16:creationId xmlns:a16="http://schemas.microsoft.com/office/drawing/2014/main" id="{4459A643-7105-B5D1-C0EB-F94239F5582E}"/>
+                <a16:creationId xmlns:a16="http://schemas.microsoft.com/office/drawing/2014/main" id="{EDC5B220-E47A-9970-4F2D-D89A95F46BE9}"/>
               </a:ext>
             </a:extLst>
           </p:cNvPr>
@@ -1995,7 +1995,7 @@
           <p:cNvPr id="5" name="Slide Number Placeholder 4">
             <a:extLst>
               <a:ext uri="{FF2B5EF4-FFF2-40B4-BE49-F238E27FC236}">
-                <a16:creationId xmlns:a16="http://schemas.microsoft.com/office/drawing/2014/main" id="{F571F02D-97FA-BAB4-12FC-542FBA68150F}"/>
+                <a16:creationId xmlns:a16="http://schemas.microsoft.com/office/drawing/2014/main" id="{7D24AB3D-E347-9FD0-FDE3-4F892EB8D076}"/>
               </a:ext>
             </a:extLst>
           </p:cNvPr>
@@ -2011,7 +2011,7 @@
           <a:bodyPr/>
           <a:lstStyle/>
           <a:p>
-            <a:fld id="{A7B37220-20B4-4684-87C5-6E6D42F8CE37}" type="slidenum">
+            <a:fld id="{F77C2B26-0A83-4DFD-9490-96B424C98A2C}" type="slidenum">
               <a:rPr lang="en-US" smtClean="0"/>
               <a:t>‹#›</a:t>
             </a:fld>
@@ -2022,7 +2022,7 @@
     </p:spTree>
     <p:extLst>
       <p:ext uri="{BB962C8B-B14F-4D97-AF65-F5344CB8AC3E}">
-        <p14:creationId xmlns:p14="http://schemas.microsoft.com/office/powerpoint/2010/main" val="2212098437"/>
+        <p14:creationId xmlns:p14="http://schemas.microsoft.com/office/powerpoint/2010/main" val="3354592520"/>
       </p:ext>
     </p:extLst>
   </p:cSld>
@@ -2054,7 +2054,7 @@
           <p:cNvPr id="2" name="Date Placeholder 1">
             <a:extLst>
               <a:ext uri="{FF2B5EF4-FFF2-40B4-BE49-F238E27FC236}">
-                <a16:creationId xmlns:a16="http://schemas.microsoft.com/office/drawing/2014/main" id="{3277F963-1FF7-48AB-2155-4619A55D315D}"/>
+                <a16:creationId xmlns:a16="http://schemas.microsoft.com/office/drawing/2014/main" id="{9F08DDBB-27AE-0CF7-C051-965F24D07707}"/>
               </a:ext>
             </a:extLst>
           </p:cNvPr>
@@ -2070,9 +2070,9 @@
           <a:bodyPr/>
           <a:lstStyle/>
           <a:p>
-            <a:fld id="{C4F2B529-FD99-48B2-B369-10511B923552}" type="datetimeFigureOut">
+            <a:fld id="{B9F32098-E3ED-4911-9A3D-141E56B985FD}" type="datetimeFigureOut">
               <a:rPr lang="en-US" smtClean="0"/>
-              <a:t>4/20/2024</a:t>
+              <a:t>5/15/2024</a:t>
             </a:fld>
             <a:endParaRPr lang="en-US"/>
           </a:p>
@@ -2083,7 +2083,7 @@
           <p:cNvPr id="3" name="Footer Placeholder 2">
             <a:extLst>
               <a:ext uri="{FF2B5EF4-FFF2-40B4-BE49-F238E27FC236}">
-                <a16:creationId xmlns:a16="http://schemas.microsoft.com/office/drawing/2014/main" id="{211A5C00-0A58-A7D6-59F5-0673F7B9F0C0}"/>
+                <a16:creationId xmlns:a16="http://schemas.microsoft.com/office/drawing/2014/main" id="{DB83124B-27F6-CB49-2B7E-DEF061109B93}"/>
               </a:ext>
             </a:extLst>
           </p:cNvPr>
@@ -2108,7 +2108,7 @@
           <p:cNvPr id="4" name="Slide Number Placeholder 3">
             <a:extLst>
               <a:ext uri="{FF2B5EF4-FFF2-40B4-BE49-F238E27FC236}">
-                <a16:creationId xmlns:a16="http://schemas.microsoft.com/office/drawing/2014/main" id="{17113192-9988-BDDD-354B-FC889F6989C4}"/>
+                <a16:creationId xmlns:a16="http://schemas.microsoft.com/office/drawing/2014/main" id="{D81B46F2-1C8F-52FD-3B65-56E6F0984A5C}"/>
               </a:ext>
             </a:extLst>
           </p:cNvPr>
@@ -2124,7 +2124,7 @@
           <a:bodyPr/>
           <a:lstStyle/>
           <a:p>
-            <a:fld id="{A7B37220-20B4-4684-87C5-6E6D42F8CE37}" type="slidenum">
+            <a:fld id="{F77C2B26-0A83-4DFD-9490-96B424C98A2C}" type="slidenum">
               <a:rPr lang="en-US" smtClean="0"/>
               <a:t>‹#›</a:t>
             </a:fld>
@@ -2135,7 +2135,7 @@
     </p:spTree>
     <p:extLst>
       <p:ext uri="{BB962C8B-B14F-4D97-AF65-F5344CB8AC3E}">
-        <p14:creationId xmlns:p14="http://schemas.microsoft.com/office/powerpoint/2010/main" val="4182169471"/>
+        <p14:creationId xmlns:p14="http://schemas.microsoft.com/office/powerpoint/2010/main" val="3628527510"/>
       </p:ext>
     </p:extLst>
   </p:cSld>
@@ -2167,7 +2167,7 @@
           <p:cNvPr id="2" name="Title 1">
             <a:extLst>
               <a:ext uri="{FF2B5EF4-FFF2-40B4-BE49-F238E27FC236}">
-                <a16:creationId xmlns:a16="http://schemas.microsoft.com/office/drawing/2014/main" id="{5E6097F7-E79B-D48E-8368-C2FDBBE65739}"/>
+                <a16:creationId xmlns:a16="http://schemas.microsoft.com/office/drawing/2014/main" id="{6360C516-F34B-C010-BF7C-AB2410D06116}"/>
               </a:ext>
             </a:extLst>
           </p:cNvPr>
@@ -2204,7 +2204,7 @@
           <p:cNvPr id="3" name="Content Placeholder 2">
             <a:extLst>
               <a:ext uri="{FF2B5EF4-FFF2-40B4-BE49-F238E27FC236}">
-                <a16:creationId xmlns:a16="http://schemas.microsoft.com/office/drawing/2014/main" id="{C070BF77-5823-57CA-EE23-25160D3480DD}"/>
+                <a16:creationId xmlns:a16="http://schemas.microsoft.com/office/drawing/2014/main" id="{FEE37444-BF17-6EBB-2D47-AC078CB884AD}"/>
               </a:ext>
             </a:extLst>
           </p:cNvPr>
@@ -2294,7 +2294,7 @@
           <p:cNvPr id="4" name="Text Placeholder 3">
             <a:extLst>
               <a:ext uri="{FF2B5EF4-FFF2-40B4-BE49-F238E27FC236}">
-                <a16:creationId xmlns:a16="http://schemas.microsoft.com/office/drawing/2014/main" id="{2F1DEE6C-37DF-F1E5-E60F-F82827EA4C56}"/>
+                <a16:creationId xmlns:a16="http://schemas.microsoft.com/office/drawing/2014/main" id="{D4281B76-4318-D3A1-7BC0-2E25CED248F0}"/>
               </a:ext>
             </a:extLst>
           </p:cNvPr>
@@ -2365,7 +2365,7 @@
           <p:cNvPr id="5" name="Date Placeholder 4">
             <a:extLst>
               <a:ext uri="{FF2B5EF4-FFF2-40B4-BE49-F238E27FC236}">
-                <a16:creationId xmlns:a16="http://schemas.microsoft.com/office/drawing/2014/main" id="{19C8B28E-F0BA-096C-9E95-A1F421EC394E}"/>
+                <a16:creationId xmlns:a16="http://schemas.microsoft.com/office/drawing/2014/main" id="{A8D66DE9-F215-98B5-6582-D9E543966CC6}"/>
               </a:ext>
             </a:extLst>
           </p:cNvPr>
@@ -2381,9 +2381,9 @@
           <a:bodyPr/>
           <a:lstStyle/>
           <a:p>
-            <a:fld id="{C4F2B529-FD99-48B2-B369-10511B923552}" type="datetimeFigureOut">
+            <a:fld id="{B9F32098-E3ED-4911-9A3D-141E56B985FD}" type="datetimeFigureOut">
               <a:rPr lang="en-US" smtClean="0"/>
-              <a:t>4/20/2024</a:t>
+              <a:t>5/15/2024</a:t>
             </a:fld>
             <a:endParaRPr lang="en-US"/>
           </a:p>
@@ -2394,7 +2394,7 @@
           <p:cNvPr id="6" name="Footer Placeholder 5">
             <a:extLst>
               <a:ext uri="{FF2B5EF4-FFF2-40B4-BE49-F238E27FC236}">
-                <a16:creationId xmlns:a16="http://schemas.microsoft.com/office/drawing/2014/main" id="{BFFD4952-78D6-0BCA-FEF6-A673D0DC3403}"/>
+                <a16:creationId xmlns:a16="http://schemas.microsoft.com/office/drawing/2014/main" id="{5DBEC1B4-274E-8D87-1686-3B9A15F807CF}"/>
               </a:ext>
             </a:extLst>
           </p:cNvPr>
@@ -2419,7 +2419,7 @@
           <p:cNvPr id="7" name="Slide Number Placeholder 6">
             <a:extLst>
               <a:ext uri="{FF2B5EF4-FFF2-40B4-BE49-F238E27FC236}">
-                <a16:creationId xmlns:a16="http://schemas.microsoft.com/office/drawing/2014/main" id="{0CC193A1-23A5-6825-5953-24232F847523}"/>
+                <a16:creationId xmlns:a16="http://schemas.microsoft.com/office/drawing/2014/main" id="{772B024B-C5F5-ABD4-24BC-891E6F3A91A3}"/>
               </a:ext>
             </a:extLst>
           </p:cNvPr>
@@ -2435,7 +2435,7 @@
           <a:bodyPr/>
           <a:lstStyle/>
           <a:p>
-            <a:fld id="{A7B37220-20B4-4684-87C5-6E6D42F8CE37}" type="slidenum">
+            <a:fld id="{F77C2B26-0A83-4DFD-9490-96B424C98A2C}" type="slidenum">
               <a:rPr lang="en-US" smtClean="0"/>
               <a:t>‹#›</a:t>
             </a:fld>
@@ -2446,7 +2446,7 @@
     </p:spTree>
     <p:extLst>
       <p:ext uri="{BB962C8B-B14F-4D97-AF65-F5344CB8AC3E}">
-        <p14:creationId xmlns:p14="http://schemas.microsoft.com/office/powerpoint/2010/main" val="447483259"/>
+        <p14:creationId xmlns:p14="http://schemas.microsoft.com/office/powerpoint/2010/main" val="1670988020"/>
       </p:ext>
     </p:extLst>
   </p:cSld>
@@ -2478,7 +2478,7 @@
           <p:cNvPr id="2" name="Title 1">
             <a:extLst>
               <a:ext uri="{FF2B5EF4-FFF2-40B4-BE49-F238E27FC236}">
-                <a16:creationId xmlns:a16="http://schemas.microsoft.com/office/drawing/2014/main" id="{6DEE3A0C-E00E-BF79-4254-AE40B4CC0B65}"/>
+                <a16:creationId xmlns:a16="http://schemas.microsoft.com/office/drawing/2014/main" id="{07E6FDC1-E699-C775-893B-DED6449E18D1}"/>
               </a:ext>
             </a:extLst>
           </p:cNvPr>
@@ -2515,7 +2515,7 @@
           <p:cNvPr id="3" name="Picture Placeholder 2">
             <a:extLst>
               <a:ext uri="{FF2B5EF4-FFF2-40B4-BE49-F238E27FC236}">
-                <a16:creationId xmlns:a16="http://schemas.microsoft.com/office/drawing/2014/main" id="{49D1E6AF-E420-7E4D-F288-564738AE89C8}"/>
+                <a16:creationId xmlns:a16="http://schemas.microsoft.com/office/drawing/2014/main" id="{8DDA9969-7694-4885-6620-FE7E3593D0FD}"/>
               </a:ext>
             </a:extLst>
           </p:cNvPr>
@@ -2582,7 +2582,7 @@
           <p:cNvPr id="4" name="Text Placeholder 3">
             <a:extLst>
               <a:ext uri="{FF2B5EF4-FFF2-40B4-BE49-F238E27FC236}">
-                <a16:creationId xmlns:a16="http://schemas.microsoft.com/office/drawing/2014/main" id="{9104D130-A13E-049B-6093-4BC964C337A4}"/>
+                <a16:creationId xmlns:a16="http://schemas.microsoft.com/office/drawing/2014/main" id="{7BFE2D04-91D7-C4C9-F29A-17405A3CBF6A}"/>
               </a:ext>
             </a:extLst>
           </p:cNvPr>
@@ -2653,7 +2653,7 @@
           <p:cNvPr id="5" name="Date Placeholder 4">
             <a:extLst>
               <a:ext uri="{FF2B5EF4-FFF2-40B4-BE49-F238E27FC236}">
-                <a16:creationId xmlns:a16="http://schemas.microsoft.com/office/drawing/2014/main" id="{E143D8C6-81D5-DD35-20DE-80ED31AC32E6}"/>
+                <a16:creationId xmlns:a16="http://schemas.microsoft.com/office/drawing/2014/main" id="{4709FB35-CCED-250B-740C-FE27084E137B}"/>
               </a:ext>
             </a:extLst>
           </p:cNvPr>
@@ -2669,9 +2669,9 @@
           <a:bodyPr/>
           <a:lstStyle/>
           <a:p>
-            <a:fld id="{C4F2B529-FD99-48B2-B369-10511B923552}" type="datetimeFigureOut">
+            <a:fld id="{B9F32098-E3ED-4911-9A3D-141E56B985FD}" type="datetimeFigureOut">
               <a:rPr lang="en-US" smtClean="0"/>
-              <a:t>4/20/2024</a:t>
+              <a:t>5/15/2024</a:t>
             </a:fld>
             <a:endParaRPr lang="en-US"/>
           </a:p>
@@ -2682,7 +2682,7 @@
           <p:cNvPr id="6" name="Footer Placeholder 5">
             <a:extLst>
               <a:ext uri="{FF2B5EF4-FFF2-40B4-BE49-F238E27FC236}">
-                <a16:creationId xmlns:a16="http://schemas.microsoft.com/office/drawing/2014/main" id="{5DA3FB50-8589-17C7-68ED-EABA7BB36BD5}"/>
+                <a16:creationId xmlns:a16="http://schemas.microsoft.com/office/drawing/2014/main" id="{C08E62C7-0554-2673-268E-7D7C41635DF2}"/>
               </a:ext>
             </a:extLst>
           </p:cNvPr>
@@ -2707,7 +2707,7 @@
           <p:cNvPr id="7" name="Slide Number Placeholder 6">
             <a:extLst>
               <a:ext uri="{FF2B5EF4-FFF2-40B4-BE49-F238E27FC236}">
-                <a16:creationId xmlns:a16="http://schemas.microsoft.com/office/drawing/2014/main" id="{E97B5E34-8010-A3B0-5E1D-253390AFE088}"/>
+                <a16:creationId xmlns:a16="http://schemas.microsoft.com/office/drawing/2014/main" id="{92518700-E91C-49C0-347B-6CCB18F3305E}"/>
               </a:ext>
             </a:extLst>
           </p:cNvPr>
@@ -2723,7 +2723,7 @@
           <a:bodyPr/>
           <a:lstStyle/>
           <a:p>
-            <a:fld id="{A7B37220-20B4-4684-87C5-6E6D42F8CE37}" type="slidenum">
+            <a:fld id="{F77C2B26-0A83-4DFD-9490-96B424C98A2C}" type="slidenum">
               <a:rPr lang="en-US" smtClean="0"/>
               <a:t>‹#›</a:t>
             </a:fld>
@@ -2734,7 +2734,7 @@
     </p:spTree>
     <p:extLst>
       <p:ext uri="{BB962C8B-B14F-4D97-AF65-F5344CB8AC3E}">
-        <p14:creationId xmlns:p14="http://schemas.microsoft.com/office/powerpoint/2010/main" val="2982981683"/>
+        <p14:creationId xmlns:p14="http://schemas.microsoft.com/office/powerpoint/2010/main" val="4288963700"/>
       </p:ext>
     </p:extLst>
   </p:cSld>
@@ -2771,7 +2771,7 @@
           <p:cNvPr id="2" name="Title Placeholder 1">
             <a:extLst>
               <a:ext uri="{FF2B5EF4-FFF2-40B4-BE49-F238E27FC236}">
-                <a16:creationId xmlns:a16="http://schemas.microsoft.com/office/drawing/2014/main" id="{8BDA8937-487C-3512-7388-803D0B113F58}"/>
+                <a16:creationId xmlns:a16="http://schemas.microsoft.com/office/drawing/2014/main" id="{E8947E3E-98BC-DE20-8959-B34068B56DBF}"/>
               </a:ext>
             </a:extLst>
           </p:cNvPr>
@@ -2809,7 +2809,7 @@
           <p:cNvPr id="3" name="Text Placeholder 2">
             <a:extLst>
               <a:ext uri="{FF2B5EF4-FFF2-40B4-BE49-F238E27FC236}">
-                <a16:creationId xmlns:a16="http://schemas.microsoft.com/office/drawing/2014/main" id="{C87D09E3-7189-AA08-3D33-89262B4D16AF}"/>
+                <a16:creationId xmlns:a16="http://schemas.microsoft.com/office/drawing/2014/main" id="{0B194822-24CC-3A27-BFB5-2A2C448D1CA7}"/>
               </a:ext>
             </a:extLst>
           </p:cNvPr>
@@ -2876,7 +2876,7 @@
           <p:cNvPr id="4" name="Date Placeholder 3">
             <a:extLst>
               <a:ext uri="{FF2B5EF4-FFF2-40B4-BE49-F238E27FC236}">
-                <a16:creationId xmlns:a16="http://schemas.microsoft.com/office/drawing/2014/main" id="{40D19859-5934-41F5-47CB-E4902B583417}"/>
+                <a16:creationId xmlns:a16="http://schemas.microsoft.com/office/drawing/2014/main" id="{A30413E3-72D4-3A05-00D0-5A686E9FDCDB}"/>
               </a:ext>
             </a:extLst>
           </p:cNvPr>
@@ -2910,9 +2910,9 @@
             </a:lvl1pPr>
           </a:lstStyle>
           <a:p>
-            <a:fld id="{C4F2B529-FD99-48B2-B369-10511B923552}" type="datetimeFigureOut">
+            <a:fld id="{B9F32098-E3ED-4911-9A3D-141E56B985FD}" type="datetimeFigureOut">
               <a:rPr lang="en-US" smtClean="0"/>
-              <a:t>4/20/2024</a:t>
+              <a:t>5/15/2024</a:t>
             </a:fld>
             <a:endParaRPr lang="en-US"/>
           </a:p>
@@ -2923,7 +2923,7 @@
           <p:cNvPr id="5" name="Footer Placeholder 4">
             <a:extLst>
               <a:ext uri="{FF2B5EF4-FFF2-40B4-BE49-F238E27FC236}">
-                <a16:creationId xmlns:a16="http://schemas.microsoft.com/office/drawing/2014/main" id="{7F1E356D-DAAB-345A-B8F1-5AC446751F8D}"/>
+                <a16:creationId xmlns:a16="http://schemas.microsoft.com/office/drawing/2014/main" id="{ED1DAEAC-0298-06FD-861E-9E970C373423}"/>
               </a:ext>
             </a:extLst>
           </p:cNvPr>
@@ -2966,7 +2966,7 @@
           <p:cNvPr id="6" name="Slide Number Placeholder 5">
             <a:extLst>
               <a:ext uri="{FF2B5EF4-FFF2-40B4-BE49-F238E27FC236}">
-                <a16:creationId xmlns:a16="http://schemas.microsoft.com/office/drawing/2014/main" id="{2588DC33-128B-6B47-D087-04EE6F41D822}"/>
+                <a16:creationId xmlns:a16="http://schemas.microsoft.com/office/drawing/2014/main" id="{6C9EC14B-AC1A-668F-E05A-E9439917EAC0}"/>
               </a:ext>
             </a:extLst>
           </p:cNvPr>
@@ -3000,7 +3000,7 @@
             </a:lvl1pPr>
           </a:lstStyle>
           <a:p>
-            <a:fld id="{A7B37220-20B4-4684-87C5-6E6D42F8CE37}" type="slidenum">
+            <a:fld id="{F77C2B26-0A83-4DFD-9490-96B424C98A2C}" type="slidenum">
               <a:rPr lang="en-US" smtClean="0"/>
               <a:t>‹#›</a:t>
             </a:fld>
@@ -3011,7 +3011,7 @@
     </p:spTree>
     <p:extLst>
       <p:ext uri="{BB962C8B-B14F-4D97-AF65-F5344CB8AC3E}">
-        <p14:creationId xmlns:p14="http://schemas.microsoft.com/office/powerpoint/2010/main" val="1319918073"/>
+        <p14:creationId xmlns:p14="http://schemas.microsoft.com/office/powerpoint/2010/main" val="53785544"/>
       </p:ext>
     </p:extLst>
   </p:cSld>
@@ -3534,6 +3534,15 @@
           <a:lstStyle/>
           <a:p>
             <a:r>
+              <a:rPr lang="th-TH" dirty="0">
+                <a:latin typeface="TH SarabunPSK" panose="020B0500040200020003" pitchFamily="34" charset="-34"/>
+                <a:cs typeface="TH SarabunPSK" panose="020B0500040200020003" pitchFamily="34" charset="-34"/>
+              </a:rPr>
+              <a:t>บทที่ 6 การแสดงผลการกระจายของข้อมูล (ต่อ)</a:t>
+            </a:r>
+          </a:p>
+          <a:p>
+            <a:r>
               <a:rPr lang="en-US" dirty="0" err="1">
                 <a:latin typeface="TH SarabunPSK" panose="020B0500040200020003" pitchFamily="34" charset="-34"/>
                 <a:cs typeface="TH SarabunPSK" panose="020B0500040200020003" pitchFamily="34" charset="-34"/>
@@ -6742,14 +6751,14 @@
                 <a:latin typeface="TH SarabunPSK" panose="020B0500040200020003" pitchFamily="34" charset="-34"/>
                 <a:cs typeface="TH SarabunPSK" panose="020B0500040200020003" pitchFamily="34" charset="-34"/>
               </a:rPr>
-              <a:t>Parameter: c (color)</a:t>
+              <a:t>Parameter: c </a:t>
             </a:r>
             <a:r>
               <a:rPr lang="th-TH" dirty="0">
                 <a:latin typeface="TH SarabunPSK" panose="020B0500040200020003" pitchFamily="34" charset="-34"/>
                 <a:cs typeface="TH SarabunPSK" panose="020B0500040200020003" pitchFamily="34" charset="-34"/>
               </a:rPr>
-              <a:t> กำหนดค่าสีให้ทุกจุด</a:t>
+              <a:t>กำหนดค่าสีให้ทุกจุด</a:t>
             </a:r>
             <a:endParaRPr lang="en-US" dirty="0">
               <a:latin typeface="TH SarabunPSK" panose="020B0500040200020003" pitchFamily="34" charset="-34"/>
@@ -7476,14 +7485,14 @@
                 <a:latin typeface="TH SarabunPSK" panose="020B0500040200020003" pitchFamily="34" charset="-34"/>
                 <a:cs typeface="TH SarabunPSK" panose="020B0500040200020003" pitchFamily="34" charset="-34"/>
               </a:rPr>
-              <a:t>Parameter: c (color)</a:t>
+              <a:t>Parameter: c </a:t>
             </a:r>
             <a:r>
               <a:rPr lang="th-TH" dirty="0">
                 <a:latin typeface="TH SarabunPSK" panose="020B0500040200020003" pitchFamily="34" charset="-34"/>
                 <a:cs typeface="TH SarabunPSK" panose="020B0500040200020003" pitchFamily="34" charset="-34"/>
               </a:rPr>
-              <a:t> กำหนดค่าสีตามกลุ่มข้อมูลที่ต้องการ</a:t>
+              <a:t>กำหนดค่าสีตามกลุ่มข้อมูลที่ต้องการ</a:t>
             </a:r>
             <a:endParaRPr lang="en-US" dirty="0">
               <a:latin typeface="TH SarabunPSK" panose="020B0500040200020003" pitchFamily="34" charset="-34"/>
@@ -8560,14 +8569,14 @@
                 <a:latin typeface="TH SarabunPSK" panose="020B0500040200020003" pitchFamily="34" charset="-34"/>
                 <a:cs typeface="TH SarabunPSK" panose="020B0500040200020003" pitchFamily="34" charset="-34"/>
               </a:rPr>
-              <a:t>Parameter: c (color)</a:t>
+              <a:t>Parameter: c </a:t>
             </a:r>
             <a:r>
               <a:rPr lang="th-TH" dirty="0">
                 <a:latin typeface="TH SarabunPSK" panose="020B0500040200020003" pitchFamily="34" charset="-34"/>
                 <a:cs typeface="TH SarabunPSK" panose="020B0500040200020003" pitchFamily="34" charset="-34"/>
               </a:rPr>
-              <a:t> กำหนดค่าสีตามกลุ่มข้อมูลที่ต้องการ</a:t>
+              <a:t>กำหนดค่าสีตามกลุ่มข้อมูลที่ต้องการ</a:t>
             </a:r>
             <a:endParaRPr lang="en-US" dirty="0">
               <a:latin typeface="TH SarabunPSK" panose="020B0500040200020003" pitchFamily="34" charset="-34"/>

--- a/PPT/Class period 12.pptx
+++ b/PPT/Class period 12.pptx
@@ -112,6 +112,11 @@
       </a:defRPr>
     </a:lvl9pPr>
   </p:defaultTextStyle>
+  <p:extLst>
+    <p:ext uri="{EFAFB233-063F-42B5-8137-9DF3F51BA10A}">
+      <p15:sldGuideLst xmlns:p15="http://schemas.microsoft.com/office/powerpoint/2012/main"/>
+    </p:ext>
+  </p:extLst>
 </p:presentation>
 </file>
 
@@ -262,7 +267,7 @@
           <a:p>
             <a:fld id="{B9F32098-E3ED-4911-9A3D-141E56B985FD}" type="datetimeFigureOut">
               <a:rPr lang="en-US" smtClean="0"/>
-              <a:t>5/15/2024</a:t>
+              <a:t>6/17/2024</a:t>
             </a:fld>
             <a:endParaRPr lang="en-US"/>
           </a:p>
@@ -460,7 +465,7 @@
           <a:p>
             <a:fld id="{B9F32098-E3ED-4911-9A3D-141E56B985FD}" type="datetimeFigureOut">
               <a:rPr lang="en-US" smtClean="0"/>
-              <a:t>5/15/2024</a:t>
+              <a:t>6/17/2024</a:t>
             </a:fld>
             <a:endParaRPr lang="en-US"/>
           </a:p>
@@ -668,7 +673,7 @@
           <a:p>
             <a:fld id="{B9F32098-E3ED-4911-9A3D-141E56B985FD}" type="datetimeFigureOut">
               <a:rPr lang="en-US" smtClean="0"/>
-              <a:t>5/15/2024</a:t>
+              <a:t>6/17/2024</a:t>
             </a:fld>
             <a:endParaRPr lang="en-US"/>
           </a:p>
@@ -866,7 +871,7 @@
           <a:p>
             <a:fld id="{B9F32098-E3ED-4911-9A3D-141E56B985FD}" type="datetimeFigureOut">
               <a:rPr lang="en-US" smtClean="0"/>
-              <a:t>5/15/2024</a:t>
+              <a:t>6/17/2024</a:t>
             </a:fld>
             <a:endParaRPr lang="en-US"/>
           </a:p>
@@ -1141,7 +1146,7 @@
           <a:p>
             <a:fld id="{B9F32098-E3ED-4911-9A3D-141E56B985FD}" type="datetimeFigureOut">
               <a:rPr lang="en-US" smtClean="0"/>
-              <a:t>5/15/2024</a:t>
+              <a:t>6/17/2024</a:t>
             </a:fld>
             <a:endParaRPr lang="en-US"/>
           </a:p>
@@ -1406,7 +1411,7 @@
           <a:p>
             <a:fld id="{B9F32098-E3ED-4911-9A3D-141E56B985FD}" type="datetimeFigureOut">
               <a:rPr lang="en-US" smtClean="0"/>
-              <a:t>5/15/2024</a:t>
+              <a:t>6/17/2024</a:t>
             </a:fld>
             <a:endParaRPr lang="en-US"/>
           </a:p>
@@ -1818,7 +1823,7 @@
           <a:p>
             <a:fld id="{B9F32098-E3ED-4911-9A3D-141E56B985FD}" type="datetimeFigureOut">
               <a:rPr lang="en-US" smtClean="0"/>
-              <a:t>5/15/2024</a:t>
+              <a:t>6/17/2024</a:t>
             </a:fld>
             <a:endParaRPr lang="en-US"/>
           </a:p>
@@ -1959,7 +1964,7 @@
           <a:p>
             <a:fld id="{B9F32098-E3ED-4911-9A3D-141E56B985FD}" type="datetimeFigureOut">
               <a:rPr lang="en-US" smtClean="0"/>
-              <a:t>5/15/2024</a:t>
+              <a:t>6/17/2024</a:t>
             </a:fld>
             <a:endParaRPr lang="en-US"/>
           </a:p>
@@ -2072,7 +2077,7 @@
           <a:p>
             <a:fld id="{B9F32098-E3ED-4911-9A3D-141E56B985FD}" type="datetimeFigureOut">
               <a:rPr lang="en-US" smtClean="0"/>
-              <a:t>5/15/2024</a:t>
+              <a:t>6/17/2024</a:t>
             </a:fld>
             <a:endParaRPr lang="en-US"/>
           </a:p>
@@ -2383,7 +2388,7 @@
           <a:p>
             <a:fld id="{B9F32098-E3ED-4911-9A3D-141E56B985FD}" type="datetimeFigureOut">
               <a:rPr lang="en-US" smtClean="0"/>
-              <a:t>5/15/2024</a:t>
+              <a:t>6/17/2024</a:t>
             </a:fld>
             <a:endParaRPr lang="en-US"/>
           </a:p>
@@ -2671,7 +2676,7 @@
           <a:p>
             <a:fld id="{B9F32098-E3ED-4911-9A3D-141E56B985FD}" type="datetimeFigureOut">
               <a:rPr lang="en-US" smtClean="0"/>
-              <a:t>5/15/2024</a:t>
+              <a:t>6/17/2024</a:t>
             </a:fld>
             <a:endParaRPr lang="en-US"/>
           </a:p>
@@ -2912,7 +2917,7 @@
           <a:p>
             <a:fld id="{B9F32098-E3ED-4911-9A3D-141E56B985FD}" type="datetimeFigureOut">
               <a:rPr lang="en-US" smtClean="0"/>
-              <a:t>5/15/2024</a:t>
+              <a:t>6/17/2024</a:t>
             </a:fld>
             <a:endParaRPr lang="en-US"/>
           </a:p>
@@ -3556,6 +3561,73 @@
           </a:p>
         </p:txBody>
       </p:sp>
+      <p:sp>
+        <p:nvSpPr>
+          <p:cNvPr id="7" name="TextBox 6">
+            <a:extLst>
+              <a:ext uri="{FF2B5EF4-FFF2-40B4-BE49-F238E27FC236}">
+                <a16:creationId xmlns:a16="http://schemas.microsoft.com/office/drawing/2014/main" id="{8A1B34F7-DEBA-D177-F01F-9141861F4A44}"/>
+              </a:ext>
+            </a:extLst>
+          </p:cNvPr>
+          <p:cNvSpPr txBox="1"/>
+          <p:nvPr/>
+        </p:nvSpPr>
+        <p:spPr>
+          <a:xfrm>
+            <a:off x="114677" y="6172611"/>
+            <a:ext cx="5532120" cy="461665"/>
+          </a:xfrm>
+          <a:prstGeom prst="rect">
+            <a:avLst/>
+          </a:prstGeom>
+          <a:noFill/>
+        </p:spPr>
+        <p:txBody>
+          <a:bodyPr wrap="square">
+            <a:spAutoFit/>
+          </a:bodyPr>
+          <a:lstStyle/>
+          <a:p>
+            <a:pPr algn="l"/>
+            <a:r>
+              <a:rPr lang="th-TH" sz="2400" dirty="0">
+                <a:latin typeface="TH SarabunPSK" panose="020B0500040200020003" pitchFamily="34" charset="-34"/>
+                <a:cs typeface="TH SarabunPSK" panose="020B0500040200020003" pitchFamily="34" charset="-34"/>
+              </a:rPr>
+              <a:t>โดย ผศ</a:t>
+            </a:r>
+            <a:r>
+              <a:rPr lang="en-US" sz="2400" dirty="0">
+                <a:latin typeface="TH SarabunPSK" panose="020B0500040200020003" pitchFamily="34" charset="-34"/>
+                <a:cs typeface="TH SarabunPSK" panose="020B0500040200020003" pitchFamily="34" charset="-34"/>
+              </a:rPr>
+              <a:t>. </a:t>
+            </a:r>
+            <a:r>
+              <a:rPr lang="th-TH" sz="2400" dirty="0">
+                <a:latin typeface="TH SarabunPSK" panose="020B0500040200020003" pitchFamily="34" charset="-34"/>
+                <a:cs typeface="TH SarabunPSK" panose="020B0500040200020003" pitchFamily="34" charset="-34"/>
+              </a:rPr>
+              <a:t>ดร</a:t>
+            </a:r>
+            <a:r>
+              <a:rPr lang="en-US" sz="2400" dirty="0">
+                <a:latin typeface="TH SarabunPSK" panose="020B0500040200020003" pitchFamily="34" charset="-34"/>
+                <a:cs typeface="TH SarabunPSK" panose="020B0500040200020003" pitchFamily="34" charset="-34"/>
+              </a:rPr>
+              <a:t>.</a:t>
+            </a:r>
+            <a:r>
+              <a:rPr lang="th-TH" sz="2400" dirty="0">
+                <a:latin typeface="TH SarabunPSK" panose="020B0500040200020003" pitchFamily="34" charset="-34"/>
+                <a:cs typeface="TH SarabunPSK" panose="020B0500040200020003" pitchFamily="34" charset="-34"/>
+              </a:rPr>
+              <a:t>ธนพงศ์ อินทระ สาขาวิชาสถิติ มหาวิทยาลัยขอนแก่น </a:t>
+            </a:r>
+          </a:p>
+        </p:txBody>
+      </p:sp>
     </p:spTree>
     <p:extLst>
       <p:ext uri="{BB962C8B-B14F-4D97-AF65-F5344CB8AC3E}">
@@ -4109,6 +4181,73 @@
           </a:p>
         </p:txBody>
       </p:sp>
+      <p:sp>
+        <p:nvSpPr>
+          <p:cNvPr id="9" name="TextBox 8">
+            <a:extLst>
+              <a:ext uri="{FF2B5EF4-FFF2-40B4-BE49-F238E27FC236}">
+                <a16:creationId xmlns:a16="http://schemas.microsoft.com/office/drawing/2014/main" id="{2B85933E-D2C4-9853-E1CF-A50158685292}"/>
+              </a:ext>
+            </a:extLst>
+          </p:cNvPr>
+          <p:cNvSpPr txBox="1"/>
+          <p:nvPr/>
+        </p:nvSpPr>
+        <p:spPr>
+          <a:xfrm>
+            <a:off x="114677" y="6172611"/>
+            <a:ext cx="5532120" cy="461665"/>
+          </a:xfrm>
+          <a:prstGeom prst="rect">
+            <a:avLst/>
+          </a:prstGeom>
+          <a:noFill/>
+        </p:spPr>
+        <p:txBody>
+          <a:bodyPr wrap="square">
+            <a:spAutoFit/>
+          </a:bodyPr>
+          <a:lstStyle/>
+          <a:p>
+            <a:pPr algn="l"/>
+            <a:r>
+              <a:rPr lang="th-TH" sz="2400" dirty="0">
+                <a:latin typeface="TH SarabunPSK" panose="020B0500040200020003" pitchFamily="34" charset="-34"/>
+                <a:cs typeface="TH SarabunPSK" panose="020B0500040200020003" pitchFamily="34" charset="-34"/>
+              </a:rPr>
+              <a:t>โดย ผศ</a:t>
+            </a:r>
+            <a:r>
+              <a:rPr lang="en-US" sz="2400" dirty="0">
+                <a:latin typeface="TH SarabunPSK" panose="020B0500040200020003" pitchFamily="34" charset="-34"/>
+                <a:cs typeface="TH SarabunPSK" panose="020B0500040200020003" pitchFamily="34" charset="-34"/>
+              </a:rPr>
+              <a:t>. </a:t>
+            </a:r>
+            <a:r>
+              <a:rPr lang="th-TH" sz="2400" dirty="0">
+                <a:latin typeface="TH SarabunPSK" panose="020B0500040200020003" pitchFamily="34" charset="-34"/>
+                <a:cs typeface="TH SarabunPSK" panose="020B0500040200020003" pitchFamily="34" charset="-34"/>
+              </a:rPr>
+              <a:t>ดร</a:t>
+            </a:r>
+            <a:r>
+              <a:rPr lang="en-US" sz="2400" dirty="0">
+                <a:latin typeface="TH SarabunPSK" panose="020B0500040200020003" pitchFamily="34" charset="-34"/>
+                <a:cs typeface="TH SarabunPSK" panose="020B0500040200020003" pitchFamily="34" charset="-34"/>
+              </a:rPr>
+              <a:t>.</a:t>
+            </a:r>
+            <a:r>
+              <a:rPr lang="th-TH" sz="2400" dirty="0">
+                <a:latin typeface="TH SarabunPSK" panose="020B0500040200020003" pitchFamily="34" charset="-34"/>
+                <a:cs typeface="TH SarabunPSK" panose="020B0500040200020003" pitchFamily="34" charset="-34"/>
+              </a:rPr>
+              <a:t>ธนพงศ์ อินทระ สาขาวิชาสถิติ มหาวิทยาลัยขอนแก่น </a:t>
+            </a:r>
+          </a:p>
+        </p:txBody>
+      </p:sp>
     </p:spTree>
     <p:extLst>
       <p:ext uri="{BB962C8B-B14F-4D97-AF65-F5344CB8AC3E}">
@@ -4905,6 +5044,73 @@
           </a:p>
         </p:txBody>
       </p:sp>
+      <p:sp>
+        <p:nvSpPr>
+          <p:cNvPr id="9" name="TextBox 8">
+            <a:extLst>
+              <a:ext uri="{FF2B5EF4-FFF2-40B4-BE49-F238E27FC236}">
+                <a16:creationId xmlns:a16="http://schemas.microsoft.com/office/drawing/2014/main" id="{193C71BF-61CA-64DB-8503-AF33A2F4D693}"/>
+              </a:ext>
+            </a:extLst>
+          </p:cNvPr>
+          <p:cNvSpPr txBox="1"/>
+          <p:nvPr/>
+        </p:nvSpPr>
+        <p:spPr>
+          <a:xfrm>
+            <a:off x="114677" y="6172611"/>
+            <a:ext cx="5532120" cy="461665"/>
+          </a:xfrm>
+          <a:prstGeom prst="rect">
+            <a:avLst/>
+          </a:prstGeom>
+          <a:noFill/>
+        </p:spPr>
+        <p:txBody>
+          <a:bodyPr wrap="square">
+            <a:spAutoFit/>
+          </a:bodyPr>
+          <a:lstStyle/>
+          <a:p>
+            <a:pPr algn="l"/>
+            <a:r>
+              <a:rPr lang="th-TH" sz="2400" dirty="0">
+                <a:latin typeface="TH SarabunPSK" panose="020B0500040200020003" pitchFamily="34" charset="-34"/>
+                <a:cs typeface="TH SarabunPSK" panose="020B0500040200020003" pitchFamily="34" charset="-34"/>
+              </a:rPr>
+              <a:t>โดย ผศ</a:t>
+            </a:r>
+            <a:r>
+              <a:rPr lang="en-US" sz="2400" dirty="0">
+                <a:latin typeface="TH SarabunPSK" panose="020B0500040200020003" pitchFamily="34" charset="-34"/>
+                <a:cs typeface="TH SarabunPSK" panose="020B0500040200020003" pitchFamily="34" charset="-34"/>
+              </a:rPr>
+              <a:t>. </a:t>
+            </a:r>
+            <a:r>
+              <a:rPr lang="th-TH" sz="2400" dirty="0">
+                <a:latin typeface="TH SarabunPSK" panose="020B0500040200020003" pitchFamily="34" charset="-34"/>
+                <a:cs typeface="TH SarabunPSK" panose="020B0500040200020003" pitchFamily="34" charset="-34"/>
+              </a:rPr>
+              <a:t>ดร</a:t>
+            </a:r>
+            <a:r>
+              <a:rPr lang="en-US" sz="2400" dirty="0">
+                <a:latin typeface="TH SarabunPSK" panose="020B0500040200020003" pitchFamily="34" charset="-34"/>
+                <a:cs typeface="TH SarabunPSK" panose="020B0500040200020003" pitchFamily="34" charset="-34"/>
+              </a:rPr>
+              <a:t>.</a:t>
+            </a:r>
+            <a:r>
+              <a:rPr lang="th-TH" sz="2400" dirty="0">
+                <a:latin typeface="TH SarabunPSK" panose="020B0500040200020003" pitchFamily="34" charset="-34"/>
+                <a:cs typeface="TH SarabunPSK" panose="020B0500040200020003" pitchFamily="34" charset="-34"/>
+              </a:rPr>
+              <a:t>ธนพงศ์ อินทระ สาขาวิชาสถิติ มหาวิทยาลัยขอนแก่น </a:t>
+            </a:r>
+          </a:p>
+        </p:txBody>
+      </p:sp>
     </p:spTree>
     <p:extLst>
       <p:ext uri="{BB962C8B-B14F-4D97-AF65-F5344CB8AC3E}">
@@ -5379,6 +5585,73 @@
           </a:prstGeom>
         </p:spPr>
       </p:pic>
+      <p:sp>
+        <p:nvSpPr>
+          <p:cNvPr id="9" name="TextBox 8">
+            <a:extLst>
+              <a:ext uri="{FF2B5EF4-FFF2-40B4-BE49-F238E27FC236}">
+                <a16:creationId xmlns:a16="http://schemas.microsoft.com/office/drawing/2014/main" id="{E6817212-FD0B-5AF8-0292-3BEEB53378B7}"/>
+              </a:ext>
+            </a:extLst>
+          </p:cNvPr>
+          <p:cNvSpPr txBox="1"/>
+          <p:nvPr/>
+        </p:nvSpPr>
+        <p:spPr>
+          <a:xfrm>
+            <a:off x="114677" y="6172611"/>
+            <a:ext cx="5532120" cy="461665"/>
+          </a:xfrm>
+          <a:prstGeom prst="rect">
+            <a:avLst/>
+          </a:prstGeom>
+          <a:noFill/>
+        </p:spPr>
+        <p:txBody>
+          <a:bodyPr wrap="square">
+            <a:spAutoFit/>
+          </a:bodyPr>
+          <a:lstStyle/>
+          <a:p>
+            <a:pPr algn="l"/>
+            <a:r>
+              <a:rPr lang="th-TH" sz="2400" dirty="0">
+                <a:latin typeface="TH SarabunPSK" panose="020B0500040200020003" pitchFamily="34" charset="-34"/>
+                <a:cs typeface="TH SarabunPSK" panose="020B0500040200020003" pitchFamily="34" charset="-34"/>
+              </a:rPr>
+              <a:t>โดย ผศ</a:t>
+            </a:r>
+            <a:r>
+              <a:rPr lang="en-US" sz="2400" dirty="0">
+                <a:latin typeface="TH SarabunPSK" panose="020B0500040200020003" pitchFamily="34" charset="-34"/>
+                <a:cs typeface="TH SarabunPSK" panose="020B0500040200020003" pitchFamily="34" charset="-34"/>
+              </a:rPr>
+              <a:t>. </a:t>
+            </a:r>
+            <a:r>
+              <a:rPr lang="th-TH" sz="2400" dirty="0">
+                <a:latin typeface="TH SarabunPSK" panose="020B0500040200020003" pitchFamily="34" charset="-34"/>
+                <a:cs typeface="TH SarabunPSK" panose="020B0500040200020003" pitchFamily="34" charset="-34"/>
+              </a:rPr>
+              <a:t>ดร</a:t>
+            </a:r>
+            <a:r>
+              <a:rPr lang="en-US" sz="2400" dirty="0">
+                <a:latin typeface="TH SarabunPSK" panose="020B0500040200020003" pitchFamily="34" charset="-34"/>
+                <a:cs typeface="TH SarabunPSK" panose="020B0500040200020003" pitchFamily="34" charset="-34"/>
+              </a:rPr>
+              <a:t>.</a:t>
+            </a:r>
+            <a:r>
+              <a:rPr lang="th-TH" sz="2400" dirty="0">
+                <a:latin typeface="TH SarabunPSK" panose="020B0500040200020003" pitchFamily="34" charset="-34"/>
+                <a:cs typeface="TH SarabunPSK" panose="020B0500040200020003" pitchFamily="34" charset="-34"/>
+              </a:rPr>
+              <a:t>ธนพงศ์ อินทระ สาขาวิชาสถิติ มหาวิทยาลัยขอนแก่น </a:t>
+            </a:r>
+          </a:p>
+        </p:txBody>
+      </p:sp>
     </p:spTree>
     <p:extLst>
       <p:ext uri="{BB962C8B-B14F-4D97-AF65-F5344CB8AC3E}">
@@ -6319,6 +6592,73 @@
           </a:prstGeom>
         </p:spPr>
       </p:pic>
+      <p:sp>
+        <p:nvSpPr>
+          <p:cNvPr id="13" name="TextBox 12">
+            <a:extLst>
+              <a:ext uri="{FF2B5EF4-FFF2-40B4-BE49-F238E27FC236}">
+                <a16:creationId xmlns:a16="http://schemas.microsoft.com/office/drawing/2014/main" id="{CA3D9E81-6230-7AA3-52D6-91C7B72EFE4A}"/>
+              </a:ext>
+            </a:extLst>
+          </p:cNvPr>
+          <p:cNvSpPr txBox="1"/>
+          <p:nvPr/>
+        </p:nvSpPr>
+        <p:spPr>
+          <a:xfrm>
+            <a:off x="114677" y="6172611"/>
+            <a:ext cx="5532120" cy="461665"/>
+          </a:xfrm>
+          <a:prstGeom prst="rect">
+            <a:avLst/>
+          </a:prstGeom>
+          <a:noFill/>
+        </p:spPr>
+        <p:txBody>
+          <a:bodyPr wrap="square">
+            <a:spAutoFit/>
+          </a:bodyPr>
+          <a:lstStyle/>
+          <a:p>
+            <a:pPr algn="l"/>
+            <a:r>
+              <a:rPr lang="th-TH" sz="2400" dirty="0">
+                <a:latin typeface="TH SarabunPSK" panose="020B0500040200020003" pitchFamily="34" charset="-34"/>
+                <a:cs typeface="TH SarabunPSK" panose="020B0500040200020003" pitchFamily="34" charset="-34"/>
+              </a:rPr>
+              <a:t>โดย ผศ</a:t>
+            </a:r>
+            <a:r>
+              <a:rPr lang="en-US" sz="2400" dirty="0">
+                <a:latin typeface="TH SarabunPSK" panose="020B0500040200020003" pitchFamily="34" charset="-34"/>
+                <a:cs typeface="TH SarabunPSK" panose="020B0500040200020003" pitchFamily="34" charset="-34"/>
+              </a:rPr>
+              <a:t>. </a:t>
+            </a:r>
+            <a:r>
+              <a:rPr lang="th-TH" sz="2400" dirty="0">
+                <a:latin typeface="TH SarabunPSK" panose="020B0500040200020003" pitchFamily="34" charset="-34"/>
+                <a:cs typeface="TH SarabunPSK" panose="020B0500040200020003" pitchFamily="34" charset="-34"/>
+              </a:rPr>
+              <a:t>ดร</a:t>
+            </a:r>
+            <a:r>
+              <a:rPr lang="en-US" sz="2400" dirty="0">
+                <a:latin typeface="TH SarabunPSK" panose="020B0500040200020003" pitchFamily="34" charset="-34"/>
+                <a:cs typeface="TH SarabunPSK" panose="020B0500040200020003" pitchFamily="34" charset="-34"/>
+              </a:rPr>
+              <a:t>.</a:t>
+            </a:r>
+            <a:r>
+              <a:rPr lang="th-TH" sz="2400" dirty="0">
+                <a:latin typeface="TH SarabunPSK" panose="020B0500040200020003" pitchFamily="34" charset="-34"/>
+                <a:cs typeface="TH SarabunPSK" panose="020B0500040200020003" pitchFamily="34" charset="-34"/>
+              </a:rPr>
+              <a:t>ธนพงศ์ อินทระ สาขาวิชาสถิติ มหาวิทยาลัยขอนแก่น </a:t>
+            </a:r>
+          </a:p>
+        </p:txBody>
+      </p:sp>
     </p:spTree>
     <p:extLst>
       <p:ext uri="{BB962C8B-B14F-4D97-AF65-F5344CB8AC3E}">
@@ -7053,6 +7393,73 @@
           </a:prstGeom>
         </p:spPr>
       </p:pic>
+      <p:sp>
+        <p:nvSpPr>
+          <p:cNvPr id="10" name="TextBox 9">
+            <a:extLst>
+              <a:ext uri="{FF2B5EF4-FFF2-40B4-BE49-F238E27FC236}">
+                <a16:creationId xmlns:a16="http://schemas.microsoft.com/office/drawing/2014/main" id="{F4A70598-F430-AA04-F2A5-83B2620E594A}"/>
+              </a:ext>
+            </a:extLst>
+          </p:cNvPr>
+          <p:cNvSpPr txBox="1"/>
+          <p:nvPr/>
+        </p:nvSpPr>
+        <p:spPr>
+          <a:xfrm>
+            <a:off x="114677" y="6172611"/>
+            <a:ext cx="5532120" cy="461665"/>
+          </a:xfrm>
+          <a:prstGeom prst="rect">
+            <a:avLst/>
+          </a:prstGeom>
+          <a:noFill/>
+        </p:spPr>
+        <p:txBody>
+          <a:bodyPr wrap="square">
+            <a:spAutoFit/>
+          </a:bodyPr>
+          <a:lstStyle/>
+          <a:p>
+            <a:pPr algn="l"/>
+            <a:r>
+              <a:rPr lang="th-TH" sz="2400" dirty="0">
+                <a:latin typeface="TH SarabunPSK" panose="020B0500040200020003" pitchFamily="34" charset="-34"/>
+                <a:cs typeface="TH SarabunPSK" panose="020B0500040200020003" pitchFamily="34" charset="-34"/>
+              </a:rPr>
+              <a:t>โดย ผศ</a:t>
+            </a:r>
+            <a:r>
+              <a:rPr lang="en-US" sz="2400" dirty="0">
+                <a:latin typeface="TH SarabunPSK" panose="020B0500040200020003" pitchFamily="34" charset="-34"/>
+                <a:cs typeface="TH SarabunPSK" panose="020B0500040200020003" pitchFamily="34" charset="-34"/>
+              </a:rPr>
+              <a:t>. </a:t>
+            </a:r>
+            <a:r>
+              <a:rPr lang="th-TH" sz="2400" dirty="0">
+                <a:latin typeface="TH SarabunPSK" panose="020B0500040200020003" pitchFamily="34" charset="-34"/>
+                <a:cs typeface="TH SarabunPSK" panose="020B0500040200020003" pitchFamily="34" charset="-34"/>
+              </a:rPr>
+              <a:t>ดร</a:t>
+            </a:r>
+            <a:r>
+              <a:rPr lang="en-US" sz="2400" dirty="0">
+                <a:latin typeface="TH SarabunPSK" panose="020B0500040200020003" pitchFamily="34" charset="-34"/>
+                <a:cs typeface="TH SarabunPSK" panose="020B0500040200020003" pitchFamily="34" charset="-34"/>
+              </a:rPr>
+              <a:t>.</a:t>
+            </a:r>
+            <a:r>
+              <a:rPr lang="th-TH" sz="2400" dirty="0">
+                <a:latin typeface="TH SarabunPSK" panose="020B0500040200020003" pitchFamily="34" charset="-34"/>
+                <a:cs typeface="TH SarabunPSK" panose="020B0500040200020003" pitchFamily="34" charset="-34"/>
+              </a:rPr>
+              <a:t>ธนพงศ์ อินทระ สาขาวิชาสถิติ มหาวิทยาลัยขอนแก่น </a:t>
+            </a:r>
+          </a:p>
+        </p:txBody>
+      </p:sp>
     </p:spTree>
     <p:extLst>
       <p:ext uri="{BB962C8B-B14F-4D97-AF65-F5344CB8AC3E}">
@@ -8137,6 +8544,73 @@
           </a:p>
         </p:txBody>
       </p:sp>
+      <p:sp>
+        <p:nvSpPr>
+          <p:cNvPr id="9" name="TextBox 8">
+            <a:extLst>
+              <a:ext uri="{FF2B5EF4-FFF2-40B4-BE49-F238E27FC236}">
+                <a16:creationId xmlns:a16="http://schemas.microsoft.com/office/drawing/2014/main" id="{6430CC73-E33D-F598-B710-0992C8F8182B}"/>
+              </a:ext>
+            </a:extLst>
+          </p:cNvPr>
+          <p:cNvSpPr txBox="1"/>
+          <p:nvPr/>
+        </p:nvSpPr>
+        <p:spPr>
+          <a:xfrm>
+            <a:off x="114677" y="6172611"/>
+            <a:ext cx="5532120" cy="461665"/>
+          </a:xfrm>
+          <a:prstGeom prst="rect">
+            <a:avLst/>
+          </a:prstGeom>
+          <a:noFill/>
+        </p:spPr>
+        <p:txBody>
+          <a:bodyPr wrap="square">
+            <a:spAutoFit/>
+          </a:bodyPr>
+          <a:lstStyle/>
+          <a:p>
+            <a:pPr algn="l"/>
+            <a:r>
+              <a:rPr lang="th-TH" sz="2400" dirty="0">
+                <a:latin typeface="TH SarabunPSK" panose="020B0500040200020003" pitchFamily="34" charset="-34"/>
+                <a:cs typeface="TH SarabunPSK" panose="020B0500040200020003" pitchFamily="34" charset="-34"/>
+              </a:rPr>
+              <a:t>โดย ผศ</a:t>
+            </a:r>
+            <a:r>
+              <a:rPr lang="en-US" sz="2400" dirty="0">
+                <a:latin typeface="TH SarabunPSK" panose="020B0500040200020003" pitchFamily="34" charset="-34"/>
+                <a:cs typeface="TH SarabunPSK" panose="020B0500040200020003" pitchFamily="34" charset="-34"/>
+              </a:rPr>
+              <a:t>. </a:t>
+            </a:r>
+            <a:r>
+              <a:rPr lang="th-TH" sz="2400" dirty="0">
+                <a:latin typeface="TH SarabunPSK" panose="020B0500040200020003" pitchFamily="34" charset="-34"/>
+                <a:cs typeface="TH SarabunPSK" panose="020B0500040200020003" pitchFamily="34" charset="-34"/>
+              </a:rPr>
+              <a:t>ดร</a:t>
+            </a:r>
+            <a:r>
+              <a:rPr lang="en-US" sz="2400" dirty="0">
+                <a:latin typeface="TH SarabunPSK" panose="020B0500040200020003" pitchFamily="34" charset="-34"/>
+                <a:cs typeface="TH SarabunPSK" panose="020B0500040200020003" pitchFamily="34" charset="-34"/>
+              </a:rPr>
+              <a:t>.</a:t>
+            </a:r>
+            <a:r>
+              <a:rPr lang="th-TH" sz="2400" dirty="0">
+                <a:latin typeface="TH SarabunPSK" panose="020B0500040200020003" pitchFamily="34" charset="-34"/>
+                <a:cs typeface="TH SarabunPSK" panose="020B0500040200020003" pitchFamily="34" charset="-34"/>
+              </a:rPr>
+              <a:t>ธนพงศ์ อินทระ สาขาวิชาสถิติ มหาวิทยาลัยขอนแก่น </a:t>
+            </a:r>
+          </a:p>
+        </p:txBody>
+      </p:sp>
     </p:spTree>
     <p:extLst>
       <p:ext uri="{BB962C8B-B14F-4D97-AF65-F5344CB8AC3E}">
@@ -8806,6 +9280,73 @@
           </a:prstGeom>
         </p:spPr>
       </p:pic>
+      <p:sp>
+        <p:nvSpPr>
+          <p:cNvPr id="10" name="TextBox 9">
+            <a:extLst>
+              <a:ext uri="{FF2B5EF4-FFF2-40B4-BE49-F238E27FC236}">
+                <a16:creationId xmlns:a16="http://schemas.microsoft.com/office/drawing/2014/main" id="{07192005-8A0B-2D93-C102-FE4286C69EC5}"/>
+              </a:ext>
+            </a:extLst>
+          </p:cNvPr>
+          <p:cNvSpPr txBox="1"/>
+          <p:nvPr/>
+        </p:nvSpPr>
+        <p:spPr>
+          <a:xfrm>
+            <a:off x="114677" y="6172611"/>
+            <a:ext cx="5532120" cy="461665"/>
+          </a:xfrm>
+          <a:prstGeom prst="rect">
+            <a:avLst/>
+          </a:prstGeom>
+          <a:noFill/>
+        </p:spPr>
+        <p:txBody>
+          <a:bodyPr wrap="square">
+            <a:spAutoFit/>
+          </a:bodyPr>
+          <a:lstStyle/>
+          <a:p>
+            <a:pPr algn="l"/>
+            <a:r>
+              <a:rPr lang="th-TH" sz="2400" dirty="0">
+                <a:latin typeface="TH SarabunPSK" panose="020B0500040200020003" pitchFamily="34" charset="-34"/>
+                <a:cs typeface="TH SarabunPSK" panose="020B0500040200020003" pitchFamily="34" charset="-34"/>
+              </a:rPr>
+              <a:t>โดย ผศ</a:t>
+            </a:r>
+            <a:r>
+              <a:rPr lang="en-US" sz="2400" dirty="0">
+                <a:latin typeface="TH SarabunPSK" panose="020B0500040200020003" pitchFamily="34" charset="-34"/>
+                <a:cs typeface="TH SarabunPSK" panose="020B0500040200020003" pitchFamily="34" charset="-34"/>
+              </a:rPr>
+              <a:t>. </a:t>
+            </a:r>
+            <a:r>
+              <a:rPr lang="th-TH" sz="2400" dirty="0">
+                <a:latin typeface="TH SarabunPSK" panose="020B0500040200020003" pitchFamily="34" charset="-34"/>
+                <a:cs typeface="TH SarabunPSK" panose="020B0500040200020003" pitchFamily="34" charset="-34"/>
+              </a:rPr>
+              <a:t>ดร</a:t>
+            </a:r>
+            <a:r>
+              <a:rPr lang="en-US" sz="2400" dirty="0">
+                <a:latin typeface="TH SarabunPSK" panose="020B0500040200020003" pitchFamily="34" charset="-34"/>
+                <a:cs typeface="TH SarabunPSK" panose="020B0500040200020003" pitchFamily="34" charset="-34"/>
+              </a:rPr>
+              <a:t>.</a:t>
+            </a:r>
+            <a:r>
+              <a:rPr lang="th-TH" sz="2400" dirty="0">
+                <a:latin typeface="TH SarabunPSK" panose="020B0500040200020003" pitchFamily="34" charset="-34"/>
+                <a:cs typeface="TH SarabunPSK" panose="020B0500040200020003" pitchFamily="34" charset="-34"/>
+              </a:rPr>
+              <a:t>ธนพงศ์ อินทระ สาขาวิชาสถิติ มหาวิทยาลัยขอนแก่น </a:t>
+            </a:r>
+          </a:p>
+        </p:txBody>
+      </p:sp>
     </p:spTree>
     <p:extLst>
       <p:ext uri="{BB962C8B-B14F-4D97-AF65-F5344CB8AC3E}">
@@ -9512,6 +10053,73 @@
           </a:prstGeom>
         </p:spPr>
       </p:pic>
+      <p:sp>
+        <p:nvSpPr>
+          <p:cNvPr id="10" name="TextBox 9">
+            <a:extLst>
+              <a:ext uri="{FF2B5EF4-FFF2-40B4-BE49-F238E27FC236}">
+                <a16:creationId xmlns:a16="http://schemas.microsoft.com/office/drawing/2014/main" id="{0FA504C3-44C4-393C-6C3C-CDBE57CD8215}"/>
+              </a:ext>
+            </a:extLst>
+          </p:cNvPr>
+          <p:cNvSpPr txBox="1"/>
+          <p:nvPr/>
+        </p:nvSpPr>
+        <p:spPr>
+          <a:xfrm>
+            <a:off x="114677" y="6172611"/>
+            <a:ext cx="5532120" cy="461665"/>
+          </a:xfrm>
+          <a:prstGeom prst="rect">
+            <a:avLst/>
+          </a:prstGeom>
+          <a:noFill/>
+        </p:spPr>
+        <p:txBody>
+          <a:bodyPr wrap="square">
+            <a:spAutoFit/>
+          </a:bodyPr>
+          <a:lstStyle/>
+          <a:p>
+            <a:pPr algn="l"/>
+            <a:r>
+              <a:rPr lang="th-TH" sz="2400" dirty="0">
+                <a:latin typeface="TH SarabunPSK" panose="020B0500040200020003" pitchFamily="34" charset="-34"/>
+                <a:cs typeface="TH SarabunPSK" panose="020B0500040200020003" pitchFamily="34" charset="-34"/>
+              </a:rPr>
+              <a:t>โดย ผศ</a:t>
+            </a:r>
+            <a:r>
+              <a:rPr lang="en-US" sz="2400" dirty="0">
+                <a:latin typeface="TH SarabunPSK" panose="020B0500040200020003" pitchFamily="34" charset="-34"/>
+                <a:cs typeface="TH SarabunPSK" panose="020B0500040200020003" pitchFamily="34" charset="-34"/>
+              </a:rPr>
+              <a:t>. </a:t>
+            </a:r>
+            <a:r>
+              <a:rPr lang="th-TH" sz="2400" dirty="0">
+                <a:latin typeface="TH SarabunPSK" panose="020B0500040200020003" pitchFamily="34" charset="-34"/>
+                <a:cs typeface="TH SarabunPSK" panose="020B0500040200020003" pitchFamily="34" charset="-34"/>
+              </a:rPr>
+              <a:t>ดร</a:t>
+            </a:r>
+            <a:r>
+              <a:rPr lang="en-US" sz="2400" dirty="0">
+                <a:latin typeface="TH SarabunPSK" panose="020B0500040200020003" pitchFamily="34" charset="-34"/>
+                <a:cs typeface="TH SarabunPSK" panose="020B0500040200020003" pitchFamily="34" charset="-34"/>
+              </a:rPr>
+              <a:t>.</a:t>
+            </a:r>
+            <a:r>
+              <a:rPr lang="th-TH" sz="2400" dirty="0">
+                <a:latin typeface="TH SarabunPSK" panose="020B0500040200020003" pitchFamily="34" charset="-34"/>
+                <a:cs typeface="TH SarabunPSK" panose="020B0500040200020003" pitchFamily="34" charset="-34"/>
+              </a:rPr>
+              <a:t>ธนพงศ์ อินทระ สาขาวิชาสถิติ มหาวิทยาลัยขอนแก่น </a:t>
+            </a:r>
+          </a:p>
+        </p:txBody>
+      </p:sp>
     </p:spTree>
     <p:extLst>
       <p:ext uri="{BB962C8B-B14F-4D97-AF65-F5344CB8AC3E}">
